--- a/material/13_CSharp_심화문법 (예외처리).pptx
+++ b/material/13_CSharp_심화문법 (예외처리).pptx
@@ -5,36 +5,40 @@
     <p:sldMasterId id="2147483672" r:id="rId1"/>
   </p:sldMasterIdLst>
   <p:notesMasterIdLst>
-    <p:notesMasterId r:id="rId12"/>
+    <p:notesMasterId r:id="rId13"/>
   </p:notesMasterIdLst>
+  <p:handoutMasterIdLst>
+    <p:handoutMasterId r:id="rId14"/>
+  </p:handoutMasterIdLst>
   <p:sldIdLst>
-    <p:sldId id="714" r:id="rId2"/>
-    <p:sldId id="727" r:id="rId3"/>
-    <p:sldId id="728" r:id="rId4"/>
-    <p:sldId id="729" r:id="rId5"/>
-    <p:sldId id="730" r:id="rId6"/>
-    <p:sldId id="731" r:id="rId7"/>
-    <p:sldId id="821" r:id="rId8"/>
-    <p:sldId id="822" r:id="rId9"/>
-    <p:sldId id="823" r:id="rId10"/>
-    <p:sldId id="746" r:id="rId11"/>
+    <p:sldId id="853" r:id="rId2"/>
+    <p:sldId id="714" r:id="rId3"/>
+    <p:sldId id="727" r:id="rId4"/>
+    <p:sldId id="728" r:id="rId5"/>
+    <p:sldId id="729" r:id="rId6"/>
+    <p:sldId id="730" r:id="rId7"/>
+    <p:sldId id="731" r:id="rId8"/>
+    <p:sldId id="821" r:id="rId9"/>
+    <p:sldId id="822" r:id="rId10"/>
+    <p:sldId id="823" r:id="rId11"/>
+    <p:sldId id="746" r:id="rId12"/>
   </p:sldIdLst>
   <p:sldSz cx="12192000" cy="6858000"/>
   <p:notesSz cx="6858000" cy="9144000"/>
   <p:embeddedFontLst>
     <p:embeddedFont>
-      <p:font typeface="Pretendard Black" panose="02000A03000000020004" pitchFamily="2" charset="-127"/>
-      <p:bold r:id="rId13"/>
+      <p:font typeface="Pretendard" panose="020B0600000101010101" charset="-127"/>
+      <p:regular r:id="rId15"/>
+      <p:bold r:id="rId16"/>
     </p:embeddedFont>
     <p:embeddedFont>
-      <p:font typeface="Pretendard" panose="02000503000000020004" pitchFamily="2" charset="-127"/>
-      <p:regular r:id="rId14"/>
-      <p:bold r:id="rId15"/>
+      <p:font typeface="Pretendard Black" panose="020B0600000101010101" charset="-127"/>
+      <p:bold r:id="rId17"/>
     </p:embeddedFont>
     <p:embeddedFont>
       <p:font typeface="맑은 고딕" panose="020B0503020000020004" pitchFamily="50" charset="-127"/>
-      <p:regular r:id="rId16"/>
-      <p:bold r:id="rId17"/>
+      <p:regular r:id="rId18"/>
+      <p:bold r:id="rId19"/>
     </p:embeddedFont>
   </p:embeddedFontLst>
   <p:defaultTextStyle>
@@ -143,6 +147,195 @@
 </p:presentation>
 </file>
 
+<file path=ppt/handoutMasters/handoutMaster1.xml><?xml version="1.0" encoding="utf-8"?>
+<p:handoutMaster xmlns:a="http://schemas.openxmlformats.org/drawingml/2006/main" xmlns:r="http://schemas.openxmlformats.org/officeDocument/2006/relationships" xmlns:p="http://schemas.openxmlformats.org/presentationml/2006/main">
+  <p:cSld>
+    <p:bg>
+      <p:bgRef idx="1001">
+        <a:schemeClr val="bg1"/>
+      </p:bgRef>
+    </p:bg>
+    <p:spTree>
+      <p:nvGrpSpPr>
+        <p:cNvPr id="1" name=""/>
+        <p:cNvGrpSpPr/>
+        <p:nvPr/>
+      </p:nvGrpSpPr>
+      <p:grpSpPr>
+        <a:xfrm>
+          <a:off x="0" y="0"/>
+          <a:ext cx="0" cy="0"/>
+          <a:chOff x="0" y="0"/>
+          <a:chExt cx="0" cy="0"/>
+        </a:xfrm>
+      </p:grpSpPr>
+      <p:sp>
+        <p:nvSpPr>
+          <p:cNvPr id="2" name="머리글 개체 틀 1">
+            <a:extLst>
+              <a:ext uri="{FF2B5EF4-FFF2-40B4-BE49-F238E27FC236}">
+                <a16:creationId xmlns:a16="http://schemas.microsoft.com/office/drawing/2014/main" id="{14A2636F-8B9A-66A9-B358-DC4B53C4CE50}"/>
+              </a:ext>
+            </a:extLst>
+          </p:cNvPr>
+          <p:cNvSpPr>
+            <a:spLocks noGrp="1"/>
+          </p:cNvSpPr>
+          <p:nvPr>
+            <p:ph type="hdr" sz="quarter"/>
+          </p:nvPr>
+        </p:nvSpPr>
+        <p:spPr>
+          <a:xfrm>
+            <a:off x="0" y="0"/>
+            <a:ext cx="2971800" cy="458788"/>
+          </a:xfrm>
+          <a:prstGeom prst="rect">
+            <a:avLst/>
+          </a:prstGeom>
+        </p:spPr>
+        <p:txBody>
+          <a:bodyPr vert="horz" lIns="91440" tIns="45720" rIns="91440" bIns="45720" rtlCol="0"/>
+          <a:lstStyle>
+            <a:lvl1pPr algn="l">
+              <a:defRPr sz="1200"/>
+            </a:lvl1pPr>
+          </a:lstStyle>
+          <a:p>
+            <a:endParaRPr lang="ko-KR" altLang="en-US"/>
+          </a:p>
+        </p:txBody>
+      </p:sp>
+      <p:sp>
+        <p:nvSpPr>
+          <p:cNvPr id="3" name="날짜 개체 틀 2">
+            <a:extLst>
+              <a:ext uri="{FF2B5EF4-FFF2-40B4-BE49-F238E27FC236}">
+                <a16:creationId xmlns:a16="http://schemas.microsoft.com/office/drawing/2014/main" id="{597D1F6F-8424-550E-5D59-78FB31812FCB}"/>
+              </a:ext>
+            </a:extLst>
+          </p:cNvPr>
+          <p:cNvSpPr>
+            <a:spLocks noGrp="1"/>
+          </p:cNvSpPr>
+          <p:nvPr>
+            <p:ph type="dt" sz="quarter" idx="1"/>
+          </p:nvPr>
+        </p:nvSpPr>
+        <p:spPr>
+          <a:xfrm>
+            <a:off x="3884613" y="0"/>
+            <a:ext cx="2971800" cy="458788"/>
+          </a:xfrm>
+          <a:prstGeom prst="rect">
+            <a:avLst/>
+          </a:prstGeom>
+        </p:spPr>
+        <p:txBody>
+          <a:bodyPr vert="horz" lIns="91440" tIns="45720" rIns="91440" bIns="45720" rtlCol="0"/>
+          <a:lstStyle>
+            <a:lvl1pPr algn="r">
+              <a:defRPr sz="1200"/>
+            </a:lvl1pPr>
+          </a:lstStyle>
+          <a:p>
+            <a:fld id="{44612780-EE93-46C5-A77E-0A0B4C0978AF}" type="datetimeFigureOut">
+              <a:rPr lang="ko-KR" altLang="en-US" smtClean="0"/>
+              <a:t>2025-05-13</a:t>
+            </a:fld>
+            <a:endParaRPr lang="ko-KR" altLang="en-US"/>
+          </a:p>
+        </p:txBody>
+      </p:sp>
+      <p:sp>
+        <p:nvSpPr>
+          <p:cNvPr id="4" name="바닥글 개체 틀 3">
+            <a:extLst>
+              <a:ext uri="{FF2B5EF4-FFF2-40B4-BE49-F238E27FC236}">
+                <a16:creationId xmlns:a16="http://schemas.microsoft.com/office/drawing/2014/main" id="{B55FE03A-B465-49DD-199C-594827FA3D74}"/>
+              </a:ext>
+            </a:extLst>
+          </p:cNvPr>
+          <p:cNvSpPr>
+            <a:spLocks noGrp="1"/>
+          </p:cNvSpPr>
+          <p:nvPr>
+            <p:ph type="ftr" sz="quarter" idx="2"/>
+          </p:nvPr>
+        </p:nvSpPr>
+        <p:spPr>
+          <a:xfrm>
+            <a:off x="0" y="8685213"/>
+            <a:ext cx="2971800" cy="458787"/>
+          </a:xfrm>
+          <a:prstGeom prst="rect">
+            <a:avLst/>
+          </a:prstGeom>
+        </p:spPr>
+        <p:txBody>
+          <a:bodyPr vert="horz" lIns="91440" tIns="45720" rIns="91440" bIns="45720" rtlCol="0" anchor="b"/>
+          <a:lstStyle>
+            <a:lvl1pPr algn="l">
+              <a:defRPr sz="1200"/>
+            </a:lvl1pPr>
+          </a:lstStyle>
+          <a:p>
+            <a:endParaRPr lang="ko-KR" altLang="en-US"/>
+          </a:p>
+        </p:txBody>
+      </p:sp>
+      <p:sp>
+        <p:nvSpPr>
+          <p:cNvPr id="5" name="슬라이드 번호 개체 틀 4">
+            <a:extLst>
+              <a:ext uri="{FF2B5EF4-FFF2-40B4-BE49-F238E27FC236}">
+                <a16:creationId xmlns:a16="http://schemas.microsoft.com/office/drawing/2014/main" id="{7A843C0B-2265-5A96-AE97-AD606E7B797E}"/>
+              </a:ext>
+            </a:extLst>
+          </p:cNvPr>
+          <p:cNvSpPr>
+            <a:spLocks noGrp="1"/>
+          </p:cNvSpPr>
+          <p:nvPr>
+            <p:ph type="sldNum" sz="quarter" idx="3"/>
+          </p:nvPr>
+        </p:nvSpPr>
+        <p:spPr>
+          <a:xfrm>
+            <a:off x="3884613" y="8685213"/>
+            <a:ext cx="2971800" cy="458787"/>
+          </a:xfrm>
+          <a:prstGeom prst="rect">
+            <a:avLst/>
+          </a:prstGeom>
+        </p:spPr>
+        <p:txBody>
+          <a:bodyPr vert="horz" lIns="91440" tIns="45720" rIns="91440" bIns="45720" rtlCol="0" anchor="b"/>
+          <a:lstStyle>
+            <a:lvl1pPr algn="r">
+              <a:defRPr sz="1200"/>
+            </a:lvl1pPr>
+          </a:lstStyle>
+          <a:p>
+            <a:fld id="{87D757D7-BD18-426E-8EEB-6690A821B944}" type="slidenum">
+              <a:rPr lang="ko-KR" altLang="en-US" smtClean="0"/>
+              <a:t>‹#›</a:t>
+            </a:fld>
+            <a:endParaRPr lang="ko-KR" altLang="en-US"/>
+          </a:p>
+        </p:txBody>
+      </p:sp>
+    </p:spTree>
+    <p:extLst>
+      <p:ext uri="{BB962C8B-B14F-4D97-AF65-F5344CB8AC3E}">
+        <p14:creationId xmlns:p14="http://schemas.microsoft.com/office/powerpoint/2010/main" val="2387636786"/>
+      </p:ext>
+    </p:extLst>
+  </p:cSld>
+  <p:clrMap bg1="lt1" tx1="dk1" bg2="lt2" tx2="dk2" accent1="accent1" accent2="accent2" accent3="accent3" accent4="accent4" accent5="accent5" accent6="accent6" hlink="hlink" folHlink="folHlink"/>
+</p:handoutMaster>
+</file>
+
 <file path=ppt/notesMasters/notesMaster1.xml><?xml version="1.0" encoding="utf-8"?>
 <p:notesMaster xmlns:a="http://schemas.openxmlformats.org/drawingml/2006/main" xmlns:r="http://schemas.openxmlformats.org/officeDocument/2006/relationships" xmlns:p="http://schemas.openxmlformats.org/presentationml/2006/main">
   <p:cSld>
@@ -225,7 +418,7 @@
           <a:p>
             <a:fld id="{2EF3F159-7250-4DD4-91C2-13B35D56E1AF}" type="datetimeFigureOut">
               <a:rPr lang="ko-KR" altLang="en-US" smtClean="0"/>
-              <a:t>2025-05-11</a:t>
+              <a:t>2025-05-13</a:t>
             </a:fld>
             <a:endParaRPr lang="ko-KR" altLang="en-US"/>
           </a:p>
@@ -536,6 +729,302 @@
           <a:bodyPr/>
           <a:lstStyle/>
           <a:p>
+            <a:endParaRPr lang="en-US" altLang="ko-KR" dirty="0"/>
+          </a:p>
+          <a:p>
+            <a:endParaRPr lang="ko-KR" altLang="en-US" dirty="0"/>
+          </a:p>
+        </p:txBody>
+      </p:sp>
+      <p:sp>
+        <p:nvSpPr>
+          <p:cNvPr id="4" name="슬라이드 번호 개체 틀 3"/>
+          <p:cNvSpPr>
+            <a:spLocks noGrp="1"/>
+          </p:cNvSpPr>
+          <p:nvPr>
+            <p:ph type="sldNum" sz="quarter" idx="5"/>
+          </p:nvPr>
+        </p:nvSpPr>
+        <p:spPr/>
+        <p:txBody>
+          <a:bodyPr/>
+          <a:lstStyle/>
+          <a:p>
+            <a:fld id="{C09E5BFC-1559-42F1-8940-AB342D56BF02}" type="slidenum">
+              <a:rPr lang="ko-KR" altLang="en-US" smtClean="0"/>
+              <a:t>1</a:t>
+            </a:fld>
+            <a:endParaRPr lang="ko-KR" altLang="en-US"/>
+          </a:p>
+        </p:txBody>
+      </p:sp>
+    </p:spTree>
+    <p:extLst>
+      <p:ext uri="{BB962C8B-B14F-4D97-AF65-F5344CB8AC3E}">
+        <p14:creationId xmlns:p14="http://schemas.microsoft.com/office/powerpoint/2010/main" val="1653798491"/>
+      </p:ext>
+    </p:extLst>
+  </p:cSld>
+  <p:clrMapOvr>
+    <a:masterClrMapping/>
+  </p:clrMapOvr>
+</p:notes>
+</file>
+
+<file path=ppt/notesSlides/notesSlide2.xml><?xml version="1.0" encoding="utf-8"?>
+<p:notes xmlns:a="http://schemas.openxmlformats.org/drawingml/2006/main" xmlns:r="http://schemas.openxmlformats.org/officeDocument/2006/relationships" xmlns:p="http://schemas.openxmlformats.org/presentationml/2006/main">
+  <p:cSld>
+    <p:spTree>
+      <p:nvGrpSpPr>
+        <p:cNvPr id="1" name=""/>
+        <p:cNvGrpSpPr/>
+        <p:nvPr/>
+      </p:nvGrpSpPr>
+      <p:grpSpPr>
+        <a:xfrm>
+          <a:off x="0" y="0"/>
+          <a:ext cx="0" cy="0"/>
+          <a:chOff x="0" y="0"/>
+          <a:chExt cx="0" cy="0"/>
+        </a:xfrm>
+      </p:grpSpPr>
+      <p:sp>
+        <p:nvSpPr>
+          <p:cNvPr id="2" name="슬라이드 이미지 개체 틀 1"/>
+          <p:cNvSpPr>
+            <a:spLocks noGrp="1" noRot="1" noChangeAspect="1"/>
+          </p:cNvSpPr>
+          <p:nvPr>
+            <p:ph type="sldImg"/>
+          </p:nvPr>
+        </p:nvSpPr>
+        <p:spPr/>
+      </p:sp>
+      <p:sp>
+        <p:nvSpPr>
+          <p:cNvPr id="3" name="슬라이드 노트 개체 틀 2"/>
+          <p:cNvSpPr>
+            <a:spLocks noGrp="1"/>
+          </p:cNvSpPr>
+          <p:nvPr>
+            <p:ph type="body" idx="1"/>
+          </p:nvPr>
+        </p:nvSpPr>
+        <p:spPr/>
+        <p:txBody>
+          <a:bodyPr/>
+          <a:lstStyle/>
+          <a:p>
+            <a:r>
+              <a:rPr lang="en-US" altLang="ko-KR" b="1" dirty="0"/>
+              <a:t>static </a:t>
+            </a:r>
+            <a:r>
+              <a:rPr lang="ko-KR" altLang="en-US" b="1" dirty="0"/>
+              <a:t>키워드</a:t>
+            </a:r>
+            <a:r>
+              <a:rPr lang="ko-KR" altLang="en-US" dirty="0"/>
+              <a:t>는 </a:t>
+            </a:r>
+            <a:r>
+              <a:rPr lang="en-US" altLang="ko-KR" dirty="0"/>
+              <a:t>"</a:t>
+            </a:r>
+            <a:r>
+              <a:rPr lang="ko-KR" altLang="en-US" dirty="0"/>
+              <a:t>클래스의 인스턴스를 만들지 않고도 사용할 수 있다</a:t>
+            </a:r>
+            <a:r>
+              <a:rPr lang="en-US" altLang="ko-KR" dirty="0"/>
+              <a:t>"</a:t>
+            </a:r>
+            <a:r>
+              <a:rPr lang="ko-KR" altLang="en-US" dirty="0"/>
+              <a:t>는 뜻입니다</a:t>
+            </a:r>
+            <a:endParaRPr lang="en-US" altLang="ko-KR" dirty="0"/>
+          </a:p>
+          <a:p>
+            <a:r>
+              <a:rPr lang="ko-KR" altLang="en-US" dirty="0"/>
+              <a:t>공유 자원</a:t>
+            </a:r>
+            <a:r>
+              <a:rPr lang="en-US" altLang="ko-KR" dirty="0"/>
+              <a:t>.</a:t>
+            </a:r>
+          </a:p>
+          <a:p>
+            <a:endParaRPr lang="ko-KR" altLang="en-US" dirty="0"/>
+          </a:p>
+        </p:txBody>
+      </p:sp>
+      <p:sp>
+        <p:nvSpPr>
+          <p:cNvPr id="4" name="슬라이드 번호 개체 틀 3"/>
+          <p:cNvSpPr>
+            <a:spLocks noGrp="1"/>
+          </p:cNvSpPr>
+          <p:nvPr>
+            <p:ph type="sldNum" sz="quarter" idx="5"/>
+          </p:nvPr>
+        </p:nvSpPr>
+        <p:spPr/>
+        <p:txBody>
+          <a:bodyPr/>
+          <a:lstStyle/>
+          <a:p>
+            <a:fld id="{C09E5BFC-1559-42F1-8940-AB342D56BF02}" type="slidenum">
+              <a:rPr lang="ko-KR" altLang="en-US" smtClean="0"/>
+              <a:t>2</a:t>
+            </a:fld>
+            <a:endParaRPr lang="ko-KR" altLang="en-US"/>
+          </a:p>
+        </p:txBody>
+      </p:sp>
+    </p:spTree>
+    <p:extLst>
+      <p:ext uri="{BB962C8B-B14F-4D97-AF65-F5344CB8AC3E}">
+        <p14:creationId xmlns:p14="http://schemas.microsoft.com/office/powerpoint/2010/main" val="241200451"/>
+      </p:ext>
+    </p:extLst>
+  </p:cSld>
+  <p:clrMapOvr>
+    <a:masterClrMapping/>
+  </p:clrMapOvr>
+</p:notes>
+</file>
+
+<file path=ppt/notesSlides/notesSlide3.xml><?xml version="1.0" encoding="utf-8"?>
+<p:notes xmlns:a="http://schemas.openxmlformats.org/drawingml/2006/main" xmlns:r="http://schemas.openxmlformats.org/officeDocument/2006/relationships" xmlns:p="http://schemas.openxmlformats.org/presentationml/2006/main">
+  <p:cSld>
+    <p:spTree>
+      <p:nvGrpSpPr>
+        <p:cNvPr id="1" name=""/>
+        <p:cNvGrpSpPr/>
+        <p:nvPr/>
+      </p:nvGrpSpPr>
+      <p:grpSpPr>
+        <a:xfrm>
+          <a:off x="0" y="0"/>
+          <a:ext cx="0" cy="0"/>
+          <a:chOff x="0" y="0"/>
+          <a:chExt cx="0" cy="0"/>
+        </a:xfrm>
+      </p:grpSpPr>
+      <p:sp>
+        <p:nvSpPr>
+          <p:cNvPr id="2" name="슬라이드 이미지 개체 틀 1"/>
+          <p:cNvSpPr>
+            <a:spLocks noGrp="1" noRot="1" noChangeAspect="1"/>
+          </p:cNvSpPr>
+          <p:nvPr>
+            <p:ph type="sldImg"/>
+          </p:nvPr>
+        </p:nvSpPr>
+        <p:spPr/>
+      </p:sp>
+      <p:sp>
+        <p:nvSpPr>
+          <p:cNvPr id="3" name="슬라이드 노트 개체 틀 2"/>
+          <p:cNvSpPr>
+            <a:spLocks noGrp="1"/>
+          </p:cNvSpPr>
+          <p:nvPr>
+            <p:ph type="body" idx="1"/>
+          </p:nvPr>
+        </p:nvSpPr>
+        <p:spPr/>
+        <p:txBody>
+          <a:bodyPr/>
+          <a:lstStyle/>
+          <a:p>
+            <a:endParaRPr lang="ko-KR" altLang="en-US" dirty="0"/>
+          </a:p>
+        </p:txBody>
+      </p:sp>
+      <p:sp>
+        <p:nvSpPr>
+          <p:cNvPr id="4" name="슬라이드 번호 개체 틀 3"/>
+          <p:cNvSpPr>
+            <a:spLocks noGrp="1"/>
+          </p:cNvSpPr>
+          <p:nvPr>
+            <p:ph type="sldNum" sz="quarter" idx="5"/>
+          </p:nvPr>
+        </p:nvSpPr>
+        <p:spPr/>
+        <p:txBody>
+          <a:bodyPr/>
+          <a:lstStyle/>
+          <a:p>
+            <a:fld id="{C09E5BFC-1559-42F1-8940-AB342D56BF02}" type="slidenum">
+              <a:rPr lang="ko-KR" altLang="en-US" smtClean="0"/>
+              <a:t>3</a:t>
+            </a:fld>
+            <a:endParaRPr lang="ko-KR" altLang="en-US"/>
+          </a:p>
+        </p:txBody>
+      </p:sp>
+    </p:spTree>
+    <p:extLst>
+      <p:ext uri="{BB962C8B-B14F-4D97-AF65-F5344CB8AC3E}">
+        <p14:creationId xmlns:p14="http://schemas.microsoft.com/office/powerpoint/2010/main" val="737258157"/>
+      </p:ext>
+    </p:extLst>
+  </p:cSld>
+  <p:clrMapOvr>
+    <a:masterClrMapping/>
+  </p:clrMapOvr>
+</p:notes>
+</file>
+
+<file path=ppt/notesSlides/notesSlide4.xml><?xml version="1.0" encoding="utf-8"?>
+<p:notes xmlns:a="http://schemas.openxmlformats.org/drawingml/2006/main" xmlns:r="http://schemas.openxmlformats.org/officeDocument/2006/relationships" xmlns:p="http://schemas.openxmlformats.org/presentationml/2006/main">
+  <p:cSld>
+    <p:spTree>
+      <p:nvGrpSpPr>
+        <p:cNvPr id="1" name=""/>
+        <p:cNvGrpSpPr/>
+        <p:nvPr/>
+      </p:nvGrpSpPr>
+      <p:grpSpPr>
+        <a:xfrm>
+          <a:off x="0" y="0"/>
+          <a:ext cx="0" cy="0"/>
+          <a:chOff x="0" y="0"/>
+          <a:chExt cx="0" cy="0"/>
+        </a:xfrm>
+      </p:grpSpPr>
+      <p:sp>
+        <p:nvSpPr>
+          <p:cNvPr id="2" name="슬라이드 이미지 개체 틀 1"/>
+          <p:cNvSpPr>
+            <a:spLocks noGrp="1" noRot="1" noChangeAspect="1"/>
+          </p:cNvSpPr>
+          <p:nvPr>
+            <p:ph type="sldImg"/>
+          </p:nvPr>
+        </p:nvSpPr>
+        <p:spPr/>
+      </p:sp>
+      <p:sp>
+        <p:nvSpPr>
+          <p:cNvPr id="3" name="슬라이드 노트 개체 틀 2"/>
+          <p:cNvSpPr>
+            <a:spLocks noGrp="1"/>
+          </p:cNvSpPr>
+          <p:nvPr>
+            <p:ph type="body" idx="1"/>
+          </p:nvPr>
+        </p:nvSpPr>
+        <p:spPr/>
+        <p:txBody>
+          <a:bodyPr/>
+          <a:lstStyle/>
+          <a:p>
             <a:r>
               <a:rPr lang="en-US" altLang="ko-KR" dirty="0" err="1"/>
               <a:t>ConsoleAppException</a:t>
@@ -561,7 +1050,7 @@
           <a:p>
             <a:fld id="{C09E5BFC-1559-42F1-8940-AB342D56BF02}" type="slidenum">
               <a:rPr lang="ko-KR" altLang="en-US" smtClean="0"/>
-              <a:t>10</a:t>
+              <a:t>11</a:t>
             </a:fld>
             <a:endParaRPr lang="ko-KR" altLang="en-US"/>
           </a:p>
@@ -721,7 +1210,7 @@
           <a:p>
             <a:fld id="{442BEE3F-2E9A-4FD8-8B8A-8619F3E161C0}" type="datetime1">
               <a:rPr lang="ko-KR" altLang="en-US" smtClean="0"/>
-              <a:t>2025-05-11</a:t>
+              <a:t>2025-05-13</a:t>
             </a:fld>
             <a:endParaRPr lang="ko-KR" altLang="en-US"/>
           </a:p>
@@ -907,7 +1396,7 @@
           <a:p>
             <a:fld id="{2EAE422B-0E68-47B5-84BB-CA2BDA8EE46C}" type="datetime1">
               <a:rPr lang="ko-KR" altLang="en-US" smtClean="0"/>
-              <a:t>2025-05-11</a:t>
+              <a:t>2025-05-13</a:t>
             </a:fld>
             <a:endParaRPr lang="ko-KR" altLang="en-US"/>
           </a:p>
@@ -1115,7 +1604,7 @@
           <a:p>
             <a:fld id="{AF7C623F-179B-417F-99B6-50F6DF228D4B}" type="datetime1">
               <a:rPr lang="ko-KR" altLang="en-US" smtClean="0"/>
-              <a:t>2025-05-11</a:t>
+              <a:t>2025-05-13</a:t>
             </a:fld>
             <a:endParaRPr lang="ko-KR" altLang="en-US"/>
           </a:p>
@@ -1357,7 +1846,7 @@
           <a:p>
             <a:fld id="{0F78D9C4-20C1-4B15-A116-16DC77AD9A1E}" type="datetime1">
               <a:rPr lang="ko-KR" altLang="en-US" smtClean="0"/>
-              <a:t>2025-05-11</a:t>
+              <a:t>2025-05-13</a:t>
             </a:fld>
             <a:endParaRPr lang="ko-KR" altLang="en-US"/>
           </a:p>
@@ -1632,7 +2121,7 @@
           <a:p>
             <a:fld id="{C7F43723-C509-4DEA-8428-B50818F79709}" type="datetime1">
               <a:rPr lang="ko-KR" altLang="en-US" smtClean="0"/>
-              <a:t>2025-05-11</a:t>
+              <a:t>2025-05-13</a:t>
             </a:fld>
             <a:endParaRPr lang="ko-KR" altLang="en-US"/>
           </a:p>
@@ -1897,7 +2386,7 @@
           <a:p>
             <a:fld id="{5D2B7482-EE74-4DBD-97F4-D0DAC0C0E4E5}" type="datetime1">
               <a:rPr lang="ko-KR" altLang="en-US" smtClean="0"/>
-              <a:t>2025-05-11</a:t>
+              <a:t>2025-05-13</a:t>
             </a:fld>
             <a:endParaRPr lang="ko-KR" altLang="en-US"/>
           </a:p>
@@ -2310,7 +2799,7 @@
           <a:p>
             <a:fld id="{051A8C49-CED7-4A86-9B4A-621D7F62EE92}" type="datetime1">
               <a:rPr lang="ko-KR" altLang="en-US" smtClean="0"/>
-              <a:t>2025-05-11</a:t>
+              <a:t>2025-05-13</a:t>
             </a:fld>
             <a:endParaRPr lang="ko-KR" altLang="en-US"/>
           </a:p>
@@ -2457,7 +2946,7 @@
           <a:p>
             <a:fld id="{84082D76-7079-412D-848B-E1B9E7A6A286}" type="datetime1">
               <a:rPr lang="ko-KR" altLang="en-US" smtClean="0"/>
-              <a:t>2025-05-11</a:t>
+              <a:t>2025-05-13</a:t>
             </a:fld>
             <a:endParaRPr lang="ko-KR" altLang="en-US"/>
           </a:p>
@@ -2570,7 +3059,7 @@
           <a:p>
             <a:fld id="{10C5FEB5-5F88-4F49-9108-1795E314F09F}" type="datetime1">
               <a:rPr lang="ko-KR" altLang="en-US" smtClean="0"/>
-              <a:t>2025-05-11</a:t>
+              <a:t>2025-05-13</a:t>
             </a:fld>
             <a:endParaRPr lang="ko-KR" altLang="en-US"/>
           </a:p>
@@ -2881,7 +3370,7 @@
           <a:p>
             <a:fld id="{E37ABBEE-D8D4-48AD-9887-4DC578B8A684}" type="datetime1">
               <a:rPr lang="ko-KR" altLang="en-US" smtClean="0"/>
-              <a:t>2025-05-11</a:t>
+              <a:t>2025-05-13</a:t>
             </a:fld>
             <a:endParaRPr lang="ko-KR" altLang="en-US"/>
           </a:p>
@@ -3172,7 +3661,7 @@
           <a:p>
             <a:fld id="{A2D6A55C-F3DD-45DD-9D50-F8680410167D}" type="datetime1">
               <a:rPr lang="ko-KR" altLang="en-US" smtClean="0"/>
-              <a:t>2025-05-11</a:t>
+              <a:t>2025-05-13</a:t>
             </a:fld>
             <a:endParaRPr lang="ko-KR" altLang="en-US"/>
           </a:p>
@@ -3416,7 +3905,7 @@
             <a:fld id="{7F5E23C3-0E3D-4E4E-8486-D7FB4C073DC1}" type="datetime1">
               <a:rPr lang="ko-KR" altLang="en-US" smtClean="0"/>
               <a:pPr/>
-              <a:t>2025-05-11</a:t>
+              <a:t>2025-05-13</a:t>
             </a:fld>
             <a:endParaRPr lang="ko-KR" altLang="en-US" dirty="0"/>
           </a:p>
@@ -3880,93 +4369,37 @@
           <p:cNvPr id="2" name="제목 1">
             <a:extLst>
               <a:ext uri="{FF2B5EF4-FFF2-40B4-BE49-F238E27FC236}">
-                <a16:creationId xmlns:a16="http://schemas.microsoft.com/office/drawing/2014/main" id="{AD4E1A76-B03E-1906-B5D4-C25325F7A772}"/>
-              </a:ext>
-            </a:extLst>
-          </p:cNvPr>
-          <p:cNvSpPr>
-            <a:spLocks noGrp="1"/>
-          </p:cNvSpPr>
-          <p:nvPr>
-            <p:ph type="title"/>
-          </p:nvPr>
-        </p:nvSpPr>
-        <p:spPr/>
-        <p:txBody>
-          <a:bodyPr/>
-          <a:lstStyle/>
-          <a:p>
-            <a:r>
-              <a:rPr lang="ko-KR" altLang="en-US" dirty="0"/>
-              <a:t>정적 메소드</a:t>
-            </a:r>
-            <a:r>
-              <a:rPr lang="en-US" altLang="ko-KR" dirty="0"/>
-              <a:t>, </a:t>
-            </a:r>
-            <a:r>
-              <a:rPr lang="ko-KR" altLang="en-US" dirty="0"/>
-              <a:t>필드 </a:t>
-            </a:r>
-            <a:r>
-              <a:rPr lang="en-US" altLang="ko-KR" dirty="0"/>
-              <a:t>static</a:t>
-            </a:r>
-            <a:endParaRPr lang="ko-KR" altLang="en-US" dirty="0"/>
-          </a:p>
-        </p:txBody>
-      </p:sp>
-      <p:sp>
-        <p:nvSpPr>
-          <p:cNvPr id="3" name="내용 개체 틀 2">
-            <a:extLst>
-              <a:ext uri="{FF2B5EF4-FFF2-40B4-BE49-F238E27FC236}">
-                <a16:creationId xmlns:a16="http://schemas.microsoft.com/office/drawing/2014/main" id="{74C0FB2C-C359-E553-2436-E5EC195B48DC}"/>
-              </a:ext>
-            </a:extLst>
-          </p:cNvPr>
-          <p:cNvSpPr>
-            <a:spLocks noGrp="1"/>
-          </p:cNvSpPr>
-          <p:nvPr>
-            <p:ph idx="1"/>
-          </p:nvPr>
-        </p:nvSpPr>
-        <p:spPr/>
-        <p:txBody>
-          <a:bodyPr/>
-          <a:lstStyle/>
-          <a:p>
-            <a:r>
-              <a:rPr lang="ko-KR" altLang="en-US" dirty="0"/>
-              <a:t>인스턴스 생성 없이 사용 가능한 필드 또는 메소드</a:t>
-            </a:r>
-            <a:endParaRPr lang="en-US" altLang="ko-KR" dirty="0"/>
-          </a:p>
-          <a:p>
-            <a:r>
-              <a:rPr lang="en-US" altLang="ko-KR" dirty="0"/>
-              <a:t>Stack, Heap</a:t>
-            </a:r>
-            <a:r>
-              <a:rPr lang="ko-KR" altLang="en-US" dirty="0"/>
-              <a:t>이 아닌 </a:t>
-            </a:r>
-            <a:r>
-              <a:rPr lang="en-US" altLang="ko-KR" dirty="0">
-                <a:solidFill>
-                  <a:srgbClr val="00B050"/>
-                </a:solidFill>
-              </a:rPr>
-              <a:t>Static</a:t>
-            </a:r>
-            <a:r>
-              <a:rPr lang="en-US" altLang="ko-KR" dirty="0"/>
-              <a:t> </a:t>
-            </a:r>
-            <a:r>
-              <a:rPr lang="ko-KR" altLang="en-US" dirty="0"/>
-              <a:t>영역에 할당 됨</a:t>
+                <a16:creationId xmlns:a16="http://schemas.microsoft.com/office/drawing/2014/main" id="{5CB49C79-8DE4-4842-D1E6-927CDD6D4464}"/>
+              </a:ext>
+            </a:extLst>
+          </p:cNvPr>
+          <p:cNvSpPr>
+            <a:spLocks noGrp="1"/>
+          </p:cNvSpPr>
+          <p:nvPr>
+            <p:ph type="ctrTitle"/>
+          </p:nvPr>
+        </p:nvSpPr>
+        <p:spPr>
+          <a:xfrm>
+            <a:off x="2815753" y="2778308"/>
+            <a:ext cx="6633047" cy="974422"/>
+          </a:xfrm>
+        </p:spPr>
+        <p:txBody>
+          <a:bodyPr>
+            <a:noAutofit/>
+          </a:bodyPr>
+          <a:lstStyle/>
+          <a:p>
+            <a:pPr>
+              <a:lnSpc>
+                <a:spcPct val="150000"/>
+              </a:lnSpc>
+            </a:pPr>
+            <a:r>
+              <a:rPr lang="ko-KR" altLang="en-US" dirty="0"/>
+              <a:t>값의 참조</a:t>
             </a:r>
           </a:p>
         </p:txBody>
@@ -3976,7 +4409,7 @@
           <p:cNvPr id="4" name="날짜 개체 틀 3">
             <a:extLst>
               <a:ext uri="{FF2B5EF4-FFF2-40B4-BE49-F238E27FC236}">
-                <a16:creationId xmlns:a16="http://schemas.microsoft.com/office/drawing/2014/main" id="{2039AEE6-AFAD-5E7F-4701-52B3857B07E4}"/>
+                <a16:creationId xmlns:a16="http://schemas.microsoft.com/office/drawing/2014/main" id="{20223B3B-2FCF-58AF-BC81-E9824EB6B19E}"/>
               </a:ext>
             </a:extLst>
           </p:cNvPr>
@@ -3992,9 +4425,9 @@
           <a:bodyPr/>
           <a:lstStyle/>
           <a:p>
-            <a:fld id="{0F78D9C4-20C1-4B15-A116-16DC77AD9A1E}" type="datetime1">
+            <a:fld id="{2E2BEDFA-D8AA-4914-9440-7DF713C99FA9}" type="datetime1">
               <a:rPr lang="ko-KR" altLang="en-US" smtClean="0"/>
-              <a:t>2025-05-11</a:t>
+              <a:t>2025-05-13</a:t>
             </a:fld>
             <a:endParaRPr lang="ko-KR" altLang="en-US"/>
           </a:p>
@@ -4002,10 +4435,10 @@
       </p:sp>
       <p:sp>
         <p:nvSpPr>
-          <p:cNvPr id="5" name="슬라이드 번호 개체 틀 4">
-            <a:extLst>
-              <a:ext uri="{FF2B5EF4-FFF2-40B4-BE49-F238E27FC236}">
-                <a16:creationId xmlns:a16="http://schemas.microsoft.com/office/drawing/2014/main" id="{5DBC6739-6C3E-0BE5-C69B-CD6CA183250E}"/>
+          <p:cNvPr id="6" name="슬라이드 번호 개체 틀 5">
+            <a:extLst>
+              <a:ext uri="{FF2B5EF4-FFF2-40B4-BE49-F238E27FC236}">
+                <a16:creationId xmlns:a16="http://schemas.microsoft.com/office/drawing/2014/main" id="{AC7112DC-52CD-A148-06F6-6813E1A67427}"/>
               </a:ext>
             </a:extLst>
           </p:cNvPr>
@@ -4029,100 +4462,10 @@
           </a:p>
         </p:txBody>
       </p:sp>
-      <p:pic>
-        <p:nvPicPr>
-          <p:cNvPr id="7" name="그림 6">
-            <a:extLst>
-              <a:ext uri="{FF2B5EF4-FFF2-40B4-BE49-F238E27FC236}">
-                <a16:creationId xmlns:a16="http://schemas.microsoft.com/office/drawing/2014/main" id="{3D38FC7B-5046-C8B6-8F88-39C794A144BF}"/>
-              </a:ext>
-            </a:extLst>
-          </p:cNvPr>
-          <p:cNvPicPr>
-            <a:picLocks noChangeAspect="1"/>
-          </p:cNvPicPr>
-          <p:nvPr/>
-        </p:nvPicPr>
-        <p:blipFill>
-          <a:blip r:embed="rId2"/>
-          <a:stretch>
-            <a:fillRect/>
-          </a:stretch>
-        </p:blipFill>
-        <p:spPr>
-          <a:xfrm>
-            <a:off x="402375" y="3199110"/>
-            <a:ext cx="4362990" cy="1637523"/>
-          </a:xfrm>
-          <a:prstGeom prst="rect">
-            <a:avLst/>
-          </a:prstGeom>
-        </p:spPr>
-      </p:pic>
-      <p:pic>
-        <p:nvPicPr>
-          <p:cNvPr id="9" name="그림 8">
-            <a:extLst>
-              <a:ext uri="{FF2B5EF4-FFF2-40B4-BE49-F238E27FC236}">
-                <a16:creationId xmlns:a16="http://schemas.microsoft.com/office/drawing/2014/main" id="{B5B41557-ECA3-6069-3716-75105B816EDD}"/>
-              </a:ext>
-            </a:extLst>
-          </p:cNvPr>
-          <p:cNvPicPr>
-            <a:picLocks noChangeAspect="1"/>
-          </p:cNvPicPr>
-          <p:nvPr/>
-        </p:nvPicPr>
-        <p:blipFill>
-          <a:blip r:embed="rId3"/>
-          <a:stretch>
-            <a:fillRect/>
-          </a:stretch>
-        </p:blipFill>
-        <p:spPr>
-          <a:xfrm>
-            <a:off x="4926729" y="3199110"/>
-            <a:ext cx="4875302" cy="2084612"/>
-          </a:xfrm>
-          <a:prstGeom prst="rect">
-            <a:avLst/>
-          </a:prstGeom>
-        </p:spPr>
-      </p:pic>
-      <p:pic>
-        <p:nvPicPr>
-          <p:cNvPr id="11" name="그림 10">
-            <a:extLst>
-              <a:ext uri="{FF2B5EF4-FFF2-40B4-BE49-F238E27FC236}">
-                <a16:creationId xmlns:a16="http://schemas.microsoft.com/office/drawing/2014/main" id="{4E39ECCD-A4F7-EA96-63B0-C06D20356D3C}"/>
-              </a:ext>
-            </a:extLst>
-          </p:cNvPr>
-          <p:cNvPicPr>
-            <a:picLocks noChangeAspect="1"/>
-          </p:cNvPicPr>
-          <p:nvPr/>
-        </p:nvPicPr>
-        <p:blipFill>
-          <a:blip r:embed="rId4"/>
-          <a:stretch>
-            <a:fillRect/>
-          </a:stretch>
-        </p:blipFill>
-        <p:spPr>
-          <a:xfrm>
-            <a:off x="10166327" y="3452039"/>
-            <a:ext cx="1462381" cy="1384594"/>
-          </a:xfrm>
-          <a:prstGeom prst="rect">
-            <a:avLst/>
-          </a:prstGeom>
-        </p:spPr>
-      </p:pic>
     </p:spTree>
     <p:extLst>
       <p:ext uri="{BB962C8B-B14F-4D97-AF65-F5344CB8AC3E}">
-        <p14:creationId xmlns:p14="http://schemas.microsoft.com/office/powerpoint/2010/main" val="973040642"/>
+        <p14:creationId xmlns:p14="http://schemas.microsoft.com/office/powerpoint/2010/main" val="3462301812"/>
       </p:ext>
     </p:extLst>
   </p:cSld>
@@ -4151,6 +4494,260 @@
       </p:grpSpPr>
       <p:sp>
         <p:nvSpPr>
+          <p:cNvPr id="2" name="제목 1">
+            <a:extLst>
+              <a:ext uri="{FF2B5EF4-FFF2-40B4-BE49-F238E27FC236}">
+                <a16:creationId xmlns:a16="http://schemas.microsoft.com/office/drawing/2014/main" id="{BE35614D-BC21-143F-B9C8-1D728033FFF0}"/>
+              </a:ext>
+            </a:extLst>
+          </p:cNvPr>
+          <p:cNvSpPr>
+            <a:spLocks noGrp="1"/>
+          </p:cNvSpPr>
+          <p:nvPr>
+            <p:ph type="title"/>
+          </p:nvPr>
+        </p:nvSpPr>
+        <p:spPr/>
+        <p:txBody>
+          <a:bodyPr/>
+          <a:lstStyle/>
+          <a:p>
+            <a:r>
+              <a:rPr lang="ko-KR" altLang="en-US" dirty="0"/>
+              <a:t>예외처리문</a:t>
+            </a:r>
+          </a:p>
+        </p:txBody>
+      </p:sp>
+      <p:pic>
+        <p:nvPicPr>
+          <p:cNvPr id="7" name="내용 개체 틀 6">
+            <a:extLst>
+              <a:ext uri="{FF2B5EF4-FFF2-40B4-BE49-F238E27FC236}">
+                <a16:creationId xmlns:a16="http://schemas.microsoft.com/office/drawing/2014/main" id="{6B101693-E53F-AFB6-033D-D8F30B992846}"/>
+              </a:ext>
+            </a:extLst>
+          </p:cNvPr>
+          <p:cNvPicPr>
+            <a:picLocks noGrp="1" noChangeAspect="1"/>
+          </p:cNvPicPr>
+          <p:nvPr>
+            <p:ph idx="1"/>
+          </p:nvPr>
+        </p:nvPicPr>
+        <p:blipFill>
+          <a:blip r:embed="rId2"/>
+          <a:stretch>
+            <a:fillRect/>
+          </a:stretch>
+        </p:blipFill>
+        <p:spPr>
+          <a:xfrm>
+            <a:off x="943849" y="1814094"/>
+            <a:ext cx="4663522" cy="3651285"/>
+          </a:xfrm>
+        </p:spPr>
+      </p:pic>
+      <p:sp>
+        <p:nvSpPr>
+          <p:cNvPr id="4" name="날짜 개체 틀 3">
+            <a:extLst>
+              <a:ext uri="{FF2B5EF4-FFF2-40B4-BE49-F238E27FC236}">
+                <a16:creationId xmlns:a16="http://schemas.microsoft.com/office/drawing/2014/main" id="{9E49F37F-CB3F-223E-A62D-DBCAE7F6FA47}"/>
+              </a:ext>
+            </a:extLst>
+          </p:cNvPr>
+          <p:cNvSpPr>
+            <a:spLocks noGrp="1"/>
+          </p:cNvSpPr>
+          <p:nvPr>
+            <p:ph type="dt" sz="half" idx="10"/>
+          </p:nvPr>
+        </p:nvSpPr>
+        <p:spPr/>
+        <p:txBody>
+          <a:bodyPr/>
+          <a:lstStyle/>
+          <a:p>
+            <a:fld id="{0F78D9C4-20C1-4B15-A116-16DC77AD9A1E}" type="datetime1">
+              <a:rPr lang="ko-KR" altLang="en-US" smtClean="0"/>
+              <a:t>2025-05-13</a:t>
+            </a:fld>
+            <a:endParaRPr lang="ko-KR" altLang="en-US"/>
+          </a:p>
+        </p:txBody>
+      </p:sp>
+      <p:sp>
+        <p:nvSpPr>
+          <p:cNvPr id="5" name="슬라이드 번호 개체 틀 4">
+            <a:extLst>
+              <a:ext uri="{FF2B5EF4-FFF2-40B4-BE49-F238E27FC236}">
+                <a16:creationId xmlns:a16="http://schemas.microsoft.com/office/drawing/2014/main" id="{EF344A19-B983-D0D5-B901-6E46EF1D2619}"/>
+              </a:ext>
+            </a:extLst>
+          </p:cNvPr>
+          <p:cNvSpPr>
+            <a:spLocks noGrp="1"/>
+          </p:cNvSpPr>
+          <p:nvPr>
+            <p:ph type="sldNum" sz="quarter" idx="12"/>
+          </p:nvPr>
+        </p:nvSpPr>
+        <p:spPr/>
+        <p:txBody>
+          <a:bodyPr/>
+          <a:lstStyle/>
+          <a:p>
+            <a:fld id="{083A2CE0-18CD-4102-B738-4ACFF9E68BA4}" type="slidenum">
+              <a:rPr lang="ko-KR" altLang="en-US" smtClean="0"/>
+              <a:t>10</a:t>
+            </a:fld>
+            <a:endParaRPr lang="ko-KR" altLang="en-US"/>
+          </a:p>
+        </p:txBody>
+      </p:sp>
+      <p:pic>
+        <p:nvPicPr>
+          <p:cNvPr id="9" name="그림 8">
+            <a:extLst>
+              <a:ext uri="{FF2B5EF4-FFF2-40B4-BE49-F238E27FC236}">
+                <a16:creationId xmlns:a16="http://schemas.microsoft.com/office/drawing/2014/main" id="{4C43B453-25B1-1A82-EB09-FDDDB8B56616}"/>
+              </a:ext>
+            </a:extLst>
+          </p:cNvPr>
+          <p:cNvPicPr>
+            <a:picLocks noChangeAspect="1"/>
+          </p:cNvPicPr>
+          <p:nvPr/>
+        </p:nvPicPr>
+        <p:blipFill>
+          <a:blip r:embed="rId3"/>
+          <a:stretch>
+            <a:fillRect/>
+          </a:stretch>
+        </p:blipFill>
+        <p:spPr>
+          <a:xfrm>
+            <a:off x="5923574" y="1814094"/>
+            <a:ext cx="5164322" cy="4010084"/>
+          </a:xfrm>
+          <a:prstGeom prst="rect">
+            <a:avLst/>
+          </a:prstGeom>
+        </p:spPr>
+      </p:pic>
+      <p:pic>
+        <p:nvPicPr>
+          <p:cNvPr id="11" name="그림 10">
+            <a:extLst>
+              <a:ext uri="{FF2B5EF4-FFF2-40B4-BE49-F238E27FC236}">
+                <a16:creationId xmlns:a16="http://schemas.microsoft.com/office/drawing/2014/main" id="{23BC02BD-8022-2D8F-B003-B904A444A94B}"/>
+              </a:ext>
+            </a:extLst>
+          </p:cNvPr>
+          <p:cNvPicPr>
+            <a:picLocks noChangeAspect="1"/>
+          </p:cNvPicPr>
+          <p:nvPr/>
+        </p:nvPicPr>
+        <p:blipFill>
+          <a:blip r:embed="rId4"/>
+          <a:stretch>
+            <a:fillRect/>
+          </a:stretch>
+        </p:blipFill>
+        <p:spPr>
+          <a:xfrm>
+            <a:off x="9925848" y="4194377"/>
+            <a:ext cx="1789104" cy="1629801"/>
+          </a:xfrm>
+          <a:prstGeom prst="rect">
+            <a:avLst/>
+          </a:prstGeom>
+        </p:spPr>
+      </p:pic>
+      <p:sp>
+        <p:nvSpPr>
+          <p:cNvPr id="13" name="TextBox 12">
+            <a:extLst>
+              <a:ext uri="{FF2B5EF4-FFF2-40B4-BE49-F238E27FC236}">
+                <a16:creationId xmlns:a16="http://schemas.microsoft.com/office/drawing/2014/main" id="{6401A616-10E6-7A69-6D91-4DBE60A62AD6}"/>
+              </a:ext>
+            </a:extLst>
+          </p:cNvPr>
+          <p:cNvSpPr txBox="1"/>
+          <p:nvPr/>
+        </p:nvSpPr>
+        <p:spPr>
+          <a:xfrm>
+            <a:off x="838200" y="5733975"/>
+            <a:ext cx="6094428" cy="646331"/>
+          </a:xfrm>
+          <a:prstGeom prst="rect">
+            <a:avLst/>
+          </a:prstGeom>
+          <a:noFill/>
+        </p:spPr>
+        <p:txBody>
+          <a:bodyPr wrap="square">
+            <a:spAutoFit/>
+          </a:bodyPr>
+          <a:lstStyle/>
+          <a:p>
+            <a:r>
+              <a:rPr lang="en-US" altLang="ko-KR" dirty="0"/>
+              <a:t>* </a:t>
+            </a:r>
+            <a:r>
+              <a:rPr lang="ko-KR" altLang="en-US" dirty="0"/>
+              <a:t>예외 종류</a:t>
+            </a:r>
+            <a:endParaRPr lang="en-US" altLang="ko-KR" dirty="0"/>
+          </a:p>
+          <a:p>
+            <a:r>
+              <a:rPr lang="en-US" altLang="ko-KR" dirty="0">
+                <a:hlinkClick r:id="rId5"/>
+              </a:rPr>
+              <a:t>https://parodev.tistory.com/8</a:t>
+            </a:r>
+            <a:endParaRPr lang="ko-KR" altLang="en-US" dirty="0"/>
+          </a:p>
+        </p:txBody>
+      </p:sp>
+    </p:spTree>
+    <p:extLst>
+      <p:ext uri="{BB962C8B-B14F-4D97-AF65-F5344CB8AC3E}">
+        <p14:creationId xmlns:p14="http://schemas.microsoft.com/office/powerpoint/2010/main" val="1216057178"/>
+      </p:ext>
+    </p:extLst>
+  </p:cSld>
+  <p:clrMapOvr>
+    <a:masterClrMapping/>
+  </p:clrMapOvr>
+</p:sld>
+</file>
+
+<file path=ppt/slides/slide11.xml><?xml version="1.0" encoding="utf-8"?>
+<p:sld xmlns:a="http://schemas.openxmlformats.org/drawingml/2006/main" xmlns:r="http://schemas.openxmlformats.org/officeDocument/2006/relationships" xmlns:p="http://schemas.openxmlformats.org/presentationml/2006/main">
+  <p:cSld>
+    <p:spTree>
+      <p:nvGrpSpPr>
+        <p:cNvPr id="1" name=""/>
+        <p:cNvGrpSpPr/>
+        <p:nvPr/>
+      </p:nvGrpSpPr>
+      <p:grpSpPr>
+        <a:xfrm>
+          <a:off x="0" y="0"/>
+          <a:ext cx="0" cy="0"/>
+          <a:chOff x="0" y="0"/>
+          <a:chExt cx="0" cy="0"/>
+        </a:xfrm>
+      </p:grpSpPr>
+      <p:sp>
+        <p:nvSpPr>
           <p:cNvPr id="8" name="내용 개체 틀 2">
             <a:extLst>
               <a:ext uri="{FF2B5EF4-FFF2-40B4-BE49-F238E27FC236}">
@@ -4174,7 +4771,7 @@
         </p:spPr>
         <p:txBody>
           <a:bodyPr vert="horz" lIns="91440" tIns="45720" rIns="91440" bIns="45720" rtlCol="0">
-            <a:normAutofit fontScale="92500"/>
+            <a:normAutofit lnSpcReduction="10000"/>
           </a:bodyPr>
           <a:lstStyle>
             <a:lvl1pPr marL="228600" indent="-228600" algn="l" defTabSz="914400" rtl="0" eaLnBrk="1" latinLnBrk="1" hangingPunct="1">
@@ -4361,10 +4958,6 @@
               <a:rPr lang="ko-KR" altLang="en-US" dirty="0"/>
               <a:t>에 복사하는 것이 가능</a:t>
             </a:r>
-            <a:r>
-              <a:rPr lang="en-US" altLang="ko-KR" dirty="0"/>
-              <a:t/>
-            </a:r>
             <a:br>
               <a:rPr lang="en-US" altLang="ko-KR" dirty="0"/>
             </a:br>
@@ -4568,7 +5161,7 @@
           <a:p>
             <a:fld id="{0F78D9C4-20C1-4B15-A116-16DC77AD9A1E}" type="datetime1">
               <a:rPr lang="ko-KR" altLang="en-US" smtClean="0"/>
-              <a:t>2025-05-11</a:t>
+              <a:t>2025-05-13</a:t>
             </a:fld>
             <a:endParaRPr lang="ko-KR" altLang="en-US"/>
           </a:p>
@@ -4597,7 +5190,7 @@
           <a:p>
             <a:fld id="{083A2CE0-18CD-4102-B738-4ACFF9E68BA4}" type="slidenum">
               <a:rPr lang="ko-KR" altLang="en-US" smtClean="0"/>
-              <a:t>10</a:t>
+              <a:t>11</a:t>
             </a:fld>
             <a:endParaRPr lang="ko-KR" altLang="en-US"/>
           </a:p>
@@ -4633,12 +5226,166 @@
           <a:chExt cx="0" cy="0"/>
         </a:xfrm>
       </p:grpSpPr>
+      <p:sp>
+        <p:nvSpPr>
+          <p:cNvPr id="2" name="제목 1">
+            <a:extLst>
+              <a:ext uri="{FF2B5EF4-FFF2-40B4-BE49-F238E27FC236}">
+                <a16:creationId xmlns:a16="http://schemas.microsoft.com/office/drawing/2014/main" id="{AD4E1A76-B03E-1906-B5D4-C25325F7A772}"/>
+              </a:ext>
+            </a:extLst>
+          </p:cNvPr>
+          <p:cNvSpPr>
+            <a:spLocks noGrp="1"/>
+          </p:cNvSpPr>
+          <p:nvPr>
+            <p:ph type="title"/>
+          </p:nvPr>
+        </p:nvSpPr>
+        <p:spPr/>
+        <p:txBody>
+          <a:bodyPr/>
+          <a:lstStyle/>
+          <a:p>
+            <a:r>
+              <a:rPr lang="ko-KR" altLang="en-US" dirty="0"/>
+              <a:t>정적 메소드</a:t>
+            </a:r>
+            <a:r>
+              <a:rPr lang="en-US" altLang="ko-KR" dirty="0"/>
+              <a:t>, </a:t>
+            </a:r>
+            <a:r>
+              <a:rPr lang="ko-KR" altLang="en-US" dirty="0"/>
+              <a:t>필드 </a:t>
+            </a:r>
+            <a:r>
+              <a:rPr lang="en-US" altLang="ko-KR" dirty="0"/>
+              <a:t>static</a:t>
+            </a:r>
+            <a:endParaRPr lang="ko-KR" altLang="en-US" dirty="0"/>
+          </a:p>
+        </p:txBody>
+      </p:sp>
+      <p:sp>
+        <p:nvSpPr>
+          <p:cNvPr id="3" name="내용 개체 틀 2">
+            <a:extLst>
+              <a:ext uri="{FF2B5EF4-FFF2-40B4-BE49-F238E27FC236}">
+                <a16:creationId xmlns:a16="http://schemas.microsoft.com/office/drawing/2014/main" id="{74C0FB2C-C359-E553-2436-E5EC195B48DC}"/>
+              </a:ext>
+            </a:extLst>
+          </p:cNvPr>
+          <p:cNvSpPr>
+            <a:spLocks noGrp="1"/>
+          </p:cNvSpPr>
+          <p:nvPr>
+            <p:ph idx="1"/>
+          </p:nvPr>
+        </p:nvSpPr>
+        <p:spPr/>
+        <p:txBody>
+          <a:bodyPr/>
+          <a:lstStyle/>
+          <a:p>
+            <a:r>
+              <a:rPr lang="ko-KR" altLang="en-US" dirty="0"/>
+              <a:t>인스턴스 생성 없이 사용 가능한 필드 또는 메소드</a:t>
+            </a:r>
+            <a:endParaRPr lang="en-US" altLang="ko-KR" dirty="0"/>
+          </a:p>
+          <a:p>
+            <a:r>
+              <a:rPr lang="en-US" altLang="ko-KR" dirty="0"/>
+              <a:t>Stack, Heap</a:t>
+            </a:r>
+            <a:r>
+              <a:rPr lang="ko-KR" altLang="en-US" dirty="0"/>
+              <a:t>이 아닌 </a:t>
+            </a:r>
+            <a:r>
+              <a:rPr lang="en-US" altLang="ko-KR" dirty="0">
+                <a:solidFill>
+                  <a:srgbClr val="00B050"/>
+                </a:solidFill>
+              </a:rPr>
+              <a:t>Static</a:t>
+            </a:r>
+            <a:r>
+              <a:rPr lang="en-US" altLang="ko-KR" dirty="0"/>
+              <a:t> </a:t>
+            </a:r>
+            <a:r>
+              <a:rPr lang="ko-KR" altLang="en-US" dirty="0"/>
+              <a:t>영역에 할당 됨</a:t>
+            </a:r>
+          </a:p>
+        </p:txBody>
+      </p:sp>
+      <p:sp>
+        <p:nvSpPr>
+          <p:cNvPr id="4" name="날짜 개체 틀 3">
+            <a:extLst>
+              <a:ext uri="{FF2B5EF4-FFF2-40B4-BE49-F238E27FC236}">
+                <a16:creationId xmlns:a16="http://schemas.microsoft.com/office/drawing/2014/main" id="{2039AEE6-AFAD-5E7F-4701-52B3857B07E4}"/>
+              </a:ext>
+            </a:extLst>
+          </p:cNvPr>
+          <p:cNvSpPr>
+            <a:spLocks noGrp="1"/>
+          </p:cNvSpPr>
+          <p:nvPr>
+            <p:ph type="dt" sz="half" idx="10"/>
+          </p:nvPr>
+        </p:nvSpPr>
+        <p:spPr/>
+        <p:txBody>
+          <a:bodyPr/>
+          <a:lstStyle/>
+          <a:p>
+            <a:fld id="{0F78D9C4-20C1-4B15-A116-16DC77AD9A1E}" type="datetime1">
+              <a:rPr lang="ko-KR" altLang="en-US" smtClean="0"/>
+              <a:t>2025-05-13</a:t>
+            </a:fld>
+            <a:endParaRPr lang="ko-KR" altLang="en-US"/>
+          </a:p>
+        </p:txBody>
+      </p:sp>
+      <p:sp>
+        <p:nvSpPr>
+          <p:cNvPr id="5" name="슬라이드 번호 개체 틀 4">
+            <a:extLst>
+              <a:ext uri="{FF2B5EF4-FFF2-40B4-BE49-F238E27FC236}">
+                <a16:creationId xmlns:a16="http://schemas.microsoft.com/office/drawing/2014/main" id="{5DBC6739-6C3E-0BE5-C69B-CD6CA183250E}"/>
+              </a:ext>
+            </a:extLst>
+          </p:cNvPr>
+          <p:cNvSpPr>
+            <a:spLocks noGrp="1"/>
+          </p:cNvSpPr>
+          <p:nvPr>
+            <p:ph type="sldNum" sz="quarter" idx="12"/>
+          </p:nvPr>
+        </p:nvSpPr>
+        <p:spPr/>
+        <p:txBody>
+          <a:bodyPr/>
+          <a:lstStyle/>
+          <a:p>
+            <a:fld id="{083A2CE0-18CD-4102-B738-4ACFF9E68BA4}" type="slidenum">
+              <a:rPr lang="ko-KR" altLang="en-US" smtClean="0"/>
+              <a:t>2</a:t>
+            </a:fld>
+            <a:endParaRPr lang="ko-KR" altLang="en-US"/>
+          </a:p>
+        </p:txBody>
+      </p:sp>
       <p:pic>
         <p:nvPicPr>
-          <p:cNvPr id="20" name="그림 19">
-            <a:extLst>
-              <a:ext uri="{FF2B5EF4-FFF2-40B4-BE49-F238E27FC236}">
-                <a16:creationId xmlns:a16="http://schemas.microsoft.com/office/drawing/2014/main" id="{D21313A4-2C45-96C2-EC88-278826B02108}"/>
+          <p:cNvPr id="7" name="그림 6">
+            <a:extLst>
+              <a:ext uri="{FF2B5EF4-FFF2-40B4-BE49-F238E27FC236}">
+                <a16:creationId xmlns:a16="http://schemas.microsoft.com/office/drawing/2014/main" id="{3D38FC7B-5046-C8B6-8F88-39C794A144BF}"/>
               </a:ext>
             </a:extLst>
           </p:cNvPr>
@@ -4648,7 +5395,127 @@
           <p:nvPr/>
         </p:nvPicPr>
         <p:blipFill>
-          <a:blip r:embed="rId2"/>
+          <a:blip r:embed="rId3"/>
+          <a:stretch>
+            <a:fillRect/>
+          </a:stretch>
+        </p:blipFill>
+        <p:spPr>
+          <a:xfrm>
+            <a:off x="402375" y="3199110"/>
+            <a:ext cx="4362990" cy="1637523"/>
+          </a:xfrm>
+          <a:prstGeom prst="rect">
+            <a:avLst/>
+          </a:prstGeom>
+        </p:spPr>
+      </p:pic>
+      <p:pic>
+        <p:nvPicPr>
+          <p:cNvPr id="9" name="그림 8">
+            <a:extLst>
+              <a:ext uri="{FF2B5EF4-FFF2-40B4-BE49-F238E27FC236}">
+                <a16:creationId xmlns:a16="http://schemas.microsoft.com/office/drawing/2014/main" id="{B5B41557-ECA3-6069-3716-75105B816EDD}"/>
+              </a:ext>
+            </a:extLst>
+          </p:cNvPr>
+          <p:cNvPicPr>
+            <a:picLocks noChangeAspect="1"/>
+          </p:cNvPicPr>
+          <p:nvPr/>
+        </p:nvPicPr>
+        <p:blipFill>
+          <a:blip r:embed="rId4"/>
+          <a:stretch>
+            <a:fillRect/>
+          </a:stretch>
+        </p:blipFill>
+        <p:spPr>
+          <a:xfrm>
+            <a:off x="4926729" y="3199110"/>
+            <a:ext cx="4875302" cy="2084612"/>
+          </a:xfrm>
+          <a:prstGeom prst="rect">
+            <a:avLst/>
+          </a:prstGeom>
+        </p:spPr>
+      </p:pic>
+      <p:pic>
+        <p:nvPicPr>
+          <p:cNvPr id="11" name="그림 10">
+            <a:extLst>
+              <a:ext uri="{FF2B5EF4-FFF2-40B4-BE49-F238E27FC236}">
+                <a16:creationId xmlns:a16="http://schemas.microsoft.com/office/drawing/2014/main" id="{4E39ECCD-A4F7-EA96-63B0-C06D20356D3C}"/>
+              </a:ext>
+            </a:extLst>
+          </p:cNvPr>
+          <p:cNvPicPr>
+            <a:picLocks noChangeAspect="1"/>
+          </p:cNvPicPr>
+          <p:nvPr/>
+        </p:nvPicPr>
+        <p:blipFill>
+          <a:blip r:embed="rId5"/>
+          <a:stretch>
+            <a:fillRect/>
+          </a:stretch>
+        </p:blipFill>
+        <p:spPr>
+          <a:xfrm>
+            <a:off x="10166327" y="3452039"/>
+            <a:ext cx="1462381" cy="1384594"/>
+          </a:xfrm>
+          <a:prstGeom prst="rect">
+            <a:avLst/>
+          </a:prstGeom>
+        </p:spPr>
+      </p:pic>
+    </p:spTree>
+    <p:extLst>
+      <p:ext uri="{BB962C8B-B14F-4D97-AF65-F5344CB8AC3E}">
+        <p14:creationId xmlns:p14="http://schemas.microsoft.com/office/powerpoint/2010/main" val="973040642"/>
+      </p:ext>
+    </p:extLst>
+  </p:cSld>
+  <p:clrMapOvr>
+    <a:masterClrMapping/>
+  </p:clrMapOvr>
+</p:sld>
+</file>
+
+<file path=ppt/slides/slide3.xml><?xml version="1.0" encoding="utf-8"?>
+<p:sld xmlns:a="http://schemas.openxmlformats.org/drawingml/2006/main" xmlns:r="http://schemas.openxmlformats.org/officeDocument/2006/relationships" xmlns:p="http://schemas.openxmlformats.org/presentationml/2006/main">
+  <p:cSld>
+    <p:spTree>
+      <p:nvGrpSpPr>
+        <p:cNvPr id="1" name=""/>
+        <p:cNvGrpSpPr/>
+        <p:nvPr/>
+      </p:nvGrpSpPr>
+      <p:grpSpPr>
+        <a:xfrm>
+          <a:off x="0" y="0"/>
+          <a:ext cx="0" cy="0"/>
+          <a:chOff x="0" y="0"/>
+          <a:chExt cx="0" cy="0"/>
+        </a:xfrm>
+      </p:grpSpPr>
+      <p:pic>
+        <p:nvPicPr>
+          <p:cNvPr id="20" name="그림 19">
+            <a:extLst>
+              <a:ext uri="{FF2B5EF4-FFF2-40B4-BE49-F238E27FC236}">
+                <a16:creationId xmlns:a16="http://schemas.microsoft.com/office/drawing/2014/main" id="{D21313A4-2C45-96C2-EC88-278826B02108}"/>
+              </a:ext>
+            </a:extLst>
+          </p:cNvPr>
+          <p:cNvPicPr>
+            <a:picLocks noChangeAspect="1"/>
+          </p:cNvPicPr>
+          <p:nvPr/>
+        </p:nvPicPr>
+        <p:blipFill>
+          <a:blip r:embed="rId3"/>
           <a:stretch>
             <a:fillRect/>
           </a:stretch>
@@ -4771,7 +5638,7 @@
           <a:p>
             <a:fld id="{0F78D9C4-20C1-4B15-A116-16DC77AD9A1E}" type="datetime1">
               <a:rPr lang="ko-KR" altLang="en-US" smtClean="0"/>
-              <a:t>2025-05-11</a:t>
+              <a:t>2025-05-13</a:t>
             </a:fld>
             <a:endParaRPr lang="ko-KR" altLang="en-US"/>
           </a:p>
@@ -4800,7 +5667,7 @@
           <a:p>
             <a:fld id="{083A2CE0-18CD-4102-B738-4ACFF9E68BA4}" type="slidenum">
               <a:rPr lang="ko-KR" altLang="en-US" smtClean="0"/>
-              <a:t>2</a:t>
+              <a:t>3</a:t>
             </a:fld>
             <a:endParaRPr lang="ko-KR" altLang="en-US"/>
           </a:p>
@@ -4901,7 +5768,7 @@
           <p:nvPr/>
         </p:nvPicPr>
         <p:blipFill>
-          <a:blip r:embed="rId3"/>
+          <a:blip r:embed="rId4"/>
           <a:stretch>
             <a:fillRect/>
           </a:stretch>
@@ -4983,7 +5850,7 @@
 </p:sld>
 </file>
 
-<file path=ppt/slides/slide3.xml><?xml version="1.0" encoding="utf-8"?>
+<file path=ppt/slides/slide4.xml><?xml version="1.0" encoding="utf-8"?>
 <p:sld xmlns:a="http://schemas.openxmlformats.org/drawingml/2006/main" xmlns:r="http://schemas.openxmlformats.org/officeDocument/2006/relationships" xmlns:p="http://schemas.openxmlformats.org/presentationml/2006/main">
   <p:cSld>
     <p:spTree>
@@ -5130,7 +5997,7 @@
           <a:p>
             <a:fld id="{0F78D9C4-20C1-4B15-A116-16DC77AD9A1E}" type="datetime1">
               <a:rPr lang="ko-KR" altLang="en-US" smtClean="0"/>
-              <a:t>2025-05-11</a:t>
+              <a:t>2025-05-13</a:t>
             </a:fld>
             <a:endParaRPr lang="ko-KR" altLang="en-US"/>
           </a:p>
@@ -5159,7 +6026,7 @@
           <a:p>
             <a:fld id="{083A2CE0-18CD-4102-B738-4ACFF9E68BA4}" type="slidenum">
               <a:rPr lang="ko-KR" altLang="en-US" smtClean="0"/>
-              <a:t>3</a:t>
+              <a:t>4</a:t>
             </a:fld>
             <a:endParaRPr lang="ko-KR" altLang="en-US" dirty="0"/>
           </a:p>
@@ -5341,7 +6208,7 @@
 </p:sld>
 </file>
 
-<file path=ppt/slides/slide4.xml><?xml version="1.0" encoding="utf-8"?>
+<file path=ppt/slides/slide5.xml><?xml version="1.0" encoding="utf-8"?>
 <p:sld xmlns:a="http://schemas.openxmlformats.org/drawingml/2006/main" xmlns:r="http://schemas.openxmlformats.org/officeDocument/2006/relationships" xmlns:p="http://schemas.openxmlformats.org/presentationml/2006/main">
   <p:cSld>
     <p:spTree>
@@ -5444,7 +6311,7 @@
           <a:p>
             <a:fld id="{0F78D9C4-20C1-4B15-A116-16DC77AD9A1E}" type="datetime1">
               <a:rPr lang="ko-KR" altLang="en-US" smtClean="0"/>
-              <a:t>2025-05-11</a:t>
+              <a:t>2025-05-13</a:t>
             </a:fld>
             <a:endParaRPr lang="ko-KR" altLang="en-US"/>
           </a:p>
@@ -5473,7 +6340,7 @@
           <a:p>
             <a:fld id="{083A2CE0-18CD-4102-B738-4ACFF9E68BA4}" type="slidenum">
               <a:rPr lang="ko-KR" altLang="en-US" smtClean="0"/>
-              <a:t>4</a:t>
+              <a:t>5</a:t>
             </a:fld>
             <a:endParaRPr lang="ko-KR" altLang="en-US"/>
           </a:p>
@@ -5652,7 +6519,7 @@
 </p:sld>
 </file>
 
-<file path=ppt/slides/slide5.xml><?xml version="1.0" encoding="utf-8"?>
+<file path=ppt/slides/slide6.xml><?xml version="1.0" encoding="utf-8"?>
 <p:sld xmlns:a="http://schemas.openxmlformats.org/drawingml/2006/main" xmlns:r="http://schemas.openxmlformats.org/officeDocument/2006/relationships" xmlns:p="http://schemas.openxmlformats.org/presentationml/2006/main">
   <p:cSld>
     <p:spTree>
@@ -5873,7 +6740,7 @@
           <a:p>
             <a:fld id="{0F78D9C4-20C1-4B15-A116-16DC77AD9A1E}" type="datetime1">
               <a:rPr lang="ko-KR" altLang="en-US" smtClean="0"/>
-              <a:t>2025-05-11</a:t>
+              <a:t>2025-05-13</a:t>
             </a:fld>
             <a:endParaRPr lang="ko-KR" altLang="en-US"/>
           </a:p>
@@ -5902,7 +6769,7 @@
           <a:p>
             <a:fld id="{083A2CE0-18CD-4102-B738-4ACFF9E68BA4}" type="slidenum">
               <a:rPr lang="ko-KR" altLang="en-US" smtClean="0"/>
-              <a:t>5</a:t>
+              <a:t>6</a:t>
             </a:fld>
             <a:endParaRPr lang="ko-KR" altLang="en-US"/>
           </a:p>
@@ -6043,291 +6910,6 @@
 </p:sld>
 </file>
 
-<file path=ppt/slides/slide6.xml><?xml version="1.0" encoding="utf-8"?>
-<p:sld xmlns:a="http://schemas.openxmlformats.org/drawingml/2006/main" xmlns:r="http://schemas.openxmlformats.org/officeDocument/2006/relationships" xmlns:p="http://schemas.openxmlformats.org/presentationml/2006/main">
-  <p:cSld>
-    <p:spTree>
-      <p:nvGrpSpPr>
-        <p:cNvPr id="1" name=""/>
-        <p:cNvGrpSpPr/>
-        <p:nvPr/>
-      </p:nvGrpSpPr>
-      <p:grpSpPr>
-        <a:xfrm>
-          <a:off x="0" y="0"/>
-          <a:ext cx="0" cy="0"/>
-          <a:chOff x="0" y="0"/>
-          <a:chExt cx="0" cy="0"/>
-        </a:xfrm>
-      </p:grpSpPr>
-      <p:sp>
-        <p:nvSpPr>
-          <p:cNvPr id="2" name="제목 1">
-            <a:extLst>
-              <a:ext uri="{FF2B5EF4-FFF2-40B4-BE49-F238E27FC236}">
-                <a16:creationId xmlns:a16="http://schemas.microsoft.com/office/drawing/2014/main" id="{37A23CDB-9AB5-3A30-73D5-A01A6EA1EE78}"/>
-              </a:ext>
-            </a:extLst>
-          </p:cNvPr>
-          <p:cNvSpPr>
-            <a:spLocks noGrp="1"/>
-          </p:cNvSpPr>
-          <p:nvPr>
-            <p:ph type="title"/>
-          </p:nvPr>
-        </p:nvSpPr>
-        <p:spPr/>
-        <p:txBody>
-          <a:bodyPr/>
-          <a:lstStyle/>
-          <a:p>
-            <a:r>
-              <a:rPr lang="ko-KR" altLang="en-US" dirty="0">
-                <a:solidFill>
-                  <a:srgbClr val="00B050"/>
-                </a:solidFill>
-              </a:rPr>
-              <a:t>실습</a:t>
-            </a:r>
-            <a:r>
-              <a:rPr lang="en-US" altLang="ko-KR" dirty="0">
-                <a:solidFill>
-                  <a:srgbClr val="00B050"/>
-                </a:solidFill>
-              </a:rPr>
-              <a:t>. </a:t>
-            </a:r>
-            <a:r>
-              <a:rPr lang="ko-KR" altLang="en-US" dirty="0">
-                <a:solidFill>
-                  <a:srgbClr val="00B050"/>
-                </a:solidFill>
-              </a:rPr>
-              <a:t>값의 참조</a:t>
-            </a:r>
-          </a:p>
-        </p:txBody>
-      </p:sp>
-      <p:sp>
-        <p:nvSpPr>
-          <p:cNvPr id="3" name="내용 개체 틀 2">
-            <a:extLst>
-              <a:ext uri="{FF2B5EF4-FFF2-40B4-BE49-F238E27FC236}">
-                <a16:creationId xmlns:a16="http://schemas.microsoft.com/office/drawing/2014/main" id="{D6BCA3D1-02E8-8BB7-864B-5BC464A464D1}"/>
-              </a:ext>
-            </a:extLst>
-          </p:cNvPr>
-          <p:cNvSpPr>
-            <a:spLocks noGrp="1"/>
-          </p:cNvSpPr>
-          <p:nvPr>
-            <p:ph idx="1"/>
-          </p:nvPr>
-        </p:nvSpPr>
-        <p:spPr/>
-        <p:txBody>
-          <a:bodyPr/>
-          <a:lstStyle/>
-          <a:p>
-            <a:r>
-              <a:rPr lang="ko-KR" altLang="en-US" dirty="0"/>
-              <a:t>아래와 같은 기능을 하는 </a:t>
-            </a:r>
-            <a:r>
-              <a:rPr lang="en-US" altLang="ko-KR" dirty="0"/>
-              <a:t>void </a:t>
-            </a:r>
-            <a:r>
-              <a:rPr lang="ko-KR" altLang="en-US" dirty="0"/>
-              <a:t>형 메소드 </a:t>
-            </a:r>
-            <a:r>
-              <a:rPr lang="en-US" altLang="ko-KR" dirty="0"/>
-              <a:t>2</a:t>
-            </a:r>
-            <a:r>
-              <a:rPr lang="ko-KR" altLang="en-US" dirty="0"/>
-              <a:t>개를 작성</a:t>
-            </a:r>
-            <a:endParaRPr lang="en-US" altLang="ko-KR" dirty="0"/>
-          </a:p>
-          <a:p>
-            <a:pPr marL="514350" indent="-514350">
-              <a:buFont typeface="+mj-lt"/>
-              <a:buAutoNum type="arabicPeriod"/>
-            </a:pPr>
-            <a:r>
-              <a:rPr lang="en-US" altLang="ko-KR" dirty="0"/>
-              <a:t>ref</a:t>
-            </a:r>
-            <a:r>
-              <a:rPr lang="ko-KR" altLang="en-US" dirty="0"/>
-              <a:t>를 사용하여 배열을 입력 받고</a:t>
-            </a:r>
-            <a:r>
-              <a:rPr lang="en-US" altLang="ko-KR" dirty="0"/>
-              <a:t>, </a:t>
-            </a:r>
-            <a:r>
-              <a:rPr lang="ko-KR" altLang="en-US" dirty="0"/>
-              <a:t>배열에 있는 값을 </a:t>
-            </a:r>
-            <a:r>
-              <a:rPr lang="en-US" altLang="ko-KR" dirty="0"/>
-              <a:t>1</a:t>
-            </a:r>
-            <a:r>
-              <a:rPr lang="ko-KR" altLang="en-US" dirty="0"/>
-              <a:t>부터 배열의 크기만큼 채워 줌</a:t>
-            </a:r>
-            <a:endParaRPr lang="en-US" altLang="ko-KR" dirty="0"/>
-          </a:p>
-          <a:p>
-            <a:pPr marL="514350" indent="-514350">
-              <a:buFont typeface="+mj-lt"/>
-              <a:buAutoNum type="arabicPeriod"/>
-            </a:pPr>
-            <a:r>
-              <a:rPr lang="en-US" altLang="ko-KR" dirty="0"/>
-              <a:t>out</a:t>
-            </a:r>
-            <a:r>
-              <a:rPr lang="ko-KR" altLang="en-US" dirty="0"/>
-              <a:t>을 사용하여 초기화 되지 않은</a:t>
-            </a:r>
-            <a:r>
-              <a:rPr lang="en-US" altLang="ko-KR" dirty="0"/>
-              <a:t>(new </a:t>
-            </a:r>
-            <a:r>
-              <a:rPr lang="ko-KR" altLang="en-US" dirty="0"/>
-              <a:t>적용 전</a:t>
-            </a:r>
-            <a:r>
-              <a:rPr lang="en-US" altLang="ko-KR" dirty="0"/>
-              <a:t>)</a:t>
-            </a:r>
-            <a:r>
-              <a:rPr lang="ko-KR" altLang="en-US" dirty="0"/>
-              <a:t> 배열</a:t>
-            </a:r>
-            <a:r>
-              <a:rPr lang="en-US" altLang="ko-KR" dirty="0"/>
-              <a:t>,</a:t>
-            </a:r>
-            <a:r>
-              <a:rPr lang="ko-KR" altLang="en-US" dirty="0"/>
-              <a:t> 원하는 크기를 입력 받고</a:t>
-            </a:r>
-            <a:r>
-              <a:rPr lang="en-US" altLang="ko-KR" dirty="0"/>
-              <a:t>, </a:t>
-            </a:r>
-            <a:r>
-              <a:rPr lang="ko-KR" altLang="en-US" dirty="0"/>
-              <a:t>입력 받은 크기 만큼의 배열을 생성 후 </a:t>
-            </a:r>
-            <a:r>
-              <a:rPr lang="en-US" altLang="ko-KR" dirty="0"/>
-              <a:t>1</a:t>
-            </a:r>
-            <a:r>
-              <a:rPr lang="ko-KR" altLang="en-US" dirty="0"/>
-              <a:t>부터 배열의 크기 만큼 값을 채워 줌</a:t>
-            </a:r>
-            <a:endParaRPr lang="en-US" altLang="ko-KR" dirty="0"/>
-          </a:p>
-          <a:p>
-            <a:r>
-              <a:rPr lang="en-US" altLang="ko-KR" dirty="0"/>
-              <a:t>GitHub Repo. URL</a:t>
-            </a:r>
-            <a:r>
-              <a:rPr lang="ko-KR" altLang="en-US" dirty="0"/>
-              <a:t>을 </a:t>
-            </a:r>
-            <a:r>
-              <a:rPr lang="ko-KR" altLang="en-US" dirty="0" err="1"/>
-              <a:t>슬랙</a:t>
-            </a:r>
-            <a:r>
-              <a:rPr lang="ko-KR" altLang="en-US" dirty="0"/>
-              <a:t> 댓글로 제출</a:t>
-            </a:r>
-          </a:p>
-        </p:txBody>
-      </p:sp>
-      <p:sp>
-        <p:nvSpPr>
-          <p:cNvPr id="4" name="날짜 개체 틀 3">
-            <a:extLst>
-              <a:ext uri="{FF2B5EF4-FFF2-40B4-BE49-F238E27FC236}">
-                <a16:creationId xmlns:a16="http://schemas.microsoft.com/office/drawing/2014/main" id="{71D70BA8-3C65-9DA4-A03D-99000E36AE83}"/>
-              </a:ext>
-            </a:extLst>
-          </p:cNvPr>
-          <p:cNvSpPr>
-            <a:spLocks noGrp="1"/>
-          </p:cNvSpPr>
-          <p:nvPr>
-            <p:ph type="dt" sz="half" idx="10"/>
-          </p:nvPr>
-        </p:nvSpPr>
-        <p:spPr/>
-        <p:txBody>
-          <a:bodyPr/>
-          <a:lstStyle/>
-          <a:p>
-            <a:fld id="{0F78D9C4-20C1-4B15-A116-16DC77AD9A1E}" type="datetime1">
-              <a:rPr lang="ko-KR" altLang="en-US" smtClean="0"/>
-              <a:t>2025-05-11</a:t>
-            </a:fld>
-            <a:endParaRPr lang="ko-KR" altLang="en-US"/>
-          </a:p>
-        </p:txBody>
-      </p:sp>
-      <p:sp>
-        <p:nvSpPr>
-          <p:cNvPr id="5" name="슬라이드 번호 개체 틀 4">
-            <a:extLst>
-              <a:ext uri="{FF2B5EF4-FFF2-40B4-BE49-F238E27FC236}">
-                <a16:creationId xmlns:a16="http://schemas.microsoft.com/office/drawing/2014/main" id="{0E897A61-1232-B6C3-2173-9E267D6E375B}"/>
-              </a:ext>
-            </a:extLst>
-          </p:cNvPr>
-          <p:cNvSpPr>
-            <a:spLocks noGrp="1"/>
-          </p:cNvSpPr>
-          <p:nvPr>
-            <p:ph type="sldNum" sz="quarter" idx="12"/>
-          </p:nvPr>
-        </p:nvSpPr>
-        <p:spPr/>
-        <p:txBody>
-          <a:bodyPr/>
-          <a:lstStyle/>
-          <a:p>
-            <a:fld id="{083A2CE0-18CD-4102-B738-4ACFF9E68BA4}" type="slidenum">
-              <a:rPr lang="ko-KR" altLang="en-US" smtClean="0"/>
-              <a:t>6</a:t>
-            </a:fld>
-            <a:endParaRPr lang="ko-KR" altLang="en-US"/>
-          </a:p>
-        </p:txBody>
-      </p:sp>
-    </p:spTree>
-    <p:extLst>
-      <p:ext uri="{BB962C8B-B14F-4D97-AF65-F5344CB8AC3E}">
-        <p14:creationId xmlns:p14="http://schemas.microsoft.com/office/powerpoint/2010/main" val="4245573633"/>
-      </p:ext>
-    </p:extLst>
-  </p:cSld>
-  <p:clrMapOvr>
-    <a:masterClrMapping/>
-  </p:clrMapOvr>
-</p:sld>
-</file>
-
 <file path=ppt/slides/slide7.xml><?xml version="1.0" encoding="utf-8"?>
 <p:sld xmlns:a="http://schemas.openxmlformats.org/drawingml/2006/main" xmlns:r="http://schemas.openxmlformats.org/officeDocument/2006/relationships" xmlns:p="http://schemas.openxmlformats.org/presentationml/2006/main">
   <p:cSld>
@@ -6350,7 +6932,7 @@
           <p:cNvPr id="2" name="제목 1">
             <a:extLst>
               <a:ext uri="{FF2B5EF4-FFF2-40B4-BE49-F238E27FC236}">
-                <a16:creationId xmlns:a16="http://schemas.microsoft.com/office/drawing/2014/main" id="{88B4AC41-32F5-985E-10B4-0293EAD98D22}"/>
+                <a16:creationId xmlns:a16="http://schemas.microsoft.com/office/drawing/2014/main" id="{37A23CDB-9AB5-3A30-73D5-A01A6EA1EE78}"/>
               </a:ext>
             </a:extLst>
           </p:cNvPr>
@@ -6367,211 +6949,178 @@
           <a:lstStyle/>
           <a:p>
             <a:r>
-              <a:rPr lang="ko-KR" altLang="en-US" dirty="0"/>
-              <a:t>예외처리문 </a:t>
-            </a:r>
-          </a:p>
-        </p:txBody>
-      </p:sp>
-      <p:sp>
-        <p:nvSpPr>
-          <p:cNvPr id="3" name="내용 개체 틀 2">
-            <a:extLst>
-              <a:ext uri="{FF2B5EF4-FFF2-40B4-BE49-F238E27FC236}">
-                <a16:creationId xmlns:a16="http://schemas.microsoft.com/office/drawing/2014/main" id="{7D2F579B-033E-E708-4334-6778B9DB73A3}"/>
-              </a:ext>
-            </a:extLst>
-          </p:cNvPr>
-          <p:cNvSpPr>
-            <a:spLocks noGrp="1"/>
-          </p:cNvSpPr>
-          <p:nvPr>
-            <p:ph idx="1"/>
-          </p:nvPr>
-        </p:nvSpPr>
-        <p:spPr/>
-        <p:txBody>
-          <a:bodyPr>
-            <a:normAutofit/>
-          </a:bodyPr>
-          <a:lstStyle/>
-          <a:p>
+              <a:rPr lang="ko-KR" altLang="en-US" dirty="0">
+                <a:solidFill>
+                  <a:srgbClr val="00B050"/>
+                </a:solidFill>
+              </a:rPr>
+              <a:t>실습</a:t>
+            </a:r>
             <a:r>
               <a:rPr lang="en-US" altLang="ko-KR" dirty="0">
                 <a:solidFill>
-                  <a:srgbClr val="7030A0"/>
+                  <a:srgbClr val="00B050"/>
                 </a:solidFill>
               </a:rPr>
-              <a:t>try</a:t>
-            </a:r>
-          </a:p>
-          <a:p>
-            <a:pPr lvl="1"/>
-            <a:r>
-              <a:rPr lang="ko-KR" altLang="en-US" dirty="0"/>
-              <a:t>오류가 발생 할 가능성이 있는 소스코드를 작성</a:t>
-            </a:r>
-            <a:endParaRPr lang="en-US" altLang="ko-KR" dirty="0"/>
-          </a:p>
-          <a:p>
-            <a:pPr lvl="1"/>
-            <a:r>
-              <a:rPr lang="ko-KR" altLang="en-US" dirty="0"/>
-              <a:t>예상 가능한 오류는 </a:t>
-            </a:r>
-            <a:r>
-              <a:rPr lang="en-US" altLang="ko-KR" dirty="0">
+              <a:t>. </a:t>
+            </a:r>
+            <a:r>
+              <a:rPr lang="ko-KR" altLang="en-US" dirty="0">
                 <a:solidFill>
-                  <a:srgbClr val="0000FF"/>
+                  <a:srgbClr val="00B050"/>
                 </a:solidFill>
               </a:rPr>
-              <a:t>throw</a:t>
-            </a:r>
-            <a:r>
-              <a:rPr lang="ko-KR" altLang="en-US" dirty="0"/>
-              <a:t>를 통해 의도적으로 </a:t>
+              <a:t>값의 참조</a:t>
+            </a:r>
+          </a:p>
+        </p:txBody>
+      </p:sp>
+      <p:sp>
+        <p:nvSpPr>
+          <p:cNvPr id="3" name="내용 개체 틀 2">
+            <a:extLst>
+              <a:ext uri="{FF2B5EF4-FFF2-40B4-BE49-F238E27FC236}">
+                <a16:creationId xmlns:a16="http://schemas.microsoft.com/office/drawing/2014/main" id="{D6BCA3D1-02E8-8BB7-864B-5BC464A464D1}"/>
+              </a:ext>
+            </a:extLst>
+          </p:cNvPr>
+          <p:cNvSpPr>
+            <a:spLocks noGrp="1"/>
+          </p:cNvSpPr>
+          <p:nvPr>
+            <p:ph idx="1"/>
+          </p:nvPr>
+        </p:nvSpPr>
+        <p:spPr/>
+        <p:txBody>
+          <a:bodyPr/>
+          <a:lstStyle/>
+          <a:p>
+            <a:r>
+              <a:rPr lang="ko-KR" altLang="en-US" dirty="0"/>
+              <a:t>아래와 같은 기능을 하는 </a:t>
             </a:r>
             <a:r>
               <a:rPr lang="en-US" altLang="ko-KR" dirty="0"/>
-              <a:t>catch</a:t>
-            </a:r>
-            <a:r>
-              <a:rPr lang="ko-KR" altLang="en-US" dirty="0"/>
-              <a:t>를 작동시킴</a:t>
+              <a:t>void </a:t>
+            </a:r>
+            <a:r>
+              <a:rPr lang="ko-KR" altLang="en-US" dirty="0"/>
+              <a:t>형 메소드 </a:t>
+            </a:r>
+            <a:r>
+              <a:rPr lang="en-US" altLang="ko-KR" dirty="0"/>
+              <a:t>2</a:t>
+            </a:r>
+            <a:r>
+              <a:rPr lang="ko-KR" altLang="en-US" dirty="0"/>
+              <a:t>개를 작성</a:t>
             </a:r>
             <a:endParaRPr lang="en-US" altLang="ko-KR" dirty="0"/>
           </a:p>
           <a:p>
-            <a:r>
-              <a:rPr lang="en-US" altLang="ko-KR" dirty="0">
-                <a:solidFill>
-                  <a:srgbClr val="7030A0"/>
-                </a:solidFill>
-              </a:rPr>
-              <a:t>catch</a:t>
-            </a:r>
-          </a:p>
-          <a:p>
-            <a:pPr lvl="1"/>
+            <a:pPr marL="514350" indent="-514350">
+              <a:buFont typeface="+mj-lt"/>
+              <a:buAutoNum type="arabicPeriod"/>
+            </a:pPr>
             <a:r>
               <a:rPr lang="en-US" altLang="ko-KR" dirty="0"/>
-              <a:t>try </a:t>
-            </a:r>
-            <a:r>
-              <a:rPr lang="ko-KR" altLang="en-US" dirty="0"/>
-              <a:t>안에서 오류 발생시 자동으로 </a:t>
+              <a:t>ref</a:t>
+            </a:r>
+            <a:r>
+              <a:rPr lang="ko-KR" altLang="en-US" dirty="0"/>
+              <a:t>를 사용하여 배열을 입력 받고</a:t>
             </a:r>
             <a:r>
               <a:rPr lang="en-US" altLang="ko-KR" dirty="0"/>
-              <a:t>catch</a:t>
-            </a:r>
-            <a:r>
-              <a:rPr lang="ko-KR" altLang="en-US" dirty="0"/>
-              <a:t>로 넘어옴</a:t>
+              <a:t>, </a:t>
+            </a:r>
+            <a:r>
+              <a:rPr lang="ko-KR" altLang="en-US" dirty="0"/>
+              <a:t>배열에 있는 값을 </a:t>
+            </a:r>
+            <a:r>
+              <a:rPr lang="en-US" altLang="ko-KR" dirty="0"/>
+              <a:t>1</a:t>
+            </a:r>
+            <a:r>
+              <a:rPr lang="ko-KR" altLang="en-US" dirty="0"/>
+              <a:t>부터 배열의 크기만큼 채워 줌</a:t>
             </a:r>
             <a:endParaRPr lang="en-US" altLang="ko-KR" dirty="0"/>
           </a:p>
           <a:p>
-            <a:pPr lvl="1"/>
-            <a:r>
-              <a:rPr lang="ko-KR" altLang="en-US" dirty="0"/>
-              <a:t>오류에 대한 내용이 적혀 있는 </a:t>
-            </a:r>
-            <a:r>
-              <a:rPr lang="en-US" altLang="ko-KR" dirty="0" err="1"/>
-              <a:t>Excaption</a:t>
-            </a:r>
+            <a:pPr marL="514350" indent="-514350">
+              <a:buFont typeface="+mj-lt"/>
+              <a:buAutoNum type="arabicPeriod"/>
+            </a:pPr>
             <a:r>
               <a:rPr lang="en-US" altLang="ko-KR" dirty="0"/>
-              <a:t> </a:t>
-            </a:r>
-            <a:r>
-              <a:rPr lang="ko-KR" altLang="en-US" dirty="0"/>
-              <a:t>클래스 인스턴스를 전달 받을 수 있음</a:t>
-            </a:r>
-            <a:endParaRPr lang="en-US" altLang="ko-KR" dirty="0"/>
-          </a:p>
-          <a:p>
-            <a:pPr lvl="1"/>
-            <a:r>
-              <a:rPr lang="ko-KR" altLang="en-US" dirty="0"/>
-              <a:t>원하는 종류의 오류 별로 각각 </a:t>
+              <a:t>out</a:t>
+            </a:r>
+            <a:r>
+              <a:rPr lang="ko-KR" altLang="en-US" dirty="0"/>
+              <a:t>을 사용하여 초기화 되지 않은</a:t>
             </a:r>
             <a:r>
               <a:rPr lang="en-US" altLang="ko-KR" dirty="0"/>
-              <a:t>catch </a:t>
-            </a:r>
-            <a:r>
-              <a:rPr lang="ko-KR" altLang="en-US" dirty="0"/>
-              <a:t>문을 작성할 수 있음</a:t>
-            </a:r>
-            <a:endParaRPr lang="en-US" altLang="ko-KR" dirty="0"/>
-          </a:p>
-          <a:p>
-            <a:r>
-              <a:rPr lang="en-US" altLang="ko-KR" dirty="0">
-                <a:solidFill>
-                  <a:srgbClr val="7030A0"/>
-                </a:solidFill>
-              </a:rPr>
-              <a:t>finally </a:t>
-            </a:r>
-            <a:r>
-              <a:rPr lang="en-US" altLang="ko-KR" dirty="0"/>
-              <a:t>(</a:t>
-            </a:r>
-            <a:r>
-              <a:rPr lang="ko-KR" altLang="en-US" dirty="0"/>
-              <a:t>선택</a:t>
+              <a:t>(new </a:t>
+            </a:r>
+            <a:r>
+              <a:rPr lang="ko-KR" altLang="en-US" dirty="0"/>
+              <a:t>적용 전</a:t>
             </a:r>
             <a:r>
               <a:rPr lang="en-US" altLang="ko-KR" dirty="0"/>
               <a:t>)</a:t>
             </a:r>
-          </a:p>
-          <a:p>
-            <a:pPr lvl="1"/>
+            <a:r>
+              <a:rPr lang="ko-KR" altLang="en-US" dirty="0"/>
+              <a:t> 배열</a:t>
+            </a:r>
             <a:r>
               <a:rPr lang="en-US" altLang="ko-KR" dirty="0"/>
-              <a:t>try</a:t>
-            </a:r>
-            <a:r>
-              <a:rPr lang="ko-KR" altLang="en-US" dirty="0"/>
-              <a:t>가 정상적으로 수행되거나</a:t>
+              <a:t>,</a:t>
+            </a:r>
+            <a:r>
+              <a:rPr lang="ko-KR" altLang="en-US" dirty="0"/>
+              <a:t> 원하는 크기를 입력 받고</a:t>
             </a:r>
             <a:r>
               <a:rPr lang="en-US" altLang="ko-KR" dirty="0"/>
-              <a:t>, catch</a:t>
-            </a:r>
-            <a:r>
-              <a:rPr lang="ko-KR" altLang="en-US" dirty="0"/>
-              <a:t>를 통해 문제가 해결된 경우 실행</a:t>
+              <a:t>, </a:t>
+            </a:r>
+            <a:r>
+              <a:rPr lang="ko-KR" altLang="en-US" dirty="0"/>
+              <a:t>입력 받은 크기 만큼의 배열을 생성 후 </a:t>
+            </a:r>
+            <a:r>
+              <a:rPr lang="en-US" altLang="ko-KR" dirty="0"/>
+              <a:t>1</a:t>
+            </a:r>
+            <a:r>
+              <a:rPr lang="ko-KR" altLang="en-US" dirty="0"/>
+              <a:t>부터 배열의 크기 만큼 값을 채워 줌</a:t>
             </a:r>
             <a:endParaRPr lang="en-US" altLang="ko-KR" dirty="0"/>
           </a:p>
           <a:p>
-            <a:pPr lvl="1"/>
             <a:r>
               <a:rPr lang="en-US" altLang="ko-KR" dirty="0"/>
-              <a:t>try</a:t>
-            </a:r>
-            <a:r>
-              <a:rPr lang="ko-KR" altLang="en-US" dirty="0"/>
-              <a:t>에서 문제가 발생했으나 </a:t>
-            </a:r>
-            <a:r>
-              <a:rPr lang="en-US" altLang="ko-KR" dirty="0"/>
-              <a:t>catch</a:t>
-            </a:r>
-            <a:r>
-              <a:rPr lang="ko-KR" altLang="en-US" dirty="0"/>
-              <a:t>로 해결하지 못한 경우 실행 안됨</a:t>
-            </a:r>
-            <a:endParaRPr lang="en-US" altLang="ko-KR" dirty="0"/>
-          </a:p>
-          <a:p>
-            <a:pPr lvl="1"/>
-            <a:endParaRPr lang="ko-KR" altLang="en-US" dirty="0"/>
+              <a:t>GitHub Repo. URL</a:t>
+            </a:r>
+            <a:r>
+              <a:rPr lang="ko-KR" altLang="en-US" dirty="0"/>
+              <a:t>을 </a:t>
+            </a:r>
+            <a:r>
+              <a:rPr lang="ko-KR" altLang="en-US" dirty="0" err="1"/>
+              <a:t>슬랙</a:t>
+            </a:r>
+            <a:r>
+              <a:rPr lang="ko-KR" altLang="en-US" dirty="0"/>
+              <a:t> 댓글로 제출</a:t>
+            </a:r>
           </a:p>
         </p:txBody>
       </p:sp>
@@ -6580,7 +7129,7 @@
           <p:cNvPr id="4" name="날짜 개체 틀 3">
             <a:extLst>
               <a:ext uri="{FF2B5EF4-FFF2-40B4-BE49-F238E27FC236}">
-                <a16:creationId xmlns:a16="http://schemas.microsoft.com/office/drawing/2014/main" id="{B3F89852-15D3-7524-2EE6-11D6DA9A27A3}"/>
+                <a16:creationId xmlns:a16="http://schemas.microsoft.com/office/drawing/2014/main" id="{71D70BA8-3C65-9DA4-A03D-99000E36AE83}"/>
               </a:ext>
             </a:extLst>
           </p:cNvPr>
@@ -6598,7 +7147,7 @@
           <a:p>
             <a:fld id="{0F78D9C4-20C1-4B15-A116-16DC77AD9A1E}" type="datetime1">
               <a:rPr lang="ko-KR" altLang="en-US" smtClean="0"/>
-              <a:t>2025-05-11</a:t>
+              <a:t>2025-05-13</a:t>
             </a:fld>
             <a:endParaRPr lang="ko-KR" altLang="en-US"/>
           </a:p>
@@ -6609,7 +7158,7 @@
           <p:cNvPr id="5" name="슬라이드 번호 개체 틀 4">
             <a:extLst>
               <a:ext uri="{FF2B5EF4-FFF2-40B4-BE49-F238E27FC236}">
-                <a16:creationId xmlns:a16="http://schemas.microsoft.com/office/drawing/2014/main" id="{F5851E68-AFE1-2EAA-6833-8FADBF3EC52D}"/>
+                <a16:creationId xmlns:a16="http://schemas.microsoft.com/office/drawing/2014/main" id="{0E897A61-1232-B6C3-2173-9E267D6E375B}"/>
               </a:ext>
             </a:extLst>
           </p:cNvPr>
@@ -6636,7 +7185,7 @@
     </p:spTree>
     <p:extLst>
       <p:ext uri="{BB962C8B-B14F-4D97-AF65-F5344CB8AC3E}">
-        <p14:creationId xmlns:p14="http://schemas.microsoft.com/office/powerpoint/2010/main" val="3553033204"/>
+        <p14:creationId xmlns:p14="http://schemas.microsoft.com/office/powerpoint/2010/main" val="4245573633"/>
       </p:ext>
     </p:extLst>
   </p:cSld>
@@ -6668,7 +7217,7 @@
           <p:cNvPr id="2" name="제목 1">
             <a:extLst>
               <a:ext uri="{FF2B5EF4-FFF2-40B4-BE49-F238E27FC236}">
-                <a16:creationId xmlns:a16="http://schemas.microsoft.com/office/drawing/2014/main" id="{E7241ED8-6C20-3C58-9085-2259964B5177}"/>
+                <a16:creationId xmlns:a16="http://schemas.microsoft.com/office/drawing/2014/main" id="{88B4AC41-32F5-985E-10B4-0293EAD98D22}"/>
               </a:ext>
             </a:extLst>
           </p:cNvPr>
@@ -6686,46 +7235,219 @@
           <a:p>
             <a:r>
               <a:rPr lang="ko-KR" altLang="en-US" dirty="0"/>
-              <a:t>예외처리문</a:t>
-            </a:r>
-          </a:p>
-        </p:txBody>
-      </p:sp>
-      <p:pic>
-        <p:nvPicPr>
-          <p:cNvPr id="7" name="내용 개체 틀 6">
-            <a:extLst>
-              <a:ext uri="{FF2B5EF4-FFF2-40B4-BE49-F238E27FC236}">
-                <a16:creationId xmlns:a16="http://schemas.microsoft.com/office/drawing/2014/main" id="{8EFC4D97-1C30-C7ED-E938-A9BD6B8EF285}"/>
-              </a:ext>
-            </a:extLst>
-          </p:cNvPr>
-          <p:cNvPicPr>
-            <a:picLocks noGrp="1" noChangeAspect="1"/>
-          </p:cNvPicPr>
+              <a:t>예외처리문 </a:t>
+            </a:r>
+          </a:p>
+        </p:txBody>
+      </p:sp>
+      <p:sp>
+        <p:nvSpPr>
+          <p:cNvPr id="3" name="내용 개체 틀 2">
+            <a:extLst>
+              <a:ext uri="{FF2B5EF4-FFF2-40B4-BE49-F238E27FC236}">
+                <a16:creationId xmlns:a16="http://schemas.microsoft.com/office/drawing/2014/main" id="{7D2F579B-033E-E708-4334-6778B9DB73A3}"/>
+              </a:ext>
+            </a:extLst>
+          </p:cNvPr>
+          <p:cNvSpPr>
+            <a:spLocks noGrp="1"/>
+          </p:cNvSpPr>
           <p:nvPr>
             <p:ph idx="1"/>
           </p:nvPr>
-        </p:nvPicPr>
-        <p:blipFill>
-          <a:blip r:embed="rId2"/>
-          <a:stretch>
-            <a:fillRect/>
-          </a:stretch>
-        </p:blipFill>
-        <p:spPr>
-          <a:xfrm>
-            <a:off x="1053854" y="1882447"/>
-            <a:ext cx="4284294" cy="3267682"/>
-          </a:xfrm>
-        </p:spPr>
-      </p:pic>
+        </p:nvSpPr>
+        <p:spPr/>
+        <p:txBody>
+          <a:bodyPr>
+            <a:normAutofit/>
+          </a:bodyPr>
+          <a:lstStyle/>
+          <a:p>
+            <a:r>
+              <a:rPr lang="en-US" altLang="ko-KR" dirty="0">
+                <a:solidFill>
+                  <a:srgbClr val="7030A0"/>
+                </a:solidFill>
+              </a:rPr>
+              <a:t>try</a:t>
+            </a:r>
+          </a:p>
+          <a:p>
+            <a:pPr lvl="1"/>
+            <a:r>
+              <a:rPr lang="ko-KR" altLang="en-US" dirty="0"/>
+              <a:t>오류가 발생 할 가능성이 있는 소스코드를 작성</a:t>
+            </a:r>
+            <a:endParaRPr lang="en-US" altLang="ko-KR" dirty="0"/>
+          </a:p>
+          <a:p>
+            <a:pPr lvl="1"/>
+            <a:r>
+              <a:rPr lang="ko-KR" altLang="en-US" dirty="0"/>
+              <a:t>예상 가능한 오류는 </a:t>
+            </a:r>
+            <a:r>
+              <a:rPr lang="en-US" altLang="ko-KR" dirty="0">
+                <a:solidFill>
+                  <a:srgbClr val="0000FF"/>
+                </a:solidFill>
+              </a:rPr>
+              <a:t>throw</a:t>
+            </a:r>
+            <a:r>
+              <a:rPr lang="ko-KR" altLang="en-US" dirty="0"/>
+              <a:t>를 통해 의도적으로 </a:t>
+            </a:r>
+            <a:r>
+              <a:rPr lang="en-US" altLang="ko-KR" dirty="0"/>
+              <a:t>catch</a:t>
+            </a:r>
+            <a:r>
+              <a:rPr lang="ko-KR" altLang="en-US" dirty="0"/>
+              <a:t>를 작동시킴</a:t>
+            </a:r>
+            <a:endParaRPr lang="en-US" altLang="ko-KR" dirty="0"/>
+          </a:p>
+          <a:p>
+            <a:r>
+              <a:rPr lang="en-US" altLang="ko-KR" dirty="0">
+                <a:solidFill>
+                  <a:srgbClr val="7030A0"/>
+                </a:solidFill>
+              </a:rPr>
+              <a:t>catch</a:t>
+            </a:r>
+          </a:p>
+          <a:p>
+            <a:pPr lvl="1"/>
+            <a:r>
+              <a:rPr lang="en-US" altLang="ko-KR" dirty="0"/>
+              <a:t>try </a:t>
+            </a:r>
+            <a:r>
+              <a:rPr lang="ko-KR" altLang="en-US" dirty="0"/>
+              <a:t>안에서 오류 발생시 자동으로 </a:t>
+            </a:r>
+            <a:r>
+              <a:rPr lang="en-US" altLang="ko-KR" dirty="0"/>
+              <a:t>catch</a:t>
+            </a:r>
+            <a:r>
+              <a:rPr lang="ko-KR" altLang="en-US" dirty="0"/>
+              <a:t>로 넘어옴</a:t>
+            </a:r>
+            <a:endParaRPr lang="en-US" altLang="ko-KR" dirty="0"/>
+          </a:p>
+          <a:p>
+            <a:pPr lvl="1"/>
+            <a:r>
+              <a:rPr lang="ko-KR" altLang="en-US" dirty="0"/>
+              <a:t>오류에 대한 내용이 적혀 있는 </a:t>
+            </a:r>
+            <a:r>
+              <a:rPr lang="en-US" altLang="ko-KR" dirty="0" err="1"/>
+              <a:t>Excaption</a:t>
+            </a:r>
+            <a:r>
+              <a:rPr lang="en-US" altLang="ko-KR" dirty="0"/>
+              <a:t> </a:t>
+            </a:r>
+            <a:r>
+              <a:rPr lang="ko-KR" altLang="en-US" dirty="0"/>
+              <a:t>클래스 인스턴스를 전달 받을 수 있음</a:t>
+            </a:r>
+            <a:endParaRPr lang="en-US" altLang="ko-KR" dirty="0"/>
+          </a:p>
+          <a:p>
+            <a:pPr lvl="1"/>
+            <a:r>
+              <a:rPr lang="ko-KR" altLang="en-US" dirty="0"/>
+              <a:t>원하는 종류의 오류 별로 각각 </a:t>
+            </a:r>
+            <a:r>
+              <a:rPr lang="en-US" altLang="ko-KR" dirty="0"/>
+              <a:t>catch </a:t>
+            </a:r>
+            <a:r>
+              <a:rPr lang="ko-KR" altLang="en-US" dirty="0"/>
+              <a:t>문을 작성할 수 있음</a:t>
+            </a:r>
+            <a:endParaRPr lang="en-US" altLang="ko-KR" dirty="0"/>
+          </a:p>
+          <a:p>
+            <a:r>
+              <a:rPr lang="en-US" altLang="ko-KR" dirty="0">
+                <a:solidFill>
+                  <a:srgbClr val="7030A0"/>
+                </a:solidFill>
+              </a:rPr>
+              <a:t>finally </a:t>
+            </a:r>
+            <a:r>
+              <a:rPr lang="en-US" altLang="ko-KR" dirty="0"/>
+              <a:t>(</a:t>
+            </a:r>
+            <a:r>
+              <a:rPr lang="ko-KR" altLang="en-US" dirty="0"/>
+              <a:t>선택</a:t>
+            </a:r>
+            <a:r>
+              <a:rPr lang="en-US" altLang="ko-KR" dirty="0"/>
+              <a:t>)</a:t>
+            </a:r>
+          </a:p>
+          <a:p>
+            <a:pPr lvl="1"/>
+            <a:r>
+              <a:rPr lang="en-US" altLang="ko-KR" dirty="0"/>
+              <a:t>try</a:t>
+            </a:r>
+            <a:r>
+              <a:rPr lang="ko-KR" altLang="en-US" dirty="0"/>
+              <a:t>가 정상적으로 수행되거나</a:t>
+            </a:r>
+            <a:r>
+              <a:rPr lang="en-US" altLang="ko-KR" dirty="0"/>
+              <a:t>, catch</a:t>
+            </a:r>
+            <a:r>
+              <a:rPr lang="ko-KR" altLang="en-US" dirty="0"/>
+              <a:t>를 통해 문제가 해결된 경우 실행</a:t>
+            </a:r>
+            <a:endParaRPr lang="en-US" altLang="ko-KR" dirty="0"/>
+          </a:p>
+          <a:p>
+            <a:pPr lvl="1"/>
+            <a:r>
+              <a:rPr lang="en-US" altLang="ko-KR" dirty="0"/>
+              <a:t>try</a:t>
+            </a:r>
+            <a:r>
+              <a:rPr lang="ko-KR" altLang="en-US" dirty="0"/>
+              <a:t>에서 문제가 발생했으나 </a:t>
+            </a:r>
+            <a:r>
+              <a:rPr lang="en-US" altLang="ko-KR" dirty="0"/>
+              <a:t>catch</a:t>
+            </a:r>
+            <a:r>
+              <a:rPr lang="ko-KR" altLang="en-US" dirty="0"/>
+              <a:t>로 해결하지 못한 경우 실행 안됨</a:t>
+            </a:r>
+            <a:endParaRPr lang="en-US" altLang="ko-KR" dirty="0"/>
+          </a:p>
+          <a:p>
+            <a:pPr lvl="1"/>
+            <a:endParaRPr lang="ko-KR" altLang="en-US" dirty="0"/>
+          </a:p>
+        </p:txBody>
+      </p:sp>
       <p:sp>
         <p:nvSpPr>
           <p:cNvPr id="4" name="날짜 개체 틀 3">
             <a:extLst>
               <a:ext uri="{FF2B5EF4-FFF2-40B4-BE49-F238E27FC236}">
-                <a16:creationId xmlns:a16="http://schemas.microsoft.com/office/drawing/2014/main" id="{C3AFE863-9320-CE3A-5FF0-B614017B9441}"/>
+                <a16:creationId xmlns:a16="http://schemas.microsoft.com/office/drawing/2014/main" id="{B3F89852-15D3-7524-2EE6-11D6DA9A27A3}"/>
               </a:ext>
             </a:extLst>
           </p:cNvPr>
@@ -6743,7 +7465,7 @@
           <a:p>
             <a:fld id="{0F78D9C4-20C1-4B15-A116-16DC77AD9A1E}" type="datetime1">
               <a:rPr lang="ko-KR" altLang="en-US" smtClean="0"/>
-              <a:t>2025-05-11</a:t>
+              <a:t>2025-05-13</a:t>
             </a:fld>
             <a:endParaRPr lang="ko-KR" altLang="en-US"/>
           </a:p>
@@ -6754,7 +7476,7 @@
           <p:cNvPr id="5" name="슬라이드 번호 개체 틀 4">
             <a:extLst>
               <a:ext uri="{FF2B5EF4-FFF2-40B4-BE49-F238E27FC236}">
-                <a16:creationId xmlns:a16="http://schemas.microsoft.com/office/drawing/2014/main" id="{E850BC20-C01D-5DDC-655F-443639FFB693}"/>
+                <a16:creationId xmlns:a16="http://schemas.microsoft.com/office/drawing/2014/main" id="{F5851E68-AFE1-2EAA-6833-8FADBF3EC52D}"/>
               </a:ext>
             </a:extLst>
           </p:cNvPr>
@@ -6778,70 +7500,10 @@
           </a:p>
         </p:txBody>
       </p:sp>
-      <p:pic>
-        <p:nvPicPr>
-          <p:cNvPr id="9" name="그림 8">
-            <a:extLst>
-              <a:ext uri="{FF2B5EF4-FFF2-40B4-BE49-F238E27FC236}">
-                <a16:creationId xmlns:a16="http://schemas.microsoft.com/office/drawing/2014/main" id="{B7BD3A3F-A934-A69F-862E-1EE171A38BD0}"/>
-              </a:ext>
-            </a:extLst>
-          </p:cNvPr>
-          <p:cNvPicPr>
-            <a:picLocks noChangeAspect="1"/>
-          </p:cNvPicPr>
-          <p:nvPr/>
-        </p:nvPicPr>
-        <p:blipFill>
-          <a:blip r:embed="rId3"/>
-          <a:stretch>
-            <a:fillRect/>
-          </a:stretch>
-        </p:blipFill>
-        <p:spPr>
-          <a:xfrm>
-            <a:off x="5891046" y="1882446"/>
-            <a:ext cx="5464164" cy="3332153"/>
-          </a:xfrm>
-          <a:prstGeom prst="rect">
-            <a:avLst/>
-          </a:prstGeom>
-        </p:spPr>
-      </p:pic>
-      <p:pic>
-        <p:nvPicPr>
-          <p:cNvPr id="11" name="그림 10">
-            <a:extLst>
-              <a:ext uri="{FF2B5EF4-FFF2-40B4-BE49-F238E27FC236}">
-                <a16:creationId xmlns:a16="http://schemas.microsoft.com/office/drawing/2014/main" id="{4FCC6306-B73E-4946-EA2F-3955263335AC}"/>
-              </a:ext>
-            </a:extLst>
-          </p:cNvPr>
-          <p:cNvPicPr>
-            <a:picLocks noChangeAspect="1"/>
-          </p:cNvPicPr>
-          <p:nvPr/>
-        </p:nvPicPr>
-        <p:blipFill>
-          <a:blip r:embed="rId4"/>
-          <a:stretch>
-            <a:fillRect/>
-          </a:stretch>
-        </p:blipFill>
-        <p:spPr>
-          <a:xfrm>
-            <a:off x="9727217" y="3726370"/>
-            <a:ext cx="1939265" cy="1612014"/>
-          </a:xfrm>
-          <a:prstGeom prst="rect">
-            <a:avLst/>
-          </a:prstGeom>
-        </p:spPr>
-      </p:pic>
     </p:spTree>
     <p:extLst>
       <p:ext uri="{BB962C8B-B14F-4D97-AF65-F5344CB8AC3E}">
-        <p14:creationId xmlns:p14="http://schemas.microsoft.com/office/powerpoint/2010/main" val="3157700884"/>
+        <p14:creationId xmlns:p14="http://schemas.microsoft.com/office/powerpoint/2010/main" val="3553033204"/>
       </p:ext>
     </p:extLst>
   </p:cSld>
@@ -6873,7 +7535,7 @@
           <p:cNvPr id="2" name="제목 1">
             <a:extLst>
               <a:ext uri="{FF2B5EF4-FFF2-40B4-BE49-F238E27FC236}">
-                <a16:creationId xmlns:a16="http://schemas.microsoft.com/office/drawing/2014/main" id="{BE35614D-BC21-143F-B9C8-1D728033FFF0}"/>
+                <a16:creationId xmlns:a16="http://schemas.microsoft.com/office/drawing/2014/main" id="{E7241ED8-6C20-3C58-9085-2259964B5177}"/>
               </a:ext>
             </a:extLst>
           </p:cNvPr>
@@ -6901,7 +7563,7 @@
           <p:cNvPr id="7" name="내용 개체 틀 6">
             <a:extLst>
               <a:ext uri="{FF2B5EF4-FFF2-40B4-BE49-F238E27FC236}">
-                <a16:creationId xmlns:a16="http://schemas.microsoft.com/office/drawing/2014/main" id="{6B101693-E53F-AFB6-033D-D8F30B992846}"/>
+                <a16:creationId xmlns:a16="http://schemas.microsoft.com/office/drawing/2014/main" id="{8EFC4D97-1C30-C7ED-E938-A9BD6B8EF285}"/>
               </a:ext>
             </a:extLst>
           </p:cNvPr>
@@ -6920,8 +7582,8 @@
         </p:blipFill>
         <p:spPr>
           <a:xfrm>
-            <a:off x="943849" y="1814094"/>
-            <a:ext cx="4663522" cy="3651285"/>
+            <a:off x="1053854" y="1882447"/>
+            <a:ext cx="4284294" cy="3267682"/>
           </a:xfrm>
         </p:spPr>
       </p:pic>
@@ -6930,7 +7592,7 @@
           <p:cNvPr id="4" name="날짜 개체 틀 3">
             <a:extLst>
               <a:ext uri="{FF2B5EF4-FFF2-40B4-BE49-F238E27FC236}">
-                <a16:creationId xmlns:a16="http://schemas.microsoft.com/office/drawing/2014/main" id="{9E49F37F-CB3F-223E-A62D-DBCAE7F6FA47}"/>
+                <a16:creationId xmlns:a16="http://schemas.microsoft.com/office/drawing/2014/main" id="{C3AFE863-9320-CE3A-5FF0-B614017B9441}"/>
               </a:ext>
             </a:extLst>
           </p:cNvPr>
@@ -6948,7 +7610,7 @@
           <a:p>
             <a:fld id="{0F78D9C4-20C1-4B15-A116-16DC77AD9A1E}" type="datetime1">
               <a:rPr lang="ko-KR" altLang="en-US" smtClean="0"/>
-              <a:t>2025-05-11</a:t>
+              <a:t>2025-05-13</a:t>
             </a:fld>
             <a:endParaRPr lang="ko-KR" altLang="en-US"/>
           </a:p>
@@ -6959,7 +7621,7 @@
           <p:cNvPr id="5" name="슬라이드 번호 개체 틀 4">
             <a:extLst>
               <a:ext uri="{FF2B5EF4-FFF2-40B4-BE49-F238E27FC236}">
-                <a16:creationId xmlns:a16="http://schemas.microsoft.com/office/drawing/2014/main" id="{EF344A19-B983-D0D5-B901-6E46EF1D2619}"/>
+                <a16:creationId xmlns:a16="http://schemas.microsoft.com/office/drawing/2014/main" id="{E850BC20-C01D-5DDC-655F-443639FFB693}"/>
               </a:ext>
             </a:extLst>
           </p:cNvPr>
@@ -6988,7 +7650,7 @@
           <p:cNvPr id="9" name="그림 8">
             <a:extLst>
               <a:ext uri="{FF2B5EF4-FFF2-40B4-BE49-F238E27FC236}">
-                <a16:creationId xmlns:a16="http://schemas.microsoft.com/office/drawing/2014/main" id="{4C43B453-25B1-1A82-EB09-FDDDB8B56616}"/>
+                <a16:creationId xmlns:a16="http://schemas.microsoft.com/office/drawing/2014/main" id="{B7BD3A3F-A934-A69F-862E-1EE171A38BD0}"/>
               </a:ext>
             </a:extLst>
           </p:cNvPr>
@@ -7005,8 +7667,8 @@
         </p:blipFill>
         <p:spPr>
           <a:xfrm>
-            <a:off x="5923574" y="1814094"/>
-            <a:ext cx="5164322" cy="4010084"/>
+            <a:off x="5891046" y="1882446"/>
+            <a:ext cx="5464164" cy="3332153"/>
           </a:xfrm>
           <a:prstGeom prst="rect">
             <a:avLst/>
@@ -7018,7 +7680,7 @@
           <p:cNvPr id="11" name="그림 10">
             <a:extLst>
               <a:ext uri="{FF2B5EF4-FFF2-40B4-BE49-F238E27FC236}">
-                <a16:creationId xmlns:a16="http://schemas.microsoft.com/office/drawing/2014/main" id="{23BC02BD-8022-2D8F-B003-B904A444A94B}"/>
+                <a16:creationId xmlns:a16="http://schemas.microsoft.com/office/drawing/2014/main" id="{4FCC6306-B73E-4946-EA2F-3955263335AC}"/>
               </a:ext>
             </a:extLst>
           </p:cNvPr>
@@ -7035,67 +7697,18 @@
         </p:blipFill>
         <p:spPr>
           <a:xfrm>
-            <a:off x="9925848" y="4194377"/>
-            <a:ext cx="1789104" cy="1629801"/>
+            <a:off x="9727217" y="3726370"/>
+            <a:ext cx="1939265" cy="1612014"/>
           </a:xfrm>
           <a:prstGeom prst="rect">
             <a:avLst/>
           </a:prstGeom>
         </p:spPr>
       </p:pic>
-      <p:sp>
-        <p:nvSpPr>
-          <p:cNvPr id="13" name="TextBox 12">
-            <a:extLst>
-              <a:ext uri="{FF2B5EF4-FFF2-40B4-BE49-F238E27FC236}">
-                <a16:creationId xmlns:a16="http://schemas.microsoft.com/office/drawing/2014/main" id="{6401A616-10E6-7A69-6D91-4DBE60A62AD6}"/>
-              </a:ext>
-            </a:extLst>
-          </p:cNvPr>
-          <p:cNvSpPr txBox="1"/>
-          <p:nvPr/>
-        </p:nvSpPr>
-        <p:spPr>
-          <a:xfrm>
-            <a:off x="838200" y="5733975"/>
-            <a:ext cx="6094428" cy="646331"/>
-          </a:xfrm>
-          <a:prstGeom prst="rect">
-            <a:avLst/>
-          </a:prstGeom>
-          <a:noFill/>
-        </p:spPr>
-        <p:txBody>
-          <a:bodyPr wrap="square">
-            <a:spAutoFit/>
-          </a:bodyPr>
-          <a:lstStyle/>
-          <a:p>
-            <a:r>
-              <a:rPr lang="en-US" altLang="ko-KR" dirty="0"/>
-              <a:t>* </a:t>
-            </a:r>
-            <a:r>
-              <a:rPr lang="ko-KR" altLang="en-US" dirty="0"/>
-              <a:t>예외 종류</a:t>
-            </a:r>
-            <a:endParaRPr lang="en-US" altLang="ko-KR" dirty="0"/>
-          </a:p>
-          <a:p>
-            <a:r>
-              <a:rPr lang="en-US" altLang="ko-KR" dirty="0">
-                <a:hlinkClick r:id="rId5"/>
-              </a:rPr>
-              <a:t>https://parodev.tistory.com/8</a:t>
-            </a:r>
-            <a:endParaRPr lang="ko-KR" altLang="en-US" dirty="0"/>
-          </a:p>
-        </p:txBody>
-      </p:sp>
     </p:spTree>
     <p:extLst>
       <p:ext uri="{BB962C8B-B14F-4D97-AF65-F5344CB8AC3E}">
-        <p14:creationId xmlns:p14="http://schemas.microsoft.com/office/powerpoint/2010/main" val="1216057178"/>
+        <p14:creationId xmlns:p14="http://schemas.microsoft.com/office/powerpoint/2010/main" val="3157700884"/>
       </p:ext>
     </p:extLst>
   </p:cSld>
@@ -7646,4 +8259,319 @@
     </a:ext>
   </a:extLst>
 </a:theme>
+</file>
+
+<file path=ppt/theme/theme3.xml><?xml version="1.0" encoding="utf-8"?>
+<a:theme xmlns:a="http://schemas.openxmlformats.org/drawingml/2006/main" name="Office 테마">
+  <a:themeElements>
+    <a:clrScheme name="Office">
+      <a:dk1>
+        <a:sysClr val="windowText" lastClr="000000"/>
+      </a:dk1>
+      <a:lt1>
+        <a:sysClr val="window" lastClr="FFFFFF"/>
+      </a:lt1>
+      <a:dk2>
+        <a:srgbClr val="0E2841"/>
+      </a:dk2>
+      <a:lt2>
+        <a:srgbClr val="E8E8E8"/>
+      </a:lt2>
+      <a:accent1>
+        <a:srgbClr val="156082"/>
+      </a:accent1>
+      <a:accent2>
+        <a:srgbClr val="E97132"/>
+      </a:accent2>
+      <a:accent3>
+        <a:srgbClr val="196B24"/>
+      </a:accent3>
+      <a:accent4>
+        <a:srgbClr val="0F9ED5"/>
+      </a:accent4>
+      <a:accent5>
+        <a:srgbClr val="A02B93"/>
+      </a:accent5>
+      <a:accent6>
+        <a:srgbClr val="4EA72E"/>
+      </a:accent6>
+      <a:hlink>
+        <a:srgbClr val="467886"/>
+      </a:hlink>
+      <a:folHlink>
+        <a:srgbClr val="96607D"/>
+      </a:folHlink>
+    </a:clrScheme>
+    <a:fontScheme name="Office">
+      <a:majorFont>
+        <a:latin typeface="맑은 고딕" panose="02110004020202020204"/>
+        <a:ea typeface=""/>
+        <a:cs typeface=""/>
+        <a:font script="Jpan" typeface="游ゴシック Light"/>
+        <a:font script="Hang" typeface="맑은 고딕"/>
+        <a:font script="Hans" typeface="等线 Light"/>
+        <a:font script="Hant" typeface="新細明體"/>
+        <a:font script="Arab" typeface="Times New Roman"/>
+        <a:font script="Hebr" typeface="Times New Roman"/>
+        <a:font script="Thai" typeface="Angsana New"/>
+        <a:font script="Ethi" typeface="Nyala"/>
+        <a:font script="Beng" typeface="Vrinda"/>
+        <a:font script="Gujr" typeface="Shruti"/>
+        <a:font script="Khmr" typeface="MoolBoran"/>
+        <a:font script="Knda" typeface="Tunga"/>
+        <a:font script="Guru" typeface="Raavi"/>
+        <a:font script="Cans" typeface="Euphemia"/>
+        <a:font script="Cher" typeface="Plantagenet Cherokee"/>
+        <a:font script="Yiii" typeface="Microsoft Yi Baiti"/>
+        <a:font script="Tibt" typeface="Microsoft Himalaya"/>
+        <a:font script="Thaa" typeface="MV Boli"/>
+        <a:font script="Deva" typeface="Mangal"/>
+        <a:font script="Telu" typeface="Gautami"/>
+        <a:font script="Taml" typeface="Latha"/>
+        <a:font script="Syrc" typeface="Estrangelo Edessa"/>
+        <a:font script="Orya" typeface="Kalinga"/>
+        <a:font script="Mlym" typeface="Kartika"/>
+        <a:font script="Laoo" typeface="DokChampa"/>
+        <a:font script="Sinh" typeface="Iskoola Pota"/>
+        <a:font script="Mong" typeface="Mongolian Baiti"/>
+        <a:font script="Viet" typeface="Times New Roman"/>
+        <a:font script="Uigh" typeface="Microsoft Uighur"/>
+        <a:font script="Geor" typeface="Sylfaen"/>
+        <a:font script="Armn" typeface="Arial"/>
+        <a:font script="Bugi" typeface="Leelawadee UI"/>
+        <a:font script="Bopo" typeface="Microsoft JhengHei"/>
+        <a:font script="Java" typeface="Javanese Text"/>
+        <a:font script="Lisu" typeface="Segoe UI"/>
+        <a:font script="Mymr" typeface="Myanmar Text"/>
+        <a:font script="Nkoo" typeface="Ebrima"/>
+        <a:font script="Olck" typeface="Nirmala UI"/>
+        <a:font script="Osma" typeface="Ebrima"/>
+        <a:font script="Phag" typeface="Phagspa"/>
+        <a:font script="Syrn" typeface="Estrangelo Edessa"/>
+        <a:font script="Syrj" typeface="Estrangelo Edessa"/>
+        <a:font script="Syre" typeface="Estrangelo Edessa"/>
+        <a:font script="Sora" typeface="Nirmala UI"/>
+        <a:font script="Tale" typeface="Microsoft Tai Le"/>
+        <a:font script="Talu" typeface="Microsoft New Tai Lue"/>
+        <a:font script="Tfng" typeface="Ebrima"/>
+      </a:majorFont>
+      <a:minorFont>
+        <a:latin typeface="맑은 고딕" panose="02110004020202020204"/>
+        <a:ea typeface=""/>
+        <a:cs typeface=""/>
+        <a:font script="Jpan" typeface="游ゴシック"/>
+        <a:font script="Hang" typeface="맑은 고딕"/>
+        <a:font script="Hans" typeface="等线"/>
+        <a:font script="Hant" typeface="新細明體"/>
+        <a:font script="Arab" typeface="Arial"/>
+        <a:font script="Hebr" typeface="Arial"/>
+        <a:font script="Thai" typeface="Cordia New"/>
+        <a:font script="Ethi" typeface="Nyala"/>
+        <a:font script="Beng" typeface="Vrinda"/>
+        <a:font script="Gujr" typeface="Shruti"/>
+        <a:font script="Khmr" typeface="DaunPenh"/>
+        <a:font script="Knda" typeface="Tunga"/>
+        <a:font script="Guru" typeface="Raavi"/>
+        <a:font script="Cans" typeface="Euphemia"/>
+        <a:font script="Cher" typeface="Plantagenet Cherokee"/>
+        <a:font script="Yiii" typeface="Microsoft Yi Baiti"/>
+        <a:font script="Tibt" typeface="Microsoft Himalaya"/>
+        <a:font script="Thaa" typeface="MV Boli"/>
+        <a:font script="Deva" typeface="Mangal"/>
+        <a:font script="Telu" typeface="Gautami"/>
+        <a:font script="Taml" typeface="Latha"/>
+        <a:font script="Syrc" typeface="Estrangelo Edessa"/>
+        <a:font script="Orya" typeface="Kalinga"/>
+        <a:font script="Mlym" typeface="Kartika"/>
+        <a:font script="Laoo" typeface="DokChampa"/>
+        <a:font script="Sinh" typeface="Iskoola Pota"/>
+        <a:font script="Mong" typeface="Mongolian Baiti"/>
+        <a:font script="Viet" typeface="Arial"/>
+        <a:font script="Uigh" typeface="Microsoft Uighur"/>
+        <a:font script="Geor" typeface="Sylfaen"/>
+        <a:font script="Armn" typeface="Arial"/>
+        <a:font script="Bugi" typeface="Leelawadee UI"/>
+        <a:font script="Bopo" typeface="Microsoft JhengHei"/>
+        <a:font script="Java" typeface="Javanese Text"/>
+        <a:font script="Lisu" typeface="Segoe UI"/>
+        <a:font script="Mymr" typeface="Myanmar Text"/>
+        <a:font script="Nkoo" typeface="Ebrima"/>
+        <a:font script="Olck" typeface="Nirmala UI"/>
+        <a:font script="Osma" typeface="Ebrima"/>
+        <a:font script="Phag" typeface="Phagspa"/>
+        <a:font script="Syrn" typeface="Estrangelo Edessa"/>
+        <a:font script="Syrj" typeface="Estrangelo Edessa"/>
+        <a:font script="Syre" typeface="Estrangelo Edessa"/>
+        <a:font script="Sora" typeface="Nirmala UI"/>
+        <a:font script="Tale" typeface="Microsoft Tai Le"/>
+        <a:font script="Talu" typeface="Microsoft New Tai Lue"/>
+        <a:font script="Tfng" typeface="Ebrima"/>
+      </a:minorFont>
+    </a:fontScheme>
+    <a:fmtScheme name="Office">
+      <a:fillStyleLst>
+        <a:solidFill>
+          <a:schemeClr val="phClr"/>
+        </a:solidFill>
+        <a:gradFill rotWithShape="1">
+          <a:gsLst>
+            <a:gs pos="0">
+              <a:schemeClr val="phClr">
+                <a:lumMod val="110000"/>
+                <a:satMod val="105000"/>
+                <a:tint val="67000"/>
+              </a:schemeClr>
+            </a:gs>
+            <a:gs pos="50000">
+              <a:schemeClr val="phClr">
+                <a:lumMod val="105000"/>
+                <a:satMod val="103000"/>
+                <a:tint val="73000"/>
+              </a:schemeClr>
+            </a:gs>
+            <a:gs pos="100000">
+              <a:schemeClr val="phClr">
+                <a:lumMod val="105000"/>
+                <a:satMod val="109000"/>
+                <a:tint val="81000"/>
+              </a:schemeClr>
+            </a:gs>
+          </a:gsLst>
+          <a:lin ang="5400000" scaled="0"/>
+        </a:gradFill>
+        <a:gradFill rotWithShape="1">
+          <a:gsLst>
+            <a:gs pos="0">
+              <a:schemeClr val="phClr">
+                <a:satMod val="103000"/>
+                <a:lumMod val="102000"/>
+                <a:tint val="94000"/>
+              </a:schemeClr>
+            </a:gs>
+            <a:gs pos="50000">
+              <a:schemeClr val="phClr">
+                <a:satMod val="110000"/>
+                <a:lumMod val="100000"/>
+                <a:shade val="100000"/>
+              </a:schemeClr>
+            </a:gs>
+            <a:gs pos="100000">
+              <a:schemeClr val="phClr">
+                <a:lumMod val="99000"/>
+                <a:satMod val="120000"/>
+                <a:shade val="78000"/>
+              </a:schemeClr>
+            </a:gs>
+          </a:gsLst>
+          <a:lin ang="5400000" scaled="0"/>
+        </a:gradFill>
+      </a:fillStyleLst>
+      <a:lnStyleLst>
+        <a:ln w="12700" cap="flat" cmpd="sng" algn="ctr">
+          <a:solidFill>
+            <a:schemeClr val="phClr"/>
+          </a:solidFill>
+          <a:prstDash val="solid"/>
+          <a:miter lim="800000"/>
+        </a:ln>
+        <a:ln w="19050" cap="flat" cmpd="sng" algn="ctr">
+          <a:solidFill>
+            <a:schemeClr val="phClr"/>
+          </a:solidFill>
+          <a:prstDash val="solid"/>
+          <a:miter lim="800000"/>
+        </a:ln>
+        <a:ln w="25400" cap="flat" cmpd="sng" algn="ctr">
+          <a:solidFill>
+            <a:schemeClr val="phClr"/>
+          </a:solidFill>
+          <a:prstDash val="solid"/>
+          <a:miter lim="800000"/>
+        </a:ln>
+      </a:lnStyleLst>
+      <a:effectStyleLst>
+        <a:effectStyle>
+          <a:effectLst/>
+        </a:effectStyle>
+        <a:effectStyle>
+          <a:effectLst/>
+        </a:effectStyle>
+        <a:effectStyle>
+          <a:effectLst>
+            <a:outerShdw blurRad="57150" dist="19050" dir="5400000" algn="ctr" rotWithShape="0">
+              <a:srgbClr val="000000">
+                <a:alpha val="63000"/>
+              </a:srgbClr>
+            </a:outerShdw>
+          </a:effectLst>
+        </a:effectStyle>
+      </a:effectStyleLst>
+      <a:bgFillStyleLst>
+        <a:solidFill>
+          <a:schemeClr val="phClr"/>
+        </a:solidFill>
+        <a:solidFill>
+          <a:schemeClr val="phClr">
+            <a:tint val="95000"/>
+            <a:satMod val="170000"/>
+          </a:schemeClr>
+        </a:solidFill>
+        <a:gradFill rotWithShape="1">
+          <a:gsLst>
+            <a:gs pos="0">
+              <a:schemeClr val="phClr">
+                <a:tint val="93000"/>
+                <a:satMod val="150000"/>
+                <a:shade val="98000"/>
+                <a:lumMod val="102000"/>
+              </a:schemeClr>
+            </a:gs>
+            <a:gs pos="50000">
+              <a:schemeClr val="phClr">
+                <a:tint val="98000"/>
+                <a:satMod val="130000"/>
+                <a:shade val="90000"/>
+                <a:lumMod val="103000"/>
+              </a:schemeClr>
+            </a:gs>
+            <a:gs pos="100000">
+              <a:schemeClr val="phClr">
+                <a:shade val="63000"/>
+                <a:satMod val="120000"/>
+              </a:schemeClr>
+            </a:gs>
+          </a:gsLst>
+          <a:lin ang="5400000" scaled="0"/>
+        </a:gradFill>
+      </a:bgFillStyleLst>
+    </a:fmtScheme>
+  </a:themeElements>
+  <a:objectDefaults>
+    <a:lnDef>
+      <a:spPr/>
+      <a:bodyPr/>
+      <a:lstStyle/>
+      <a:style>
+        <a:lnRef idx="2">
+          <a:schemeClr val="accent1"/>
+        </a:lnRef>
+        <a:fillRef idx="0">
+          <a:schemeClr val="accent1"/>
+        </a:fillRef>
+        <a:effectRef idx="1">
+          <a:schemeClr val="accent1"/>
+        </a:effectRef>
+        <a:fontRef idx="minor">
+          <a:schemeClr val="tx1"/>
+        </a:fontRef>
+      </a:style>
+    </a:lnDef>
+  </a:objectDefaults>
+  <a:extraClrSchemeLst/>
+  <a:extLst>
+    <a:ext uri="{05A4C25C-085E-4340-85A3-A5531E510DB2}">
+      <thm15:themeFamily xmlns:thm15="http://schemas.microsoft.com/office/thememl/2012/main" name="Office Theme" id="{2E142A2C-CD16-42D6-873A-C26D2A0506FA}" vid="{1BDDFF52-6CD6-40A5-AB3C-68EB2F1E4D0A}"/>
+    </a:ext>
+  </a:extLst>
+</a:theme>
 </file>
--- a/material/13_CSharp_심화문법 (예외처리).pptx
+++ b/material/13_CSharp_심화문법 (예외처리).pptx
@@ -5,10 +5,10 @@
     <p:sldMasterId id="2147483672" r:id="rId1"/>
   </p:sldMasterIdLst>
   <p:notesMasterIdLst>
-    <p:notesMasterId r:id="rId13"/>
+    <p:notesMasterId r:id="rId18"/>
   </p:notesMasterIdLst>
   <p:handoutMasterIdLst>
-    <p:handoutMasterId r:id="rId14"/>
+    <p:handoutMasterId r:id="rId19"/>
   </p:handoutMasterIdLst>
   <p:sldIdLst>
     <p:sldId id="853" r:id="rId2"/>
@@ -18,27 +18,40 @@
     <p:sldId id="729" r:id="rId6"/>
     <p:sldId id="730" r:id="rId7"/>
     <p:sldId id="731" r:id="rId8"/>
-    <p:sldId id="821" r:id="rId9"/>
-    <p:sldId id="822" r:id="rId10"/>
-    <p:sldId id="823" r:id="rId11"/>
-    <p:sldId id="746" r:id="rId12"/>
+    <p:sldId id="854" r:id="rId9"/>
+    <p:sldId id="855" r:id="rId10"/>
+    <p:sldId id="856" r:id="rId11"/>
+    <p:sldId id="821" r:id="rId12"/>
+    <p:sldId id="822" r:id="rId13"/>
+    <p:sldId id="823" r:id="rId14"/>
+    <p:sldId id="746" r:id="rId15"/>
+    <p:sldId id="857" r:id="rId16"/>
+    <p:sldId id="858" r:id="rId17"/>
   </p:sldIdLst>
   <p:sldSz cx="12192000" cy="6858000"/>
   <p:notesSz cx="6858000" cy="9144000"/>
   <p:embeddedFontLst>
     <p:embeddedFont>
-      <p:font typeface="Pretendard" panose="020B0600000101010101" charset="-127"/>
-      <p:regular r:id="rId15"/>
-      <p:bold r:id="rId16"/>
+      <p:font typeface="Pretendard Black" panose="02000A03000000020004" pitchFamily="2" charset="-127"/>
+      <p:bold r:id="rId20"/>
     </p:embeddedFont>
     <p:embeddedFont>
-      <p:font typeface="Pretendard Black" panose="020B0600000101010101" charset="-127"/>
-      <p:bold r:id="rId17"/>
+      <p:font typeface="Pretendard" panose="02000503000000020004" pitchFamily="2" charset="-127"/>
+      <p:regular r:id="rId21"/>
+      <p:bold r:id="rId22"/>
     </p:embeddedFont>
     <p:embeddedFont>
       <p:font typeface="맑은 고딕" panose="020B0503020000020004" pitchFamily="50" charset="-127"/>
-      <p:regular r:id="rId18"/>
-      <p:bold r:id="rId19"/>
+      <p:regular r:id="rId23"/>
+      <p:bold r:id="rId24"/>
+    </p:embeddedFont>
+    <p:embeddedFont>
+      <p:font typeface="AppleSDGothicNeoH00" panose="020B0600000101010101" charset="-127"/>
+      <p:regular r:id="rId25"/>
+    </p:embeddedFont>
+    <p:embeddedFont>
+      <p:font typeface="AppleSDGothicNeoB00" panose="020B0600000101010101" charset="-127"/>
+      <p:regular r:id="rId26"/>
     </p:embeddedFont>
   </p:embeddedFontLst>
   <p:defaultTextStyle>
@@ -772,6 +785,276 @@
 </p:notes>
 </file>
 
+<file path=ppt/notesSlides/notesSlide10.xml><?xml version="1.0" encoding="utf-8"?>
+<p:notes xmlns:a="http://schemas.openxmlformats.org/drawingml/2006/main" xmlns:r="http://schemas.openxmlformats.org/officeDocument/2006/relationships" xmlns:p="http://schemas.openxmlformats.org/presentationml/2006/main">
+  <p:cSld>
+    <p:spTree>
+      <p:nvGrpSpPr>
+        <p:cNvPr id="1" name=""/>
+        <p:cNvGrpSpPr/>
+        <p:nvPr/>
+      </p:nvGrpSpPr>
+      <p:grpSpPr>
+        <a:xfrm>
+          <a:off x="0" y="0"/>
+          <a:ext cx="0" cy="0"/>
+          <a:chOff x="0" y="0"/>
+          <a:chExt cx="0" cy="0"/>
+        </a:xfrm>
+      </p:grpSpPr>
+      <p:sp>
+        <p:nvSpPr>
+          <p:cNvPr id="2" name="슬라이드 이미지 개체 틀 1"/>
+          <p:cNvSpPr>
+            <a:spLocks noGrp="1" noRot="1" noChangeAspect="1"/>
+          </p:cNvSpPr>
+          <p:nvPr>
+            <p:ph type="sldImg"/>
+          </p:nvPr>
+        </p:nvSpPr>
+        <p:spPr/>
+      </p:sp>
+      <p:sp>
+        <p:nvSpPr>
+          <p:cNvPr id="3" name="슬라이드 노트 개체 틀 2"/>
+          <p:cNvSpPr>
+            <a:spLocks noGrp="1"/>
+          </p:cNvSpPr>
+          <p:nvPr>
+            <p:ph type="body" idx="1"/>
+          </p:nvPr>
+        </p:nvSpPr>
+        <p:spPr/>
+        <p:txBody>
+          <a:bodyPr/>
+          <a:lstStyle/>
+          <a:p>
+            <a:r>
+              <a:rPr lang="en-US" altLang="ko-KR" dirty="0" err="1" smtClean="0"/>
+              <a:t>ConsoleAppException</a:t>
+            </a:r>
+            <a:endParaRPr lang="en-US" altLang="ko-KR" dirty="0" smtClean="0"/>
+          </a:p>
+          <a:p>
+            <a:endParaRPr lang="en-US" altLang="ko-KR" dirty="0" smtClean="0"/>
+          </a:p>
+          <a:p>
+            <a:r>
+              <a:rPr lang="ko-KR" altLang="en-US" dirty="0" smtClean="0"/>
+              <a:t>실습 문제 너무 어렵다고 판단</a:t>
+            </a:r>
+            <a:r>
+              <a:rPr lang="en-US" altLang="ko-KR" dirty="0" smtClean="0"/>
+              <a:t>!..</a:t>
+            </a:r>
+            <a:endParaRPr lang="ko-KR" altLang="en-US" dirty="0"/>
+          </a:p>
+        </p:txBody>
+      </p:sp>
+      <p:sp>
+        <p:nvSpPr>
+          <p:cNvPr id="4" name="슬라이드 번호 개체 틀 3"/>
+          <p:cNvSpPr>
+            <a:spLocks noGrp="1"/>
+          </p:cNvSpPr>
+          <p:nvPr>
+            <p:ph type="sldNum" sz="quarter" idx="5"/>
+          </p:nvPr>
+        </p:nvSpPr>
+        <p:spPr/>
+        <p:txBody>
+          <a:bodyPr/>
+          <a:lstStyle/>
+          <a:p>
+            <a:fld id="{C09E5BFC-1559-42F1-8940-AB342D56BF02}" type="slidenum">
+              <a:rPr lang="ko-KR" altLang="en-US" smtClean="0"/>
+              <a:t>14</a:t>
+            </a:fld>
+            <a:endParaRPr lang="ko-KR" altLang="en-US"/>
+          </a:p>
+        </p:txBody>
+      </p:sp>
+    </p:spTree>
+    <p:extLst>
+      <p:ext uri="{BB962C8B-B14F-4D97-AF65-F5344CB8AC3E}">
+        <p14:creationId xmlns:p14="http://schemas.microsoft.com/office/powerpoint/2010/main" val="1869088784"/>
+      </p:ext>
+    </p:extLst>
+  </p:cSld>
+  <p:clrMapOvr>
+    <a:masterClrMapping/>
+  </p:clrMapOvr>
+</p:notes>
+</file>
+
+<file path=ppt/notesSlides/notesSlide11.xml><?xml version="1.0" encoding="utf-8"?>
+<p:notes xmlns:a="http://schemas.openxmlformats.org/drawingml/2006/main" xmlns:r="http://schemas.openxmlformats.org/officeDocument/2006/relationships" xmlns:p="http://schemas.openxmlformats.org/presentationml/2006/main">
+  <p:cSld>
+    <p:spTree>
+      <p:nvGrpSpPr>
+        <p:cNvPr id="1" name=""/>
+        <p:cNvGrpSpPr/>
+        <p:nvPr/>
+      </p:nvGrpSpPr>
+      <p:grpSpPr>
+        <a:xfrm>
+          <a:off x="0" y="0"/>
+          <a:ext cx="0" cy="0"/>
+          <a:chOff x="0" y="0"/>
+          <a:chExt cx="0" cy="0"/>
+        </a:xfrm>
+      </p:grpSpPr>
+      <p:sp>
+        <p:nvSpPr>
+          <p:cNvPr id="2" name="슬라이드 이미지 개체 틀 1"/>
+          <p:cNvSpPr>
+            <a:spLocks noGrp="1" noRot="1" noChangeAspect="1"/>
+          </p:cNvSpPr>
+          <p:nvPr>
+            <p:ph type="sldImg"/>
+          </p:nvPr>
+        </p:nvSpPr>
+        <p:spPr/>
+      </p:sp>
+      <p:sp>
+        <p:nvSpPr>
+          <p:cNvPr id="3" name="슬라이드 노트 개체 틀 2"/>
+          <p:cNvSpPr>
+            <a:spLocks noGrp="1"/>
+          </p:cNvSpPr>
+          <p:nvPr>
+            <p:ph type="body" idx="1"/>
+          </p:nvPr>
+        </p:nvSpPr>
+        <p:spPr/>
+        <p:txBody>
+          <a:bodyPr/>
+          <a:lstStyle/>
+          <a:p>
+            <a:endParaRPr lang="ko-KR" altLang="en-US" dirty="0"/>
+          </a:p>
+        </p:txBody>
+      </p:sp>
+      <p:sp>
+        <p:nvSpPr>
+          <p:cNvPr id="4" name="슬라이드 번호 개체 틀 3"/>
+          <p:cNvSpPr>
+            <a:spLocks noGrp="1"/>
+          </p:cNvSpPr>
+          <p:nvPr>
+            <p:ph type="sldNum" sz="quarter" idx="5"/>
+          </p:nvPr>
+        </p:nvSpPr>
+        <p:spPr/>
+        <p:txBody>
+          <a:bodyPr/>
+          <a:lstStyle/>
+          <a:p>
+            <a:fld id="{C09E5BFC-1559-42F1-8940-AB342D56BF02}" type="slidenum">
+              <a:rPr lang="ko-KR" altLang="en-US" smtClean="0"/>
+              <a:t>15</a:t>
+            </a:fld>
+            <a:endParaRPr lang="ko-KR" altLang="en-US"/>
+          </a:p>
+        </p:txBody>
+      </p:sp>
+    </p:spTree>
+    <p:extLst>
+      <p:ext uri="{BB962C8B-B14F-4D97-AF65-F5344CB8AC3E}">
+        <p14:creationId xmlns:p14="http://schemas.microsoft.com/office/powerpoint/2010/main" val="2496937154"/>
+      </p:ext>
+    </p:extLst>
+  </p:cSld>
+  <p:clrMapOvr>
+    <a:masterClrMapping/>
+  </p:clrMapOvr>
+</p:notes>
+</file>
+
+<file path=ppt/notesSlides/notesSlide12.xml><?xml version="1.0" encoding="utf-8"?>
+<p:notes xmlns:a="http://schemas.openxmlformats.org/drawingml/2006/main" xmlns:r="http://schemas.openxmlformats.org/officeDocument/2006/relationships" xmlns:p="http://schemas.openxmlformats.org/presentationml/2006/main">
+  <p:cSld>
+    <p:spTree>
+      <p:nvGrpSpPr>
+        <p:cNvPr id="1" name=""/>
+        <p:cNvGrpSpPr/>
+        <p:nvPr/>
+      </p:nvGrpSpPr>
+      <p:grpSpPr>
+        <a:xfrm>
+          <a:off x="0" y="0"/>
+          <a:ext cx="0" cy="0"/>
+          <a:chOff x="0" y="0"/>
+          <a:chExt cx="0" cy="0"/>
+        </a:xfrm>
+      </p:grpSpPr>
+      <p:sp>
+        <p:nvSpPr>
+          <p:cNvPr id="2" name="슬라이드 이미지 개체 틀 1"/>
+          <p:cNvSpPr>
+            <a:spLocks noGrp="1" noRot="1" noChangeAspect="1"/>
+          </p:cNvSpPr>
+          <p:nvPr>
+            <p:ph type="sldImg"/>
+          </p:nvPr>
+        </p:nvSpPr>
+        <p:spPr/>
+      </p:sp>
+      <p:sp>
+        <p:nvSpPr>
+          <p:cNvPr id="3" name="슬라이드 노트 개체 틀 2"/>
+          <p:cNvSpPr>
+            <a:spLocks noGrp="1"/>
+          </p:cNvSpPr>
+          <p:nvPr>
+            <p:ph type="body" idx="1"/>
+          </p:nvPr>
+        </p:nvSpPr>
+        <p:spPr/>
+        <p:txBody>
+          <a:bodyPr/>
+          <a:lstStyle/>
+          <a:p>
+            <a:endParaRPr lang="ko-KR" altLang="en-US" dirty="0"/>
+          </a:p>
+        </p:txBody>
+      </p:sp>
+      <p:sp>
+        <p:nvSpPr>
+          <p:cNvPr id="4" name="슬라이드 번호 개체 틀 3"/>
+          <p:cNvSpPr>
+            <a:spLocks noGrp="1"/>
+          </p:cNvSpPr>
+          <p:nvPr>
+            <p:ph type="sldNum" sz="quarter" idx="5"/>
+          </p:nvPr>
+        </p:nvSpPr>
+        <p:spPr/>
+        <p:txBody>
+          <a:bodyPr/>
+          <a:lstStyle/>
+          <a:p>
+            <a:fld id="{C09E5BFC-1559-42F1-8940-AB342D56BF02}" type="slidenum">
+              <a:rPr lang="ko-KR" altLang="en-US" smtClean="0"/>
+              <a:t>16</a:t>
+            </a:fld>
+            <a:endParaRPr lang="ko-KR" altLang="en-US"/>
+          </a:p>
+        </p:txBody>
+      </p:sp>
+    </p:spTree>
+    <p:extLst>
+      <p:ext uri="{BB962C8B-B14F-4D97-AF65-F5344CB8AC3E}">
+        <p14:creationId xmlns:p14="http://schemas.microsoft.com/office/powerpoint/2010/main" val="3040568692"/>
+      </p:ext>
+    </p:extLst>
+  </p:cSld>
+  <p:clrMapOvr>
+    <a:masterClrMapping/>
+  </p:clrMapOvr>
+</p:notes>
+</file>
+
 <file path=ppt/notesSlides/notesSlide2.xml><?xml version="1.0" encoding="utf-8"?>
 <p:notes xmlns:a="http://schemas.openxmlformats.org/drawingml/2006/main" xmlns:r="http://schemas.openxmlformats.org/officeDocument/2006/relationships" xmlns:p="http://schemas.openxmlformats.org/presentationml/2006/main">
   <p:cSld>
@@ -1025,10 +1308,6 @@
           <a:bodyPr/>
           <a:lstStyle/>
           <a:p>
-            <a:r>
-              <a:rPr lang="en-US" altLang="ko-KR" dirty="0" err="1"/>
-              <a:t>ConsoleAppException</a:t>
-            </a:r>
             <a:endParaRPr lang="ko-KR" altLang="en-US" dirty="0"/>
           </a:p>
         </p:txBody>
@@ -1040,7 +1319,616 @@
             <a:spLocks noGrp="1"/>
           </p:cNvSpPr>
           <p:nvPr>
+            <p:ph type="sldNum" sz="quarter" idx="10"/>
+          </p:nvPr>
+        </p:nvSpPr>
+        <p:spPr/>
+        <p:txBody>
+          <a:bodyPr/>
+          <a:lstStyle/>
+          <a:p>
+            <a:fld id="{C09E5BFC-1559-42F1-8940-AB342D56BF02}" type="slidenum">
+              <a:rPr lang="ko-KR" altLang="en-US" smtClean="0"/>
+              <a:t>8</a:t>
+            </a:fld>
+            <a:endParaRPr lang="ko-KR" altLang="en-US"/>
+          </a:p>
+        </p:txBody>
+      </p:sp>
+    </p:spTree>
+    <p:extLst>
+      <p:ext uri="{BB962C8B-B14F-4D97-AF65-F5344CB8AC3E}">
+        <p14:creationId xmlns:p14="http://schemas.microsoft.com/office/powerpoint/2010/main" val="174242628"/>
+      </p:ext>
+    </p:extLst>
+  </p:cSld>
+  <p:clrMapOvr>
+    <a:masterClrMapping/>
+  </p:clrMapOvr>
+</p:notes>
+</file>
+
+<file path=ppt/notesSlides/notesSlide5.xml><?xml version="1.0" encoding="utf-8"?>
+<p:notes xmlns:a="http://schemas.openxmlformats.org/drawingml/2006/main" xmlns:r="http://schemas.openxmlformats.org/officeDocument/2006/relationships" xmlns:p="http://schemas.openxmlformats.org/presentationml/2006/main">
+  <p:cSld>
+    <p:spTree>
+      <p:nvGrpSpPr>
+        <p:cNvPr id="1" name=""/>
+        <p:cNvGrpSpPr/>
+        <p:nvPr/>
+      </p:nvGrpSpPr>
+      <p:grpSpPr>
+        <a:xfrm>
+          <a:off x="0" y="0"/>
+          <a:ext cx="0" cy="0"/>
+          <a:chOff x="0" y="0"/>
+          <a:chExt cx="0" cy="0"/>
+        </a:xfrm>
+      </p:grpSpPr>
+      <p:sp>
+        <p:nvSpPr>
+          <p:cNvPr id="2" name="슬라이드 이미지 개체 틀 1"/>
+          <p:cNvSpPr>
+            <a:spLocks noGrp="1" noRot="1" noChangeAspect="1"/>
+          </p:cNvSpPr>
+          <p:nvPr>
+            <p:ph type="sldImg"/>
+          </p:nvPr>
+        </p:nvSpPr>
+        <p:spPr/>
+      </p:sp>
+      <p:sp>
+        <p:nvSpPr>
+          <p:cNvPr id="3" name="슬라이드 노트 개체 틀 2"/>
+          <p:cNvSpPr>
+            <a:spLocks noGrp="1"/>
+          </p:cNvSpPr>
+          <p:nvPr>
+            <p:ph type="body" idx="1"/>
+          </p:nvPr>
+        </p:nvSpPr>
+        <p:spPr/>
+        <p:txBody>
+          <a:bodyPr/>
+          <a:lstStyle/>
+          <a:p>
+            <a:endParaRPr lang="en-US" altLang="ko-KR" dirty="0"/>
+          </a:p>
+          <a:p>
+            <a:endParaRPr lang="ko-KR" altLang="en-US" dirty="0"/>
+          </a:p>
+        </p:txBody>
+      </p:sp>
+      <p:sp>
+        <p:nvSpPr>
+          <p:cNvPr id="4" name="슬라이드 번호 개체 틀 3"/>
+          <p:cNvSpPr>
+            <a:spLocks noGrp="1"/>
+          </p:cNvSpPr>
+          <p:nvPr>
             <p:ph type="sldNum" sz="quarter" idx="5"/>
+          </p:nvPr>
+        </p:nvSpPr>
+        <p:spPr/>
+        <p:txBody>
+          <a:bodyPr/>
+          <a:lstStyle/>
+          <a:p>
+            <a:fld id="{C09E5BFC-1559-42F1-8940-AB342D56BF02}" type="slidenum">
+              <a:rPr lang="ko-KR" altLang="en-US" smtClean="0"/>
+              <a:t>9</a:t>
+            </a:fld>
+            <a:endParaRPr lang="ko-KR" altLang="en-US"/>
+          </a:p>
+        </p:txBody>
+      </p:sp>
+    </p:spTree>
+    <p:extLst>
+      <p:ext uri="{BB962C8B-B14F-4D97-AF65-F5344CB8AC3E}">
+        <p14:creationId xmlns:p14="http://schemas.microsoft.com/office/powerpoint/2010/main" val="2545420455"/>
+      </p:ext>
+    </p:extLst>
+  </p:cSld>
+  <p:clrMapOvr>
+    <a:masterClrMapping/>
+  </p:clrMapOvr>
+</p:notes>
+</file>
+
+<file path=ppt/notesSlides/notesSlide6.xml><?xml version="1.0" encoding="utf-8"?>
+<p:notes xmlns:a="http://schemas.openxmlformats.org/drawingml/2006/main" xmlns:r="http://schemas.openxmlformats.org/officeDocument/2006/relationships" xmlns:p="http://schemas.openxmlformats.org/presentationml/2006/main">
+  <p:cSld>
+    <p:spTree>
+      <p:nvGrpSpPr>
+        <p:cNvPr id="1" name=""/>
+        <p:cNvGrpSpPr/>
+        <p:nvPr/>
+      </p:nvGrpSpPr>
+      <p:grpSpPr>
+        <a:xfrm>
+          <a:off x="0" y="0"/>
+          <a:ext cx="0" cy="0"/>
+          <a:chOff x="0" y="0"/>
+          <a:chExt cx="0" cy="0"/>
+        </a:xfrm>
+      </p:grpSpPr>
+      <p:sp>
+        <p:nvSpPr>
+          <p:cNvPr id="2" name="슬라이드 이미지 개체 틀 1"/>
+          <p:cNvSpPr>
+            <a:spLocks noGrp="1" noRot="1" noChangeAspect="1"/>
+          </p:cNvSpPr>
+          <p:nvPr>
+            <p:ph type="sldImg"/>
+          </p:nvPr>
+        </p:nvSpPr>
+        <p:spPr/>
+      </p:sp>
+      <p:sp>
+        <p:nvSpPr>
+          <p:cNvPr id="3" name="슬라이드 노트 개체 틀 2"/>
+          <p:cNvSpPr>
+            <a:spLocks noGrp="1"/>
+          </p:cNvSpPr>
+          <p:nvPr>
+            <p:ph type="body" idx="1"/>
+          </p:nvPr>
+        </p:nvSpPr>
+        <p:spPr/>
+        <p:txBody>
+          <a:bodyPr/>
+          <a:lstStyle/>
+          <a:p>
+            <a:endParaRPr lang="ko-KR" altLang="en-US" dirty="0"/>
+          </a:p>
+        </p:txBody>
+      </p:sp>
+      <p:sp>
+        <p:nvSpPr>
+          <p:cNvPr id="4" name="슬라이드 번호 개체 틀 3"/>
+          <p:cNvSpPr>
+            <a:spLocks noGrp="1"/>
+          </p:cNvSpPr>
+          <p:nvPr>
+            <p:ph type="sldNum" sz="quarter" idx="10"/>
+          </p:nvPr>
+        </p:nvSpPr>
+        <p:spPr/>
+        <p:txBody>
+          <a:bodyPr/>
+          <a:lstStyle/>
+          <a:p>
+            <a:fld id="{C09E5BFC-1559-42F1-8940-AB342D56BF02}" type="slidenum">
+              <a:rPr lang="ko-KR" altLang="en-US" smtClean="0"/>
+              <a:t>10</a:t>
+            </a:fld>
+            <a:endParaRPr lang="ko-KR" altLang="en-US"/>
+          </a:p>
+        </p:txBody>
+      </p:sp>
+    </p:spTree>
+    <p:extLst>
+      <p:ext uri="{BB962C8B-B14F-4D97-AF65-F5344CB8AC3E}">
+        <p14:creationId xmlns:p14="http://schemas.microsoft.com/office/powerpoint/2010/main" val="281067693"/>
+      </p:ext>
+    </p:extLst>
+  </p:cSld>
+  <p:clrMapOvr>
+    <a:masterClrMapping/>
+  </p:clrMapOvr>
+</p:notes>
+</file>
+
+<file path=ppt/notesSlides/notesSlide7.xml><?xml version="1.0" encoding="utf-8"?>
+<p:notes xmlns:a="http://schemas.openxmlformats.org/drawingml/2006/main" xmlns:r="http://schemas.openxmlformats.org/officeDocument/2006/relationships" xmlns:p="http://schemas.openxmlformats.org/presentationml/2006/main">
+  <p:cSld>
+    <p:spTree>
+      <p:nvGrpSpPr>
+        <p:cNvPr id="1" name=""/>
+        <p:cNvGrpSpPr/>
+        <p:nvPr/>
+      </p:nvGrpSpPr>
+      <p:grpSpPr>
+        <a:xfrm>
+          <a:off x="0" y="0"/>
+          <a:ext cx="0" cy="0"/>
+          <a:chOff x="0" y="0"/>
+          <a:chExt cx="0" cy="0"/>
+        </a:xfrm>
+      </p:grpSpPr>
+      <p:sp>
+        <p:nvSpPr>
+          <p:cNvPr id="2" name="슬라이드 이미지 개체 틀 1"/>
+          <p:cNvSpPr>
+            <a:spLocks noGrp="1" noRot="1" noChangeAspect="1"/>
+          </p:cNvSpPr>
+          <p:nvPr>
+            <p:ph type="sldImg"/>
+          </p:nvPr>
+        </p:nvSpPr>
+        <p:spPr/>
+      </p:sp>
+      <p:sp>
+        <p:nvSpPr>
+          <p:cNvPr id="3" name="슬라이드 노트 개체 틀 2"/>
+          <p:cNvSpPr>
+            <a:spLocks noGrp="1"/>
+          </p:cNvSpPr>
+          <p:nvPr>
+            <p:ph type="body" idx="1"/>
+          </p:nvPr>
+        </p:nvSpPr>
+        <p:spPr/>
+        <p:txBody>
+          <a:bodyPr/>
+          <a:lstStyle/>
+          <a:p>
+            <a:r>
+              <a:rPr lang="ko-KR" altLang="en-US" dirty="0" smtClean="0"/>
+              <a:t>기본 구조</a:t>
+            </a:r>
+            <a:endParaRPr lang="en-US" altLang="ko-KR" dirty="0" smtClean="0"/>
+          </a:p>
+          <a:p>
+            <a:r>
+              <a:rPr lang="ko-KR" altLang="en-US" b="1" dirty="0" smtClean="0"/>
+              <a:t>🔹 </a:t>
+            </a:r>
+            <a:r>
+              <a:rPr lang="en-US" altLang="ko-KR" b="1" dirty="0" smtClean="0"/>
+              <a:t>1. try </a:t>
+            </a:r>
+            <a:r>
+              <a:rPr lang="ko-KR" altLang="en-US" b="1" dirty="0" smtClean="0"/>
+              <a:t>블록</a:t>
+            </a:r>
+          </a:p>
+          <a:p>
+            <a:r>
+              <a:rPr lang="ko-KR" altLang="en-US" dirty="0" smtClean="0"/>
+              <a:t>예외가 발생할 </a:t>
+            </a:r>
+            <a:r>
+              <a:rPr lang="ko-KR" altLang="en-US" b="1" dirty="0" smtClean="0"/>
+              <a:t>가능성이 있는</a:t>
+            </a:r>
+            <a:r>
+              <a:rPr lang="ko-KR" altLang="en-US" dirty="0" smtClean="0"/>
+              <a:t> 코드를 넣습니다</a:t>
+            </a:r>
+            <a:r>
+              <a:rPr lang="en-US" altLang="ko-KR" dirty="0" smtClean="0"/>
+              <a:t>.</a:t>
+            </a:r>
+          </a:p>
+          <a:p>
+            <a:r>
+              <a:rPr lang="ko-KR" altLang="en-US" dirty="0" smtClean="0"/>
+              <a:t>문제없이 실행되면 </a:t>
+            </a:r>
+            <a:r>
+              <a:rPr lang="en-US" altLang="ko-KR" dirty="0" smtClean="0"/>
+              <a:t>catch</a:t>
+            </a:r>
+            <a:r>
+              <a:rPr lang="ko-KR" altLang="en-US" dirty="0" smtClean="0"/>
+              <a:t>나 </a:t>
+            </a:r>
+            <a:r>
+              <a:rPr lang="en-US" altLang="ko-KR" dirty="0" smtClean="0"/>
+              <a:t>finally</a:t>
+            </a:r>
+            <a:r>
+              <a:rPr lang="ko-KR" altLang="en-US" dirty="0" smtClean="0"/>
+              <a:t>로 가지 않고 종료됩니다</a:t>
+            </a:r>
+            <a:r>
+              <a:rPr lang="en-US" altLang="ko-KR" dirty="0" smtClean="0"/>
+              <a:t>.</a:t>
+            </a:r>
+          </a:p>
+          <a:p>
+            <a:r>
+              <a:rPr lang="ko-KR" altLang="en-US" b="1" dirty="0" smtClean="0"/>
+              <a:t>예외가 발생하면 </a:t>
+            </a:r>
+            <a:r>
+              <a:rPr lang="en-US" altLang="ko-KR" b="1" dirty="0" smtClean="0"/>
+              <a:t>catch</a:t>
+            </a:r>
+            <a:r>
+              <a:rPr lang="ko-KR" altLang="en-US" b="1" dirty="0" smtClean="0"/>
+              <a:t>로 넘어갑니다</a:t>
+            </a:r>
+            <a:r>
+              <a:rPr lang="en-US" altLang="ko-KR" b="1" dirty="0" smtClean="0"/>
+              <a:t>.</a:t>
+            </a:r>
+          </a:p>
+          <a:p>
+            <a:endParaRPr lang="en-US" altLang="ko-KR" b="1" dirty="0" smtClean="0"/>
+          </a:p>
+          <a:p>
+            <a:r>
+              <a:rPr lang="en-US" altLang="ko-KR" dirty="0" smtClean="0"/>
+              <a:t>throw</a:t>
+            </a:r>
+            <a:r>
+              <a:rPr lang="ko-KR" altLang="en-US" dirty="0" smtClean="0"/>
+              <a:t>는 예외를 </a:t>
+            </a:r>
+            <a:r>
+              <a:rPr lang="ko-KR" altLang="en-US" b="1" dirty="0" smtClean="0"/>
+              <a:t>직접 발생시킬 때</a:t>
+            </a:r>
+            <a:r>
+              <a:rPr lang="ko-KR" altLang="en-US" dirty="0" smtClean="0"/>
+              <a:t> 사용하는 키워드</a:t>
+            </a:r>
+            <a:endParaRPr lang="en-US" altLang="ko-KR" dirty="0" smtClean="0"/>
+          </a:p>
+          <a:p>
+            <a:r>
+              <a:rPr lang="en-US" altLang="ko-KR" dirty="0" smtClean="0"/>
+              <a:t>throw</a:t>
+            </a:r>
+            <a:r>
+              <a:rPr lang="ko-KR" altLang="en-US" dirty="0" smtClean="0"/>
+              <a:t>는 </a:t>
+            </a:r>
+            <a:r>
+              <a:rPr lang="en-US" altLang="ko-KR" dirty="0" smtClean="0"/>
+              <a:t>catch </a:t>
+            </a:r>
+            <a:r>
+              <a:rPr lang="ko-KR" altLang="en-US" dirty="0" smtClean="0"/>
+              <a:t>없이도 예외를 발생시키는 것이며</a:t>
+            </a:r>
+            <a:r>
+              <a:rPr lang="en-US" altLang="ko-KR" dirty="0" smtClean="0"/>
+              <a:t>,</a:t>
+            </a:r>
+            <a:br>
+              <a:rPr lang="en-US" altLang="ko-KR" dirty="0" smtClean="0"/>
+            </a:br>
+            <a:r>
+              <a:rPr lang="ko-KR" altLang="en-US" dirty="0" smtClean="0"/>
+              <a:t>이후에 </a:t>
+            </a:r>
+            <a:r>
+              <a:rPr lang="en-US" altLang="ko-KR" dirty="0" smtClean="0"/>
+              <a:t>catch </a:t>
+            </a:r>
+            <a:r>
+              <a:rPr lang="ko-KR" altLang="en-US" dirty="0" smtClean="0"/>
+              <a:t>블록이 있으면 예외를 처리하고</a:t>
+            </a:r>
+            <a:r>
+              <a:rPr lang="en-US" altLang="ko-KR" dirty="0" smtClean="0"/>
+              <a:t>, </a:t>
+            </a:r>
+            <a:r>
+              <a:rPr lang="ko-KR" altLang="en-US" dirty="0" smtClean="0"/>
+              <a:t>없으면 프로그램이 종료됩니다</a:t>
+            </a:r>
+            <a:r>
+              <a:rPr lang="en-US" altLang="ko-KR" dirty="0" smtClean="0"/>
+              <a:t>.</a:t>
+            </a:r>
+            <a:endParaRPr lang="en-US" altLang="ko-KR" b="1" dirty="0" smtClean="0"/>
+          </a:p>
+          <a:p>
+            <a:endParaRPr lang="ko-KR" altLang="en-US" dirty="0" smtClean="0"/>
+          </a:p>
+          <a:p>
+            <a:r>
+              <a:rPr lang="ko-KR" altLang="en-US" b="1" dirty="0" smtClean="0"/>
+              <a:t>🔹 </a:t>
+            </a:r>
+            <a:r>
+              <a:rPr lang="en-US" altLang="ko-KR" b="1" dirty="0" smtClean="0"/>
+              <a:t>2. catch </a:t>
+            </a:r>
+            <a:r>
+              <a:rPr lang="ko-KR" altLang="en-US" b="1" dirty="0" smtClean="0"/>
+              <a:t>블록</a:t>
+            </a:r>
+          </a:p>
+          <a:p>
+            <a:r>
+              <a:rPr lang="en-US" altLang="ko-KR" dirty="0" smtClean="0"/>
+              <a:t>try</a:t>
+            </a:r>
+            <a:r>
+              <a:rPr lang="ko-KR" altLang="en-US" dirty="0" smtClean="0"/>
+              <a:t>에서 예외가 발생했을 때 </a:t>
+            </a:r>
+            <a:r>
+              <a:rPr lang="ko-KR" altLang="en-US" b="1" dirty="0" smtClean="0"/>
+              <a:t>해당 예외를 잡아서 처리</a:t>
+            </a:r>
+            <a:r>
+              <a:rPr lang="ko-KR" altLang="en-US" dirty="0" smtClean="0"/>
+              <a:t>합니다</a:t>
+            </a:r>
+            <a:r>
+              <a:rPr lang="en-US" altLang="ko-KR" dirty="0" smtClean="0"/>
+              <a:t>.</a:t>
+            </a:r>
+          </a:p>
+          <a:p>
+            <a:r>
+              <a:rPr lang="ko-KR" altLang="en-US" dirty="0" smtClean="0"/>
+              <a:t>예외 정보를 받기 위해 </a:t>
+            </a:r>
+            <a:r>
+              <a:rPr lang="en-US" altLang="ko-KR" dirty="0" smtClean="0"/>
+              <a:t>catch(Exception e)</a:t>
+            </a:r>
+            <a:r>
+              <a:rPr lang="ko-KR" altLang="en-US" dirty="0" smtClean="0"/>
+              <a:t>처럼 매개변수를 줄 수 있습니다</a:t>
+            </a:r>
+            <a:r>
+              <a:rPr lang="en-US" altLang="ko-KR" dirty="0" smtClean="0"/>
+              <a:t>.</a:t>
+            </a:r>
+          </a:p>
+          <a:p>
+            <a:r>
+              <a:rPr lang="ko-KR" altLang="en-US" dirty="0" smtClean="0"/>
+              <a:t>다양한 예외 </a:t>
+            </a:r>
+            <a:r>
+              <a:rPr lang="ko-KR" altLang="en-US" dirty="0" err="1" smtClean="0"/>
+              <a:t>타입별로</a:t>
+            </a:r>
+            <a:r>
+              <a:rPr lang="ko-KR" altLang="en-US" dirty="0" smtClean="0"/>
+              <a:t> </a:t>
+            </a:r>
+            <a:r>
+              <a:rPr lang="en-US" altLang="ko-KR" dirty="0" smtClean="0"/>
+              <a:t>catch</a:t>
+            </a:r>
+            <a:r>
+              <a:rPr lang="ko-KR" altLang="en-US" dirty="0" smtClean="0"/>
+              <a:t>를 여러 개 작성할 수도 있습니다</a:t>
+            </a:r>
+            <a:r>
+              <a:rPr lang="en-US" altLang="ko-KR" dirty="0" smtClean="0"/>
+              <a:t>.</a:t>
+            </a:r>
+          </a:p>
+          <a:p>
+            <a:r>
+              <a:rPr lang="ko-KR" altLang="en-US" dirty="0" smtClean="0"/>
+              <a:t>모든 예외는 </a:t>
+            </a:r>
+            <a:r>
+              <a:rPr lang="en-US" altLang="ko-KR" dirty="0" err="1" smtClean="0"/>
+              <a:t>System.Exception</a:t>
+            </a:r>
+            <a:r>
+              <a:rPr lang="en-US" altLang="ko-KR" dirty="0" smtClean="0"/>
+              <a:t> </a:t>
+            </a:r>
+            <a:r>
+              <a:rPr lang="ko-KR" altLang="en-US" dirty="0" smtClean="0"/>
+              <a:t>클래스를 </a:t>
+            </a:r>
+            <a:r>
+              <a:rPr lang="ko-KR" altLang="en-US" b="1" dirty="0" smtClean="0"/>
+              <a:t>상속</a:t>
+            </a:r>
+            <a:r>
+              <a:rPr lang="ko-KR" altLang="en-US" dirty="0" smtClean="0"/>
+              <a:t>받은 클래스</a:t>
+            </a:r>
+            <a:endParaRPr lang="en-US" altLang="ko-KR" dirty="0" smtClean="0"/>
+          </a:p>
+          <a:p>
+            <a:r>
+              <a:rPr lang="ko-KR" altLang="en-US" b="1" dirty="0" smtClean="0"/>
+              <a:t>🔹 </a:t>
+            </a:r>
+            <a:r>
+              <a:rPr lang="en-US" altLang="ko-KR" b="1" dirty="0" smtClean="0"/>
+              <a:t>3. finally </a:t>
+            </a:r>
+            <a:r>
+              <a:rPr lang="ko-KR" altLang="en-US" b="1" dirty="0" smtClean="0"/>
+              <a:t>블록 </a:t>
+            </a:r>
+            <a:r>
+              <a:rPr lang="en-US" altLang="ko-KR" b="1" dirty="0" smtClean="0"/>
+              <a:t>(</a:t>
+            </a:r>
+            <a:r>
+              <a:rPr lang="ko-KR" altLang="en-US" b="1" dirty="0" smtClean="0"/>
+              <a:t>선택사항</a:t>
+            </a:r>
+            <a:r>
+              <a:rPr lang="en-US" altLang="ko-KR" b="1" dirty="0" smtClean="0"/>
+              <a:t>)</a:t>
+            </a:r>
+          </a:p>
+          <a:p>
+            <a:r>
+              <a:rPr lang="ko-KR" altLang="en-US" dirty="0" smtClean="0"/>
+              <a:t>예외 발생 여부와 </a:t>
+            </a:r>
+            <a:r>
+              <a:rPr lang="ko-KR" altLang="en-US" b="1" dirty="0" smtClean="0"/>
+              <a:t>상관없이 항상 실행</a:t>
+            </a:r>
+            <a:r>
+              <a:rPr lang="ko-KR" altLang="en-US" dirty="0" smtClean="0"/>
+              <a:t>되는 블록입니다</a:t>
+            </a:r>
+            <a:r>
+              <a:rPr lang="en-US" altLang="ko-KR" dirty="0" smtClean="0"/>
+              <a:t>.</a:t>
+            </a:r>
+          </a:p>
+          <a:p>
+            <a:r>
+              <a:rPr lang="ko-KR" altLang="en-US" dirty="0" smtClean="0"/>
+              <a:t>주로 </a:t>
+            </a:r>
+            <a:r>
+              <a:rPr lang="ko-KR" altLang="en-US" b="1" dirty="0" smtClean="0"/>
+              <a:t>정리 작업</a:t>
+            </a:r>
+            <a:r>
+              <a:rPr lang="en-US" altLang="ko-KR" dirty="0" smtClean="0"/>
+              <a:t>, </a:t>
+            </a:r>
+            <a:r>
+              <a:rPr lang="ko-KR" altLang="en-US" dirty="0" smtClean="0"/>
+              <a:t>리소스 해제 등에 사용됩니다</a:t>
+            </a:r>
+            <a:r>
+              <a:rPr lang="en-US" altLang="ko-KR" dirty="0" smtClean="0"/>
+              <a:t>.</a:t>
+            </a:r>
+            <a:br>
+              <a:rPr lang="en-US" altLang="ko-KR" dirty="0" smtClean="0"/>
+            </a:br>
+            <a:r>
+              <a:rPr lang="ko-KR" altLang="en-US" dirty="0" smtClean="0"/>
+              <a:t>예</a:t>
+            </a:r>
+            <a:r>
+              <a:rPr lang="en-US" altLang="ko-KR" dirty="0" smtClean="0"/>
+              <a:t>: </a:t>
+            </a:r>
+            <a:r>
+              <a:rPr lang="ko-KR" altLang="en-US" dirty="0" smtClean="0"/>
+              <a:t>파일 닫기</a:t>
+            </a:r>
+            <a:r>
+              <a:rPr lang="en-US" altLang="ko-KR" dirty="0" smtClean="0"/>
+              <a:t>, DB </a:t>
+            </a:r>
+            <a:r>
+              <a:rPr lang="ko-KR" altLang="en-US" dirty="0" smtClean="0"/>
+              <a:t>연결 해제 등</a:t>
+            </a:r>
+          </a:p>
+          <a:p>
+            <a:endParaRPr lang="ko-KR" altLang="en-US" dirty="0"/>
+          </a:p>
+        </p:txBody>
+      </p:sp>
+      <p:sp>
+        <p:nvSpPr>
+          <p:cNvPr id="4" name="슬라이드 번호 개체 틀 3"/>
+          <p:cNvSpPr>
+            <a:spLocks noGrp="1"/>
+          </p:cNvSpPr>
+          <p:nvPr>
+            <p:ph type="sldNum" sz="quarter" idx="10"/>
           </p:nvPr>
         </p:nvSpPr>
         <p:spPr/>
@@ -1059,7 +1947,523 @@
     </p:spTree>
     <p:extLst>
       <p:ext uri="{BB962C8B-B14F-4D97-AF65-F5344CB8AC3E}">
-        <p14:creationId xmlns:p14="http://schemas.microsoft.com/office/powerpoint/2010/main" val="1869088784"/>
+        <p14:creationId xmlns:p14="http://schemas.microsoft.com/office/powerpoint/2010/main" val="21564833"/>
+      </p:ext>
+    </p:extLst>
+  </p:cSld>
+  <p:clrMapOvr>
+    <a:masterClrMapping/>
+  </p:clrMapOvr>
+</p:notes>
+</file>
+
+<file path=ppt/notesSlides/notesSlide8.xml><?xml version="1.0" encoding="utf-8"?>
+<p:notes xmlns:a="http://schemas.openxmlformats.org/drawingml/2006/main" xmlns:r="http://schemas.openxmlformats.org/officeDocument/2006/relationships" xmlns:p="http://schemas.openxmlformats.org/presentationml/2006/main">
+  <p:cSld>
+    <p:spTree>
+      <p:nvGrpSpPr>
+        <p:cNvPr id="1" name=""/>
+        <p:cNvGrpSpPr/>
+        <p:nvPr/>
+      </p:nvGrpSpPr>
+      <p:grpSpPr>
+        <a:xfrm>
+          <a:off x="0" y="0"/>
+          <a:ext cx="0" cy="0"/>
+          <a:chOff x="0" y="0"/>
+          <a:chExt cx="0" cy="0"/>
+        </a:xfrm>
+      </p:grpSpPr>
+      <p:sp>
+        <p:nvSpPr>
+          <p:cNvPr id="2" name="슬라이드 이미지 개체 틀 1"/>
+          <p:cNvSpPr>
+            <a:spLocks noGrp="1" noRot="1" noChangeAspect="1"/>
+          </p:cNvSpPr>
+          <p:nvPr>
+            <p:ph type="sldImg"/>
+          </p:nvPr>
+        </p:nvSpPr>
+        <p:spPr/>
+      </p:sp>
+      <p:sp>
+        <p:nvSpPr>
+          <p:cNvPr id="3" name="슬라이드 노트 개체 틀 2"/>
+          <p:cNvSpPr>
+            <a:spLocks noGrp="1"/>
+          </p:cNvSpPr>
+          <p:nvPr>
+            <p:ph type="body" idx="1"/>
+          </p:nvPr>
+        </p:nvSpPr>
+        <p:spPr/>
+        <p:txBody>
+          <a:bodyPr/>
+          <a:lstStyle/>
+          <a:p>
+            <a:r>
+              <a:rPr lang="ko-KR" altLang="en-US" dirty="0" smtClean="0"/>
+              <a:t>왼쪽은 “오류만 막는 기본형 </a:t>
+            </a:r>
+            <a:r>
+              <a:rPr lang="en-US" altLang="ko-KR" dirty="0" smtClean="0"/>
+              <a:t>catch”,</a:t>
+            </a:r>
+            <a:br>
+              <a:rPr lang="en-US" altLang="ko-KR" dirty="0" smtClean="0"/>
+            </a:br>
+            <a:r>
+              <a:rPr lang="ko-KR" altLang="en-US" dirty="0" smtClean="0"/>
+              <a:t>오른쪽은 “오류 메시지까지 보여주는 정석적인 </a:t>
+            </a:r>
+            <a:r>
+              <a:rPr lang="en-US" altLang="ko-KR" dirty="0" smtClean="0"/>
+              <a:t>catch(Exception ex)” </a:t>
+            </a:r>
+            <a:r>
+              <a:rPr lang="ko-KR" altLang="en-US" dirty="0" smtClean="0"/>
+              <a:t>사용 예시입니다</a:t>
+            </a:r>
+            <a:r>
+              <a:rPr lang="en-US" altLang="ko-KR" dirty="0" smtClean="0"/>
+              <a:t>.</a:t>
+            </a:r>
+          </a:p>
+          <a:p>
+            <a:endParaRPr lang="en-US" altLang="ko-KR" dirty="0" smtClean="0"/>
+          </a:p>
+          <a:p>
+            <a:r>
+              <a:rPr lang="ko-KR" altLang="en-US" dirty="0" smtClean="0"/>
+              <a:t>왼쪽</a:t>
+            </a:r>
+            <a:endParaRPr lang="en-US" altLang="ko-KR" dirty="0" smtClean="0"/>
+          </a:p>
+          <a:p>
+            <a:r>
+              <a:rPr lang="en-US" altLang="ko-KR" dirty="0" smtClean="0"/>
+              <a:t>catch</a:t>
+            </a:r>
+            <a:r>
+              <a:rPr lang="ko-KR" altLang="en-US" dirty="0" smtClean="0"/>
+              <a:t>에 예외 타입이 없기 때문에 </a:t>
+            </a:r>
+            <a:r>
+              <a:rPr lang="ko-KR" altLang="en-US" b="1" dirty="0" smtClean="0"/>
+              <a:t>어떤 </a:t>
+            </a:r>
+            <a:r>
+              <a:rPr lang="ko-KR" altLang="en-US" b="1" dirty="0" err="1" smtClean="0"/>
+              <a:t>예외든</a:t>
+            </a:r>
+            <a:r>
+              <a:rPr lang="ko-KR" altLang="en-US" b="1" dirty="0" smtClean="0"/>
+              <a:t> 무조건 이 블록에서 처리</a:t>
+            </a:r>
+            <a:r>
+              <a:rPr lang="ko-KR" altLang="en-US" dirty="0" smtClean="0"/>
+              <a:t>합니다</a:t>
+            </a:r>
+            <a:r>
+              <a:rPr lang="en-US" altLang="ko-KR" dirty="0" smtClean="0"/>
+              <a:t>.</a:t>
+            </a:r>
+          </a:p>
+          <a:p>
+            <a:r>
+              <a:rPr lang="en-US" altLang="ko-KR" dirty="0" smtClean="0"/>
+              <a:t>catch</a:t>
+            </a:r>
+            <a:r>
+              <a:rPr lang="ko-KR" altLang="en-US" dirty="0" smtClean="0"/>
+              <a:t>만 쓰면 다른 </a:t>
+            </a:r>
+            <a:r>
+              <a:rPr lang="en-US" altLang="ko-KR" dirty="0" smtClean="0"/>
+              <a:t>catch </a:t>
+            </a:r>
+            <a:r>
+              <a:rPr lang="ko-KR" altLang="en-US" dirty="0" smtClean="0"/>
+              <a:t>못 씀</a:t>
+            </a:r>
+            <a:endParaRPr lang="en-US" altLang="ko-KR" dirty="0" smtClean="0"/>
+          </a:p>
+          <a:p>
+            <a:r>
+              <a:rPr lang="ko-KR" altLang="en-US" dirty="0" smtClean="0"/>
+              <a:t>단순 처리용</a:t>
+            </a:r>
+            <a:endParaRPr lang="en-US" altLang="ko-KR" dirty="0" smtClean="0"/>
+          </a:p>
+          <a:p>
+            <a:endParaRPr lang="en-US" altLang="ko-KR" dirty="0" smtClean="0"/>
+          </a:p>
+          <a:p>
+            <a:r>
+              <a:rPr lang="ko-KR" altLang="en-US" dirty="0" smtClean="0"/>
+              <a:t>오른쪽</a:t>
+            </a:r>
+            <a:endParaRPr lang="en-US" altLang="ko-KR" dirty="0" smtClean="0"/>
+          </a:p>
+          <a:p>
+            <a:r>
+              <a:rPr lang="en-US" altLang="ko-KR" dirty="0" smtClean="0"/>
+              <a:t>catch (Exception ex)</a:t>
+            </a:r>
+            <a:r>
+              <a:rPr lang="ko-KR" altLang="en-US" dirty="0" smtClean="0"/>
+              <a:t>는 </a:t>
+            </a:r>
+            <a:r>
+              <a:rPr lang="ko-KR" altLang="en-US" b="1" dirty="0" smtClean="0"/>
+              <a:t>예외 정보를 담은 객체 </a:t>
+            </a:r>
+            <a:r>
+              <a:rPr lang="en-US" altLang="ko-KR" b="1" dirty="0" smtClean="0"/>
+              <a:t>ex</a:t>
+            </a:r>
+            <a:r>
+              <a:rPr lang="ko-KR" altLang="en-US" b="1" dirty="0" smtClean="0"/>
+              <a:t>를 사용</a:t>
+            </a:r>
+            <a:r>
+              <a:rPr lang="ko-KR" altLang="en-US" dirty="0" smtClean="0"/>
+              <a:t>할 수 있음</a:t>
+            </a:r>
+          </a:p>
+          <a:p>
+            <a:r>
+              <a:rPr lang="en-US" altLang="ko-KR" dirty="0" err="1" smtClean="0"/>
+              <a:t>ex.Message</a:t>
+            </a:r>
+            <a:r>
+              <a:rPr lang="ko-KR" altLang="en-US" dirty="0" smtClean="0"/>
+              <a:t>를 통해 예외의 정확한 메시지를 사용자에게 보여줄 수 있음</a:t>
+            </a:r>
+            <a:endParaRPr lang="en-US" altLang="ko-KR" dirty="0" smtClean="0"/>
+          </a:p>
+          <a:p>
+            <a:r>
+              <a:rPr lang="en-US" altLang="ko-KR" dirty="0" smtClean="0"/>
+              <a:t>catch (Exception)</a:t>
+            </a:r>
+            <a:r>
+              <a:rPr lang="ko-KR" altLang="en-US" dirty="0" smtClean="0"/>
+              <a:t>과 다른 </a:t>
+            </a:r>
+            <a:r>
+              <a:rPr lang="en-US" altLang="ko-KR" dirty="0" smtClean="0"/>
+              <a:t>catch </a:t>
+            </a:r>
+            <a:r>
+              <a:rPr lang="ko-KR" altLang="en-US" dirty="0" smtClean="0"/>
+              <a:t>조합 가능 </a:t>
+            </a:r>
+            <a:r>
+              <a:rPr lang="en-US" altLang="ko-KR" dirty="0" smtClean="0"/>
+              <a:t>(</a:t>
+            </a:r>
+            <a:r>
+              <a:rPr lang="ko-KR" altLang="en-US" dirty="0" smtClean="0"/>
+              <a:t>단</a:t>
+            </a:r>
+            <a:r>
+              <a:rPr lang="en-US" altLang="ko-KR" dirty="0" smtClean="0"/>
+              <a:t>, </a:t>
+            </a:r>
+            <a:r>
+              <a:rPr lang="ko-KR" altLang="en-US" dirty="0" smtClean="0"/>
+              <a:t>순서 주의</a:t>
+            </a:r>
+            <a:r>
+              <a:rPr lang="en-US" altLang="ko-KR" dirty="0" smtClean="0"/>
+              <a:t>)</a:t>
+            </a:r>
+          </a:p>
+          <a:p>
+            <a:r>
+              <a:rPr lang="ko-KR" altLang="en-US" dirty="0" smtClean="0"/>
+              <a:t>예외 상세 정보 필요 시 사용</a:t>
+            </a:r>
+            <a:endParaRPr lang="ko-KR" altLang="en-US" dirty="0" smtClean="0"/>
+          </a:p>
+          <a:p>
+            <a:endParaRPr lang="ko-KR" altLang="en-US" dirty="0"/>
+          </a:p>
+        </p:txBody>
+      </p:sp>
+      <p:sp>
+        <p:nvSpPr>
+          <p:cNvPr id="4" name="슬라이드 번호 개체 틀 3"/>
+          <p:cNvSpPr>
+            <a:spLocks noGrp="1"/>
+          </p:cNvSpPr>
+          <p:nvPr>
+            <p:ph type="sldNum" sz="quarter" idx="10"/>
+          </p:nvPr>
+        </p:nvSpPr>
+        <p:spPr/>
+        <p:txBody>
+          <a:bodyPr/>
+          <a:lstStyle/>
+          <a:p>
+            <a:fld id="{C09E5BFC-1559-42F1-8940-AB342D56BF02}" type="slidenum">
+              <a:rPr lang="ko-KR" altLang="en-US" smtClean="0"/>
+              <a:t>12</a:t>
+            </a:fld>
+            <a:endParaRPr lang="ko-KR" altLang="en-US"/>
+          </a:p>
+        </p:txBody>
+      </p:sp>
+    </p:spTree>
+    <p:extLst>
+      <p:ext uri="{BB962C8B-B14F-4D97-AF65-F5344CB8AC3E}">
+        <p14:creationId xmlns:p14="http://schemas.microsoft.com/office/powerpoint/2010/main" val="4095064106"/>
+      </p:ext>
+    </p:extLst>
+  </p:cSld>
+  <p:clrMapOvr>
+    <a:masterClrMapping/>
+  </p:clrMapOvr>
+</p:notes>
+</file>
+
+<file path=ppt/notesSlides/notesSlide9.xml><?xml version="1.0" encoding="utf-8"?>
+<p:notes xmlns:a="http://schemas.openxmlformats.org/drawingml/2006/main" xmlns:r="http://schemas.openxmlformats.org/officeDocument/2006/relationships" xmlns:p="http://schemas.openxmlformats.org/presentationml/2006/main">
+  <p:cSld>
+    <p:spTree>
+      <p:nvGrpSpPr>
+        <p:cNvPr id="1" name=""/>
+        <p:cNvGrpSpPr/>
+        <p:nvPr/>
+      </p:nvGrpSpPr>
+      <p:grpSpPr>
+        <a:xfrm>
+          <a:off x="0" y="0"/>
+          <a:ext cx="0" cy="0"/>
+          <a:chOff x="0" y="0"/>
+          <a:chExt cx="0" cy="0"/>
+        </a:xfrm>
+      </p:grpSpPr>
+      <p:sp>
+        <p:nvSpPr>
+          <p:cNvPr id="2" name="슬라이드 이미지 개체 틀 1"/>
+          <p:cNvSpPr>
+            <a:spLocks noGrp="1" noRot="1" noChangeAspect="1"/>
+          </p:cNvSpPr>
+          <p:nvPr>
+            <p:ph type="sldImg"/>
+          </p:nvPr>
+        </p:nvSpPr>
+        <p:spPr/>
+      </p:sp>
+      <p:sp>
+        <p:nvSpPr>
+          <p:cNvPr id="3" name="슬라이드 노트 개체 틀 2"/>
+          <p:cNvSpPr>
+            <a:spLocks noGrp="1"/>
+          </p:cNvSpPr>
+          <p:nvPr>
+            <p:ph type="body" idx="1"/>
+          </p:nvPr>
+        </p:nvSpPr>
+        <p:spPr/>
+        <p:txBody>
+          <a:bodyPr/>
+          <a:lstStyle/>
+          <a:p>
+            <a:r>
+              <a:rPr lang="ko-KR" altLang="en-US" dirty="0" smtClean="0"/>
+              <a:t>모든 예외는 </a:t>
+            </a:r>
+            <a:r>
+              <a:rPr lang="en-US" altLang="ko-KR" dirty="0" err="1" smtClean="0"/>
+              <a:t>System.Exception</a:t>
+            </a:r>
+            <a:r>
+              <a:rPr lang="en-US" altLang="ko-KR" dirty="0" smtClean="0"/>
+              <a:t> </a:t>
+            </a:r>
+            <a:r>
+              <a:rPr lang="ko-KR" altLang="en-US" dirty="0" smtClean="0"/>
+              <a:t>클래스를 </a:t>
+            </a:r>
+            <a:r>
+              <a:rPr lang="ko-KR" altLang="en-US" b="1" dirty="0" smtClean="0"/>
+              <a:t>상속</a:t>
+            </a:r>
+            <a:r>
+              <a:rPr lang="ko-KR" altLang="en-US" dirty="0" smtClean="0"/>
+              <a:t>받은 클래스입니다</a:t>
+            </a:r>
+            <a:r>
+              <a:rPr lang="en-US" altLang="ko-KR" dirty="0" smtClean="0"/>
+              <a:t>.</a:t>
+            </a:r>
+          </a:p>
+          <a:p>
+            <a:r>
+              <a:rPr lang="ko-KR" altLang="en-US" dirty="0" smtClean="0"/>
+              <a:t>자주 사용되는 예외 클래스</a:t>
+            </a:r>
+            <a:r>
+              <a:rPr lang="en-US" altLang="ko-KR" dirty="0" smtClean="0"/>
+              <a:t>:</a:t>
+            </a:r>
+          </a:p>
+          <a:p>
+            <a:r>
+              <a:rPr lang="en-US" altLang="ko-KR" dirty="0" err="1" smtClean="0"/>
+              <a:t>DivideByZeroException</a:t>
+            </a:r>
+            <a:r>
+              <a:rPr lang="en-US" altLang="ko-KR" dirty="0" smtClean="0"/>
+              <a:t> : 0</a:t>
+            </a:r>
+            <a:r>
+              <a:rPr lang="ko-KR" altLang="en-US" dirty="0" smtClean="0"/>
+              <a:t>으로 나누었을 때</a:t>
+            </a:r>
+          </a:p>
+          <a:p>
+            <a:r>
+              <a:rPr lang="en-US" altLang="ko-KR" dirty="0" err="1" smtClean="0"/>
+              <a:t>FormatException</a:t>
+            </a:r>
+            <a:r>
+              <a:rPr lang="en-US" altLang="ko-KR" dirty="0" smtClean="0"/>
+              <a:t> : </a:t>
+            </a:r>
+            <a:r>
+              <a:rPr lang="ko-KR" altLang="en-US" dirty="0" smtClean="0"/>
+              <a:t>잘못된 형식의 입력</a:t>
+            </a:r>
+          </a:p>
+          <a:p>
+            <a:r>
+              <a:rPr lang="en-US" altLang="ko-KR" dirty="0" err="1" smtClean="0"/>
+              <a:t>NullReferenceException</a:t>
+            </a:r>
+            <a:r>
+              <a:rPr lang="en-US" altLang="ko-KR" dirty="0" smtClean="0"/>
+              <a:t> : null </a:t>
+            </a:r>
+            <a:r>
+              <a:rPr lang="ko-KR" altLang="en-US" dirty="0" smtClean="0"/>
+              <a:t>객체에 접근했을 때</a:t>
+            </a:r>
+          </a:p>
+          <a:p>
+            <a:endParaRPr lang="en-US" altLang="ko-KR" dirty="0" smtClean="0"/>
+          </a:p>
+          <a:p>
+            <a:r>
+              <a:rPr lang="ko-KR" altLang="en-US" dirty="0" smtClean="0"/>
+              <a:t>대표적인 </a:t>
+            </a:r>
+            <a:r>
+              <a:rPr lang="en-US" altLang="ko-KR" dirty="0" smtClean="0"/>
+              <a:t>"</a:t>
+            </a:r>
+            <a:r>
+              <a:rPr lang="ko-KR" altLang="en-US" dirty="0" smtClean="0"/>
+              <a:t>거의 쓰이지 않거나 </a:t>
+            </a:r>
+            <a:r>
+              <a:rPr lang="ko-KR" altLang="en-US" dirty="0" err="1" smtClean="0"/>
+              <a:t>비권장</a:t>
+            </a:r>
+            <a:r>
+              <a:rPr lang="en-US" altLang="ko-KR" dirty="0" smtClean="0"/>
+              <a:t>" </a:t>
+            </a:r>
+            <a:r>
+              <a:rPr lang="ko-KR" altLang="en-US" dirty="0" smtClean="0"/>
+              <a:t>예외들 </a:t>
+            </a:r>
+            <a:r>
+              <a:rPr lang="en-US" altLang="ko-KR" dirty="0" smtClean="0"/>
+              <a:t>(.NET 4.5 </a:t>
+            </a:r>
+            <a:r>
+              <a:rPr lang="ko-KR" altLang="en-US" dirty="0" smtClean="0"/>
+              <a:t>이후</a:t>
+            </a:r>
+            <a:r>
+              <a:rPr lang="en-US" altLang="ko-KR" dirty="0" smtClean="0"/>
+              <a:t>)</a:t>
+            </a:r>
+          </a:p>
+          <a:p>
+            <a:r>
+              <a:rPr lang="en-US" altLang="ko-KR" dirty="0" err="1" smtClean="0"/>
+              <a:t>SystemException</a:t>
+            </a:r>
+            <a:endParaRPr lang="en-US" altLang="ko-KR" dirty="0" smtClean="0"/>
+          </a:p>
+          <a:p>
+            <a:r>
+              <a:rPr lang="en-US" altLang="ko-KR" dirty="0" smtClean="0"/>
+              <a:t>:CLR</a:t>
+            </a:r>
+            <a:r>
+              <a:rPr lang="ko-KR" altLang="en-US" dirty="0" smtClean="0"/>
+              <a:t>에서 내부적으로 사용하는 예외의 베이스 클래스</a:t>
+            </a:r>
+            <a:r>
+              <a:rPr lang="en-US" altLang="ko-KR" dirty="0" smtClean="0"/>
+              <a:t>. </a:t>
+            </a:r>
+            <a:r>
+              <a:rPr lang="ko-KR" altLang="en-US" dirty="0" smtClean="0"/>
+              <a:t>개발자가 직접 이 클래스를 상속하여 예외를 만들지는 않음</a:t>
+            </a:r>
+            <a:endParaRPr lang="en-US" altLang="ko-KR" dirty="0" smtClean="0"/>
+          </a:p>
+          <a:p>
+            <a:r>
+              <a:rPr lang="en-US" altLang="ko-KR" dirty="0" smtClean="0"/>
+              <a:t>:</a:t>
+            </a:r>
+            <a:r>
+              <a:rPr lang="ko-KR" altLang="en-US" dirty="0" smtClean="0"/>
+              <a:t>❌ 직접 사용 </a:t>
+            </a:r>
+            <a:r>
+              <a:rPr lang="ko-KR" altLang="en-US" dirty="0" err="1" smtClean="0"/>
+              <a:t>비권장</a:t>
+            </a:r>
+            <a:endParaRPr lang="ko-KR" altLang="en-US" dirty="0"/>
+          </a:p>
+        </p:txBody>
+      </p:sp>
+      <p:sp>
+        <p:nvSpPr>
+          <p:cNvPr id="4" name="슬라이드 번호 개체 틀 3"/>
+          <p:cNvSpPr>
+            <a:spLocks noGrp="1"/>
+          </p:cNvSpPr>
+          <p:nvPr>
+            <p:ph type="sldNum" sz="quarter" idx="10"/>
+          </p:nvPr>
+        </p:nvSpPr>
+        <p:spPr/>
+        <p:txBody>
+          <a:bodyPr/>
+          <a:lstStyle/>
+          <a:p>
+            <a:fld id="{C09E5BFC-1559-42F1-8940-AB342D56BF02}" type="slidenum">
+              <a:rPr lang="ko-KR" altLang="en-US" smtClean="0"/>
+              <a:t>13</a:t>
+            </a:fld>
+            <a:endParaRPr lang="ko-KR" altLang="en-US"/>
+          </a:p>
+        </p:txBody>
+      </p:sp>
+    </p:spTree>
+    <p:extLst>
+      <p:ext uri="{BB962C8B-B14F-4D97-AF65-F5344CB8AC3E}">
+        <p14:creationId xmlns:p14="http://schemas.microsoft.com/office/powerpoint/2010/main" val="3553566528"/>
       </p:ext>
     </p:extLst>
   </p:cSld>
@@ -4494,13 +5898,7 @@
       </p:grpSpPr>
       <p:sp>
         <p:nvSpPr>
-          <p:cNvPr id="2" name="제목 1">
-            <a:extLst>
-              <a:ext uri="{FF2B5EF4-FFF2-40B4-BE49-F238E27FC236}">
-                <a16:creationId xmlns:a16="http://schemas.microsoft.com/office/drawing/2014/main" id="{BE35614D-BC21-143F-B9C8-1D728033FFF0}"/>
-              </a:ext>
-            </a:extLst>
-          </p:cNvPr>
+          <p:cNvPr id="2" name="제목 1"/>
           <p:cNvSpPr>
             <a:spLocks noGrp="1"/>
           </p:cNvSpPr>
@@ -4514,50 +5912,181 @@
           <a:lstStyle/>
           <a:p>
             <a:r>
+              <a:rPr lang="ko-KR" altLang="en-US" dirty="0" err="1" smtClean="0"/>
+              <a:t>예외처리란</a:t>
+            </a:r>
+            <a:r>
+              <a:rPr lang="en-US" altLang="ko-KR" dirty="0" smtClean="0"/>
+              <a:t>?</a:t>
+            </a:r>
+            <a:endParaRPr lang="ko-KR" altLang="en-US" dirty="0"/>
+          </a:p>
+        </p:txBody>
+      </p:sp>
+      <p:sp>
+        <p:nvSpPr>
+          <p:cNvPr id="3" name="내용 개체 틀 2"/>
+          <p:cNvSpPr>
+            <a:spLocks noGrp="1"/>
+          </p:cNvSpPr>
+          <p:nvPr>
+            <p:ph idx="1"/>
+          </p:nvPr>
+        </p:nvSpPr>
+        <p:spPr/>
+        <p:txBody>
+          <a:bodyPr/>
+          <a:lstStyle/>
+          <a:p>
+            <a:pPr marL="0" indent="0">
+              <a:buNone/>
+            </a:pPr>
+            <a:r>
+              <a:rPr lang="ko-KR" altLang="en-US" sz="3200" b="1" dirty="0" smtClean="0">
+                <a:solidFill>
+                  <a:srgbClr val="00B050"/>
+                </a:solidFill>
+              </a:rPr>
+              <a:t>예외</a:t>
+            </a:r>
+            <a:r>
+              <a:rPr lang="en-US" altLang="ko-KR" sz="3200" b="1" dirty="0" smtClean="0">
+                <a:solidFill>
+                  <a:srgbClr val="00B050"/>
+                </a:solidFill>
+              </a:rPr>
+              <a:t>(Exception)</a:t>
+            </a:r>
+            <a:r>
+              <a:rPr lang="en-US" altLang="ko-KR" sz="3200" dirty="0" smtClean="0"/>
+              <a:t> </a:t>
+            </a:r>
+            <a:r>
+              <a:rPr lang="ko-KR" altLang="en-US" sz="3200" dirty="0" smtClean="0"/>
+              <a:t>란</a:t>
+            </a:r>
+            <a:r>
+              <a:rPr lang="en-US" altLang="ko-KR" sz="3200" dirty="0" smtClean="0"/>
+              <a:t>?</a:t>
+            </a:r>
+          </a:p>
+          <a:p>
+            <a:r>
               <a:rPr lang="ko-KR" altLang="en-US" dirty="0"/>
-              <a:t>예외처리문</a:t>
-            </a:r>
-          </a:p>
-        </p:txBody>
-      </p:sp>
-      <p:pic>
-        <p:nvPicPr>
-          <p:cNvPr id="7" name="내용 개체 틀 6">
-            <a:extLst>
-              <a:ext uri="{FF2B5EF4-FFF2-40B4-BE49-F238E27FC236}">
-                <a16:creationId xmlns:a16="http://schemas.microsoft.com/office/drawing/2014/main" id="{6B101693-E53F-AFB6-033D-D8F30B992846}"/>
-              </a:ext>
-            </a:extLst>
-          </p:cNvPr>
-          <p:cNvPicPr>
-            <a:picLocks noGrp="1" noChangeAspect="1"/>
-          </p:cNvPicPr>
-          <p:nvPr>
-            <p:ph idx="1"/>
-          </p:nvPr>
-        </p:nvPicPr>
-        <p:blipFill>
-          <a:blip r:embed="rId2"/>
-          <a:stretch>
-            <a:fillRect/>
-          </a:stretch>
-        </p:blipFill>
-        <p:spPr>
-          <a:xfrm>
-            <a:off x="943849" y="1814094"/>
-            <a:ext cx="4663522" cy="3651285"/>
-          </a:xfrm>
-        </p:spPr>
-      </p:pic>
-      <p:sp>
-        <p:nvSpPr>
-          <p:cNvPr id="4" name="날짜 개체 틀 3">
-            <a:extLst>
-              <a:ext uri="{FF2B5EF4-FFF2-40B4-BE49-F238E27FC236}">
-                <a16:creationId xmlns:a16="http://schemas.microsoft.com/office/drawing/2014/main" id="{9E49F37F-CB3F-223E-A62D-DBCAE7F6FA47}"/>
-              </a:ext>
-            </a:extLst>
-          </p:cNvPr>
+              <a:t>프로그램 실행 도중 발생하는 </a:t>
+            </a:r>
+            <a:r>
+              <a:rPr lang="ko-KR" altLang="en-US" b="1" dirty="0"/>
+              <a:t>에러 </a:t>
+            </a:r>
+            <a:r>
+              <a:rPr lang="ko-KR" altLang="en-US" b="1" dirty="0" smtClean="0"/>
+              <a:t>상황</a:t>
+            </a:r>
+            <a:endParaRPr lang="en-US" altLang="ko-KR" b="1" dirty="0" smtClean="0"/>
+          </a:p>
+          <a:p>
+            <a:r>
+              <a:rPr lang="ko-KR" altLang="en-US" dirty="0"/>
+              <a:t>예</a:t>
+            </a:r>
+            <a:r>
+              <a:rPr lang="en-US" altLang="ko-KR" dirty="0"/>
+              <a:t>: 0</a:t>
+            </a:r>
+            <a:r>
+              <a:rPr lang="ko-KR" altLang="en-US" dirty="0"/>
+              <a:t>으로 나누기</a:t>
+            </a:r>
+            <a:r>
+              <a:rPr lang="en-US" altLang="ko-KR" dirty="0"/>
+              <a:t>, </a:t>
+            </a:r>
+            <a:r>
+              <a:rPr lang="ko-KR" altLang="en-US" dirty="0"/>
+              <a:t>없는 파일 열기</a:t>
+            </a:r>
+            <a:r>
+              <a:rPr lang="en-US" altLang="ko-KR" dirty="0"/>
+              <a:t>, </a:t>
+            </a:r>
+            <a:r>
+              <a:rPr lang="ko-KR" altLang="en-US" dirty="0"/>
+              <a:t>배열 인덱스 초과 </a:t>
+            </a:r>
+            <a:r>
+              <a:rPr lang="ko-KR" altLang="en-US" dirty="0" smtClean="0"/>
+              <a:t>등</a:t>
+            </a:r>
+            <a:endParaRPr lang="en-US" altLang="ko-KR" dirty="0" smtClean="0"/>
+          </a:p>
+          <a:p>
+            <a:endParaRPr lang="en-US" altLang="ko-KR" dirty="0"/>
+          </a:p>
+          <a:p>
+            <a:pPr marL="0" indent="0">
+              <a:buNone/>
+            </a:pPr>
+            <a:r>
+              <a:rPr lang="ko-KR" altLang="en-US" sz="3200" b="1" dirty="0">
+                <a:solidFill>
+                  <a:schemeClr val="accent1"/>
+                </a:solidFill>
+              </a:rPr>
+              <a:t>예외처리</a:t>
+            </a:r>
+            <a:r>
+              <a:rPr lang="en-US" altLang="ko-KR" sz="3200" b="1" dirty="0">
+                <a:solidFill>
+                  <a:schemeClr val="accent1"/>
+                </a:solidFill>
+              </a:rPr>
+              <a:t>(Exception Handling</a:t>
+            </a:r>
+            <a:r>
+              <a:rPr lang="en-US" altLang="ko-KR" sz="3200" b="1" dirty="0" smtClean="0">
+                <a:solidFill>
+                  <a:schemeClr val="accent1"/>
+                </a:solidFill>
+              </a:rPr>
+              <a:t>)</a:t>
+            </a:r>
+            <a:r>
+              <a:rPr lang="ko-KR" altLang="en-US" sz="3200" dirty="0" smtClean="0"/>
+              <a:t>란</a:t>
+            </a:r>
+            <a:r>
+              <a:rPr lang="en-US" altLang="ko-KR" sz="3200" dirty="0" smtClean="0"/>
+              <a:t>?</a:t>
+            </a:r>
+          </a:p>
+          <a:p>
+            <a:r>
+              <a:rPr lang="ko-KR" altLang="en-US" dirty="0"/>
+              <a:t>프로그램 실행 중 예외가 발생했을 때</a:t>
+            </a:r>
+            <a:r>
+              <a:rPr lang="en-US" altLang="ko-KR" dirty="0"/>
+              <a:t>,</a:t>
+            </a:r>
+            <a:br>
+              <a:rPr lang="en-US" altLang="ko-KR" dirty="0"/>
+            </a:br>
+            <a:r>
+              <a:rPr lang="ko-KR" altLang="en-US" b="1" dirty="0"/>
+              <a:t>프로그램이 갑자기 멈추지 않도록</a:t>
+            </a:r>
+            <a:r>
+              <a:rPr lang="ko-KR" altLang="en-US" dirty="0"/>
+              <a:t> 안전하게 처리하는 방법</a:t>
+            </a:r>
+            <a:endParaRPr lang="en-US" altLang="ko-KR" dirty="0"/>
+          </a:p>
+        </p:txBody>
+      </p:sp>
+      <p:sp>
+        <p:nvSpPr>
+          <p:cNvPr id="4" name="날짜 개체 틀 3"/>
           <p:cNvSpPr>
             <a:spLocks noGrp="1"/>
           </p:cNvSpPr>
@@ -4572,7 +6101,7 @@
           <a:p>
             <a:fld id="{0F78D9C4-20C1-4B15-A116-16DC77AD9A1E}" type="datetime1">
               <a:rPr lang="ko-KR" altLang="en-US" smtClean="0"/>
-              <a:t>2025-05-13</a:t>
+              <a:t>2025-05-14</a:t>
             </a:fld>
             <a:endParaRPr lang="ko-KR" altLang="en-US"/>
           </a:p>
@@ -4580,13 +6109,7 @@
       </p:sp>
       <p:sp>
         <p:nvSpPr>
-          <p:cNvPr id="5" name="슬라이드 번호 개체 틀 4">
-            <a:extLst>
-              <a:ext uri="{FF2B5EF4-FFF2-40B4-BE49-F238E27FC236}">
-                <a16:creationId xmlns:a16="http://schemas.microsoft.com/office/drawing/2014/main" id="{EF344A19-B983-D0D5-B901-6E46EF1D2619}"/>
-              </a:ext>
-            </a:extLst>
-          </p:cNvPr>
+          <p:cNvPr id="5" name="슬라이드 번호 개체 틀 4"/>
           <p:cNvSpPr>
             <a:spLocks noGrp="1"/>
           </p:cNvSpPr>
@@ -4607,119 +6130,10 @@
           </a:p>
         </p:txBody>
       </p:sp>
-      <p:pic>
-        <p:nvPicPr>
-          <p:cNvPr id="9" name="그림 8">
-            <a:extLst>
-              <a:ext uri="{FF2B5EF4-FFF2-40B4-BE49-F238E27FC236}">
-                <a16:creationId xmlns:a16="http://schemas.microsoft.com/office/drawing/2014/main" id="{4C43B453-25B1-1A82-EB09-FDDDB8B56616}"/>
-              </a:ext>
-            </a:extLst>
-          </p:cNvPr>
-          <p:cNvPicPr>
-            <a:picLocks noChangeAspect="1"/>
-          </p:cNvPicPr>
-          <p:nvPr/>
-        </p:nvPicPr>
-        <p:blipFill>
-          <a:blip r:embed="rId3"/>
-          <a:stretch>
-            <a:fillRect/>
-          </a:stretch>
-        </p:blipFill>
-        <p:spPr>
-          <a:xfrm>
-            <a:off x="5923574" y="1814094"/>
-            <a:ext cx="5164322" cy="4010084"/>
-          </a:xfrm>
-          <a:prstGeom prst="rect">
-            <a:avLst/>
-          </a:prstGeom>
-        </p:spPr>
-      </p:pic>
-      <p:pic>
-        <p:nvPicPr>
-          <p:cNvPr id="11" name="그림 10">
-            <a:extLst>
-              <a:ext uri="{FF2B5EF4-FFF2-40B4-BE49-F238E27FC236}">
-                <a16:creationId xmlns:a16="http://schemas.microsoft.com/office/drawing/2014/main" id="{23BC02BD-8022-2D8F-B003-B904A444A94B}"/>
-              </a:ext>
-            </a:extLst>
-          </p:cNvPr>
-          <p:cNvPicPr>
-            <a:picLocks noChangeAspect="1"/>
-          </p:cNvPicPr>
-          <p:nvPr/>
-        </p:nvPicPr>
-        <p:blipFill>
-          <a:blip r:embed="rId4"/>
-          <a:stretch>
-            <a:fillRect/>
-          </a:stretch>
-        </p:blipFill>
-        <p:spPr>
-          <a:xfrm>
-            <a:off x="9925848" y="4194377"/>
-            <a:ext cx="1789104" cy="1629801"/>
-          </a:xfrm>
-          <a:prstGeom prst="rect">
-            <a:avLst/>
-          </a:prstGeom>
-        </p:spPr>
-      </p:pic>
-      <p:sp>
-        <p:nvSpPr>
-          <p:cNvPr id="13" name="TextBox 12">
-            <a:extLst>
-              <a:ext uri="{FF2B5EF4-FFF2-40B4-BE49-F238E27FC236}">
-                <a16:creationId xmlns:a16="http://schemas.microsoft.com/office/drawing/2014/main" id="{6401A616-10E6-7A69-6D91-4DBE60A62AD6}"/>
-              </a:ext>
-            </a:extLst>
-          </p:cNvPr>
-          <p:cNvSpPr txBox="1"/>
-          <p:nvPr/>
-        </p:nvSpPr>
-        <p:spPr>
-          <a:xfrm>
-            <a:off x="838200" y="5733975"/>
-            <a:ext cx="6094428" cy="646331"/>
-          </a:xfrm>
-          <a:prstGeom prst="rect">
-            <a:avLst/>
-          </a:prstGeom>
-          <a:noFill/>
-        </p:spPr>
-        <p:txBody>
-          <a:bodyPr wrap="square">
-            <a:spAutoFit/>
-          </a:bodyPr>
-          <a:lstStyle/>
-          <a:p>
-            <a:r>
-              <a:rPr lang="en-US" altLang="ko-KR" dirty="0"/>
-              <a:t>* </a:t>
-            </a:r>
-            <a:r>
-              <a:rPr lang="ko-KR" altLang="en-US" dirty="0"/>
-              <a:t>예외 종류</a:t>
-            </a:r>
-            <a:endParaRPr lang="en-US" altLang="ko-KR" dirty="0"/>
-          </a:p>
-          <a:p>
-            <a:r>
-              <a:rPr lang="en-US" altLang="ko-KR" dirty="0">
-                <a:hlinkClick r:id="rId5"/>
-              </a:rPr>
-              <a:t>https://parodev.tistory.com/8</a:t>
-            </a:r>
-            <a:endParaRPr lang="ko-KR" altLang="en-US" dirty="0"/>
-          </a:p>
-        </p:txBody>
-      </p:sp>
     </p:spTree>
     <p:extLst>
       <p:ext uri="{BB962C8B-B14F-4D97-AF65-F5344CB8AC3E}">
-        <p14:creationId xmlns:p14="http://schemas.microsoft.com/office/powerpoint/2010/main" val="1216057178"/>
+        <p14:creationId xmlns:p14="http://schemas.microsoft.com/office/powerpoint/2010/main" val="293899315"/>
       </p:ext>
     </p:extLst>
   </p:cSld>
@@ -4748,6 +6162,779 @@
       </p:grpSpPr>
       <p:sp>
         <p:nvSpPr>
+          <p:cNvPr id="2" name="제목 1">
+            <a:extLst>
+              <a:ext uri="{FF2B5EF4-FFF2-40B4-BE49-F238E27FC236}">
+                <a16:creationId xmlns:a16="http://schemas.microsoft.com/office/drawing/2014/main" id="{88B4AC41-32F5-985E-10B4-0293EAD98D22}"/>
+              </a:ext>
+            </a:extLst>
+          </p:cNvPr>
+          <p:cNvSpPr>
+            <a:spLocks noGrp="1"/>
+          </p:cNvSpPr>
+          <p:nvPr>
+            <p:ph type="title"/>
+          </p:nvPr>
+        </p:nvSpPr>
+        <p:spPr/>
+        <p:txBody>
+          <a:bodyPr/>
+          <a:lstStyle/>
+          <a:p>
+            <a:r>
+              <a:rPr lang="ko-KR" altLang="en-US" dirty="0"/>
+              <a:t>예외처리문 </a:t>
+            </a:r>
+          </a:p>
+        </p:txBody>
+      </p:sp>
+      <p:sp>
+        <p:nvSpPr>
+          <p:cNvPr id="3" name="내용 개체 틀 2">
+            <a:extLst>
+              <a:ext uri="{FF2B5EF4-FFF2-40B4-BE49-F238E27FC236}">
+                <a16:creationId xmlns:a16="http://schemas.microsoft.com/office/drawing/2014/main" id="{7D2F579B-033E-E708-4334-6778B9DB73A3}"/>
+              </a:ext>
+            </a:extLst>
+          </p:cNvPr>
+          <p:cNvSpPr>
+            <a:spLocks noGrp="1"/>
+          </p:cNvSpPr>
+          <p:nvPr>
+            <p:ph idx="1"/>
+          </p:nvPr>
+        </p:nvSpPr>
+        <p:spPr/>
+        <p:txBody>
+          <a:bodyPr>
+            <a:normAutofit/>
+          </a:bodyPr>
+          <a:lstStyle/>
+          <a:p>
+            <a:r>
+              <a:rPr lang="en-US" altLang="ko-KR" dirty="0">
+                <a:solidFill>
+                  <a:srgbClr val="7030A0"/>
+                </a:solidFill>
+              </a:rPr>
+              <a:t>try</a:t>
+            </a:r>
+          </a:p>
+          <a:p>
+            <a:pPr lvl="1"/>
+            <a:r>
+              <a:rPr lang="ko-KR" altLang="en-US" dirty="0"/>
+              <a:t>오류가 발생 할 가능성이 있는 소스코드를 작성</a:t>
+            </a:r>
+            <a:endParaRPr lang="en-US" altLang="ko-KR" dirty="0"/>
+          </a:p>
+          <a:p>
+            <a:pPr lvl="1"/>
+            <a:r>
+              <a:rPr lang="ko-KR" altLang="en-US" dirty="0"/>
+              <a:t>예상 가능한 오류는 </a:t>
+            </a:r>
+            <a:r>
+              <a:rPr lang="en-US" altLang="ko-KR" dirty="0">
+                <a:solidFill>
+                  <a:srgbClr val="0000FF"/>
+                </a:solidFill>
+              </a:rPr>
+              <a:t>throw</a:t>
+            </a:r>
+            <a:r>
+              <a:rPr lang="ko-KR" altLang="en-US" dirty="0"/>
+              <a:t>를 통해 의도적으로 </a:t>
+            </a:r>
+            <a:r>
+              <a:rPr lang="en-US" altLang="ko-KR" dirty="0"/>
+              <a:t>catch</a:t>
+            </a:r>
+            <a:r>
+              <a:rPr lang="ko-KR" altLang="en-US" dirty="0"/>
+              <a:t>를 작동시킴</a:t>
+            </a:r>
+            <a:endParaRPr lang="en-US" altLang="ko-KR" dirty="0"/>
+          </a:p>
+          <a:p>
+            <a:r>
+              <a:rPr lang="en-US" altLang="ko-KR" dirty="0">
+                <a:solidFill>
+                  <a:srgbClr val="7030A0"/>
+                </a:solidFill>
+              </a:rPr>
+              <a:t>catch</a:t>
+            </a:r>
+          </a:p>
+          <a:p>
+            <a:pPr lvl="1"/>
+            <a:r>
+              <a:rPr lang="en-US" altLang="ko-KR" dirty="0"/>
+              <a:t>try </a:t>
+            </a:r>
+            <a:r>
+              <a:rPr lang="ko-KR" altLang="en-US" dirty="0"/>
+              <a:t>안에서 오류 발생시 자동으로 </a:t>
+            </a:r>
+            <a:r>
+              <a:rPr lang="en-US" altLang="ko-KR" dirty="0"/>
+              <a:t>catch</a:t>
+            </a:r>
+            <a:r>
+              <a:rPr lang="ko-KR" altLang="en-US" dirty="0"/>
+              <a:t>로 넘어옴</a:t>
+            </a:r>
+            <a:endParaRPr lang="en-US" altLang="ko-KR" dirty="0"/>
+          </a:p>
+          <a:p>
+            <a:pPr lvl="1"/>
+            <a:r>
+              <a:rPr lang="ko-KR" altLang="en-US" dirty="0"/>
+              <a:t>오류에 대한 내용이 적혀 있는 </a:t>
+            </a:r>
+            <a:r>
+              <a:rPr lang="en-US" altLang="ko-KR" dirty="0" smtClean="0"/>
+              <a:t>Exception </a:t>
+            </a:r>
+            <a:r>
+              <a:rPr lang="ko-KR" altLang="en-US" dirty="0"/>
+              <a:t>클래스 인스턴스를 전달 받을 수 있음</a:t>
+            </a:r>
+            <a:endParaRPr lang="en-US" altLang="ko-KR" dirty="0"/>
+          </a:p>
+          <a:p>
+            <a:pPr lvl="1"/>
+            <a:r>
+              <a:rPr lang="ko-KR" altLang="en-US" dirty="0"/>
+              <a:t>원하는 종류의 오류 별로 각각 </a:t>
+            </a:r>
+            <a:r>
+              <a:rPr lang="en-US" altLang="ko-KR" dirty="0"/>
+              <a:t>catch </a:t>
+            </a:r>
+            <a:r>
+              <a:rPr lang="ko-KR" altLang="en-US" dirty="0"/>
+              <a:t>문을 작성할 수 있음</a:t>
+            </a:r>
+            <a:endParaRPr lang="en-US" altLang="ko-KR" dirty="0"/>
+          </a:p>
+          <a:p>
+            <a:r>
+              <a:rPr lang="en-US" altLang="ko-KR" dirty="0">
+                <a:solidFill>
+                  <a:srgbClr val="7030A0"/>
+                </a:solidFill>
+              </a:rPr>
+              <a:t>finally </a:t>
+            </a:r>
+            <a:r>
+              <a:rPr lang="en-US" altLang="ko-KR" dirty="0"/>
+              <a:t>(</a:t>
+            </a:r>
+            <a:r>
+              <a:rPr lang="ko-KR" altLang="en-US" dirty="0"/>
+              <a:t>선택</a:t>
+            </a:r>
+            <a:r>
+              <a:rPr lang="en-US" altLang="ko-KR" dirty="0"/>
+              <a:t>)</a:t>
+            </a:r>
+          </a:p>
+          <a:p>
+            <a:pPr lvl="1"/>
+            <a:r>
+              <a:rPr lang="ko-KR" altLang="en-US" dirty="0"/>
+              <a:t>예외 발생 여부와 </a:t>
+            </a:r>
+            <a:r>
+              <a:rPr lang="ko-KR" altLang="en-US" b="1" dirty="0"/>
+              <a:t>상관없이 항상 </a:t>
+            </a:r>
+            <a:r>
+              <a:rPr lang="ko-KR" altLang="en-US" b="1" dirty="0" smtClean="0"/>
+              <a:t>실행</a:t>
+            </a:r>
+            <a:endParaRPr lang="en-US" altLang="ko-KR" b="1" dirty="0" smtClean="0"/>
+          </a:p>
+          <a:p>
+            <a:pPr lvl="1"/>
+            <a:r>
+              <a:rPr lang="ko-KR" altLang="en-US" dirty="0"/>
+              <a:t>예외가 발생하고 </a:t>
+            </a:r>
+            <a:r>
+              <a:rPr lang="en-US" altLang="ko-KR" dirty="0"/>
+              <a:t>catch</a:t>
+            </a:r>
+            <a:r>
+              <a:rPr lang="ko-KR" altLang="en-US" dirty="0"/>
+              <a:t>로 잡지 못하더라도 </a:t>
+            </a:r>
+            <a:r>
+              <a:rPr lang="en-US" altLang="ko-KR" dirty="0"/>
+              <a:t>finally</a:t>
+            </a:r>
+            <a:r>
+              <a:rPr lang="ko-KR" altLang="en-US" dirty="0"/>
+              <a:t>는 실행</a:t>
+            </a:r>
+            <a:endParaRPr lang="en-US" altLang="ko-KR" dirty="0"/>
+          </a:p>
+          <a:p>
+            <a:pPr lvl="1"/>
+            <a:endParaRPr lang="ko-KR" altLang="en-US" dirty="0"/>
+          </a:p>
+        </p:txBody>
+      </p:sp>
+      <p:sp>
+        <p:nvSpPr>
+          <p:cNvPr id="4" name="날짜 개체 틀 3">
+            <a:extLst>
+              <a:ext uri="{FF2B5EF4-FFF2-40B4-BE49-F238E27FC236}">
+                <a16:creationId xmlns:a16="http://schemas.microsoft.com/office/drawing/2014/main" id="{B3F89852-15D3-7524-2EE6-11D6DA9A27A3}"/>
+              </a:ext>
+            </a:extLst>
+          </p:cNvPr>
+          <p:cNvSpPr>
+            <a:spLocks noGrp="1"/>
+          </p:cNvSpPr>
+          <p:nvPr>
+            <p:ph type="dt" sz="half" idx="10"/>
+          </p:nvPr>
+        </p:nvSpPr>
+        <p:spPr/>
+        <p:txBody>
+          <a:bodyPr/>
+          <a:lstStyle/>
+          <a:p>
+            <a:fld id="{0F78D9C4-20C1-4B15-A116-16DC77AD9A1E}" type="datetime1">
+              <a:rPr lang="ko-KR" altLang="en-US" smtClean="0"/>
+              <a:t>2025-05-14</a:t>
+            </a:fld>
+            <a:endParaRPr lang="ko-KR" altLang="en-US"/>
+          </a:p>
+        </p:txBody>
+      </p:sp>
+      <p:sp>
+        <p:nvSpPr>
+          <p:cNvPr id="5" name="슬라이드 번호 개체 틀 4">
+            <a:extLst>
+              <a:ext uri="{FF2B5EF4-FFF2-40B4-BE49-F238E27FC236}">
+                <a16:creationId xmlns:a16="http://schemas.microsoft.com/office/drawing/2014/main" id="{F5851E68-AFE1-2EAA-6833-8FADBF3EC52D}"/>
+              </a:ext>
+            </a:extLst>
+          </p:cNvPr>
+          <p:cNvSpPr>
+            <a:spLocks noGrp="1"/>
+          </p:cNvSpPr>
+          <p:nvPr>
+            <p:ph type="sldNum" sz="quarter" idx="12"/>
+          </p:nvPr>
+        </p:nvSpPr>
+        <p:spPr/>
+        <p:txBody>
+          <a:bodyPr/>
+          <a:lstStyle/>
+          <a:p>
+            <a:fld id="{083A2CE0-18CD-4102-B738-4ACFF9E68BA4}" type="slidenum">
+              <a:rPr lang="ko-KR" altLang="en-US" smtClean="0"/>
+              <a:t>11</a:t>
+            </a:fld>
+            <a:endParaRPr lang="ko-KR" altLang="en-US"/>
+          </a:p>
+        </p:txBody>
+      </p:sp>
+    </p:spTree>
+    <p:extLst>
+      <p:ext uri="{BB962C8B-B14F-4D97-AF65-F5344CB8AC3E}">
+        <p14:creationId xmlns:p14="http://schemas.microsoft.com/office/powerpoint/2010/main" val="3553033204"/>
+      </p:ext>
+    </p:extLst>
+  </p:cSld>
+  <p:clrMapOvr>
+    <a:masterClrMapping/>
+  </p:clrMapOvr>
+</p:sld>
+</file>
+
+<file path=ppt/slides/slide12.xml><?xml version="1.0" encoding="utf-8"?>
+<p:sld xmlns:a="http://schemas.openxmlformats.org/drawingml/2006/main" xmlns:r="http://schemas.openxmlformats.org/officeDocument/2006/relationships" xmlns:p="http://schemas.openxmlformats.org/presentationml/2006/main">
+  <p:cSld>
+    <p:spTree>
+      <p:nvGrpSpPr>
+        <p:cNvPr id="1" name=""/>
+        <p:cNvGrpSpPr/>
+        <p:nvPr/>
+      </p:nvGrpSpPr>
+      <p:grpSpPr>
+        <a:xfrm>
+          <a:off x="0" y="0"/>
+          <a:ext cx="0" cy="0"/>
+          <a:chOff x="0" y="0"/>
+          <a:chExt cx="0" cy="0"/>
+        </a:xfrm>
+      </p:grpSpPr>
+      <p:sp>
+        <p:nvSpPr>
+          <p:cNvPr id="2" name="제목 1">
+            <a:extLst>
+              <a:ext uri="{FF2B5EF4-FFF2-40B4-BE49-F238E27FC236}">
+                <a16:creationId xmlns:a16="http://schemas.microsoft.com/office/drawing/2014/main" id="{E7241ED8-6C20-3C58-9085-2259964B5177}"/>
+              </a:ext>
+            </a:extLst>
+          </p:cNvPr>
+          <p:cNvSpPr>
+            <a:spLocks noGrp="1"/>
+          </p:cNvSpPr>
+          <p:nvPr>
+            <p:ph type="title"/>
+          </p:nvPr>
+        </p:nvSpPr>
+        <p:spPr/>
+        <p:txBody>
+          <a:bodyPr/>
+          <a:lstStyle/>
+          <a:p>
+            <a:r>
+              <a:rPr lang="ko-KR" altLang="en-US" dirty="0"/>
+              <a:t>예외처리문</a:t>
+            </a:r>
+          </a:p>
+        </p:txBody>
+      </p:sp>
+      <p:pic>
+        <p:nvPicPr>
+          <p:cNvPr id="7" name="내용 개체 틀 6">
+            <a:extLst>
+              <a:ext uri="{FF2B5EF4-FFF2-40B4-BE49-F238E27FC236}">
+                <a16:creationId xmlns:a16="http://schemas.microsoft.com/office/drawing/2014/main" id="{8EFC4D97-1C30-C7ED-E938-A9BD6B8EF285}"/>
+              </a:ext>
+            </a:extLst>
+          </p:cNvPr>
+          <p:cNvPicPr>
+            <a:picLocks noGrp="1" noChangeAspect="1"/>
+          </p:cNvPicPr>
+          <p:nvPr>
+            <p:ph idx="1"/>
+          </p:nvPr>
+        </p:nvPicPr>
+        <p:blipFill>
+          <a:blip r:embed="rId3"/>
+          <a:stretch>
+            <a:fillRect/>
+          </a:stretch>
+        </p:blipFill>
+        <p:spPr>
+          <a:xfrm>
+            <a:off x="1053854" y="1882447"/>
+            <a:ext cx="4284294" cy="3267682"/>
+          </a:xfrm>
+        </p:spPr>
+      </p:pic>
+      <p:sp>
+        <p:nvSpPr>
+          <p:cNvPr id="4" name="날짜 개체 틀 3">
+            <a:extLst>
+              <a:ext uri="{FF2B5EF4-FFF2-40B4-BE49-F238E27FC236}">
+                <a16:creationId xmlns:a16="http://schemas.microsoft.com/office/drawing/2014/main" id="{C3AFE863-9320-CE3A-5FF0-B614017B9441}"/>
+              </a:ext>
+            </a:extLst>
+          </p:cNvPr>
+          <p:cNvSpPr>
+            <a:spLocks noGrp="1"/>
+          </p:cNvSpPr>
+          <p:nvPr>
+            <p:ph type="dt" sz="half" idx="10"/>
+          </p:nvPr>
+        </p:nvSpPr>
+        <p:spPr/>
+        <p:txBody>
+          <a:bodyPr/>
+          <a:lstStyle/>
+          <a:p>
+            <a:fld id="{0F78D9C4-20C1-4B15-A116-16DC77AD9A1E}" type="datetime1">
+              <a:rPr lang="ko-KR" altLang="en-US" smtClean="0"/>
+              <a:t>2025-05-14</a:t>
+            </a:fld>
+            <a:endParaRPr lang="ko-KR" altLang="en-US"/>
+          </a:p>
+        </p:txBody>
+      </p:sp>
+      <p:sp>
+        <p:nvSpPr>
+          <p:cNvPr id="5" name="슬라이드 번호 개체 틀 4">
+            <a:extLst>
+              <a:ext uri="{FF2B5EF4-FFF2-40B4-BE49-F238E27FC236}">
+                <a16:creationId xmlns:a16="http://schemas.microsoft.com/office/drawing/2014/main" id="{E850BC20-C01D-5DDC-655F-443639FFB693}"/>
+              </a:ext>
+            </a:extLst>
+          </p:cNvPr>
+          <p:cNvSpPr>
+            <a:spLocks noGrp="1"/>
+          </p:cNvSpPr>
+          <p:nvPr>
+            <p:ph type="sldNum" sz="quarter" idx="12"/>
+          </p:nvPr>
+        </p:nvSpPr>
+        <p:spPr/>
+        <p:txBody>
+          <a:bodyPr/>
+          <a:lstStyle/>
+          <a:p>
+            <a:fld id="{083A2CE0-18CD-4102-B738-4ACFF9E68BA4}" type="slidenum">
+              <a:rPr lang="ko-KR" altLang="en-US" smtClean="0"/>
+              <a:t>12</a:t>
+            </a:fld>
+            <a:endParaRPr lang="ko-KR" altLang="en-US"/>
+          </a:p>
+        </p:txBody>
+      </p:sp>
+      <p:pic>
+        <p:nvPicPr>
+          <p:cNvPr id="9" name="그림 8">
+            <a:extLst>
+              <a:ext uri="{FF2B5EF4-FFF2-40B4-BE49-F238E27FC236}">
+                <a16:creationId xmlns:a16="http://schemas.microsoft.com/office/drawing/2014/main" id="{B7BD3A3F-A934-A69F-862E-1EE171A38BD0}"/>
+              </a:ext>
+            </a:extLst>
+          </p:cNvPr>
+          <p:cNvPicPr>
+            <a:picLocks noChangeAspect="1"/>
+          </p:cNvPicPr>
+          <p:nvPr/>
+        </p:nvPicPr>
+        <p:blipFill>
+          <a:blip r:embed="rId4"/>
+          <a:stretch>
+            <a:fillRect/>
+          </a:stretch>
+        </p:blipFill>
+        <p:spPr>
+          <a:xfrm>
+            <a:off x="5891046" y="1882446"/>
+            <a:ext cx="5464164" cy="3332153"/>
+          </a:xfrm>
+          <a:prstGeom prst="rect">
+            <a:avLst/>
+          </a:prstGeom>
+        </p:spPr>
+      </p:pic>
+      <p:pic>
+        <p:nvPicPr>
+          <p:cNvPr id="11" name="그림 10">
+            <a:extLst>
+              <a:ext uri="{FF2B5EF4-FFF2-40B4-BE49-F238E27FC236}">
+                <a16:creationId xmlns:a16="http://schemas.microsoft.com/office/drawing/2014/main" id="{4FCC6306-B73E-4946-EA2F-3955263335AC}"/>
+              </a:ext>
+            </a:extLst>
+          </p:cNvPr>
+          <p:cNvPicPr>
+            <a:picLocks noChangeAspect="1"/>
+          </p:cNvPicPr>
+          <p:nvPr/>
+        </p:nvPicPr>
+        <p:blipFill>
+          <a:blip r:embed="rId5"/>
+          <a:stretch>
+            <a:fillRect/>
+          </a:stretch>
+        </p:blipFill>
+        <p:spPr>
+          <a:xfrm>
+            <a:off x="9727217" y="3726370"/>
+            <a:ext cx="1939265" cy="1612014"/>
+          </a:xfrm>
+          <a:prstGeom prst="rect">
+            <a:avLst/>
+          </a:prstGeom>
+        </p:spPr>
+      </p:pic>
+    </p:spTree>
+    <p:extLst>
+      <p:ext uri="{BB962C8B-B14F-4D97-AF65-F5344CB8AC3E}">
+        <p14:creationId xmlns:p14="http://schemas.microsoft.com/office/powerpoint/2010/main" val="3157700884"/>
+      </p:ext>
+    </p:extLst>
+  </p:cSld>
+  <p:clrMapOvr>
+    <a:masterClrMapping/>
+  </p:clrMapOvr>
+</p:sld>
+</file>
+
+<file path=ppt/slides/slide13.xml><?xml version="1.0" encoding="utf-8"?>
+<p:sld xmlns:a="http://schemas.openxmlformats.org/drawingml/2006/main" xmlns:r="http://schemas.openxmlformats.org/officeDocument/2006/relationships" xmlns:p="http://schemas.openxmlformats.org/presentationml/2006/main">
+  <p:cSld>
+    <p:spTree>
+      <p:nvGrpSpPr>
+        <p:cNvPr id="1" name=""/>
+        <p:cNvGrpSpPr/>
+        <p:nvPr/>
+      </p:nvGrpSpPr>
+      <p:grpSpPr>
+        <a:xfrm>
+          <a:off x="0" y="0"/>
+          <a:ext cx="0" cy="0"/>
+          <a:chOff x="0" y="0"/>
+          <a:chExt cx="0" cy="0"/>
+        </a:xfrm>
+      </p:grpSpPr>
+      <p:sp>
+        <p:nvSpPr>
+          <p:cNvPr id="2" name="제목 1">
+            <a:extLst>
+              <a:ext uri="{FF2B5EF4-FFF2-40B4-BE49-F238E27FC236}">
+                <a16:creationId xmlns:a16="http://schemas.microsoft.com/office/drawing/2014/main" id="{BE35614D-BC21-143F-B9C8-1D728033FFF0}"/>
+              </a:ext>
+            </a:extLst>
+          </p:cNvPr>
+          <p:cNvSpPr>
+            <a:spLocks noGrp="1"/>
+          </p:cNvSpPr>
+          <p:nvPr>
+            <p:ph type="title"/>
+          </p:nvPr>
+        </p:nvSpPr>
+        <p:spPr/>
+        <p:txBody>
+          <a:bodyPr/>
+          <a:lstStyle/>
+          <a:p>
+            <a:r>
+              <a:rPr lang="ko-KR" altLang="en-US" dirty="0"/>
+              <a:t>예외처리문</a:t>
+            </a:r>
+          </a:p>
+        </p:txBody>
+      </p:sp>
+      <p:pic>
+        <p:nvPicPr>
+          <p:cNvPr id="7" name="내용 개체 틀 6">
+            <a:extLst>
+              <a:ext uri="{FF2B5EF4-FFF2-40B4-BE49-F238E27FC236}">
+                <a16:creationId xmlns:a16="http://schemas.microsoft.com/office/drawing/2014/main" id="{6B101693-E53F-AFB6-033D-D8F30B992846}"/>
+              </a:ext>
+            </a:extLst>
+          </p:cNvPr>
+          <p:cNvPicPr>
+            <a:picLocks noGrp="1" noChangeAspect="1"/>
+          </p:cNvPicPr>
+          <p:nvPr>
+            <p:ph idx="1"/>
+          </p:nvPr>
+        </p:nvPicPr>
+        <p:blipFill>
+          <a:blip r:embed="rId3"/>
+          <a:stretch>
+            <a:fillRect/>
+          </a:stretch>
+        </p:blipFill>
+        <p:spPr>
+          <a:xfrm>
+            <a:off x="943849" y="1814094"/>
+            <a:ext cx="4663522" cy="3651285"/>
+          </a:xfrm>
+        </p:spPr>
+      </p:pic>
+      <p:sp>
+        <p:nvSpPr>
+          <p:cNvPr id="4" name="날짜 개체 틀 3">
+            <a:extLst>
+              <a:ext uri="{FF2B5EF4-FFF2-40B4-BE49-F238E27FC236}">
+                <a16:creationId xmlns:a16="http://schemas.microsoft.com/office/drawing/2014/main" id="{9E49F37F-CB3F-223E-A62D-DBCAE7F6FA47}"/>
+              </a:ext>
+            </a:extLst>
+          </p:cNvPr>
+          <p:cNvSpPr>
+            <a:spLocks noGrp="1"/>
+          </p:cNvSpPr>
+          <p:nvPr>
+            <p:ph type="dt" sz="half" idx="10"/>
+          </p:nvPr>
+        </p:nvSpPr>
+        <p:spPr/>
+        <p:txBody>
+          <a:bodyPr/>
+          <a:lstStyle/>
+          <a:p>
+            <a:fld id="{0F78D9C4-20C1-4B15-A116-16DC77AD9A1E}" type="datetime1">
+              <a:rPr lang="ko-KR" altLang="en-US" smtClean="0"/>
+              <a:t>2025-05-14</a:t>
+            </a:fld>
+            <a:endParaRPr lang="ko-KR" altLang="en-US"/>
+          </a:p>
+        </p:txBody>
+      </p:sp>
+      <p:sp>
+        <p:nvSpPr>
+          <p:cNvPr id="5" name="슬라이드 번호 개체 틀 4">
+            <a:extLst>
+              <a:ext uri="{FF2B5EF4-FFF2-40B4-BE49-F238E27FC236}">
+                <a16:creationId xmlns:a16="http://schemas.microsoft.com/office/drawing/2014/main" id="{EF344A19-B983-D0D5-B901-6E46EF1D2619}"/>
+              </a:ext>
+            </a:extLst>
+          </p:cNvPr>
+          <p:cNvSpPr>
+            <a:spLocks noGrp="1"/>
+          </p:cNvSpPr>
+          <p:nvPr>
+            <p:ph type="sldNum" sz="quarter" idx="12"/>
+          </p:nvPr>
+        </p:nvSpPr>
+        <p:spPr/>
+        <p:txBody>
+          <a:bodyPr/>
+          <a:lstStyle/>
+          <a:p>
+            <a:fld id="{083A2CE0-18CD-4102-B738-4ACFF9E68BA4}" type="slidenum">
+              <a:rPr lang="ko-KR" altLang="en-US" smtClean="0"/>
+              <a:t>13</a:t>
+            </a:fld>
+            <a:endParaRPr lang="ko-KR" altLang="en-US"/>
+          </a:p>
+        </p:txBody>
+      </p:sp>
+      <p:pic>
+        <p:nvPicPr>
+          <p:cNvPr id="9" name="그림 8">
+            <a:extLst>
+              <a:ext uri="{FF2B5EF4-FFF2-40B4-BE49-F238E27FC236}">
+                <a16:creationId xmlns:a16="http://schemas.microsoft.com/office/drawing/2014/main" id="{4C43B453-25B1-1A82-EB09-FDDDB8B56616}"/>
+              </a:ext>
+            </a:extLst>
+          </p:cNvPr>
+          <p:cNvPicPr>
+            <a:picLocks noChangeAspect="1"/>
+          </p:cNvPicPr>
+          <p:nvPr/>
+        </p:nvPicPr>
+        <p:blipFill>
+          <a:blip r:embed="rId4"/>
+          <a:stretch>
+            <a:fillRect/>
+          </a:stretch>
+        </p:blipFill>
+        <p:spPr>
+          <a:xfrm>
+            <a:off x="5923574" y="1814094"/>
+            <a:ext cx="5164322" cy="4010084"/>
+          </a:xfrm>
+          <a:prstGeom prst="rect">
+            <a:avLst/>
+          </a:prstGeom>
+        </p:spPr>
+      </p:pic>
+      <p:pic>
+        <p:nvPicPr>
+          <p:cNvPr id="11" name="그림 10">
+            <a:extLst>
+              <a:ext uri="{FF2B5EF4-FFF2-40B4-BE49-F238E27FC236}">
+                <a16:creationId xmlns:a16="http://schemas.microsoft.com/office/drawing/2014/main" id="{23BC02BD-8022-2D8F-B003-B904A444A94B}"/>
+              </a:ext>
+            </a:extLst>
+          </p:cNvPr>
+          <p:cNvPicPr>
+            <a:picLocks noChangeAspect="1"/>
+          </p:cNvPicPr>
+          <p:nvPr/>
+        </p:nvPicPr>
+        <p:blipFill>
+          <a:blip r:embed="rId5"/>
+          <a:stretch>
+            <a:fillRect/>
+          </a:stretch>
+        </p:blipFill>
+        <p:spPr>
+          <a:xfrm>
+            <a:off x="9925848" y="4194377"/>
+            <a:ext cx="1789104" cy="1629801"/>
+          </a:xfrm>
+          <a:prstGeom prst="rect">
+            <a:avLst/>
+          </a:prstGeom>
+        </p:spPr>
+      </p:pic>
+      <p:sp>
+        <p:nvSpPr>
+          <p:cNvPr id="13" name="TextBox 12">
+            <a:extLst>
+              <a:ext uri="{FF2B5EF4-FFF2-40B4-BE49-F238E27FC236}">
+                <a16:creationId xmlns:a16="http://schemas.microsoft.com/office/drawing/2014/main" id="{6401A616-10E6-7A69-6D91-4DBE60A62AD6}"/>
+              </a:ext>
+            </a:extLst>
+          </p:cNvPr>
+          <p:cNvSpPr txBox="1"/>
+          <p:nvPr/>
+        </p:nvSpPr>
+        <p:spPr>
+          <a:xfrm>
+            <a:off x="838200" y="5733975"/>
+            <a:ext cx="6094428" cy="646331"/>
+          </a:xfrm>
+          <a:prstGeom prst="rect">
+            <a:avLst/>
+          </a:prstGeom>
+          <a:noFill/>
+        </p:spPr>
+        <p:txBody>
+          <a:bodyPr wrap="square">
+            <a:spAutoFit/>
+          </a:bodyPr>
+          <a:lstStyle/>
+          <a:p>
+            <a:r>
+              <a:rPr lang="en-US" altLang="ko-KR" dirty="0"/>
+              <a:t>* </a:t>
+            </a:r>
+            <a:r>
+              <a:rPr lang="ko-KR" altLang="en-US" dirty="0"/>
+              <a:t>예외 종류</a:t>
+            </a:r>
+            <a:endParaRPr lang="en-US" altLang="ko-KR" dirty="0"/>
+          </a:p>
+          <a:p>
+            <a:r>
+              <a:rPr lang="en-US" altLang="ko-KR" dirty="0">
+                <a:hlinkClick r:id="rId6"/>
+              </a:rPr>
+              <a:t>https://parodev.tistory.com/8</a:t>
+            </a:r>
+            <a:endParaRPr lang="ko-KR" altLang="en-US" dirty="0"/>
+          </a:p>
+        </p:txBody>
+      </p:sp>
+    </p:spTree>
+    <p:extLst>
+      <p:ext uri="{BB962C8B-B14F-4D97-AF65-F5344CB8AC3E}">
+        <p14:creationId xmlns:p14="http://schemas.microsoft.com/office/powerpoint/2010/main" val="1216057178"/>
+      </p:ext>
+    </p:extLst>
+  </p:cSld>
+  <p:clrMapOvr>
+    <a:masterClrMapping/>
+  </p:clrMapOvr>
+</p:sld>
+</file>
+
+<file path=ppt/slides/slide14.xml><?xml version="1.0" encoding="utf-8"?>
+<p:sld xmlns:a="http://schemas.openxmlformats.org/drawingml/2006/main" xmlns:r="http://schemas.openxmlformats.org/officeDocument/2006/relationships" xmlns:p="http://schemas.openxmlformats.org/presentationml/2006/main" show="0">
+  <p:cSld>
+    <p:spTree>
+      <p:nvGrpSpPr>
+        <p:cNvPr id="1" name=""/>
+        <p:cNvGrpSpPr/>
+        <p:nvPr/>
+      </p:nvGrpSpPr>
+      <p:grpSpPr>
+        <a:xfrm>
+          <a:off x="0" y="0"/>
+          <a:ext cx="0" cy="0"/>
+          <a:chOff x="0" y="0"/>
+          <a:chExt cx="0" cy="0"/>
+        </a:xfrm>
+      </p:grpSpPr>
+      <p:sp>
+        <p:nvSpPr>
           <p:cNvPr id="8" name="내용 개체 틀 2">
             <a:extLst>
               <a:ext uri="{FF2B5EF4-FFF2-40B4-BE49-F238E27FC236}">
@@ -4771,7 +6958,7 @@
         </p:spPr>
         <p:txBody>
           <a:bodyPr vert="horz" lIns="91440" tIns="45720" rIns="91440" bIns="45720" rtlCol="0">
-            <a:normAutofit lnSpcReduction="10000"/>
+            <a:normAutofit fontScale="92500"/>
           </a:bodyPr>
           <a:lstStyle>
             <a:lvl1pPr marL="228600" indent="-228600" algn="l" defTabSz="914400" rtl="0" eaLnBrk="1" latinLnBrk="1" hangingPunct="1">
@@ -4958,6 +7145,10 @@
               <a:rPr lang="ko-KR" altLang="en-US" dirty="0"/>
               <a:t>에 복사하는 것이 가능</a:t>
             </a:r>
+            <a:r>
+              <a:rPr lang="en-US" altLang="ko-KR" dirty="0"/>
+              <a:t/>
+            </a:r>
             <a:br>
               <a:rPr lang="en-US" altLang="ko-KR" dirty="0"/>
             </a:br>
@@ -5099,13 +7290,18 @@
               <a:t>. </a:t>
             </a:r>
             <a:r>
-              <a:rPr lang="ko-KR" altLang="en-US" dirty="0">
+              <a:rPr lang="ko-KR" altLang="en-US" dirty="0" smtClean="0">
                 <a:solidFill>
                   <a:srgbClr val="00B050"/>
                 </a:solidFill>
               </a:rPr>
               <a:t>예외처리</a:t>
             </a:r>
+            <a:endParaRPr lang="ko-KR" altLang="en-US" dirty="0">
+              <a:solidFill>
+                <a:srgbClr val="00B050"/>
+              </a:solidFill>
+            </a:endParaRPr>
           </a:p>
         </p:txBody>
       </p:sp>
@@ -5190,7 +7386,7 @@
           <a:p>
             <a:fld id="{083A2CE0-18CD-4102-B738-4ACFF9E68BA4}" type="slidenum">
               <a:rPr lang="ko-KR" altLang="en-US" smtClean="0"/>
-              <a:t>11</a:t>
+              <a:t>14</a:t>
             </a:fld>
             <a:endParaRPr lang="ko-KR" altLang="en-US"/>
           </a:p>
@@ -5206,6 +7402,1874 @@
   <p:clrMapOvr>
     <a:masterClrMapping/>
   </p:clrMapOvr>
+  <mc:AlternateContent xmlns:mc="http://schemas.openxmlformats.org/markup-compatibility/2006">
+    <mc:Choice xmlns:p14="http://schemas.microsoft.com/office/powerpoint/2010/main" Requires="p14">
+      <p:transition spd="slow" p14:dur="2000"/>
+    </mc:Choice>
+    <mc:Fallback>
+      <p:transition spd="slow"/>
+    </mc:Fallback>
+  </mc:AlternateContent>
+</p:sld>
+</file>
+
+<file path=ppt/slides/slide15.xml><?xml version="1.0" encoding="utf-8"?>
+<p:sld xmlns:a="http://schemas.openxmlformats.org/drawingml/2006/main" xmlns:r="http://schemas.openxmlformats.org/officeDocument/2006/relationships" xmlns:p="http://schemas.openxmlformats.org/presentationml/2006/main">
+  <p:cSld>
+    <p:spTree>
+      <p:nvGrpSpPr>
+        <p:cNvPr id="1" name=""/>
+        <p:cNvGrpSpPr/>
+        <p:nvPr/>
+      </p:nvGrpSpPr>
+      <p:grpSpPr>
+        <a:xfrm>
+          <a:off x="0" y="0"/>
+          <a:ext cx="0" cy="0"/>
+          <a:chOff x="0" y="0"/>
+          <a:chExt cx="0" cy="0"/>
+        </a:xfrm>
+      </p:grpSpPr>
+      <p:sp>
+        <p:nvSpPr>
+          <p:cNvPr id="8" name="내용 개체 틀 2">
+            <a:extLst>
+              <a:ext uri="{FF2B5EF4-FFF2-40B4-BE49-F238E27FC236}">
+                <a16:creationId xmlns:a16="http://schemas.microsoft.com/office/drawing/2014/main" id="{D94C6ADC-1847-22FC-C104-A98BF4421460}"/>
+              </a:ext>
+            </a:extLst>
+          </p:cNvPr>
+          <p:cNvSpPr txBox="1">
+            <a:spLocks/>
+          </p:cNvSpPr>
+          <p:nvPr/>
+        </p:nvSpPr>
+        <p:spPr>
+          <a:xfrm>
+            <a:off x="838200" y="1398714"/>
+            <a:ext cx="10515600" cy="4915217"/>
+          </a:xfrm>
+          <a:prstGeom prst="rect">
+            <a:avLst/>
+          </a:prstGeom>
+        </p:spPr>
+        <p:txBody>
+          <a:bodyPr vert="horz" lIns="91440" tIns="45720" rIns="91440" bIns="45720" rtlCol="0">
+            <a:normAutofit/>
+          </a:bodyPr>
+          <a:lstStyle>
+            <a:lvl1pPr marL="228600" indent="-228600" algn="l" defTabSz="914400" rtl="0" eaLnBrk="1" latinLnBrk="1" hangingPunct="1">
+              <a:lnSpc>
+                <a:spcPct val="120000"/>
+              </a:lnSpc>
+              <a:spcBef>
+                <a:spcPts val="1000"/>
+              </a:spcBef>
+              <a:buFont typeface="Arial" panose="020B0604020202020204" pitchFamily="34" charset="0"/>
+              <a:buChar char="•"/>
+              <a:defRPr sz="2800" kern="1200">
+                <a:solidFill>
+                  <a:schemeClr val="tx1"/>
+                </a:solidFill>
+                <a:latin typeface="+mn-lt"/>
+                <a:ea typeface="+mn-ea"/>
+                <a:cs typeface="+mn-cs"/>
+              </a:defRPr>
+            </a:lvl1pPr>
+            <a:lvl2pPr marL="685800" indent="-228600" algn="l" defTabSz="914400" rtl="0" eaLnBrk="1" latinLnBrk="1" hangingPunct="1">
+              <a:lnSpc>
+                <a:spcPct val="120000"/>
+              </a:lnSpc>
+              <a:spcBef>
+                <a:spcPts val="500"/>
+              </a:spcBef>
+              <a:buFont typeface="Arial" panose="020B0604020202020204" pitchFamily="34" charset="0"/>
+              <a:buChar char="•"/>
+              <a:defRPr sz="2400" kern="1200">
+                <a:solidFill>
+                  <a:schemeClr val="tx1"/>
+                </a:solidFill>
+                <a:latin typeface="+mn-lt"/>
+                <a:ea typeface="+mn-ea"/>
+                <a:cs typeface="+mn-cs"/>
+              </a:defRPr>
+            </a:lvl2pPr>
+            <a:lvl3pPr marL="1143000" indent="-228600" algn="l" defTabSz="914400" rtl="0" eaLnBrk="1" latinLnBrk="1" hangingPunct="1">
+              <a:lnSpc>
+                <a:spcPct val="120000"/>
+              </a:lnSpc>
+              <a:spcBef>
+                <a:spcPts val="500"/>
+              </a:spcBef>
+              <a:buFont typeface="Arial" panose="020B0604020202020204" pitchFamily="34" charset="0"/>
+              <a:buChar char="•"/>
+              <a:defRPr sz="2000" kern="1200">
+                <a:solidFill>
+                  <a:schemeClr val="tx1"/>
+                </a:solidFill>
+                <a:latin typeface="+mn-lt"/>
+                <a:ea typeface="+mn-ea"/>
+                <a:cs typeface="+mn-cs"/>
+              </a:defRPr>
+            </a:lvl3pPr>
+            <a:lvl4pPr marL="1600200" indent="-228600" algn="l" defTabSz="914400" rtl="0" eaLnBrk="1" latinLnBrk="1" hangingPunct="1">
+              <a:lnSpc>
+                <a:spcPct val="120000"/>
+              </a:lnSpc>
+              <a:spcBef>
+                <a:spcPts val="500"/>
+              </a:spcBef>
+              <a:buFont typeface="Arial" panose="020B0604020202020204" pitchFamily="34" charset="0"/>
+              <a:buChar char="•"/>
+              <a:defRPr sz="1800" kern="1200">
+                <a:solidFill>
+                  <a:schemeClr val="tx1"/>
+                </a:solidFill>
+                <a:latin typeface="+mn-lt"/>
+                <a:ea typeface="+mn-ea"/>
+                <a:cs typeface="+mn-cs"/>
+              </a:defRPr>
+            </a:lvl4pPr>
+            <a:lvl5pPr marL="2057400" indent="-228600" algn="l" defTabSz="914400" rtl="0" eaLnBrk="1" latinLnBrk="1" hangingPunct="1">
+              <a:lnSpc>
+                <a:spcPct val="120000"/>
+              </a:lnSpc>
+              <a:spcBef>
+                <a:spcPts val="500"/>
+              </a:spcBef>
+              <a:buFont typeface="Arial" panose="020B0604020202020204" pitchFamily="34" charset="0"/>
+              <a:buChar char="•"/>
+              <a:defRPr sz="1800" kern="1200">
+                <a:solidFill>
+                  <a:schemeClr val="tx1"/>
+                </a:solidFill>
+                <a:latin typeface="+mn-lt"/>
+                <a:ea typeface="+mn-ea"/>
+                <a:cs typeface="+mn-cs"/>
+              </a:defRPr>
+            </a:lvl5pPr>
+            <a:lvl6pPr marL="2514600" indent="-228600" algn="l" defTabSz="914400" rtl="0" eaLnBrk="1" latinLnBrk="1" hangingPunct="1">
+              <a:lnSpc>
+                <a:spcPct val="90000"/>
+              </a:lnSpc>
+              <a:spcBef>
+                <a:spcPts val="500"/>
+              </a:spcBef>
+              <a:buFont typeface="Arial" panose="020B0604020202020204" pitchFamily="34" charset="0"/>
+              <a:buChar char="•"/>
+              <a:defRPr sz="1800" kern="1200">
+                <a:solidFill>
+                  <a:schemeClr val="tx1"/>
+                </a:solidFill>
+                <a:latin typeface="+mn-lt"/>
+                <a:ea typeface="+mn-ea"/>
+                <a:cs typeface="+mn-cs"/>
+              </a:defRPr>
+            </a:lvl6pPr>
+            <a:lvl7pPr marL="2971800" indent="-228600" algn="l" defTabSz="914400" rtl="0" eaLnBrk="1" latinLnBrk="1" hangingPunct="1">
+              <a:lnSpc>
+                <a:spcPct val="90000"/>
+              </a:lnSpc>
+              <a:spcBef>
+                <a:spcPts val="500"/>
+              </a:spcBef>
+              <a:buFont typeface="Arial" panose="020B0604020202020204" pitchFamily="34" charset="0"/>
+              <a:buChar char="•"/>
+              <a:defRPr sz="1800" kern="1200">
+                <a:solidFill>
+                  <a:schemeClr val="tx1"/>
+                </a:solidFill>
+                <a:latin typeface="+mn-lt"/>
+                <a:ea typeface="+mn-ea"/>
+                <a:cs typeface="+mn-cs"/>
+              </a:defRPr>
+            </a:lvl7pPr>
+            <a:lvl8pPr marL="3429000" indent="-228600" algn="l" defTabSz="914400" rtl="0" eaLnBrk="1" latinLnBrk="1" hangingPunct="1">
+              <a:lnSpc>
+                <a:spcPct val="90000"/>
+              </a:lnSpc>
+              <a:spcBef>
+                <a:spcPts val="500"/>
+              </a:spcBef>
+              <a:buFont typeface="Arial" panose="020B0604020202020204" pitchFamily="34" charset="0"/>
+              <a:buChar char="•"/>
+              <a:defRPr sz="1800" kern="1200">
+                <a:solidFill>
+                  <a:schemeClr val="tx1"/>
+                </a:solidFill>
+                <a:latin typeface="+mn-lt"/>
+                <a:ea typeface="+mn-ea"/>
+                <a:cs typeface="+mn-cs"/>
+              </a:defRPr>
+            </a:lvl8pPr>
+            <a:lvl9pPr marL="3886200" indent="-228600" algn="l" defTabSz="914400" rtl="0" eaLnBrk="1" latinLnBrk="1" hangingPunct="1">
+              <a:lnSpc>
+                <a:spcPct val="90000"/>
+              </a:lnSpc>
+              <a:spcBef>
+                <a:spcPts val="500"/>
+              </a:spcBef>
+              <a:buFont typeface="Arial" panose="020B0604020202020204" pitchFamily="34" charset="0"/>
+              <a:buChar char="•"/>
+              <a:defRPr sz="1800" kern="1200">
+                <a:solidFill>
+                  <a:schemeClr val="tx1"/>
+                </a:solidFill>
+                <a:latin typeface="+mn-lt"/>
+                <a:ea typeface="+mn-ea"/>
+                <a:cs typeface="+mn-cs"/>
+              </a:defRPr>
+            </a:lvl9pPr>
+          </a:lstStyle>
+          <a:p>
+            <a:r>
+              <a:rPr lang="ko-KR" altLang="en-US" dirty="0" smtClean="0">
+                <a:latin typeface="Pretendard" panose="02000503000000020004" pitchFamily="2" charset="-127"/>
+                <a:ea typeface="Pretendard" panose="02000503000000020004" pitchFamily="2" charset="-127"/>
+                <a:cs typeface="Pretendard" panose="02000503000000020004" pitchFamily="2" charset="-127"/>
+              </a:rPr>
+              <a:t>사용자가 입력한 닉네임을 검사하는 프로그램 작성</a:t>
+            </a:r>
+            <a:r>
+              <a:rPr lang="en-US" altLang="ko-KR" dirty="0" smtClean="0">
+                <a:latin typeface="Pretendard" panose="02000503000000020004" pitchFamily="2" charset="-127"/>
+                <a:ea typeface="Pretendard" panose="02000503000000020004" pitchFamily="2" charset="-127"/>
+                <a:cs typeface="Pretendard" panose="02000503000000020004" pitchFamily="2" charset="-127"/>
+              </a:rPr>
+              <a:t>.</a:t>
+            </a:r>
+          </a:p>
+          <a:p>
+            <a:r>
+              <a:rPr lang="ko-KR" altLang="en-US" dirty="0" smtClean="0">
+                <a:latin typeface="Pretendard" panose="02000503000000020004" pitchFamily="2" charset="-127"/>
+                <a:ea typeface="Pretendard" panose="02000503000000020004" pitchFamily="2" charset="-127"/>
+                <a:cs typeface="Pretendard" panose="02000503000000020004" pitchFamily="2" charset="-127"/>
+              </a:rPr>
+              <a:t>특정 조건을 만족하지 않으면</a:t>
+            </a:r>
+            <a:r>
+              <a:rPr lang="en-US" altLang="ko-KR" dirty="0">
+                <a:latin typeface="Pretendard" panose="02000503000000020004" pitchFamily="2" charset="-127"/>
+                <a:ea typeface="Pretendard" panose="02000503000000020004" pitchFamily="2" charset="-127"/>
+                <a:cs typeface="Pretendard" panose="02000503000000020004" pitchFamily="2" charset="-127"/>
+              </a:rPr>
+              <a:t> </a:t>
+            </a:r>
+            <a:r>
+              <a:rPr lang="ko-KR" altLang="en-US" dirty="0" smtClean="0">
+                <a:latin typeface="Pretendard" panose="02000503000000020004" pitchFamily="2" charset="-127"/>
+                <a:ea typeface="Pretendard" panose="02000503000000020004" pitchFamily="2" charset="-127"/>
+                <a:cs typeface="Pretendard" panose="02000503000000020004" pitchFamily="2" charset="-127"/>
+              </a:rPr>
+              <a:t>예외</a:t>
+            </a:r>
+            <a:r>
+              <a:rPr lang="en-US" altLang="ko-KR" dirty="0" smtClean="0">
+                <a:latin typeface="Pretendard" panose="02000503000000020004" pitchFamily="2" charset="-127"/>
+                <a:ea typeface="Pretendard" panose="02000503000000020004" pitchFamily="2" charset="-127"/>
+                <a:cs typeface="Pretendard" panose="02000503000000020004" pitchFamily="2" charset="-127"/>
+              </a:rPr>
+              <a:t>(throw)</a:t>
+            </a:r>
+            <a:r>
+              <a:rPr lang="ko-KR" altLang="en-US" dirty="0" smtClean="0">
+                <a:latin typeface="Pretendard" panose="02000503000000020004" pitchFamily="2" charset="-127"/>
+                <a:ea typeface="Pretendard" panose="02000503000000020004" pitchFamily="2" charset="-127"/>
+                <a:cs typeface="Pretendard" panose="02000503000000020004" pitchFamily="2" charset="-127"/>
+              </a:rPr>
+              <a:t>를 발생시키고</a:t>
+            </a:r>
+            <a:r>
+              <a:rPr lang="en-US" altLang="ko-KR" dirty="0" smtClean="0">
+                <a:latin typeface="Pretendard" panose="02000503000000020004" pitchFamily="2" charset="-127"/>
+                <a:ea typeface="Pretendard" panose="02000503000000020004" pitchFamily="2" charset="-127"/>
+                <a:cs typeface="Pretendard" panose="02000503000000020004" pitchFamily="2" charset="-127"/>
+              </a:rPr>
+              <a:t>, </a:t>
+            </a:r>
+            <a:r>
+              <a:rPr lang="ko-KR" altLang="en-US" dirty="0" smtClean="0">
+                <a:latin typeface="Pretendard" panose="02000503000000020004" pitchFamily="2" charset="-127"/>
+                <a:ea typeface="Pretendard" panose="02000503000000020004" pitchFamily="2" charset="-127"/>
+                <a:cs typeface="Pretendard" panose="02000503000000020004" pitchFamily="2" charset="-127"/>
+              </a:rPr>
+              <a:t>예외에 따라 맞춤 메시지 출력하기</a:t>
+            </a:r>
+            <a:r>
+              <a:rPr lang="en-US" altLang="ko-KR" dirty="0" smtClean="0">
+                <a:latin typeface="Pretendard" panose="02000503000000020004" pitchFamily="2" charset="-127"/>
+                <a:ea typeface="Pretendard" panose="02000503000000020004" pitchFamily="2" charset="-127"/>
+                <a:cs typeface="Pretendard" panose="02000503000000020004" pitchFamily="2" charset="-127"/>
+              </a:rPr>
+              <a:t>.</a:t>
+            </a:r>
+          </a:p>
+          <a:p>
+            <a:pPr marL="0" indent="0">
+              <a:buNone/>
+            </a:pPr>
+            <a:r>
+              <a:rPr lang="ko-KR" altLang="en-US" b="1" dirty="0" smtClean="0">
+                <a:latin typeface="Pretendard" panose="02000503000000020004" pitchFamily="2" charset="-127"/>
+                <a:ea typeface="Pretendard" panose="02000503000000020004" pitchFamily="2" charset="-127"/>
+                <a:cs typeface="Pretendard" panose="02000503000000020004" pitchFamily="2" charset="-127"/>
+              </a:rPr>
+              <a:t>요구사항</a:t>
+            </a:r>
+            <a:endParaRPr lang="en-US" altLang="ko-KR" b="1" dirty="0" smtClean="0">
+              <a:latin typeface="Pretendard" panose="02000503000000020004" pitchFamily="2" charset="-127"/>
+              <a:ea typeface="Pretendard" panose="02000503000000020004" pitchFamily="2" charset="-127"/>
+              <a:cs typeface="Pretendard" panose="02000503000000020004" pitchFamily="2" charset="-127"/>
+            </a:endParaRPr>
+          </a:p>
+          <a:p>
+            <a:pPr marL="514350" indent="-514350">
+              <a:buAutoNum type="arabicPeriod"/>
+            </a:pPr>
+            <a:r>
+              <a:rPr lang="ko-KR" altLang="en-US" dirty="0" smtClean="0">
+                <a:latin typeface="Pretendard" panose="02000503000000020004" pitchFamily="2" charset="-127"/>
+                <a:ea typeface="Pretendard" panose="02000503000000020004" pitchFamily="2" charset="-127"/>
+                <a:cs typeface="Pretendard" panose="02000503000000020004" pitchFamily="2" charset="-127"/>
+              </a:rPr>
+              <a:t>사용자로부터 닉네임을 </a:t>
+            </a:r>
+            <a:r>
+              <a:rPr lang="ko-KR" altLang="en-US" b="1" dirty="0" smtClean="0">
+                <a:latin typeface="Pretendard" panose="02000503000000020004" pitchFamily="2" charset="-127"/>
+                <a:ea typeface="Pretendard" panose="02000503000000020004" pitchFamily="2" charset="-127"/>
+                <a:cs typeface="Pretendard" panose="02000503000000020004" pitchFamily="2" charset="-127"/>
+              </a:rPr>
+              <a:t>한 줄 입력 </a:t>
+            </a:r>
+            <a:r>
+              <a:rPr lang="ko-KR" altLang="en-US" dirty="0" smtClean="0">
+                <a:latin typeface="Pretendard" panose="02000503000000020004" pitchFamily="2" charset="-127"/>
+                <a:ea typeface="Pretendard" panose="02000503000000020004" pitchFamily="2" charset="-127"/>
+                <a:cs typeface="Pretendard" panose="02000503000000020004" pitchFamily="2" charset="-127"/>
+              </a:rPr>
+              <a:t>받기</a:t>
+            </a:r>
+            <a:endParaRPr lang="en-US" altLang="ko-KR" dirty="0" smtClean="0">
+              <a:latin typeface="Pretendard" panose="02000503000000020004" pitchFamily="2" charset="-127"/>
+              <a:ea typeface="Pretendard" panose="02000503000000020004" pitchFamily="2" charset="-127"/>
+              <a:cs typeface="Pretendard" panose="02000503000000020004" pitchFamily="2" charset="-127"/>
+            </a:endParaRPr>
+          </a:p>
+          <a:p>
+            <a:pPr marL="514350" indent="-514350">
+              <a:buAutoNum type="arabicPeriod"/>
+            </a:pPr>
+            <a:r>
+              <a:rPr lang="ko-KR" altLang="en-US" dirty="0" smtClean="0">
+                <a:latin typeface="Pretendard" panose="02000503000000020004" pitchFamily="2" charset="-127"/>
+                <a:ea typeface="Pretendard" panose="02000503000000020004" pitchFamily="2" charset="-127"/>
+                <a:cs typeface="Pretendard" panose="02000503000000020004" pitchFamily="2" charset="-127"/>
+              </a:rPr>
+              <a:t>다음 조건을 검사하여</a:t>
+            </a:r>
+            <a:r>
+              <a:rPr lang="en-US" altLang="ko-KR" dirty="0" smtClean="0">
+                <a:latin typeface="Pretendard" panose="02000503000000020004" pitchFamily="2" charset="-127"/>
+                <a:ea typeface="Pretendard" panose="02000503000000020004" pitchFamily="2" charset="-127"/>
+                <a:cs typeface="Pretendard" panose="02000503000000020004" pitchFamily="2" charset="-127"/>
+              </a:rPr>
+              <a:t>, </a:t>
+            </a:r>
+            <a:r>
+              <a:rPr lang="ko-KR" altLang="en-US" dirty="0" smtClean="0">
+                <a:latin typeface="Pretendard" panose="02000503000000020004" pitchFamily="2" charset="-127"/>
+                <a:ea typeface="Pretendard" panose="02000503000000020004" pitchFamily="2" charset="-127"/>
+                <a:cs typeface="Pretendard" panose="02000503000000020004" pitchFamily="2" charset="-127"/>
+              </a:rPr>
+              <a:t>해당하지 </a:t>
+            </a:r>
+            <a:r>
+              <a:rPr lang="ko-KR" altLang="en-US" dirty="0" smtClean="0">
+                <a:solidFill>
+                  <a:srgbClr val="FF0000"/>
+                </a:solidFill>
+                <a:latin typeface="Pretendard" panose="02000503000000020004" pitchFamily="2" charset="-127"/>
+                <a:ea typeface="Pretendard" panose="02000503000000020004" pitchFamily="2" charset="-127"/>
+                <a:cs typeface="Pretendard" panose="02000503000000020004" pitchFamily="2" charset="-127"/>
+              </a:rPr>
+              <a:t>않을 경우 </a:t>
+            </a:r>
+            <a:r>
+              <a:rPr lang="ko-KR" altLang="en-US" dirty="0" smtClean="0">
+                <a:latin typeface="Pretendard" panose="02000503000000020004" pitchFamily="2" charset="-127"/>
+                <a:ea typeface="Pretendard" panose="02000503000000020004" pitchFamily="2" charset="-127"/>
+                <a:cs typeface="Pretendard" panose="02000503000000020004" pitchFamily="2" charset="-127"/>
+              </a:rPr>
+              <a:t>직접 예외 발생시키기</a:t>
+            </a:r>
+            <a:r>
+              <a:rPr lang="en-US" altLang="ko-KR" dirty="0" smtClean="0">
+                <a:latin typeface="Pretendard" panose="02000503000000020004" pitchFamily="2" charset="-127"/>
+                <a:ea typeface="Pretendard" panose="02000503000000020004" pitchFamily="2" charset="-127"/>
+                <a:cs typeface="Pretendard" panose="02000503000000020004" pitchFamily="2" charset="-127"/>
+              </a:rPr>
+              <a:t>.</a:t>
+            </a:r>
+            <a:br>
+              <a:rPr lang="en-US" altLang="ko-KR" dirty="0" smtClean="0">
+                <a:latin typeface="Pretendard" panose="02000503000000020004" pitchFamily="2" charset="-127"/>
+                <a:ea typeface="Pretendard" panose="02000503000000020004" pitchFamily="2" charset="-127"/>
+                <a:cs typeface="Pretendard" panose="02000503000000020004" pitchFamily="2" charset="-127"/>
+              </a:rPr>
+            </a:br>
+            <a:r>
+              <a:rPr lang="en-US" altLang="ko-KR" dirty="0" smtClean="0">
+                <a:latin typeface="Pretendard" panose="02000503000000020004" pitchFamily="2" charset="-127"/>
+                <a:ea typeface="Pretendard" panose="02000503000000020004" pitchFamily="2" charset="-127"/>
+                <a:cs typeface="Pretendard" panose="02000503000000020004" pitchFamily="2" charset="-127"/>
+              </a:rPr>
+              <a:t>(</a:t>
+            </a:r>
+            <a:r>
+              <a:rPr lang="ko-KR" altLang="en-US" dirty="0" smtClean="0">
+                <a:latin typeface="Pretendard" panose="02000503000000020004" pitchFamily="2" charset="-127"/>
+                <a:ea typeface="Pretendard" panose="02000503000000020004" pitchFamily="2" charset="-127"/>
+                <a:cs typeface="Pretendard" panose="02000503000000020004" pitchFamily="2" charset="-127"/>
+              </a:rPr>
+              <a:t>다음 페이지에 </a:t>
+            </a:r>
+            <a:r>
+              <a:rPr lang="ko-KR" altLang="en-US" dirty="0" smtClean="0">
+                <a:latin typeface="Pretendard" panose="02000503000000020004" pitchFamily="2" charset="-127"/>
+                <a:ea typeface="Pretendard" panose="02000503000000020004" pitchFamily="2" charset="-127"/>
+                <a:cs typeface="Pretendard" panose="02000503000000020004" pitchFamily="2" charset="-127"/>
+              </a:rPr>
+              <a:t>계속</a:t>
+            </a:r>
+            <a:r>
+              <a:rPr lang="en-US" altLang="ko-KR" dirty="0" smtClean="0">
+                <a:latin typeface="Pretendard" panose="02000503000000020004" pitchFamily="2" charset="-127"/>
+                <a:ea typeface="Pretendard" panose="02000503000000020004" pitchFamily="2" charset="-127"/>
+                <a:cs typeface="Pretendard" panose="02000503000000020004" pitchFamily="2" charset="-127"/>
+              </a:rPr>
+              <a:t>..)</a:t>
+            </a:r>
+            <a:endParaRPr lang="en-US" altLang="ko-KR" dirty="0">
+              <a:latin typeface="Pretendard" panose="02000503000000020004" pitchFamily="2" charset="-127"/>
+              <a:ea typeface="Pretendard" panose="02000503000000020004" pitchFamily="2" charset="-127"/>
+              <a:cs typeface="Pretendard" panose="02000503000000020004" pitchFamily="2" charset="-127"/>
+            </a:endParaRPr>
+          </a:p>
+        </p:txBody>
+      </p:sp>
+      <p:sp>
+        <p:nvSpPr>
+          <p:cNvPr id="2" name="제목 1">
+            <a:extLst>
+              <a:ext uri="{FF2B5EF4-FFF2-40B4-BE49-F238E27FC236}">
+                <a16:creationId xmlns:a16="http://schemas.microsoft.com/office/drawing/2014/main" id="{C5703A9B-6635-2C4B-CEB6-5EBC02C7793C}"/>
+              </a:ext>
+            </a:extLst>
+          </p:cNvPr>
+          <p:cNvSpPr>
+            <a:spLocks noGrp="1"/>
+          </p:cNvSpPr>
+          <p:nvPr>
+            <p:ph type="title"/>
+          </p:nvPr>
+        </p:nvSpPr>
+        <p:spPr/>
+        <p:txBody>
+          <a:bodyPr/>
+          <a:lstStyle/>
+          <a:p>
+            <a:r>
+              <a:rPr lang="ko-KR" altLang="en-US" dirty="0">
+                <a:solidFill>
+                  <a:srgbClr val="00B050"/>
+                </a:solidFill>
+              </a:rPr>
+              <a:t>실습</a:t>
+            </a:r>
+            <a:r>
+              <a:rPr lang="en-US" altLang="ko-KR" dirty="0">
+                <a:solidFill>
+                  <a:srgbClr val="00B050"/>
+                </a:solidFill>
+              </a:rPr>
+              <a:t>. </a:t>
+            </a:r>
+            <a:r>
+              <a:rPr lang="ko-KR" altLang="en-US" dirty="0" smtClean="0">
+                <a:solidFill>
+                  <a:srgbClr val="00B050"/>
+                </a:solidFill>
+              </a:rPr>
+              <a:t>예외처리 </a:t>
+            </a:r>
+            <a:r>
+              <a:rPr lang="en-US" altLang="ko-KR" dirty="0" smtClean="0">
+                <a:solidFill>
+                  <a:srgbClr val="00B050"/>
+                </a:solidFill>
+              </a:rPr>
+              <a:t>– </a:t>
+            </a:r>
+            <a:r>
+              <a:rPr lang="ko-KR" altLang="en-US" dirty="0" smtClean="0">
+                <a:solidFill>
+                  <a:srgbClr val="00B050"/>
+                </a:solidFill>
+              </a:rPr>
+              <a:t>회원가입 닉네임 검사</a:t>
+            </a:r>
+            <a:r>
+              <a:rPr lang="en-US" altLang="ko-KR" dirty="0" smtClean="0">
+                <a:solidFill>
+                  <a:srgbClr val="00B050"/>
+                </a:solidFill>
+              </a:rPr>
+              <a:t>.</a:t>
+            </a:r>
+            <a:endParaRPr lang="ko-KR" altLang="en-US" dirty="0">
+              <a:solidFill>
+                <a:srgbClr val="00B050"/>
+              </a:solidFill>
+            </a:endParaRPr>
+          </a:p>
+        </p:txBody>
+      </p:sp>
+      <p:sp>
+        <p:nvSpPr>
+          <p:cNvPr id="4" name="날짜 개체 틀 3">
+            <a:extLst>
+              <a:ext uri="{FF2B5EF4-FFF2-40B4-BE49-F238E27FC236}">
+                <a16:creationId xmlns:a16="http://schemas.microsoft.com/office/drawing/2014/main" id="{C3DD1352-8BC9-E43B-C161-E5B137613F10}"/>
+              </a:ext>
+            </a:extLst>
+          </p:cNvPr>
+          <p:cNvSpPr>
+            <a:spLocks noGrp="1"/>
+          </p:cNvSpPr>
+          <p:nvPr>
+            <p:ph type="dt" sz="half" idx="10"/>
+          </p:nvPr>
+        </p:nvSpPr>
+        <p:spPr/>
+        <p:txBody>
+          <a:bodyPr/>
+          <a:lstStyle/>
+          <a:p>
+            <a:fld id="{0F78D9C4-20C1-4B15-A116-16DC77AD9A1E}" type="datetime1">
+              <a:rPr lang="ko-KR" altLang="en-US" smtClean="0"/>
+              <a:t>2025-05-14</a:t>
+            </a:fld>
+            <a:endParaRPr lang="ko-KR" altLang="en-US"/>
+          </a:p>
+        </p:txBody>
+      </p:sp>
+      <p:sp>
+        <p:nvSpPr>
+          <p:cNvPr id="5" name="슬라이드 번호 개체 틀 4">
+            <a:extLst>
+              <a:ext uri="{FF2B5EF4-FFF2-40B4-BE49-F238E27FC236}">
+                <a16:creationId xmlns:a16="http://schemas.microsoft.com/office/drawing/2014/main" id="{16B62D26-FDF5-1382-558B-2C81FB393983}"/>
+              </a:ext>
+            </a:extLst>
+          </p:cNvPr>
+          <p:cNvSpPr>
+            <a:spLocks noGrp="1"/>
+          </p:cNvSpPr>
+          <p:nvPr>
+            <p:ph type="sldNum" sz="quarter" idx="12"/>
+          </p:nvPr>
+        </p:nvSpPr>
+        <p:spPr/>
+        <p:txBody>
+          <a:bodyPr/>
+          <a:lstStyle/>
+          <a:p>
+            <a:fld id="{083A2CE0-18CD-4102-B738-4ACFF9E68BA4}" type="slidenum">
+              <a:rPr lang="ko-KR" altLang="en-US" smtClean="0"/>
+              <a:t>15</a:t>
+            </a:fld>
+            <a:endParaRPr lang="ko-KR" altLang="en-US"/>
+          </a:p>
+        </p:txBody>
+      </p:sp>
+    </p:spTree>
+    <p:extLst>
+      <p:ext uri="{BB962C8B-B14F-4D97-AF65-F5344CB8AC3E}">
+        <p14:creationId xmlns:p14="http://schemas.microsoft.com/office/powerpoint/2010/main" val="2828506424"/>
+      </p:ext>
+    </p:extLst>
+  </p:cSld>
+  <p:clrMapOvr>
+    <a:masterClrMapping/>
+  </p:clrMapOvr>
+  <mc:AlternateContent xmlns:mc="http://schemas.openxmlformats.org/markup-compatibility/2006">
+    <mc:Choice xmlns:p14="http://schemas.microsoft.com/office/powerpoint/2010/main" Requires="p14">
+      <p:transition spd="slow" p14:dur="2000"/>
+    </mc:Choice>
+    <mc:Fallback>
+      <p:transition spd="slow"/>
+    </mc:Fallback>
+  </mc:AlternateContent>
+</p:sld>
+</file>
+
+<file path=ppt/slides/slide16.xml><?xml version="1.0" encoding="utf-8"?>
+<p:sld xmlns:a="http://schemas.openxmlformats.org/drawingml/2006/main" xmlns:r="http://schemas.openxmlformats.org/officeDocument/2006/relationships" xmlns:p="http://schemas.openxmlformats.org/presentationml/2006/main">
+  <p:cSld>
+    <p:spTree>
+      <p:nvGrpSpPr>
+        <p:cNvPr id="1" name=""/>
+        <p:cNvGrpSpPr/>
+        <p:nvPr/>
+      </p:nvGrpSpPr>
+      <p:grpSpPr>
+        <a:xfrm>
+          <a:off x="0" y="0"/>
+          <a:ext cx="0" cy="0"/>
+          <a:chOff x="0" y="0"/>
+          <a:chExt cx="0" cy="0"/>
+        </a:xfrm>
+      </p:grpSpPr>
+      <p:sp>
+        <p:nvSpPr>
+          <p:cNvPr id="8" name="내용 개체 틀 2">
+            <a:extLst>
+              <a:ext uri="{FF2B5EF4-FFF2-40B4-BE49-F238E27FC236}">
+                <a16:creationId xmlns:a16="http://schemas.microsoft.com/office/drawing/2014/main" id="{D94C6ADC-1847-22FC-C104-A98BF4421460}"/>
+              </a:ext>
+            </a:extLst>
+          </p:cNvPr>
+          <p:cNvSpPr txBox="1">
+            <a:spLocks/>
+          </p:cNvSpPr>
+          <p:nvPr/>
+        </p:nvSpPr>
+        <p:spPr>
+          <a:xfrm>
+            <a:off x="838200" y="3293302"/>
+            <a:ext cx="10515600" cy="3020629"/>
+          </a:xfrm>
+          <a:prstGeom prst="rect">
+            <a:avLst/>
+          </a:prstGeom>
+        </p:spPr>
+        <p:txBody>
+          <a:bodyPr vert="horz" lIns="91440" tIns="45720" rIns="91440" bIns="45720" rtlCol="0">
+            <a:normAutofit/>
+          </a:bodyPr>
+          <a:lstStyle>
+            <a:lvl1pPr marL="228600" indent="-228600" algn="l" defTabSz="914400" rtl="0" eaLnBrk="1" latinLnBrk="1" hangingPunct="1">
+              <a:lnSpc>
+                <a:spcPct val="120000"/>
+              </a:lnSpc>
+              <a:spcBef>
+                <a:spcPts val="1000"/>
+              </a:spcBef>
+              <a:buFont typeface="Arial" panose="020B0604020202020204" pitchFamily="34" charset="0"/>
+              <a:buChar char="•"/>
+              <a:defRPr sz="2800" kern="1200">
+                <a:solidFill>
+                  <a:schemeClr val="tx1"/>
+                </a:solidFill>
+                <a:latin typeface="+mn-lt"/>
+                <a:ea typeface="+mn-ea"/>
+                <a:cs typeface="+mn-cs"/>
+              </a:defRPr>
+            </a:lvl1pPr>
+            <a:lvl2pPr marL="685800" indent="-228600" algn="l" defTabSz="914400" rtl="0" eaLnBrk="1" latinLnBrk="1" hangingPunct="1">
+              <a:lnSpc>
+                <a:spcPct val="120000"/>
+              </a:lnSpc>
+              <a:spcBef>
+                <a:spcPts val="500"/>
+              </a:spcBef>
+              <a:buFont typeface="Arial" panose="020B0604020202020204" pitchFamily="34" charset="0"/>
+              <a:buChar char="•"/>
+              <a:defRPr sz="2400" kern="1200">
+                <a:solidFill>
+                  <a:schemeClr val="tx1"/>
+                </a:solidFill>
+                <a:latin typeface="+mn-lt"/>
+                <a:ea typeface="+mn-ea"/>
+                <a:cs typeface="+mn-cs"/>
+              </a:defRPr>
+            </a:lvl2pPr>
+            <a:lvl3pPr marL="1143000" indent="-228600" algn="l" defTabSz="914400" rtl="0" eaLnBrk="1" latinLnBrk="1" hangingPunct="1">
+              <a:lnSpc>
+                <a:spcPct val="120000"/>
+              </a:lnSpc>
+              <a:spcBef>
+                <a:spcPts val="500"/>
+              </a:spcBef>
+              <a:buFont typeface="Arial" panose="020B0604020202020204" pitchFamily="34" charset="0"/>
+              <a:buChar char="•"/>
+              <a:defRPr sz="2000" kern="1200">
+                <a:solidFill>
+                  <a:schemeClr val="tx1"/>
+                </a:solidFill>
+                <a:latin typeface="+mn-lt"/>
+                <a:ea typeface="+mn-ea"/>
+                <a:cs typeface="+mn-cs"/>
+              </a:defRPr>
+            </a:lvl3pPr>
+            <a:lvl4pPr marL="1600200" indent="-228600" algn="l" defTabSz="914400" rtl="0" eaLnBrk="1" latinLnBrk="1" hangingPunct="1">
+              <a:lnSpc>
+                <a:spcPct val="120000"/>
+              </a:lnSpc>
+              <a:spcBef>
+                <a:spcPts val="500"/>
+              </a:spcBef>
+              <a:buFont typeface="Arial" panose="020B0604020202020204" pitchFamily="34" charset="0"/>
+              <a:buChar char="•"/>
+              <a:defRPr sz="1800" kern="1200">
+                <a:solidFill>
+                  <a:schemeClr val="tx1"/>
+                </a:solidFill>
+                <a:latin typeface="+mn-lt"/>
+                <a:ea typeface="+mn-ea"/>
+                <a:cs typeface="+mn-cs"/>
+              </a:defRPr>
+            </a:lvl4pPr>
+            <a:lvl5pPr marL="2057400" indent="-228600" algn="l" defTabSz="914400" rtl="0" eaLnBrk="1" latinLnBrk="1" hangingPunct="1">
+              <a:lnSpc>
+                <a:spcPct val="120000"/>
+              </a:lnSpc>
+              <a:spcBef>
+                <a:spcPts val="500"/>
+              </a:spcBef>
+              <a:buFont typeface="Arial" panose="020B0604020202020204" pitchFamily="34" charset="0"/>
+              <a:buChar char="•"/>
+              <a:defRPr sz="1800" kern="1200">
+                <a:solidFill>
+                  <a:schemeClr val="tx1"/>
+                </a:solidFill>
+                <a:latin typeface="+mn-lt"/>
+                <a:ea typeface="+mn-ea"/>
+                <a:cs typeface="+mn-cs"/>
+              </a:defRPr>
+            </a:lvl5pPr>
+            <a:lvl6pPr marL="2514600" indent="-228600" algn="l" defTabSz="914400" rtl="0" eaLnBrk="1" latinLnBrk="1" hangingPunct="1">
+              <a:lnSpc>
+                <a:spcPct val="90000"/>
+              </a:lnSpc>
+              <a:spcBef>
+                <a:spcPts val="500"/>
+              </a:spcBef>
+              <a:buFont typeface="Arial" panose="020B0604020202020204" pitchFamily="34" charset="0"/>
+              <a:buChar char="•"/>
+              <a:defRPr sz="1800" kern="1200">
+                <a:solidFill>
+                  <a:schemeClr val="tx1"/>
+                </a:solidFill>
+                <a:latin typeface="+mn-lt"/>
+                <a:ea typeface="+mn-ea"/>
+                <a:cs typeface="+mn-cs"/>
+              </a:defRPr>
+            </a:lvl6pPr>
+            <a:lvl7pPr marL="2971800" indent="-228600" algn="l" defTabSz="914400" rtl="0" eaLnBrk="1" latinLnBrk="1" hangingPunct="1">
+              <a:lnSpc>
+                <a:spcPct val="90000"/>
+              </a:lnSpc>
+              <a:spcBef>
+                <a:spcPts val="500"/>
+              </a:spcBef>
+              <a:buFont typeface="Arial" panose="020B0604020202020204" pitchFamily="34" charset="0"/>
+              <a:buChar char="•"/>
+              <a:defRPr sz="1800" kern="1200">
+                <a:solidFill>
+                  <a:schemeClr val="tx1"/>
+                </a:solidFill>
+                <a:latin typeface="+mn-lt"/>
+                <a:ea typeface="+mn-ea"/>
+                <a:cs typeface="+mn-cs"/>
+              </a:defRPr>
+            </a:lvl7pPr>
+            <a:lvl8pPr marL="3429000" indent="-228600" algn="l" defTabSz="914400" rtl="0" eaLnBrk="1" latinLnBrk="1" hangingPunct="1">
+              <a:lnSpc>
+                <a:spcPct val="90000"/>
+              </a:lnSpc>
+              <a:spcBef>
+                <a:spcPts val="500"/>
+              </a:spcBef>
+              <a:buFont typeface="Arial" panose="020B0604020202020204" pitchFamily="34" charset="0"/>
+              <a:buChar char="•"/>
+              <a:defRPr sz="1800" kern="1200">
+                <a:solidFill>
+                  <a:schemeClr val="tx1"/>
+                </a:solidFill>
+                <a:latin typeface="+mn-lt"/>
+                <a:ea typeface="+mn-ea"/>
+                <a:cs typeface="+mn-cs"/>
+              </a:defRPr>
+            </a:lvl8pPr>
+            <a:lvl9pPr marL="3886200" indent="-228600" algn="l" defTabSz="914400" rtl="0" eaLnBrk="1" latinLnBrk="1" hangingPunct="1">
+              <a:lnSpc>
+                <a:spcPct val="90000"/>
+              </a:lnSpc>
+              <a:spcBef>
+                <a:spcPts val="500"/>
+              </a:spcBef>
+              <a:buFont typeface="Arial" panose="020B0604020202020204" pitchFamily="34" charset="0"/>
+              <a:buChar char="•"/>
+              <a:defRPr sz="1800" kern="1200">
+                <a:solidFill>
+                  <a:schemeClr val="tx1"/>
+                </a:solidFill>
+                <a:latin typeface="+mn-lt"/>
+                <a:ea typeface="+mn-ea"/>
+                <a:cs typeface="+mn-cs"/>
+              </a:defRPr>
+            </a:lvl9pPr>
+          </a:lstStyle>
+          <a:p>
+            <a:pPr marL="0" indent="0">
+              <a:buNone/>
+            </a:pPr>
+            <a:r>
+              <a:rPr lang="en-US" altLang="ko-KR" dirty="0" smtClean="0">
+                <a:latin typeface="Pretendard" panose="02000503000000020004" pitchFamily="2" charset="-127"/>
+                <a:ea typeface="Pretendard" panose="02000503000000020004" pitchFamily="2" charset="-127"/>
+                <a:cs typeface="Pretendard" panose="02000503000000020004" pitchFamily="2" charset="-127"/>
+              </a:rPr>
+              <a:t>3. </a:t>
+            </a:r>
+            <a:r>
+              <a:rPr lang="ko-KR" altLang="en-US" dirty="0" smtClean="0">
+                <a:latin typeface="Pretendard" panose="02000503000000020004" pitchFamily="2" charset="-127"/>
+                <a:ea typeface="Pretendard" panose="02000503000000020004" pitchFamily="2" charset="-127"/>
+                <a:cs typeface="Pretendard" panose="02000503000000020004" pitchFamily="2" charset="-127"/>
+              </a:rPr>
+              <a:t>조건에 해당하지 않으면 </a:t>
+            </a:r>
+            <a:r>
+              <a:rPr lang="en-US" altLang="ko-KR" dirty="0" smtClean="0">
+                <a:latin typeface="Pretendard" panose="02000503000000020004" pitchFamily="2" charset="-127"/>
+                <a:ea typeface="Pretendard" panose="02000503000000020004" pitchFamily="2" charset="-127"/>
+                <a:cs typeface="Pretendard" panose="02000503000000020004" pitchFamily="2" charset="-127"/>
+              </a:rPr>
+              <a:t>"</a:t>
+            </a:r>
+            <a:r>
+              <a:rPr lang="ko-KR" altLang="en-US" dirty="0" smtClean="0">
+                <a:latin typeface="Pretendard" panose="02000503000000020004" pitchFamily="2" charset="-127"/>
+                <a:ea typeface="Pretendard" panose="02000503000000020004" pitchFamily="2" charset="-127"/>
+                <a:cs typeface="Pretendard" panose="02000503000000020004" pitchFamily="2" charset="-127"/>
+              </a:rPr>
+              <a:t>닉네임 등록 완료</a:t>
+            </a:r>
+            <a:r>
+              <a:rPr lang="en-US" altLang="ko-KR" dirty="0" smtClean="0">
+                <a:latin typeface="Pretendard" panose="02000503000000020004" pitchFamily="2" charset="-127"/>
+                <a:ea typeface="Pretendard" panose="02000503000000020004" pitchFamily="2" charset="-127"/>
+                <a:cs typeface="Pretendard" panose="02000503000000020004" pitchFamily="2" charset="-127"/>
+              </a:rPr>
+              <a:t>!”</a:t>
+            </a:r>
+            <a:r>
+              <a:rPr lang="ko-KR" altLang="en-US" dirty="0" smtClean="0">
+                <a:latin typeface="Pretendard" panose="02000503000000020004" pitchFamily="2" charset="-127"/>
+                <a:ea typeface="Pretendard" panose="02000503000000020004" pitchFamily="2" charset="-127"/>
+                <a:cs typeface="Pretendard" panose="02000503000000020004" pitchFamily="2" charset="-127"/>
+              </a:rPr>
+              <a:t>를 출력</a:t>
+            </a:r>
+            <a:r>
+              <a:rPr lang="en-US" altLang="ko-KR" dirty="0" smtClean="0">
+                <a:latin typeface="Pretendard" panose="02000503000000020004" pitchFamily="2" charset="-127"/>
+                <a:ea typeface="Pretendard" panose="02000503000000020004" pitchFamily="2" charset="-127"/>
+                <a:cs typeface="Pretendard" panose="02000503000000020004" pitchFamily="2" charset="-127"/>
+              </a:rPr>
+              <a:t>.</a:t>
+            </a:r>
+          </a:p>
+          <a:p>
+            <a:pPr marL="0" indent="0">
+              <a:buNone/>
+            </a:pPr>
+            <a:r>
+              <a:rPr lang="en-US" altLang="ko-KR" dirty="0" smtClean="0">
+                <a:latin typeface="Pretendard" panose="02000503000000020004" pitchFamily="2" charset="-127"/>
+                <a:ea typeface="Pretendard" panose="02000503000000020004" pitchFamily="2" charset="-127"/>
+                <a:cs typeface="Pretendard" panose="02000503000000020004" pitchFamily="2" charset="-127"/>
+              </a:rPr>
+              <a:t>4. </a:t>
+            </a:r>
+            <a:r>
+              <a:rPr lang="ko-KR" altLang="en-US" dirty="0" smtClean="0">
+                <a:latin typeface="Pretendard" panose="02000503000000020004" pitchFamily="2" charset="-127"/>
+                <a:ea typeface="Pretendard" panose="02000503000000020004" pitchFamily="2" charset="-127"/>
+                <a:cs typeface="Pretendard" panose="02000503000000020004" pitchFamily="2" charset="-127"/>
+              </a:rPr>
+              <a:t>모든 예외는 </a:t>
+            </a:r>
+            <a:r>
+              <a:rPr lang="en-US" altLang="ko-KR" dirty="0" smtClean="0">
+                <a:latin typeface="Pretendard" panose="02000503000000020004" pitchFamily="2" charset="-127"/>
+                <a:ea typeface="Pretendard" panose="02000503000000020004" pitchFamily="2" charset="-127"/>
+                <a:cs typeface="Pretendard" panose="02000503000000020004" pitchFamily="2" charset="-127"/>
+              </a:rPr>
+              <a:t>try ~ catch</a:t>
+            </a:r>
+            <a:r>
+              <a:rPr lang="ko-KR" altLang="en-US" dirty="0" smtClean="0">
+                <a:latin typeface="Pretendard" panose="02000503000000020004" pitchFamily="2" charset="-127"/>
+                <a:ea typeface="Pretendard" panose="02000503000000020004" pitchFamily="2" charset="-127"/>
+                <a:cs typeface="Pretendard" panose="02000503000000020004" pitchFamily="2" charset="-127"/>
+              </a:rPr>
+              <a:t>로 처리</a:t>
+            </a:r>
+            <a:r>
+              <a:rPr lang="en-US" altLang="ko-KR" dirty="0" smtClean="0">
+                <a:latin typeface="Pretendard" panose="02000503000000020004" pitchFamily="2" charset="-127"/>
+                <a:ea typeface="Pretendard" panose="02000503000000020004" pitchFamily="2" charset="-127"/>
+                <a:cs typeface="Pretendard" panose="02000503000000020004" pitchFamily="2" charset="-127"/>
+              </a:rPr>
+              <a:t>, </a:t>
+            </a:r>
+            <a:r>
+              <a:rPr lang="ko-KR" altLang="en-US" dirty="0" smtClean="0">
+                <a:latin typeface="Pretendard" panose="02000503000000020004" pitchFamily="2" charset="-127"/>
+                <a:ea typeface="Pretendard" panose="02000503000000020004" pitchFamily="2" charset="-127"/>
+                <a:cs typeface="Pretendard" panose="02000503000000020004" pitchFamily="2" charset="-127"/>
+              </a:rPr>
+              <a:t>예외 발생 시 </a:t>
+            </a:r>
+            <a:r>
+              <a:rPr lang="en-US" altLang="ko-KR" dirty="0" err="1" smtClean="0">
+                <a:latin typeface="Pretendard" panose="02000503000000020004" pitchFamily="2" charset="-127"/>
+                <a:ea typeface="Pretendard" panose="02000503000000020004" pitchFamily="2" charset="-127"/>
+                <a:cs typeface="Pretendard" panose="02000503000000020004" pitchFamily="2" charset="-127"/>
+              </a:rPr>
+              <a:t>ex.Message</a:t>
+            </a:r>
+            <a:r>
+              <a:rPr lang="en-US" altLang="ko-KR" dirty="0" smtClean="0">
+                <a:latin typeface="Pretendard" panose="02000503000000020004" pitchFamily="2" charset="-127"/>
+                <a:ea typeface="Pretendard" panose="02000503000000020004" pitchFamily="2" charset="-127"/>
+                <a:cs typeface="Pretendard" panose="02000503000000020004" pitchFamily="2" charset="-127"/>
+              </a:rPr>
+              <a:t> </a:t>
+            </a:r>
+            <a:r>
+              <a:rPr lang="ko-KR" altLang="en-US" dirty="0" smtClean="0">
+                <a:latin typeface="Pretendard" panose="02000503000000020004" pitchFamily="2" charset="-127"/>
+                <a:ea typeface="Pretendard" panose="02000503000000020004" pitchFamily="2" charset="-127"/>
+                <a:cs typeface="Pretendard" panose="02000503000000020004" pitchFamily="2" charset="-127"/>
+              </a:rPr>
+              <a:t>출력</a:t>
+            </a:r>
+            <a:r>
+              <a:rPr lang="en-US" altLang="ko-KR" dirty="0" smtClean="0">
+                <a:latin typeface="Pretendard" panose="02000503000000020004" pitchFamily="2" charset="-127"/>
+                <a:ea typeface="Pretendard" panose="02000503000000020004" pitchFamily="2" charset="-127"/>
+                <a:cs typeface="Pretendard" panose="02000503000000020004" pitchFamily="2" charset="-127"/>
+              </a:rPr>
+              <a:t>.</a:t>
+            </a:r>
+          </a:p>
+          <a:p>
+            <a:pPr marL="0" indent="0">
+              <a:buNone/>
+            </a:pPr>
+            <a:r>
+              <a:rPr lang="en-US" altLang="ko-KR" dirty="0" smtClean="0">
+                <a:latin typeface="Pretendard" panose="02000503000000020004" pitchFamily="2" charset="-127"/>
+                <a:ea typeface="Pretendard" panose="02000503000000020004" pitchFamily="2" charset="-127"/>
+                <a:cs typeface="Pretendard" panose="02000503000000020004" pitchFamily="2" charset="-127"/>
+              </a:rPr>
+              <a:t>5. </a:t>
+            </a:r>
+            <a:r>
+              <a:rPr lang="ko-KR" altLang="en-US" dirty="0" smtClean="0">
+                <a:latin typeface="Pretendard" panose="02000503000000020004" pitchFamily="2" charset="-127"/>
+                <a:ea typeface="Pretendard" panose="02000503000000020004" pitchFamily="2" charset="-127"/>
+                <a:cs typeface="Pretendard" panose="02000503000000020004" pitchFamily="2" charset="-127"/>
+              </a:rPr>
+              <a:t>마지막에는 </a:t>
+            </a:r>
+            <a:r>
+              <a:rPr lang="en-US" altLang="ko-KR" dirty="0" smtClean="0">
+                <a:latin typeface="Pretendard" panose="02000503000000020004" pitchFamily="2" charset="-127"/>
+                <a:ea typeface="Pretendard" panose="02000503000000020004" pitchFamily="2" charset="-127"/>
+                <a:cs typeface="Pretendard" panose="02000503000000020004" pitchFamily="2" charset="-127"/>
+              </a:rPr>
+              <a:t>"</a:t>
+            </a:r>
+            <a:r>
+              <a:rPr lang="ko-KR" altLang="en-US" dirty="0" smtClean="0">
+                <a:latin typeface="Pretendard" panose="02000503000000020004" pitchFamily="2" charset="-127"/>
+                <a:ea typeface="Pretendard" panose="02000503000000020004" pitchFamily="2" charset="-127"/>
+                <a:cs typeface="Pretendard" panose="02000503000000020004" pitchFamily="2" charset="-127"/>
+              </a:rPr>
+              <a:t>프로그램을 종료합니다</a:t>
+            </a:r>
+            <a:r>
+              <a:rPr lang="en-US" altLang="ko-KR" dirty="0" smtClean="0">
+                <a:latin typeface="Pretendard" panose="02000503000000020004" pitchFamily="2" charset="-127"/>
+                <a:ea typeface="Pretendard" panose="02000503000000020004" pitchFamily="2" charset="-127"/>
+                <a:cs typeface="Pretendard" panose="02000503000000020004" pitchFamily="2" charset="-127"/>
+              </a:rPr>
+              <a:t>.”</a:t>
+            </a:r>
+            <a:r>
+              <a:rPr lang="ko-KR" altLang="en-US" dirty="0" smtClean="0">
+                <a:latin typeface="Pretendard" panose="02000503000000020004" pitchFamily="2" charset="-127"/>
+                <a:ea typeface="Pretendard" panose="02000503000000020004" pitchFamily="2" charset="-127"/>
+                <a:cs typeface="Pretendard" panose="02000503000000020004" pitchFamily="2" charset="-127"/>
+              </a:rPr>
+              <a:t>를 </a:t>
+            </a:r>
+            <a:r>
+              <a:rPr lang="en-US" altLang="ko-KR" dirty="0" smtClean="0">
+                <a:latin typeface="Pretendard" panose="02000503000000020004" pitchFamily="2" charset="-127"/>
+                <a:ea typeface="Pretendard" panose="02000503000000020004" pitchFamily="2" charset="-127"/>
+                <a:cs typeface="Pretendard" panose="02000503000000020004" pitchFamily="2" charset="-127"/>
+              </a:rPr>
+              <a:t>finally</a:t>
+            </a:r>
+            <a:r>
+              <a:rPr lang="ko-KR" altLang="en-US" dirty="0" smtClean="0">
+                <a:latin typeface="Pretendard" panose="02000503000000020004" pitchFamily="2" charset="-127"/>
+                <a:ea typeface="Pretendard" panose="02000503000000020004" pitchFamily="2" charset="-127"/>
+                <a:cs typeface="Pretendard" panose="02000503000000020004" pitchFamily="2" charset="-127"/>
+              </a:rPr>
+              <a:t>로 구현</a:t>
+            </a:r>
+            <a:r>
+              <a:rPr lang="en-US" altLang="ko-KR" dirty="0" smtClean="0">
+                <a:latin typeface="Pretendard" panose="02000503000000020004" pitchFamily="2" charset="-127"/>
+                <a:ea typeface="Pretendard" panose="02000503000000020004" pitchFamily="2" charset="-127"/>
+                <a:cs typeface="Pretendard" panose="02000503000000020004" pitchFamily="2" charset="-127"/>
+              </a:rPr>
+              <a:t>.</a:t>
+            </a:r>
+          </a:p>
+          <a:p>
+            <a:pPr marL="0" indent="0">
+              <a:buNone/>
+            </a:pPr>
+            <a:r>
+              <a:rPr lang="en-US" altLang="ko-KR" dirty="0" smtClean="0">
+                <a:latin typeface="Pretendard" panose="02000503000000020004" pitchFamily="2" charset="-127"/>
+                <a:ea typeface="Pretendard" panose="02000503000000020004" pitchFamily="2" charset="-127"/>
+                <a:cs typeface="Pretendard" panose="02000503000000020004" pitchFamily="2" charset="-127"/>
+              </a:rPr>
+              <a:t>6. </a:t>
+            </a:r>
+            <a:r>
+              <a:rPr lang="ko-KR" altLang="en-US" b="1" dirty="0" smtClean="0">
+                <a:latin typeface="Pretendard" panose="02000503000000020004" pitchFamily="2" charset="-127"/>
+                <a:ea typeface="Pretendard" panose="02000503000000020004" pitchFamily="2" charset="-127"/>
+                <a:cs typeface="Pretendard" panose="02000503000000020004" pitchFamily="2" charset="-127"/>
+              </a:rPr>
+              <a:t>각각의 오류 메시지 출력 캡쳐 </a:t>
+            </a:r>
+            <a:r>
+              <a:rPr lang="ko-KR" altLang="en-US" dirty="0" smtClean="0">
+                <a:latin typeface="Pretendard" panose="02000503000000020004" pitchFamily="2" charset="-127"/>
+                <a:ea typeface="Pretendard" panose="02000503000000020004" pitchFamily="2" charset="-127"/>
+                <a:cs typeface="Pretendard" panose="02000503000000020004" pitchFamily="2" charset="-127"/>
+              </a:rPr>
+              <a:t>및 </a:t>
+            </a:r>
+            <a:r>
+              <a:rPr lang="en-US" altLang="ko-KR" b="1" dirty="0" smtClean="0">
+                <a:latin typeface="Pretendard" panose="02000503000000020004" pitchFamily="2" charset="-127"/>
+                <a:ea typeface="Pretendard" panose="02000503000000020004" pitchFamily="2" charset="-127"/>
+                <a:cs typeface="Pretendard" panose="02000503000000020004" pitchFamily="2" charset="-127"/>
+              </a:rPr>
+              <a:t>Repo </a:t>
+            </a:r>
+            <a:r>
+              <a:rPr lang="ko-KR" altLang="en-US" b="1" dirty="0" smtClean="0">
+                <a:latin typeface="Pretendard" panose="02000503000000020004" pitchFamily="2" charset="-127"/>
+                <a:ea typeface="Pretendard" panose="02000503000000020004" pitchFamily="2" charset="-127"/>
+                <a:cs typeface="Pretendard" panose="02000503000000020004" pitchFamily="2" charset="-127"/>
+              </a:rPr>
+              <a:t>주소 </a:t>
+            </a:r>
+            <a:r>
+              <a:rPr lang="ko-KR" altLang="en-US" dirty="0" err="1" smtClean="0">
+                <a:latin typeface="Pretendard" panose="02000503000000020004" pitchFamily="2" charset="-127"/>
+                <a:ea typeface="Pretendard" panose="02000503000000020004" pitchFamily="2" charset="-127"/>
+                <a:cs typeface="Pretendard" panose="02000503000000020004" pitchFamily="2" charset="-127"/>
+              </a:rPr>
+              <a:t>슬랙</a:t>
+            </a:r>
+            <a:r>
+              <a:rPr lang="ko-KR" altLang="en-US" dirty="0" smtClean="0">
+                <a:latin typeface="Pretendard" panose="02000503000000020004" pitchFamily="2" charset="-127"/>
+                <a:ea typeface="Pretendard" panose="02000503000000020004" pitchFamily="2" charset="-127"/>
+                <a:cs typeface="Pretendard" panose="02000503000000020004" pitchFamily="2" charset="-127"/>
+              </a:rPr>
+              <a:t> 댓글에 업로드</a:t>
+            </a:r>
+            <a:r>
+              <a:rPr lang="en-US" altLang="ko-KR" dirty="0" smtClean="0">
+                <a:latin typeface="Pretendard" panose="02000503000000020004" pitchFamily="2" charset="-127"/>
+                <a:ea typeface="Pretendard" panose="02000503000000020004" pitchFamily="2" charset="-127"/>
+                <a:cs typeface="Pretendard" panose="02000503000000020004" pitchFamily="2" charset="-127"/>
+              </a:rPr>
+              <a:t>.</a:t>
+            </a:r>
+            <a:endParaRPr lang="en-US" altLang="ko-KR" dirty="0">
+              <a:latin typeface="Pretendard" panose="02000503000000020004" pitchFamily="2" charset="-127"/>
+              <a:ea typeface="Pretendard" panose="02000503000000020004" pitchFamily="2" charset="-127"/>
+              <a:cs typeface="Pretendard" panose="02000503000000020004" pitchFamily="2" charset="-127"/>
+            </a:endParaRPr>
+          </a:p>
+        </p:txBody>
+      </p:sp>
+      <p:sp>
+        <p:nvSpPr>
+          <p:cNvPr id="2" name="제목 1">
+            <a:extLst>
+              <a:ext uri="{FF2B5EF4-FFF2-40B4-BE49-F238E27FC236}">
+                <a16:creationId xmlns:a16="http://schemas.microsoft.com/office/drawing/2014/main" id="{C5703A9B-6635-2C4B-CEB6-5EBC02C7793C}"/>
+              </a:ext>
+            </a:extLst>
+          </p:cNvPr>
+          <p:cNvSpPr>
+            <a:spLocks noGrp="1"/>
+          </p:cNvSpPr>
+          <p:nvPr>
+            <p:ph type="title"/>
+          </p:nvPr>
+        </p:nvSpPr>
+        <p:spPr/>
+        <p:txBody>
+          <a:bodyPr/>
+          <a:lstStyle/>
+          <a:p>
+            <a:r>
+              <a:rPr lang="ko-KR" altLang="en-US" dirty="0">
+                <a:solidFill>
+                  <a:srgbClr val="00B050"/>
+                </a:solidFill>
+              </a:rPr>
+              <a:t>실습</a:t>
+            </a:r>
+            <a:r>
+              <a:rPr lang="en-US" altLang="ko-KR" dirty="0">
+                <a:solidFill>
+                  <a:srgbClr val="00B050"/>
+                </a:solidFill>
+              </a:rPr>
+              <a:t>. </a:t>
+            </a:r>
+            <a:r>
+              <a:rPr lang="ko-KR" altLang="en-US" dirty="0" smtClean="0">
+                <a:solidFill>
+                  <a:srgbClr val="00B050"/>
+                </a:solidFill>
+              </a:rPr>
+              <a:t>예외처리 </a:t>
+            </a:r>
+            <a:r>
+              <a:rPr lang="en-US" altLang="ko-KR" dirty="0" smtClean="0">
+                <a:solidFill>
+                  <a:srgbClr val="00B050"/>
+                </a:solidFill>
+              </a:rPr>
+              <a:t>– </a:t>
+            </a:r>
+            <a:r>
+              <a:rPr lang="ko-KR" altLang="en-US" dirty="0" smtClean="0">
+                <a:solidFill>
+                  <a:srgbClr val="00B050"/>
+                </a:solidFill>
+              </a:rPr>
+              <a:t>회원가입 닉네임 검사</a:t>
+            </a:r>
+            <a:r>
+              <a:rPr lang="en-US" altLang="ko-KR" dirty="0" smtClean="0">
+                <a:solidFill>
+                  <a:srgbClr val="00B050"/>
+                </a:solidFill>
+              </a:rPr>
+              <a:t>.</a:t>
+            </a:r>
+            <a:endParaRPr lang="ko-KR" altLang="en-US" dirty="0">
+              <a:solidFill>
+                <a:srgbClr val="00B050"/>
+              </a:solidFill>
+            </a:endParaRPr>
+          </a:p>
+        </p:txBody>
+      </p:sp>
+      <p:sp>
+        <p:nvSpPr>
+          <p:cNvPr id="4" name="날짜 개체 틀 3">
+            <a:extLst>
+              <a:ext uri="{FF2B5EF4-FFF2-40B4-BE49-F238E27FC236}">
+                <a16:creationId xmlns:a16="http://schemas.microsoft.com/office/drawing/2014/main" id="{C3DD1352-8BC9-E43B-C161-E5B137613F10}"/>
+              </a:ext>
+            </a:extLst>
+          </p:cNvPr>
+          <p:cNvSpPr>
+            <a:spLocks noGrp="1"/>
+          </p:cNvSpPr>
+          <p:nvPr>
+            <p:ph type="dt" sz="half" idx="10"/>
+          </p:nvPr>
+        </p:nvSpPr>
+        <p:spPr/>
+        <p:txBody>
+          <a:bodyPr/>
+          <a:lstStyle/>
+          <a:p>
+            <a:fld id="{0F78D9C4-20C1-4B15-A116-16DC77AD9A1E}" type="datetime1">
+              <a:rPr lang="ko-KR" altLang="en-US" smtClean="0"/>
+              <a:t>2025-05-14</a:t>
+            </a:fld>
+            <a:endParaRPr lang="ko-KR" altLang="en-US"/>
+          </a:p>
+        </p:txBody>
+      </p:sp>
+      <p:sp>
+        <p:nvSpPr>
+          <p:cNvPr id="5" name="슬라이드 번호 개체 틀 4">
+            <a:extLst>
+              <a:ext uri="{FF2B5EF4-FFF2-40B4-BE49-F238E27FC236}">
+                <a16:creationId xmlns:a16="http://schemas.microsoft.com/office/drawing/2014/main" id="{16B62D26-FDF5-1382-558B-2C81FB393983}"/>
+              </a:ext>
+            </a:extLst>
+          </p:cNvPr>
+          <p:cNvSpPr>
+            <a:spLocks noGrp="1"/>
+          </p:cNvSpPr>
+          <p:nvPr>
+            <p:ph type="sldNum" sz="quarter" idx="12"/>
+          </p:nvPr>
+        </p:nvSpPr>
+        <p:spPr/>
+        <p:txBody>
+          <a:bodyPr/>
+          <a:lstStyle/>
+          <a:p>
+            <a:fld id="{083A2CE0-18CD-4102-B738-4ACFF9E68BA4}" type="slidenum">
+              <a:rPr lang="ko-KR" altLang="en-US" smtClean="0"/>
+              <a:t>16</a:t>
+            </a:fld>
+            <a:endParaRPr lang="ko-KR" altLang="en-US"/>
+          </a:p>
+        </p:txBody>
+      </p:sp>
+      <p:graphicFrame>
+        <p:nvGraphicFramePr>
+          <p:cNvPr id="3" name="표 2"/>
+          <p:cNvGraphicFramePr>
+            <a:graphicFrameLocks noGrp="1"/>
+          </p:cNvGraphicFramePr>
+          <p:nvPr>
+            <p:extLst>
+              <p:ext uri="{D42A27DB-BD31-4B8C-83A1-F6EECF244321}">
+                <p14:modId xmlns:p14="http://schemas.microsoft.com/office/powerpoint/2010/main" val="112488992"/>
+              </p:ext>
+            </p:extLst>
+          </p:nvPr>
+        </p:nvGraphicFramePr>
+        <p:xfrm>
+          <a:off x="990600" y="1690688"/>
+          <a:ext cx="10363200" cy="1463040"/>
+        </p:xfrm>
+        <a:graphic>
+          <a:graphicData uri="http://schemas.openxmlformats.org/drawingml/2006/table">
+            <a:tbl>
+              <a:tblPr firstRow="1">
+                <a:tableStyleId>{616DA210-FB5B-4158-B5E0-FEB733F419BA}</a:tableStyleId>
+              </a:tblPr>
+              <a:tblGrid>
+                <a:gridCol w="2920826">
+                  <a:extLst>
+                    <a:ext uri="{9D8B030D-6E8A-4147-A177-3AD203B41FA5}">
+                      <a16:colId xmlns:a16="http://schemas.microsoft.com/office/drawing/2014/main" val="1685619465"/>
+                    </a:ext>
+                  </a:extLst>
+                </a:gridCol>
+                <a:gridCol w="2494756">
+                  <a:extLst>
+                    <a:ext uri="{9D8B030D-6E8A-4147-A177-3AD203B41FA5}">
+                      <a16:colId xmlns:a16="http://schemas.microsoft.com/office/drawing/2014/main" val="2527058060"/>
+                    </a:ext>
+                  </a:extLst>
+                </a:gridCol>
+                <a:gridCol w="4947618">
+                  <a:extLst>
+                    <a:ext uri="{9D8B030D-6E8A-4147-A177-3AD203B41FA5}">
+                      <a16:colId xmlns:a16="http://schemas.microsoft.com/office/drawing/2014/main" val="1844452668"/>
+                    </a:ext>
+                  </a:extLst>
+                </a:gridCol>
+              </a:tblGrid>
+              <a:tr h="0">
+                <a:tc>
+                  <a:txBody>
+                    <a:bodyPr/>
+                    <a:lstStyle/>
+                    <a:p>
+                      <a:r>
+                        <a:rPr lang="ko-KR" altLang="en-US" dirty="0">
+                          <a:latin typeface="Pretendard" panose="02000503000000020004" pitchFamily="2" charset="-127"/>
+                          <a:ea typeface="Pretendard" panose="02000503000000020004" pitchFamily="2" charset="-127"/>
+                          <a:cs typeface="Pretendard" panose="02000503000000020004" pitchFamily="2" charset="-127"/>
+                        </a:rPr>
+                        <a:t>검사 조건</a:t>
+                      </a:r>
+                    </a:p>
+                  </a:txBody>
+                  <a:tcPr anchor="ctr"/>
+                </a:tc>
+                <a:tc>
+                  <a:txBody>
+                    <a:bodyPr/>
+                    <a:lstStyle/>
+                    <a:p>
+                      <a:r>
+                        <a:rPr lang="ko-KR" altLang="en-US" dirty="0">
+                          <a:latin typeface="Pretendard" panose="02000503000000020004" pitchFamily="2" charset="-127"/>
+                          <a:ea typeface="Pretendard" panose="02000503000000020004" pitchFamily="2" charset="-127"/>
+                          <a:cs typeface="Pretendard" panose="02000503000000020004" pitchFamily="2" charset="-127"/>
+                        </a:rPr>
+                        <a:t>예외 클래스</a:t>
+                      </a:r>
+                    </a:p>
+                  </a:txBody>
+                  <a:tcPr anchor="ctr"/>
+                </a:tc>
+                <a:tc>
+                  <a:txBody>
+                    <a:bodyPr/>
+                    <a:lstStyle/>
+                    <a:p>
+                      <a:r>
+                        <a:rPr lang="ko-KR" altLang="en-US" dirty="0">
+                          <a:latin typeface="Pretendard" panose="02000503000000020004" pitchFamily="2" charset="-127"/>
+                          <a:ea typeface="Pretendard" panose="02000503000000020004" pitchFamily="2" charset="-127"/>
+                          <a:cs typeface="Pretendard" panose="02000503000000020004" pitchFamily="2" charset="-127"/>
+                        </a:rPr>
+                        <a:t>예외 메시지</a:t>
+                      </a:r>
+                    </a:p>
+                  </a:txBody>
+                  <a:tcPr anchor="ctr"/>
+                </a:tc>
+                <a:extLst>
+                  <a:ext uri="{0D108BD9-81ED-4DB2-BD59-A6C34878D82A}">
+                    <a16:rowId xmlns:a16="http://schemas.microsoft.com/office/drawing/2014/main" val="2866958071"/>
+                  </a:ext>
+                </a:extLst>
+              </a:tr>
+              <a:tr h="0">
+                <a:tc>
+                  <a:txBody>
+                    <a:bodyPr/>
+                    <a:lstStyle/>
+                    <a:p>
+                      <a:r>
+                        <a:rPr lang="ko-KR" altLang="en-US" dirty="0">
+                          <a:latin typeface="Pretendard" panose="02000503000000020004" pitchFamily="2" charset="-127"/>
+                          <a:ea typeface="Pretendard" panose="02000503000000020004" pitchFamily="2" charset="-127"/>
+                          <a:cs typeface="Pretendard" panose="02000503000000020004" pitchFamily="2" charset="-127"/>
+                        </a:rPr>
+                        <a:t>닉네임이 비어 있음</a:t>
+                      </a:r>
+                    </a:p>
+                  </a:txBody>
+                  <a:tcPr anchor="ctr"/>
+                </a:tc>
+                <a:tc>
+                  <a:txBody>
+                    <a:bodyPr/>
+                    <a:lstStyle/>
+                    <a:p>
+                      <a:r>
+                        <a:rPr lang="en-US" dirty="0">
+                          <a:latin typeface="Pretendard" panose="02000503000000020004" pitchFamily="2" charset="-127"/>
+                          <a:ea typeface="Pretendard" panose="02000503000000020004" pitchFamily="2" charset="-127"/>
+                          <a:cs typeface="Pretendard" panose="02000503000000020004" pitchFamily="2" charset="-127"/>
+                        </a:rPr>
+                        <a:t>Exception</a:t>
+                      </a:r>
+                    </a:p>
+                  </a:txBody>
+                  <a:tcPr anchor="ctr"/>
+                </a:tc>
+                <a:tc>
+                  <a:txBody>
+                    <a:bodyPr/>
+                    <a:lstStyle/>
+                    <a:p>
+                      <a:r>
+                        <a:rPr lang="en-US" altLang="ko-KR" dirty="0">
+                          <a:latin typeface="Pretendard" panose="02000503000000020004" pitchFamily="2" charset="-127"/>
+                          <a:ea typeface="Pretendard" panose="02000503000000020004" pitchFamily="2" charset="-127"/>
+                          <a:cs typeface="Pretendard" panose="02000503000000020004" pitchFamily="2" charset="-127"/>
+                        </a:rPr>
+                        <a:t>"</a:t>
+                      </a:r>
+                      <a:r>
+                        <a:rPr lang="ko-KR" altLang="en-US" dirty="0">
+                          <a:latin typeface="Pretendard" panose="02000503000000020004" pitchFamily="2" charset="-127"/>
+                          <a:ea typeface="Pretendard" panose="02000503000000020004" pitchFamily="2" charset="-127"/>
+                          <a:cs typeface="Pretendard" panose="02000503000000020004" pitchFamily="2" charset="-127"/>
+                        </a:rPr>
+                        <a:t>닉네임을 입력해주세요</a:t>
+                      </a:r>
+                      <a:r>
+                        <a:rPr lang="en-US" altLang="ko-KR" dirty="0">
+                          <a:latin typeface="Pretendard" panose="02000503000000020004" pitchFamily="2" charset="-127"/>
+                          <a:ea typeface="Pretendard" panose="02000503000000020004" pitchFamily="2" charset="-127"/>
+                          <a:cs typeface="Pretendard" panose="02000503000000020004" pitchFamily="2" charset="-127"/>
+                        </a:rPr>
+                        <a:t>."</a:t>
+                      </a:r>
+                    </a:p>
+                  </a:txBody>
+                  <a:tcPr anchor="ctr"/>
+                </a:tc>
+                <a:extLst>
+                  <a:ext uri="{0D108BD9-81ED-4DB2-BD59-A6C34878D82A}">
+                    <a16:rowId xmlns:a16="http://schemas.microsoft.com/office/drawing/2014/main" val="267956906"/>
+                  </a:ext>
+                </a:extLst>
+              </a:tr>
+              <a:tr h="0">
+                <a:tc>
+                  <a:txBody>
+                    <a:bodyPr/>
+                    <a:lstStyle/>
+                    <a:p>
+                      <a:r>
+                        <a:rPr lang="ko-KR" altLang="en-US" dirty="0">
+                          <a:latin typeface="Pretendard" panose="02000503000000020004" pitchFamily="2" charset="-127"/>
+                          <a:ea typeface="Pretendard" panose="02000503000000020004" pitchFamily="2" charset="-127"/>
+                          <a:cs typeface="Pretendard" panose="02000503000000020004" pitchFamily="2" charset="-127"/>
+                        </a:rPr>
+                        <a:t>닉네임 길이가 </a:t>
+                      </a:r>
+                      <a:r>
+                        <a:rPr lang="en-US" altLang="ko-KR" dirty="0">
+                          <a:latin typeface="Pretendard" panose="02000503000000020004" pitchFamily="2" charset="-127"/>
+                          <a:ea typeface="Pretendard" panose="02000503000000020004" pitchFamily="2" charset="-127"/>
+                          <a:cs typeface="Pretendard" panose="02000503000000020004" pitchFamily="2" charset="-127"/>
+                        </a:rPr>
+                        <a:t>2</a:t>
+                      </a:r>
+                      <a:r>
+                        <a:rPr lang="ko-KR" altLang="en-US" dirty="0">
+                          <a:latin typeface="Pretendard" panose="02000503000000020004" pitchFamily="2" charset="-127"/>
+                          <a:ea typeface="Pretendard" panose="02000503000000020004" pitchFamily="2" charset="-127"/>
+                          <a:cs typeface="Pretendard" panose="02000503000000020004" pitchFamily="2" charset="-127"/>
+                        </a:rPr>
+                        <a:t>자 미만</a:t>
+                      </a:r>
+                    </a:p>
+                  </a:txBody>
+                  <a:tcPr anchor="ctr"/>
+                </a:tc>
+                <a:tc>
+                  <a:txBody>
+                    <a:bodyPr/>
+                    <a:lstStyle/>
+                    <a:p>
+                      <a:r>
+                        <a:rPr lang="en-US" dirty="0">
+                          <a:latin typeface="Pretendard" panose="02000503000000020004" pitchFamily="2" charset="-127"/>
+                          <a:ea typeface="Pretendard" panose="02000503000000020004" pitchFamily="2" charset="-127"/>
+                          <a:cs typeface="Pretendard" panose="02000503000000020004" pitchFamily="2" charset="-127"/>
+                        </a:rPr>
+                        <a:t>Exception</a:t>
+                      </a:r>
+                    </a:p>
+                  </a:txBody>
+                  <a:tcPr anchor="ctr"/>
+                </a:tc>
+                <a:tc>
+                  <a:txBody>
+                    <a:bodyPr/>
+                    <a:lstStyle/>
+                    <a:p>
+                      <a:r>
+                        <a:rPr lang="en-US" altLang="ko-KR">
+                          <a:latin typeface="Pretendard" panose="02000503000000020004" pitchFamily="2" charset="-127"/>
+                          <a:ea typeface="Pretendard" panose="02000503000000020004" pitchFamily="2" charset="-127"/>
+                          <a:cs typeface="Pretendard" panose="02000503000000020004" pitchFamily="2" charset="-127"/>
+                        </a:rPr>
+                        <a:t>"</a:t>
+                      </a:r>
+                      <a:r>
+                        <a:rPr lang="ko-KR" altLang="en-US">
+                          <a:latin typeface="Pretendard" panose="02000503000000020004" pitchFamily="2" charset="-127"/>
+                          <a:ea typeface="Pretendard" panose="02000503000000020004" pitchFamily="2" charset="-127"/>
+                          <a:cs typeface="Pretendard" panose="02000503000000020004" pitchFamily="2" charset="-127"/>
+                        </a:rPr>
+                        <a:t>닉네임은 </a:t>
+                      </a:r>
+                      <a:r>
+                        <a:rPr lang="en-US" altLang="ko-KR">
+                          <a:latin typeface="Pretendard" panose="02000503000000020004" pitchFamily="2" charset="-127"/>
+                          <a:ea typeface="Pretendard" panose="02000503000000020004" pitchFamily="2" charset="-127"/>
+                          <a:cs typeface="Pretendard" panose="02000503000000020004" pitchFamily="2" charset="-127"/>
+                        </a:rPr>
+                        <a:t>2</a:t>
+                      </a:r>
+                      <a:r>
+                        <a:rPr lang="ko-KR" altLang="en-US">
+                          <a:latin typeface="Pretendard" panose="02000503000000020004" pitchFamily="2" charset="-127"/>
+                          <a:ea typeface="Pretendard" panose="02000503000000020004" pitchFamily="2" charset="-127"/>
+                          <a:cs typeface="Pretendard" panose="02000503000000020004" pitchFamily="2" charset="-127"/>
+                        </a:rPr>
+                        <a:t>글자 이상이어야 합니다</a:t>
+                      </a:r>
+                      <a:r>
+                        <a:rPr lang="en-US" altLang="ko-KR">
+                          <a:latin typeface="Pretendard" panose="02000503000000020004" pitchFamily="2" charset="-127"/>
+                          <a:ea typeface="Pretendard" panose="02000503000000020004" pitchFamily="2" charset="-127"/>
+                          <a:cs typeface="Pretendard" panose="02000503000000020004" pitchFamily="2" charset="-127"/>
+                        </a:rPr>
+                        <a:t>."</a:t>
+                      </a:r>
+                    </a:p>
+                  </a:txBody>
+                  <a:tcPr anchor="ctr"/>
+                </a:tc>
+                <a:extLst>
+                  <a:ext uri="{0D108BD9-81ED-4DB2-BD59-A6C34878D82A}">
+                    <a16:rowId xmlns:a16="http://schemas.microsoft.com/office/drawing/2014/main" val="446018471"/>
+                  </a:ext>
+                </a:extLst>
+              </a:tr>
+              <a:tr h="0">
+                <a:tc>
+                  <a:txBody>
+                    <a:bodyPr/>
+                    <a:lstStyle/>
+                    <a:p>
+                      <a:r>
+                        <a:rPr lang="ko-KR" altLang="en-US" dirty="0">
+                          <a:latin typeface="Pretendard" panose="02000503000000020004" pitchFamily="2" charset="-127"/>
+                          <a:ea typeface="Pretendard" panose="02000503000000020004" pitchFamily="2" charset="-127"/>
+                          <a:cs typeface="Pretendard" panose="02000503000000020004" pitchFamily="2" charset="-127"/>
+                        </a:rPr>
+                        <a:t>닉네임에 </a:t>
+                      </a:r>
+                      <a:r>
+                        <a:rPr lang="en-US" altLang="ko-KR" dirty="0">
+                          <a:latin typeface="Pretendard" panose="02000503000000020004" pitchFamily="2" charset="-127"/>
+                          <a:ea typeface="Pretendard" panose="02000503000000020004" pitchFamily="2" charset="-127"/>
+                          <a:cs typeface="Pretendard" panose="02000503000000020004" pitchFamily="2" charset="-127"/>
+                        </a:rPr>
+                        <a:t>admin </a:t>
+                      </a:r>
+                      <a:r>
+                        <a:rPr lang="ko-KR" altLang="en-US" dirty="0">
+                          <a:latin typeface="Pretendard" panose="02000503000000020004" pitchFamily="2" charset="-127"/>
+                          <a:ea typeface="Pretendard" panose="02000503000000020004" pitchFamily="2" charset="-127"/>
+                          <a:cs typeface="Pretendard" panose="02000503000000020004" pitchFamily="2" charset="-127"/>
+                        </a:rPr>
+                        <a:t>포함됨</a:t>
+                      </a:r>
+                    </a:p>
+                  </a:txBody>
+                  <a:tcPr anchor="ctr"/>
+                </a:tc>
+                <a:tc>
+                  <a:txBody>
+                    <a:bodyPr/>
+                    <a:lstStyle/>
+                    <a:p>
+                      <a:r>
+                        <a:rPr lang="en-US" dirty="0">
+                          <a:latin typeface="Pretendard" panose="02000503000000020004" pitchFamily="2" charset="-127"/>
+                          <a:ea typeface="Pretendard" panose="02000503000000020004" pitchFamily="2" charset="-127"/>
+                          <a:cs typeface="Pretendard" panose="02000503000000020004" pitchFamily="2" charset="-127"/>
+                        </a:rPr>
+                        <a:t>Exception</a:t>
+                      </a:r>
+                    </a:p>
+                  </a:txBody>
+                  <a:tcPr anchor="ctr"/>
+                </a:tc>
+                <a:tc>
+                  <a:txBody>
+                    <a:bodyPr/>
+                    <a:lstStyle/>
+                    <a:p>
+                      <a:r>
+                        <a:rPr lang="en-US" altLang="ko-KR" dirty="0">
+                          <a:latin typeface="Pretendard" panose="02000503000000020004" pitchFamily="2" charset="-127"/>
+                          <a:ea typeface="Pretendard" panose="02000503000000020004" pitchFamily="2" charset="-127"/>
+                          <a:cs typeface="Pretendard" panose="02000503000000020004" pitchFamily="2" charset="-127"/>
+                        </a:rPr>
+                        <a:t>"</a:t>
+                      </a:r>
+                      <a:r>
+                        <a:rPr lang="ko-KR" altLang="en-US" dirty="0">
+                          <a:latin typeface="Pretendard" panose="02000503000000020004" pitchFamily="2" charset="-127"/>
+                          <a:ea typeface="Pretendard" panose="02000503000000020004" pitchFamily="2" charset="-127"/>
+                          <a:cs typeface="Pretendard" panose="02000503000000020004" pitchFamily="2" charset="-127"/>
+                        </a:rPr>
+                        <a:t>닉네임에 </a:t>
+                      </a:r>
+                      <a:r>
+                        <a:rPr lang="en-US" altLang="ko-KR" dirty="0">
+                          <a:latin typeface="Pretendard" panose="02000503000000020004" pitchFamily="2" charset="-127"/>
+                          <a:ea typeface="Pretendard" panose="02000503000000020004" pitchFamily="2" charset="-127"/>
+                          <a:cs typeface="Pretendard" panose="02000503000000020004" pitchFamily="2" charset="-127"/>
+                        </a:rPr>
+                        <a:t>'admin'</a:t>
+                      </a:r>
+                      <a:r>
+                        <a:rPr lang="ko-KR" altLang="en-US" dirty="0">
+                          <a:latin typeface="Pretendard" panose="02000503000000020004" pitchFamily="2" charset="-127"/>
+                          <a:ea typeface="Pretendard" panose="02000503000000020004" pitchFamily="2" charset="-127"/>
+                          <a:cs typeface="Pretendard" panose="02000503000000020004" pitchFamily="2" charset="-127"/>
+                        </a:rPr>
+                        <a:t>은 포함할 수 없습니다</a:t>
+                      </a:r>
+                      <a:r>
+                        <a:rPr lang="en-US" altLang="ko-KR" dirty="0">
+                          <a:latin typeface="Pretendard" panose="02000503000000020004" pitchFamily="2" charset="-127"/>
+                          <a:ea typeface="Pretendard" panose="02000503000000020004" pitchFamily="2" charset="-127"/>
+                          <a:cs typeface="Pretendard" panose="02000503000000020004" pitchFamily="2" charset="-127"/>
+                        </a:rPr>
+                        <a:t>."</a:t>
+                      </a:r>
+                    </a:p>
+                  </a:txBody>
+                  <a:tcPr anchor="ctr"/>
+                </a:tc>
+                <a:extLst>
+                  <a:ext uri="{0D108BD9-81ED-4DB2-BD59-A6C34878D82A}">
+                    <a16:rowId xmlns:a16="http://schemas.microsoft.com/office/drawing/2014/main" val="4173925185"/>
+                  </a:ext>
+                </a:extLst>
+              </a:tr>
+            </a:tbl>
+          </a:graphicData>
+        </a:graphic>
+      </p:graphicFrame>
+      <p:sp>
+        <p:nvSpPr>
+          <p:cNvPr id="7" name="내용 개체 틀 2">
+            <a:extLst>
+              <a:ext uri="{FF2B5EF4-FFF2-40B4-BE49-F238E27FC236}">
+                <a16:creationId xmlns:a16="http://schemas.microsoft.com/office/drawing/2014/main" id="{D94C6ADC-1847-22FC-C104-A98BF4421460}"/>
+              </a:ext>
+            </a:extLst>
+          </p:cNvPr>
+          <p:cNvSpPr txBox="1">
+            <a:spLocks/>
+          </p:cNvSpPr>
+          <p:nvPr/>
+        </p:nvSpPr>
+        <p:spPr>
+          <a:xfrm>
+            <a:off x="990600" y="1551114"/>
+            <a:ext cx="10515600" cy="4915217"/>
+          </a:xfrm>
+          <a:prstGeom prst="rect">
+            <a:avLst/>
+          </a:prstGeom>
+        </p:spPr>
+        <p:txBody>
+          <a:bodyPr vert="horz" lIns="91440" tIns="45720" rIns="91440" bIns="45720" rtlCol="0">
+            <a:normAutofit/>
+          </a:bodyPr>
+          <a:lstStyle>
+            <a:lvl1pPr marL="228600" indent="-228600" algn="l" defTabSz="914400" rtl="0" eaLnBrk="1" latinLnBrk="1" hangingPunct="1">
+              <a:lnSpc>
+                <a:spcPct val="120000"/>
+              </a:lnSpc>
+              <a:spcBef>
+                <a:spcPts val="1000"/>
+              </a:spcBef>
+              <a:buFont typeface="Arial" panose="020B0604020202020204" pitchFamily="34" charset="0"/>
+              <a:buChar char="•"/>
+              <a:defRPr sz="2800" kern="1200">
+                <a:solidFill>
+                  <a:schemeClr val="tx1"/>
+                </a:solidFill>
+                <a:latin typeface="+mn-lt"/>
+                <a:ea typeface="+mn-ea"/>
+                <a:cs typeface="+mn-cs"/>
+              </a:defRPr>
+            </a:lvl1pPr>
+            <a:lvl2pPr marL="685800" indent="-228600" algn="l" defTabSz="914400" rtl="0" eaLnBrk="1" latinLnBrk="1" hangingPunct="1">
+              <a:lnSpc>
+                <a:spcPct val="120000"/>
+              </a:lnSpc>
+              <a:spcBef>
+                <a:spcPts val="500"/>
+              </a:spcBef>
+              <a:buFont typeface="Arial" panose="020B0604020202020204" pitchFamily="34" charset="0"/>
+              <a:buChar char="•"/>
+              <a:defRPr sz="2400" kern="1200">
+                <a:solidFill>
+                  <a:schemeClr val="tx1"/>
+                </a:solidFill>
+                <a:latin typeface="+mn-lt"/>
+                <a:ea typeface="+mn-ea"/>
+                <a:cs typeface="+mn-cs"/>
+              </a:defRPr>
+            </a:lvl2pPr>
+            <a:lvl3pPr marL="1143000" indent="-228600" algn="l" defTabSz="914400" rtl="0" eaLnBrk="1" latinLnBrk="1" hangingPunct="1">
+              <a:lnSpc>
+                <a:spcPct val="120000"/>
+              </a:lnSpc>
+              <a:spcBef>
+                <a:spcPts val="500"/>
+              </a:spcBef>
+              <a:buFont typeface="Arial" panose="020B0604020202020204" pitchFamily="34" charset="0"/>
+              <a:buChar char="•"/>
+              <a:defRPr sz="2000" kern="1200">
+                <a:solidFill>
+                  <a:schemeClr val="tx1"/>
+                </a:solidFill>
+                <a:latin typeface="+mn-lt"/>
+                <a:ea typeface="+mn-ea"/>
+                <a:cs typeface="+mn-cs"/>
+              </a:defRPr>
+            </a:lvl3pPr>
+            <a:lvl4pPr marL="1600200" indent="-228600" algn="l" defTabSz="914400" rtl="0" eaLnBrk="1" latinLnBrk="1" hangingPunct="1">
+              <a:lnSpc>
+                <a:spcPct val="120000"/>
+              </a:lnSpc>
+              <a:spcBef>
+                <a:spcPts val="500"/>
+              </a:spcBef>
+              <a:buFont typeface="Arial" panose="020B0604020202020204" pitchFamily="34" charset="0"/>
+              <a:buChar char="•"/>
+              <a:defRPr sz="1800" kern="1200">
+                <a:solidFill>
+                  <a:schemeClr val="tx1"/>
+                </a:solidFill>
+                <a:latin typeface="+mn-lt"/>
+                <a:ea typeface="+mn-ea"/>
+                <a:cs typeface="+mn-cs"/>
+              </a:defRPr>
+            </a:lvl4pPr>
+            <a:lvl5pPr marL="2057400" indent="-228600" algn="l" defTabSz="914400" rtl="0" eaLnBrk="1" latinLnBrk="1" hangingPunct="1">
+              <a:lnSpc>
+                <a:spcPct val="120000"/>
+              </a:lnSpc>
+              <a:spcBef>
+                <a:spcPts val="500"/>
+              </a:spcBef>
+              <a:buFont typeface="Arial" panose="020B0604020202020204" pitchFamily="34" charset="0"/>
+              <a:buChar char="•"/>
+              <a:defRPr sz="1800" kern="1200">
+                <a:solidFill>
+                  <a:schemeClr val="tx1"/>
+                </a:solidFill>
+                <a:latin typeface="+mn-lt"/>
+                <a:ea typeface="+mn-ea"/>
+                <a:cs typeface="+mn-cs"/>
+              </a:defRPr>
+            </a:lvl5pPr>
+            <a:lvl6pPr marL="2514600" indent="-228600" algn="l" defTabSz="914400" rtl="0" eaLnBrk="1" latinLnBrk="1" hangingPunct="1">
+              <a:lnSpc>
+                <a:spcPct val="90000"/>
+              </a:lnSpc>
+              <a:spcBef>
+                <a:spcPts val="500"/>
+              </a:spcBef>
+              <a:buFont typeface="Arial" panose="020B0604020202020204" pitchFamily="34" charset="0"/>
+              <a:buChar char="•"/>
+              <a:defRPr sz="1800" kern="1200">
+                <a:solidFill>
+                  <a:schemeClr val="tx1"/>
+                </a:solidFill>
+                <a:latin typeface="+mn-lt"/>
+                <a:ea typeface="+mn-ea"/>
+                <a:cs typeface="+mn-cs"/>
+              </a:defRPr>
+            </a:lvl6pPr>
+            <a:lvl7pPr marL="2971800" indent="-228600" algn="l" defTabSz="914400" rtl="0" eaLnBrk="1" latinLnBrk="1" hangingPunct="1">
+              <a:lnSpc>
+                <a:spcPct val="90000"/>
+              </a:lnSpc>
+              <a:spcBef>
+                <a:spcPts val="500"/>
+              </a:spcBef>
+              <a:buFont typeface="Arial" panose="020B0604020202020204" pitchFamily="34" charset="0"/>
+              <a:buChar char="•"/>
+              <a:defRPr sz="1800" kern="1200">
+                <a:solidFill>
+                  <a:schemeClr val="tx1"/>
+                </a:solidFill>
+                <a:latin typeface="+mn-lt"/>
+                <a:ea typeface="+mn-ea"/>
+                <a:cs typeface="+mn-cs"/>
+              </a:defRPr>
+            </a:lvl7pPr>
+            <a:lvl8pPr marL="3429000" indent="-228600" algn="l" defTabSz="914400" rtl="0" eaLnBrk="1" latinLnBrk="1" hangingPunct="1">
+              <a:lnSpc>
+                <a:spcPct val="90000"/>
+              </a:lnSpc>
+              <a:spcBef>
+                <a:spcPts val="500"/>
+              </a:spcBef>
+              <a:buFont typeface="Arial" panose="020B0604020202020204" pitchFamily="34" charset="0"/>
+              <a:buChar char="•"/>
+              <a:defRPr sz="1800" kern="1200">
+                <a:solidFill>
+                  <a:schemeClr val="tx1"/>
+                </a:solidFill>
+                <a:latin typeface="+mn-lt"/>
+                <a:ea typeface="+mn-ea"/>
+                <a:cs typeface="+mn-cs"/>
+              </a:defRPr>
+            </a:lvl8pPr>
+            <a:lvl9pPr marL="3886200" indent="-228600" algn="l" defTabSz="914400" rtl="0" eaLnBrk="1" latinLnBrk="1" hangingPunct="1">
+              <a:lnSpc>
+                <a:spcPct val="90000"/>
+              </a:lnSpc>
+              <a:spcBef>
+                <a:spcPts val="500"/>
+              </a:spcBef>
+              <a:buFont typeface="Arial" panose="020B0604020202020204" pitchFamily="34" charset="0"/>
+              <a:buChar char="•"/>
+              <a:defRPr sz="1800" kern="1200">
+                <a:solidFill>
+                  <a:schemeClr val="tx1"/>
+                </a:solidFill>
+                <a:latin typeface="+mn-lt"/>
+                <a:ea typeface="+mn-ea"/>
+                <a:cs typeface="+mn-cs"/>
+              </a:defRPr>
+            </a:lvl9pPr>
+          </a:lstStyle>
+          <a:p>
+            <a:endParaRPr lang="en-US" altLang="ko-KR" dirty="0">
+              <a:latin typeface="Pretendard" panose="02000503000000020004" pitchFamily="2" charset="-127"/>
+              <a:ea typeface="Pretendard" panose="02000503000000020004" pitchFamily="2" charset="-127"/>
+              <a:cs typeface="Pretendard" panose="02000503000000020004" pitchFamily="2" charset="-127"/>
+            </a:endParaRPr>
+          </a:p>
+        </p:txBody>
+      </p:sp>
+    </p:spTree>
+    <p:extLst>
+      <p:ext uri="{BB962C8B-B14F-4D97-AF65-F5344CB8AC3E}">
+        <p14:creationId xmlns:p14="http://schemas.microsoft.com/office/powerpoint/2010/main" val="1207764712"/>
+      </p:ext>
+    </p:extLst>
+  </p:cSld>
+  <p:clrMapOvr>
+    <a:masterClrMapping/>
+  </p:clrMapOvr>
+  <mc:AlternateContent xmlns:mc="http://schemas.openxmlformats.org/markup-compatibility/2006">
+    <mc:Choice xmlns:p14="http://schemas.microsoft.com/office/powerpoint/2010/main" Requires="p14">
+      <p:transition spd="slow" p14:dur="2000"/>
+    </mc:Choice>
+    <mc:Fallback>
+      <p:transition spd="slow"/>
+    </mc:Fallback>
+  </mc:AlternateContent>
 </p:sld>
 </file>
 
@@ -6993,12 +11057,14 @@
         </p:nvSpPr>
         <p:spPr/>
         <p:txBody>
-          <a:bodyPr/>
-          <a:lstStyle/>
-          <a:p>
-            <a:r>
-              <a:rPr lang="ko-KR" altLang="en-US" dirty="0"/>
-              <a:t>아래와 같은 기능을 하는 </a:t>
+          <a:bodyPr>
+            <a:normAutofit/>
+          </a:bodyPr>
+          <a:lstStyle/>
+          <a:p>
+            <a:r>
+              <a:rPr lang="ko-KR" altLang="en-US" dirty="0" smtClean="0"/>
+              <a:t>다음 조건에 따라 </a:t>
             </a:r>
             <a:r>
               <a:rPr lang="en-US" altLang="ko-KR" dirty="0"/>
@@ -7014,8 +11080,18 @@
             </a:r>
             <a:r>
               <a:rPr lang="ko-KR" altLang="en-US" dirty="0"/>
-              <a:t>개를 작성</a:t>
-            </a:r>
+              <a:t>개를 </a:t>
+            </a:r>
+            <a:r>
+              <a:rPr lang="ko-KR" altLang="en-US" dirty="0" smtClean="0"/>
+              <a:t>작성할 것</a:t>
+            </a:r>
+            <a:r>
+              <a:rPr lang="en-US" altLang="ko-KR" dirty="0" smtClean="0"/>
+              <a:t>.</a:t>
+            </a:r>
+          </a:p>
+          <a:p>
             <a:endParaRPr lang="en-US" altLang="ko-KR" dirty="0"/>
           </a:p>
           <a:p>
@@ -7024,102 +11100,139 @@
               <a:buAutoNum type="arabicPeriod"/>
             </a:pPr>
             <a:r>
+              <a:rPr lang="en-US" altLang="ko-KR" b="1" dirty="0" smtClean="0">
+                <a:solidFill>
+                  <a:schemeClr val="accent1"/>
+                </a:solidFill>
+              </a:rPr>
+              <a:t>ref </a:t>
+            </a:r>
+            <a:r>
+              <a:rPr lang="ko-KR" altLang="en-US" b="1" dirty="0" smtClean="0">
+                <a:solidFill>
+                  <a:schemeClr val="accent1"/>
+                </a:solidFill>
+              </a:rPr>
+              <a:t>키워드를 활용한 배열 채우기</a:t>
+            </a:r>
+            <a:r>
+              <a:rPr lang="en-US" altLang="ko-KR" b="1" dirty="0" smtClean="0">
+                <a:solidFill>
+                  <a:schemeClr val="accent1"/>
+                </a:solidFill>
+              </a:rPr>
+              <a:t>.</a:t>
+            </a:r>
+            <a:endParaRPr lang="en-US" altLang="ko-KR" dirty="0" smtClean="0"/>
+          </a:p>
+          <a:p>
+            <a:r>
+              <a:rPr lang="ko-KR" altLang="en-US" dirty="0" smtClean="0"/>
+              <a:t>배열 생성</a:t>
+            </a:r>
+            <a:r>
               <a:rPr lang="en-US" altLang="ko-KR" dirty="0"/>
+              <a:t> </a:t>
+            </a:r>
+            <a:r>
+              <a:rPr lang="ko-KR" altLang="en-US" dirty="0" smtClean="0"/>
+              <a:t>후</a:t>
+            </a:r>
+            <a:r>
+              <a:rPr lang="en-US" altLang="ko-KR" dirty="0" smtClean="0"/>
+              <a:t>, new</a:t>
+            </a:r>
+            <a:r>
+              <a:rPr lang="ko-KR" altLang="en-US" dirty="0" smtClean="0"/>
+              <a:t>로</a:t>
+            </a:r>
+            <a:r>
+              <a:rPr lang="en-US" altLang="ko-KR" dirty="0" smtClean="0"/>
+              <a:t> </a:t>
+            </a:r>
+            <a:r>
+              <a:rPr lang="ko-KR" altLang="en-US" dirty="0" smtClean="0"/>
+              <a:t>생성된 배열을 </a:t>
+            </a:r>
+            <a:r>
+              <a:rPr lang="en-US" altLang="ko-KR" dirty="0" smtClean="0"/>
               <a:t>ref</a:t>
             </a:r>
             <a:r>
-              <a:rPr lang="ko-KR" altLang="en-US" dirty="0"/>
-              <a:t>를 사용하여 배열을 입력 받고</a:t>
-            </a:r>
-            <a:r>
-              <a:rPr lang="en-US" altLang="ko-KR" dirty="0"/>
-              <a:t>, </a:t>
-            </a:r>
-            <a:r>
-              <a:rPr lang="ko-KR" altLang="en-US" dirty="0"/>
-              <a:t>배열에 있는 값을 </a:t>
-            </a:r>
-            <a:r>
-              <a:rPr lang="en-US" altLang="ko-KR" dirty="0"/>
+              <a:rPr lang="ko-KR" altLang="en-US" dirty="0" smtClean="0"/>
+              <a:t>로 메서드에 전달</a:t>
+            </a:r>
+            <a:r>
+              <a:rPr lang="en-US" altLang="ko-KR" dirty="0" smtClean="0"/>
+              <a:t>.</a:t>
+            </a:r>
+          </a:p>
+          <a:p>
+            <a:r>
+              <a:rPr lang="ko-KR" altLang="en-US" dirty="0" smtClean="0"/>
+              <a:t>메서드 내부에서 배열의 각 요소를 </a:t>
+            </a:r>
+            <a:r>
+              <a:rPr lang="en-US" altLang="ko-KR" b="1" dirty="0" smtClean="0"/>
               <a:t>1</a:t>
             </a:r>
             <a:r>
-              <a:rPr lang="ko-KR" altLang="en-US" dirty="0"/>
-              <a:t>부터 배열의 크기만큼 채워 줌</a:t>
-            </a:r>
-            <a:endParaRPr lang="en-US" altLang="ko-KR" dirty="0"/>
-          </a:p>
-          <a:p>
-            <a:pPr marL="514350" indent="-514350">
-              <a:buFont typeface="+mj-lt"/>
-              <a:buAutoNum type="arabicPeriod"/>
-            </a:pPr>
-            <a:r>
-              <a:rPr lang="en-US" altLang="ko-KR" dirty="0"/>
-              <a:t>out</a:t>
-            </a:r>
-            <a:r>
-              <a:rPr lang="ko-KR" altLang="en-US" dirty="0"/>
-              <a:t>을 사용하여 초기화 되지 않은</a:t>
-            </a:r>
-            <a:r>
-              <a:rPr lang="en-US" altLang="ko-KR" dirty="0"/>
-              <a:t>(new </a:t>
-            </a:r>
-            <a:r>
-              <a:rPr lang="ko-KR" altLang="en-US" dirty="0"/>
-              <a:t>적용 전</a:t>
-            </a:r>
-            <a:r>
-              <a:rPr lang="en-US" altLang="ko-KR" dirty="0"/>
+              <a:rPr lang="ko-KR" altLang="en-US" b="1" dirty="0" smtClean="0"/>
+              <a:t>부터 배열 길이만큼 순서대로</a:t>
+            </a:r>
+            <a:r>
+              <a:rPr lang="ko-KR" altLang="en-US" dirty="0" smtClean="0"/>
+              <a:t> 채워 넣기</a:t>
+            </a:r>
+            <a:r>
+              <a:rPr lang="en-US" altLang="ko-KR" dirty="0" smtClean="0"/>
+              <a:t>. </a:t>
+            </a:r>
+            <a:r>
+              <a:rPr lang="en-US" altLang="ko-KR" b="1" dirty="0" smtClean="0"/>
+              <a:t>(</a:t>
+            </a:r>
+            <a:r>
+              <a:rPr lang="ko-KR" altLang="en-US" b="1" dirty="0" smtClean="0"/>
+              <a:t>출력</a:t>
+            </a:r>
+            <a:r>
+              <a:rPr lang="en-US" altLang="ko-KR" b="1" dirty="0" smtClean="0"/>
               <a:t>)</a:t>
             </a:r>
-            <a:r>
-              <a:rPr lang="ko-KR" altLang="en-US" dirty="0"/>
-              <a:t> 배열</a:t>
-            </a:r>
-            <a:r>
-              <a:rPr lang="en-US" altLang="ko-KR" dirty="0"/>
-              <a:t>,</a:t>
-            </a:r>
-            <a:r>
-              <a:rPr lang="ko-KR" altLang="en-US" dirty="0"/>
-              <a:t> 원하는 크기를 입력 받고</a:t>
-            </a:r>
-            <a:r>
-              <a:rPr lang="en-US" altLang="ko-KR" dirty="0"/>
-              <a:t>, </a:t>
-            </a:r>
-            <a:r>
-              <a:rPr lang="ko-KR" altLang="en-US" dirty="0"/>
-              <a:t>입력 받은 크기 만큼의 배열을 생성 후 </a:t>
-            </a:r>
-            <a:r>
-              <a:rPr lang="en-US" altLang="ko-KR" dirty="0"/>
-              <a:t>1</a:t>
-            </a:r>
-            <a:r>
-              <a:rPr lang="ko-KR" altLang="en-US" dirty="0"/>
-              <a:t>부터 배열의 크기 만큼 값을 채워 줌</a:t>
-            </a:r>
-            <a:endParaRPr lang="en-US" altLang="ko-KR" dirty="0"/>
-          </a:p>
-          <a:p>
-            <a:r>
-              <a:rPr lang="en-US" altLang="ko-KR" dirty="0"/>
-              <a:t>GitHub Repo. URL</a:t>
-            </a:r>
-            <a:r>
-              <a:rPr lang="ko-KR" altLang="en-US" dirty="0"/>
-              <a:t>을 </a:t>
-            </a:r>
-            <a:r>
-              <a:rPr lang="ko-KR" altLang="en-US" dirty="0" err="1"/>
-              <a:t>슬랙</a:t>
-            </a:r>
-            <a:r>
-              <a:rPr lang="ko-KR" altLang="en-US" dirty="0"/>
-              <a:t> 댓글로 제출</a:t>
+          </a:p>
+          <a:p>
+            <a:r>
+              <a:rPr lang="ko-KR" altLang="en-US" dirty="0" smtClean="0"/>
+              <a:t>예</a:t>
+            </a:r>
+            <a:r>
+              <a:rPr lang="en-US" altLang="ko-KR" dirty="0" smtClean="0"/>
+              <a:t>) </a:t>
+            </a:r>
+            <a:r>
+              <a:rPr lang="ko-KR" altLang="en-US" dirty="0" smtClean="0"/>
+              <a:t>배열 길이가 </a:t>
+            </a:r>
+            <a:r>
+              <a:rPr lang="en-US" altLang="ko-KR" dirty="0" smtClean="0"/>
+              <a:t>5</a:t>
+            </a:r>
+            <a:r>
+              <a:rPr lang="ko-KR" altLang="en-US" dirty="0" smtClean="0"/>
+              <a:t>라면 </a:t>
+            </a:r>
+            <a:r>
+              <a:rPr lang="en-US" altLang="ko-KR" dirty="0" smtClean="0"/>
+              <a:t>[1, 2, 3, 4, 5] </a:t>
+            </a:r>
+            <a:r>
+              <a:rPr lang="ko-KR" altLang="en-US" dirty="0" smtClean="0"/>
+              <a:t>로 채움</a:t>
+            </a:r>
+            <a:r>
+              <a:rPr lang="en-US" altLang="ko-KR" dirty="0" smtClean="0"/>
+              <a:t>.</a:t>
             </a:r>
           </a:p>
         </p:txBody>
@@ -7182,6 +11295,30 @@
           </a:p>
         </p:txBody>
       </p:sp>
+      <p:pic>
+        <p:nvPicPr>
+          <p:cNvPr id="7" name="그림 6"/>
+          <p:cNvPicPr>
+            <a:picLocks noChangeAspect="1"/>
+          </p:cNvPicPr>
+          <p:nvPr/>
+        </p:nvPicPr>
+        <p:blipFill>
+          <a:blip r:embed="rId2"/>
+          <a:stretch>
+            <a:fillRect/>
+          </a:stretch>
+        </p:blipFill>
+        <p:spPr>
+          <a:xfrm>
+            <a:off x="6106911" y="5373611"/>
+            <a:ext cx="4713489" cy="636321"/>
+          </a:xfrm>
+          <a:prstGeom prst="rect">
+            <a:avLst/>
+          </a:prstGeom>
+        </p:spPr>
+      </p:pic>
     </p:spTree>
     <p:extLst>
       <p:ext uri="{BB962C8B-B14F-4D97-AF65-F5344CB8AC3E}">
@@ -7217,7 +11354,7 @@
           <p:cNvPr id="2" name="제목 1">
             <a:extLst>
               <a:ext uri="{FF2B5EF4-FFF2-40B4-BE49-F238E27FC236}">
-                <a16:creationId xmlns:a16="http://schemas.microsoft.com/office/drawing/2014/main" id="{88B4AC41-32F5-985E-10B4-0293EAD98D22}"/>
+                <a16:creationId xmlns:a16="http://schemas.microsoft.com/office/drawing/2014/main" id="{37A23CDB-9AB5-3A30-73D5-A01A6EA1EE78}"/>
               </a:ext>
             </a:extLst>
           </p:cNvPr>
@@ -7234,8 +11371,28 @@
           <a:lstStyle/>
           <a:p>
             <a:r>
-              <a:rPr lang="ko-KR" altLang="en-US" dirty="0"/>
-              <a:t>예외처리문 </a:t>
+              <a:rPr lang="ko-KR" altLang="en-US" dirty="0">
+                <a:solidFill>
+                  <a:srgbClr val="00B050"/>
+                </a:solidFill>
+              </a:rPr>
+              <a:t>실습</a:t>
+            </a:r>
+            <a:r>
+              <a:rPr lang="en-US" altLang="ko-KR" dirty="0">
+                <a:solidFill>
+                  <a:srgbClr val="00B050"/>
+                </a:solidFill>
+              </a:rPr>
+              <a:t>. </a:t>
+            </a:r>
+            <a:r>
+              <a:rPr lang="ko-KR" altLang="en-US" dirty="0">
+                <a:solidFill>
+                  <a:srgbClr val="00B050"/>
+                </a:solidFill>
+              </a:rPr>
+              <a:t>값의 참조</a:t>
             </a:r>
           </a:p>
         </p:txBody>
@@ -7245,7 +11402,7 @@
           <p:cNvPr id="3" name="내용 개체 틀 2">
             <a:extLst>
               <a:ext uri="{FF2B5EF4-FFF2-40B4-BE49-F238E27FC236}">
-                <a16:creationId xmlns:a16="http://schemas.microsoft.com/office/drawing/2014/main" id="{7D2F579B-033E-E708-4334-6778B9DB73A3}"/>
+                <a16:creationId xmlns:a16="http://schemas.microsoft.com/office/drawing/2014/main" id="{D6BCA3D1-02E8-8BB7-864B-5BC464A464D1}"/>
               </a:ext>
             </a:extLst>
           </p:cNvPr>
@@ -7263,182 +11420,187 @@
           </a:bodyPr>
           <a:lstStyle/>
           <a:p>
-            <a:r>
-              <a:rPr lang="en-US" altLang="ko-KR" dirty="0">
+            <a:pPr marL="0" indent="0">
+              <a:buNone/>
+            </a:pPr>
+            <a:r>
+              <a:rPr lang="en-US" altLang="ko-KR" b="1" dirty="0" smtClean="0">
                 <a:solidFill>
-                  <a:srgbClr val="7030A0"/>
+                  <a:schemeClr val="accent1"/>
                 </a:solidFill>
               </a:rPr>
-              <a:t>try</a:t>
-            </a:r>
-          </a:p>
-          <a:p>
-            <a:pPr lvl="1"/>
-            <a:r>
-              <a:rPr lang="ko-KR" altLang="en-US" dirty="0"/>
-              <a:t>오류가 발생 할 가능성이 있는 소스코드를 작성</a:t>
-            </a:r>
-            <a:endParaRPr lang="en-US" altLang="ko-KR" dirty="0"/>
-          </a:p>
-          <a:p>
-            <a:pPr lvl="1"/>
-            <a:r>
-              <a:rPr lang="ko-KR" altLang="en-US" dirty="0"/>
-              <a:t>예상 가능한 오류는 </a:t>
-            </a:r>
-            <a:r>
-              <a:rPr lang="en-US" altLang="ko-KR" dirty="0">
+              <a:t>2. out </a:t>
+            </a:r>
+            <a:r>
+              <a:rPr lang="ko-KR" altLang="en-US" b="1" dirty="0" smtClean="0">
                 <a:solidFill>
-                  <a:srgbClr val="0000FF"/>
+                  <a:schemeClr val="accent1"/>
                 </a:solidFill>
               </a:rPr>
-              <a:t>throw</a:t>
+              <a:t>키워드를 활용한 배열 생성 및 채우기</a:t>
+            </a:r>
+            <a:endParaRPr lang="en-US" altLang="ko-KR" b="1" dirty="0" smtClean="0">
+              <a:solidFill>
+                <a:schemeClr val="accent1"/>
+              </a:solidFill>
+            </a:endParaRPr>
+          </a:p>
+          <a:p>
+            <a:pPr>
+              <a:buFontTx/>
+              <a:buChar char="-"/>
+            </a:pPr>
+            <a:r>
+              <a:rPr lang="ko-KR" altLang="en-US" dirty="0" smtClean="0"/>
+              <a:t>초기화 되지 않은 배열 변수를 </a:t>
+            </a:r>
+            <a:r>
+              <a:rPr lang="en-US" altLang="ko-KR" dirty="0" smtClean="0"/>
+              <a:t>out</a:t>
+            </a:r>
+            <a:r>
+              <a:rPr lang="ko-KR" altLang="en-US" dirty="0" smtClean="0"/>
+              <a:t>으로 전달</a:t>
+            </a:r>
+            <a:r>
+              <a:rPr lang="en-US" altLang="ko-KR" dirty="0" smtClean="0"/>
+              <a:t>.</a:t>
+            </a:r>
+          </a:p>
+          <a:p>
+            <a:pPr>
+              <a:buFontTx/>
+              <a:buChar char="-"/>
+            </a:pPr>
+            <a:r>
+              <a:rPr lang="ko-KR" altLang="en-US" dirty="0" smtClean="0"/>
+              <a:t>메서드의 두 번째 인자로 원하는 배열의 크기</a:t>
+            </a:r>
+            <a:r>
+              <a:rPr lang="en-US" altLang="ko-KR" dirty="0" smtClean="0"/>
+              <a:t>(</a:t>
+            </a:r>
+            <a:r>
+              <a:rPr lang="en-US" altLang="ko-KR" dirty="0" err="1" smtClean="0"/>
+              <a:t>int</a:t>
+            </a:r>
+            <a:r>
+              <a:rPr lang="en-US" altLang="ko-KR" dirty="0" smtClean="0"/>
+              <a:t>)</a:t>
+            </a:r>
+            <a:r>
+              <a:rPr lang="ko-KR" altLang="en-US" dirty="0" smtClean="0"/>
+              <a:t>를 함께 전달</a:t>
+            </a:r>
+            <a:r>
+              <a:rPr lang="en-US" altLang="ko-KR" dirty="0" smtClean="0"/>
+              <a:t>.</a:t>
+            </a:r>
+          </a:p>
+          <a:p>
+            <a:pPr>
+              <a:buFontTx/>
+              <a:buChar char="-"/>
+            </a:pPr>
+            <a:r>
+              <a:rPr lang="ko-KR" altLang="en-US" dirty="0" smtClean="0"/>
+              <a:t>메서드 내부에서 해당 크기만큼의 배열을 생성한 뒤</a:t>
+            </a:r>
+            <a:r>
+              <a:rPr lang="en-US" altLang="ko-KR" dirty="0" smtClean="0"/>
+              <a:t>, </a:t>
+            </a:r>
+            <a:r>
+              <a:rPr lang="ko-KR" altLang="en-US" dirty="0" smtClean="0"/>
+              <a:t>요소를 </a:t>
+            </a:r>
+            <a:r>
+              <a:rPr lang="en-US" altLang="ko-KR" b="1" dirty="0" smtClean="0"/>
+              <a:t>1</a:t>
+            </a:r>
+            <a:r>
+              <a:rPr lang="ko-KR" altLang="en-US" b="1" dirty="0" smtClean="0"/>
+              <a:t>부터 크기만큼 순서대로 채워 넣기</a:t>
+            </a:r>
+            <a:r>
+              <a:rPr lang="en-US" altLang="ko-KR" b="1" dirty="0" smtClean="0"/>
+              <a:t>. (</a:t>
+            </a:r>
+            <a:r>
+              <a:rPr lang="ko-KR" altLang="en-US" b="1" dirty="0" smtClean="0"/>
+              <a:t>출력</a:t>
+            </a:r>
+            <a:r>
+              <a:rPr lang="en-US" altLang="ko-KR" b="1" dirty="0" smtClean="0"/>
+              <a:t>)</a:t>
+            </a:r>
+          </a:p>
+          <a:p>
+            <a:pPr>
+              <a:buFontTx/>
+              <a:buChar char="-"/>
+            </a:pPr>
+            <a:r>
+              <a:rPr lang="ko-KR" altLang="en-US" dirty="0" smtClean="0"/>
+              <a:t>예</a:t>
+            </a:r>
+            <a:r>
+              <a:rPr lang="en-US" altLang="ko-KR" dirty="0" smtClean="0"/>
+              <a:t>) </a:t>
+            </a:r>
+            <a:r>
+              <a:rPr lang="ko-KR" altLang="en-US" dirty="0" smtClean="0"/>
+              <a:t>크기 </a:t>
+            </a:r>
+            <a:r>
+              <a:rPr lang="en-US" altLang="ko-KR" dirty="0" smtClean="0"/>
+              <a:t>3</a:t>
+            </a:r>
+            <a:r>
+              <a:rPr lang="ko-KR" altLang="en-US" dirty="0" smtClean="0"/>
+              <a:t>이면 </a:t>
+            </a:r>
+            <a:r>
+              <a:rPr lang="en-US" altLang="ko-KR" dirty="0" smtClean="0"/>
+              <a:t>[1, 2, 3]</a:t>
+            </a:r>
+          </a:p>
+          <a:p>
+            <a:pPr>
+              <a:buFontTx/>
+              <a:buChar char="-"/>
+            </a:pPr>
+            <a:endParaRPr lang="en-US" altLang="ko-KR" dirty="0"/>
+          </a:p>
+          <a:p>
+            <a:r>
+              <a:rPr lang="en-US" altLang="ko-KR" b="1" dirty="0"/>
+              <a:t>GitHub Repo. </a:t>
+            </a:r>
+            <a:r>
+              <a:rPr lang="en-US" altLang="ko-KR" b="1" dirty="0" smtClean="0"/>
+              <a:t>URL</a:t>
+            </a:r>
+            <a:r>
+              <a:rPr lang="ko-KR" altLang="en-US" dirty="0" smtClean="0"/>
+              <a:t>과 </a:t>
+            </a:r>
+            <a:r>
+              <a:rPr lang="ko-KR" altLang="en-US" b="1" dirty="0" smtClean="0"/>
+              <a:t>결과 창</a:t>
+            </a:r>
+            <a:r>
+              <a:rPr lang="ko-KR" altLang="en-US" dirty="0" smtClean="0"/>
+              <a:t>을 </a:t>
+            </a:r>
+            <a:r>
+              <a:rPr lang="ko-KR" altLang="en-US" dirty="0" err="1"/>
+              <a:t>슬랙</a:t>
             </a:r>
             <a:r>
               <a:rPr lang="ko-KR" altLang="en-US" dirty="0"/>
-              <a:t>를 통해 의도적으로 </a:t>
-            </a:r>
-            <a:r>
-              <a:rPr lang="en-US" altLang="ko-KR" dirty="0"/>
-              <a:t>catch</a:t>
-            </a:r>
-            <a:r>
-              <a:rPr lang="ko-KR" altLang="en-US" dirty="0"/>
-              <a:t>를 작동시킴</a:t>
-            </a:r>
-            <a:endParaRPr lang="en-US" altLang="ko-KR" dirty="0"/>
-          </a:p>
-          <a:p>
-            <a:r>
-              <a:rPr lang="en-US" altLang="ko-KR" dirty="0">
-                <a:solidFill>
-                  <a:srgbClr val="7030A0"/>
-                </a:solidFill>
-              </a:rPr>
-              <a:t>catch</a:t>
-            </a:r>
-          </a:p>
-          <a:p>
-            <a:pPr lvl="1"/>
-            <a:r>
-              <a:rPr lang="en-US" altLang="ko-KR" dirty="0"/>
-              <a:t>try </a:t>
-            </a:r>
-            <a:r>
-              <a:rPr lang="ko-KR" altLang="en-US" dirty="0"/>
-              <a:t>안에서 오류 발생시 자동으로 </a:t>
-            </a:r>
-            <a:r>
-              <a:rPr lang="en-US" altLang="ko-KR" dirty="0"/>
-              <a:t>catch</a:t>
-            </a:r>
-            <a:r>
-              <a:rPr lang="ko-KR" altLang="en-US" dirty="0"/>
-              <a:t>로 넘어옴</a:t>
-            </a:r>
-            <a:endParaRPr lang="en-US" altLang="ko-KR" dirty="0"/>
-          </a:p>
-          <a:p>
-            <a:pPr lvl="1"/>
-            <a:r>
-              <a:rPr lang="ko-KR" altLang="en-US" dirty="0"/>
-              <a:t>오류에 대한 내용이 적혀 있는 </a:t>
-            </a:r>
-            <a:r>
-              <a:rPr lang="en-US" altLang="ko-KR" dirty="0" err="1"/>
-              <a:t>Excaption</a:t>
-            </a:r>
-            <a:r>
-              <a:rPr lang="en-US" altLang="ko-KR" dirty="0"/>
-              <a:t> </a:t>
-            </a:r>
-            <a:r>
-              <a:rPr lang="ko-KR" altLang="en-US" dirty="0"/>
-              <a:t>클래스 인스턴스를 전달 받을 수 있음</a:t>
-            </a:r>
-            <a:endParaRPr lang="en-US" altLang="ko-KR" dirty="0"/>
-          </a:p>
-          <a:p>
-            <a:pPr lvl="1"/>
-            <a:r>
-              <a:rPr lang="ko-KR" altLang="en-US" dirty="0"/>
-              <a:t>원하는 종류의 오류 별로 각각 </a:t>
-            </a:r>
-            <a:r>
-              <a:rPr lang="en-US" altLang="ko-KR" dirty="0"/>
-              <a:t>catch </a:t>
-            </a:r>
-            <a:r>
-              <a:rPr lang="ko-KR" altLang="en-US" dirty="0"/>
-              <a:t>문을 작성할 수 있음</a:t>
-            </a:r>
-            <a:endParaRPr lang="en-US" altLang="ko-KR" dirty="0"/>
-          </a:p>
-          <a:p>
-            <a:r>
-              <a:rPr lang="en-US" altLang="ko-KR" dirty="0">
-                <a:solidFill>
-                  <a:srgbClr val="7030A0"/>
-                </a:solidFill>
-              </a:rPr>
-              <a:t>finally </a:t>
-            </a:r>
-            <a:r>
-              <a:rPr lang="en-US" altLang="ko-KR" dirty="0"/>
-              <a:t>(</a:t>
-            </a:r>
-            <a:r>
-              <a:rPr lang="ko-KR" altLang="en-US" dirty="0"/>
-              <a:t>선택</a:t>
-            </a:r>
-            <a:r>
-              <a:rPr lang="en-US" altLang="ko-KR" dirty="0"/>
-              <a:t>)</a:t>
-            </a:r>
-          </a:p>
-          <a:p>
-            <a:pPr lvl="1"/>
-            <a:r>
-              <a:rPr lang="en-US" altLang="ko-KR" dirty="0"/>
-              <a:t>try</a:t>
-            </a:r>
-            <a:r>
-              <a:rPr lang="ko-KR" altLang="en-US" dirty="0"/>
-              <a:t>가 정상적으로 수행되거나</a:t>
-            </a:r>
-            <a:r>
-              <a:rPr lang="en-US" altLang="ko-KR" dirty="0"/>
-              <a:t>, catch</a:t>
-            </a:r>
-            <a:r>
-              <a:rPr lang="ko-KR" altLang="en-US" dirty="0"/>
-              <a:t>를 통해 문제가 해결된 경우 실행</a:t>
-            </a:r>
-            <a:endParaRPr lang="en-US" altLang="ko-KR" dirty="0"/>
-          </a:p>
-          <a:p>
-            <a:pPr lvl="1"/>
-            <a:r>
-              <a:rPr lang="en-US" altLang="ko-KR" dirty="0"/>
-              <a:t>try</a:t>
-            </a:r>
-            <a:r>
-              <a:rPr lang="ko-KR" altLang="en-US" dirty="0"/>
-              <a:t>에서 문제가 발생했으나 </a:t>
-            </a:r>
-            <a:r>
-              <a:rPr lang="en-US" altLang="ko-KR" dirty="0"/>
-              <a:t>catch</a:t>
-            </a:r>
-            <a:r>
-              <a:rPr lang="ko-KR" altLang="en-US" dirty="0"/>
-              <a:t>로 해결하지 못한 경우 실행 안됨</a:t>
-            </a:r>
-            <a:endParaRPr lang="en-US" altLang="ko-KR" dirty="0"/>
-          </a:p>
-          <a:p>
-            <a:pPr lvl="1"/>
-            <a:endParaRPr lang="ko-KR" altLang="en-US" dirty="0"/>
+              <a:t> 댓글로 제출</a:t>
+            </a:r>
           </a:p>
         </p:txBody>
       </p:sp>
@@ -7447,7 +11609,7 @@
           <p:cNvPr id="4" name="날짜 개체 틀 3">
             <a:extLst>
               <a:ext uri="{FF2B5EF4-FFF2-40B4-BE49-F238E27FC236}">
-                <a16:creationId xmlns:a16="http://schemas.microsoft.com/office/drawing/2014/main" id="{B3F89852-15D3-7524-2EE6-11D6DA9A27A3}"/>
+                <a16:creationId xmlns:a16="http://schemas.microsoft.com/office/drawing/2014/main" id="{71D70BA8-3C65-9DA4-A03D-99000E36AE83}"/>
               </a:ext>
             </a:extLst>
           </p:cNvPr>
@@ -7465,7 +11627,7 @@
           <a:p>
             <a:fld id="{0F78D9C4-20C1-4B15-A116-16DC77AD9A1E}" type="datetime1">
               <a:rPr lang="ko-KR" altLang="en-US" smtClean="0"/>
-              <a:t>2025-05-13</a:t>
+              <a:t>2025-05-14</a:t>
             </a:fld>
             <a:endParaRPr lang="ko-KR" altLang="en-US"/>
           </a:p>
@@ -7476,7 +11638,7 @@
           <p:cNvPr id="5" name="슬라이드 번호 개체 틀 4">
             <a:extLst>
               <a:ext uri="{FF2B5EF4-FFF2-40B4-BE49-F238E27FC236}">
-                <a16:creationId xmlns:a16="http://schemas.microsoft.com/office/drawing/2014/main" id="{F5851E68-AFE1-2EAA-6833-8FADBF3EC52D}"/>
+                <a16:creationId xmlns:a16="http://schemas.microsoft.com/office/drawing/2014/main" id="{0E897A61-1232-B6C3-2173-9E267D6E375B}"/>
               </a:ext>
             </a:extLst>
           </p:cNvPr>
@@ -7500,10 +11662,34 @@
           </a:p>
         </p:txBody>
       </p:sp>
+      <p:pic>
+        <p:nvPicPr>
+          <p:cNvPr id="6" name="그림 5"/>
+          <p:cNvPicPr>
+            <a:picLocks noChangeAspect="1"/>
+          </p:cNvPicPr>
+          <p:nvPr/>
+        </p:nvPicPr>
+        <p:blipFill>
+          <a:blip r:embed="rId3"/>
+          <a:stretch>
+            <a:fillRect/>
+          </a:stretch>
+        </p:blipFill>
+        <p:spPr>
+          <a:xfrm>
+            <a:off x="6186187" y="4181174"/>
+            <a:ext cx="4478605" cy="750904"/>
+          </a:xfrm>
+          <a:prstGeom prst="rect">
+            <a:avLst/>
+          </a:prstGeom>
+        </p:spPr>
+      </p:pic>
     </p:spTree>
     <p:extLst>
       <p:ext uri="{BB962C8B-B14F-4D97-AF65-F5344CB8AC3E}">
-        <p14:creationId xmlns:p14="http://schemas.microsoft.com/office/powerpoint/2010/main" val="3553033204"/>
+        <p14:creationId xmlns:p14="http://schemas.microsoft.com/office/powerpoint/2010/main" val="2601560999"/>
       </p:ext>
     </p:extLst>
   </p:cSld>
@@ -7535,64 +11721,48 @@
           <p:cNvPr id="2" name="제목 1">
             <a:extLst>
               <a:ext uri="{FF2B5EF4-FFF2-40B4-BE49-F238E27FC236}">
-                <a16:creationId xmlns:a16="http://schemas.microsoft.com/office/drawing/2014/main" id="{E7241ED8-6C20-3C58-9085-2259964B5177}"/>
-              </a:ext>
-            </a:extLst>
-          </p:cNvPr>
-          <p:cNvSpPr>
-            <a:spLocks noGrp="1"/>
-          </p:cNvSpPr>
-          <p:nvPr>
-            <p:ph type="title"/>
-          </p:nvPr>
-        </p:nvSpPr>
-        <p:spPr/>
-        <p:txBody>
-          <a:bodyPr/>
-          <a:lstStyle/>
-          <a:p>
-            <a:r>
-              <a:rPr lang="ko-KR" altLang="en-US" dirty="0"/>
-              <a:t>예외처리문</a:t>
-            </a:r>
-          </a:p>
-        </p:txBody>
-      </p:sp>
-      <p:pic>
-        <p:nvPicPr>
-          <p:cNvPr id="7" name="내용 개체 틀 6">
-            <a:extLst>
-              <a:ext uri="{FF2B5EF4-FFF2-40B4-BE49-F238E27FC236}">
-                <a16:creationId xmlns:a16="http://schemas.microsoft.com/office/drawing/2014/main" id="{8EFC4D97-1C30-C7ED-E938-A9BD6B8EF285}"/>
-              </a:ext>
-            </a:extLst>
-          </p:cNvPr>
-          <p:cNvPicPr>
-            <a:picLocks noGrp="1" noChangeAspect="1"/>
-          </p:cNvPicPr>
-          <p:nvPr>
-            <p:ph idx="1"/>
-          </p:nvPr>
-        </p:nvPicPr>
-        <p:blipFill>
-          <a:blip r:embed="rId2"/>
-          <a:stretch>
-            <a:fillRect/>
-          </a:stretch>
-        </p:blipFill>
+                <a16:creationId xmlns:a16="http://schemas.microsoft.com/office/drawing/2014/main" id="{5CB49C79-8DE4-4842-D1E6-927CDD6D4464}"/>
+              </a:ext>
+            </a:extLst>
+          </p:cNvPr>
+          <p:cNvSpPr>
+            <a:spLocks noGrp="1"/>
+          </p:cNvSpPr>
+          <p:nvPr>
+            <p:ph type="ctrTitle"/>
+          </p:nvPr>
+        </p:nvSpPr>
         <p:spPr>
           <a:xfrm>
-            <a:off x="1053854" y="1882447"/>
-            <a:ext cx="4284294" cy="3267682"/>
+            <a:off x="2815753" y="2778308"/>
+            <a:ext cx="6633047" cy="974422"/>
           </a:xfrm>
         </p:spPr>
-      </p:pic>
+        <p:txBody>
+          <a:bodyPr>
+            <a:noAutofit/>
+          </a:bodyPr>
+          <a:lstStyle/>
+          <a:p>
+            <a:pPr>
+              <a:lnSpc>
+                <a:spcPct val="150000"/>
+              </a:lnSpc>
+            </a:pPr>
+            <a:r>
+              <a:rPr lang="ko-KR" altLang="en-US" dirty="0" smtClean="0"/>
+              <a:t>예외처리</a:t>
+            </a:r>
+            <a:endParaRPr lang="ko-KR" altLang="en-US" dirty="0"/>
+          </a:p>
+        </p:txBody>
+      </p:sp>
       <p:sp>
         <p:nvSpPr>
           <p:cNvPr id="4" name="날짜 개체 틀 3">
             <a:extLst>
               <a:ext uri="{FF2B5EF4-FFF2-40B4-BE49-F238E27FC236}">
-                <a16:creationId xmlns:a16="http://schemas.microsoft.com/office/drawing/2014/main" id="{C3AFE863-9320-CE3A-5FF0-B614017B9441}"/>
+                <a16:creationId xmlns:a16="http://schemas.microsoft.com/office/drawing/2014/main" id="{20223B3B-2FCF-58AF-BC81-E9824EB6B19E}"/>
               </a:ext>
             </a:extLst>
           </p:cNvPr>
@@ -7608,9 +11778,9 @@
           <a:bodyPr/>
           <a:lstStyle/>
           <a:p>
-            <a:fld id="{0F78D9C4-20C1-4B15-A116-16DC77AD9A1E}" type="datetime1">
+            <a:fld id="{2E2BEDFA-D8AA-4914-9440-7DF713C99FA9}" type="datetime1">
               <a:rPr lang="ko-KR" altLang="en-US" smtClean="0"/>
-              <a:t>2025-05-13</a:t>
+              <a:t>2025-05-14</a:t>
             </a:fld>
             <a:endParaRPr lang="ko-KR" altLang="en-US"/>
           </a:p>
@@ -7618,10 +11788,10 @@
       </p:sp>
       <p:sp>
         <p:nvSpPr>
-          <p:cNvPr id="5" name="슬라이드 번호 개체 틀 4">
-            <a:extLst>
-              <a:ext uri="{FF2B5EF4-FFF2-40B4-BE49-F238E27FC236}">
-                <a16:creationId xmlns:a16="http://schemas.microsoft.com/office/drawing/2014/main" id="{E850BC20-C01D-5DDC-655F-443639FFB693}"/>
+          <p:cNvPr id="6" name="슬라이드 번호 개체 틀 5">
+            <a:extLst>
+              <a:ext uri="{FF2B5EF4-FFF2-40B4-BE49-F238E27FC236}">
+                <a16:creationId xmlns:a16="http://schemas.microsoft.com/office/drawing/2014/main" id="{AC7112DC-52CD-A148-06F6-6813E1A67427}"/>
               </a:ext>
             </a:extLst>
           </p:cNvPr>
@@ -7645,70 +11815,10 @@
           </a:p>
         </p:txBody>
       </p:sp>
-      <p:pic>
-        <p:nvPicPr>
-          <p:cNvPr id="9" name="그림 8">
-            <a:extLst>
-              <a:ext uri="{FF2B5EF4-FFF2-40B4-BE49-F238E27FC236}">
-                <a16:creationId xmlns:a16="http://schemas.microsoft.com/office/drawing/2014/main" id="{B7BD3A3F-A934-A69F-862E-1EE171A38BD0}"/>
-              </a:ext>
-            </a:extLst>
-          </p:cNvPr>
-          <p:cNvPicPr>
-            <a:picLocks noChangeAspect="1"/>
-          </p:cNvPicPr>
-          <p:nvPr/>
-        </p:nvPicPr>
-        <p:blipFill>
-          <a:blip r:embed="rId3"/>
-          <a:stretch>
-            <a:fillRect/>
-          </a:stretch>
-        </p:blipFill>
-        <p:spPr>
-          <a:xfrm>
-            <a:off x="5891046" y="1882446"/>
-            <a:ext cx="5464164" cy="3332153"/>
-          </a:xfrm>
-          <a:prstGeom prst="rect">
-            <a:avLst/>
-          </a:prstGeom>
-        </p:spPr>
-      </p:pic>
-      <p:pic>
-        <p:nvPicPr>
-          <p:cNvPr id="11" name="그림 10">
-            <a:extLst>
-              <a:ext uri="{FF2B5EF4-FFF2-40B4-BE49-F238E27FC236}">
-                <a16:creationId xmlns:a16="http://schemas.microsoft.com/office/drawing/2014/main" id="{4FCC6306-B73E-4946-EA2F-3955263335AC}"/>
-              </a:ext>
-            </a:extLst>
-          </p:cNvPr>
-          <p:cNvPicPr>
-            <a:picLocks noChangeAspect="1"/>
-          </p:cNvPicPr>
-          <p:nvPr/>
-        </p:nvPicPr>
-        <p:blipFill>
-          <a:blip r:embed="rId4"/>
-          <a:stretch>
-            <a:fillRect/>
-          </a:stretch>
-        </p:blipFill>
-        <p:spPr>
-          <a:xfrm>
-            <a:off x="9727217" y="3726370"/>
-            <a:ext cx="1939265" cy="1612014"/>
-          </a:xfrm>
-          <a:prstGeom prst="rect">
-            <a:avLst/>
-          </a:prstGeom>
-        </p:spPr>
-      </p:pic>
     </p:spTree>
     <p:extLst>
       <p:ext uri="{BB962C8B-B14F-4D97-AF65-F5344CB8AC3E}">
-        <p14:creationId xmlns:p14="http://schemas.microsoft.com/office/powerpoint/2010/main" val="3157700884"/>
+        <p14:creationId xmlns:p14="http://schemas.microsoft.com/office/powerpoint/2010/main" val="622572985"/>
       </p:ext>
     </p:extLst>
   </p:cSld>

--- a/material/13_CSharp_심화문법 (예외처리).pptx
+++ b/material/13_CSharp_심화문법 (예외처리).pptx
@@ -32,26 +32,23 @@
   <p:notesSz cx="6858000" cy="9144000"/>
   <p:embeddedFontLst>
     <p:embeddedFont>
-      <p:font typeface="Pretendard Black" panose="02000A03000000020004" pitchFamily="2" charset="-127"/>
-      <p:bold r:id="rId20"/>
+      <p:font typeface="Pretendard" panose="020B0600000101010101" charset="-127"/>
+      <p:regular r:id="rId20"/>
+      <p:bold r:id="rId21"/>
     </p:embeddedFont>
     <p:embeddedFont>
-      <p:font typeface="Pretendard" panose="02000503000000020004" pitchFamily="2" charset="-127"/>
-      <p:regular r:id="rId21"/>
+      <p:font typeface="Pretendard Black" panose="020B0600000101010101" charset="-127"/>
       <p:bold r:id="rId22"/>
     </p:embeddedFont>
     <p:embeddedFont>
-      <p:font typeface="맑은 고딕" panose="020B0503020000020004" pitchFamily="50" charset="-127"/>
+      <p:font typeface="Pretendard GOV" panose="02000503000000020004" pitchFamily="2" charset="-127"/>
       <p:regular r:id="rId23"/>
       <p:bold r:id="rId24"/>
     </p:embeddedFont>
     <p:embeddedFont>
-      <p:font typeface="AppleSDGothicNeoH00" panose="020B0600000101010101" charset="-127"/>
+      <p:font typeface="맑은 고딕" panose="020B0503020000020004" pitchFamily="50" charset="-127"/>
       <p:regular r:id="rId25"/>
-    </p:embeddedFont>
-    <p:embeddedFont>
-      <p:font typeface="AppleSDGothicNeoB00" panose="020B0600000101010101" charset="-127"/>
-      <p:regular r:id="rId26"/>
+      <p:bold r:id="rId26"/>
     </p:embeddedFont>
   </p:embeddedFontLst>
   <p:defaultTextStyle>
@@ -254,7 +251,7 @@
           <a:p>
             <a:fld id="{44612780-EE93-46C5-A77E-0A0B4C0978AF}" type="datetimeFigureOut">
               <a:rPr lang="ko-KR" altLang="en-US" smtClean="0"/>
-              <a:t>2025-05-13</a:t>
+              <a:t>2025-05-14</a:t>
             </a:fld>
             <a:endParaRPr lang="ko-KR" altLang="en-US"/>
           </a:p>
@@ -431,7 +428,7 @@
           <a:p>
             <a:fld id="{2EF3F159-7250-4DD4-91C2-13B35D56E1AF}" type="datetimeFigureOut">
               <a:rPr lang="ko-KR" altLang="en-US" smtClean="0"/>
-              <a:t>2025-05-13</a:t>
+              <a:t>2025-05-14</a:t>
             </a:fld>
             <a:endParaRPr lang="ko-KR" altLang="en-US"/>
           </a:p>
@@ -830,23 +827,191 @@
           <a:lstStyle/>
           <a:p>
             <a:r>
-              <a:rPr lang="en-US" altLang="ko-KR" dirty="0" err="1" smtClean="0"/>
-              <a:t>ConsoleAppException</a:t>
-            </a:r>
-            <a:endParaRPr lang="en-US" altLang="ko-KR" dirty="0" smtClean="0"/>
-          </a:p>
-          <a:p>
-            <a:endParaRPr lang="en-US" altLang="ko-KR" dirty="0" smtClean="0"/>
-          </a:p>
-          <a:p>
-            <a:r>
-              <a:rPr lang="ko-KR" altLang="en-US" dirty="0" smtClean="0"/>
-              <a:t>실습 문제 너무 어렵다고 판단</a:t>
-            </a:r>
-            <a:r>
-              <a:rPr lang="en-US" altLang="ko-KR" dirty="0" smtClean="0"/>
-              <a:t>!..</a:t>
-            </a:r>
+              <a:rPr lang="ko-KR" altLang="en-US" dirty="0"/>
+              <a:t>왼쪽은 “오류만 막는 기본형 </a:t>
+            </a:r>
+            <a:r>
+              <a:rPr lang="en-US" altLang="ko-KR" dirty="0"/>
+              <a:t>catch”,</a:t>
+            </a:r>
+            <a:br>
+              <a:rPr lang="en-US" altLang="ko-KR" dirty="0"/>
+            </a:br>
+            <a:r>
+              <a:rPr lang="ko-KR" altLang="en-US" dirty="0"/>
+              <a:t>오른쪽은 “오류 메시지까지 보여주는 정석적인 </a:t>
+            </a:r>
+            <a:r>
+              <a:rPr lang="en-US" altLang="ko-KR" dirty="0"/>
+              <a:t>catch(Exception ex)” </a:t>
+            </a:r>
+            <a:r>
+              <a:rPr lang="ko-KR" altLang="en-US" dirty="0"/>
+              <a:t>사용 예시입니다</a:t>
+            </a:r>
+            <a:r>
+              <a:rPr lang="en-US" altLang="ko-KR" dirty="0"/>
+              <a:t>.</a:t>
+            </a:r>
+          </a:p>
+          <a:p>
+            <a:endParaRPr lang="en-US" altLang="ko-KR" dirty="0"/>
+          </a:p>
+          <a:p>
+            <a:r>
+              <a:rPr lang="ko-KR" altLang="en-US" dirty="0"/>
+              <a:t>왼쪽</a:t>
+            </a:r>
+            <a:endParaRPr lang="en-US" altLang="ko-KR" dirty="0"/>
+          </a:p>
+          <a:p>
+            <a:r>
+              <a:rPr lang="en-US" altLang="ko-KR" dirty="0"/>
+              <a:t>catch</a:t>
+            </a:r>
+            <a:r>
+              <a:rPr lang="ko-KR" altLang="en-US" dirty="0"/>
+              <a:t>에 예외 타입이 없기 때문에 </a:t>
+            </a:r>
+            <a:r>
+              <a:rPr lang="ko-KR" altLang="en-US" b="1" dirty="0"/>
+              <a:t>어떤 </a:t>
+            </a:r>
+            <a:r>
+              <a:rPr lang="ko-KR" altLang="en-US" b="1" dirty="0" err="1"/>
+              <a:t>예외든</a:t>
+            </a:r>
+            <a:r>
+              <a:rPr lang="ko-KR" altLang="en-US" b="1" dirty="0"/>
+              <a:t> 무조건 이 블록에서 처리</a:t>
+            </a:r>
+            <a:r>
+              <a:rPr lang="ko-KR" altLang="en-US" dirty="0"/>
+              <a:t>합니다</a:t>
+            </a:r>
+            <a:r>
+              <a:rPr lang="en-US" altLang="ko-KR" dirty="0"/>
+              <a:t>.</a:t>
+            </a:r>
+          </a:p>
+          <a:p>
+            <a:r>
+              <a:rPr lang="en-US" altLang="ko-KR" dirty="0"/>
+              <a:t>catch</a:t>
+            </a:r>
+            <a:r>
+              <a:rPr lang="ko-KR" altLang="en-US" dirty="0"/>
+              <a:t>만 쓰면 다른 </a:t>
+            </a:r>
+            <a:r>
+              <a:rPr lang="en-US" altLang="ko-KR" dirty="0"/>
+              <a:t>catch </a:t>
+            </a:r>
+            <a:r>
+              <a:rPr lang="ko-KR" altLang="en-US" dirty="0"/>
+              <a:t>못 씀</a:t>
+            </a:r>
+            <a:endParaRPr lang="en-US" altLang="ko-KR" dirty="0"/>
+          </a:p>
+          <a:p>
+            <a:r>
+              <a:rPr lang="ko-KR" altLang="en-US" dirty="0"/>
+              <a:t>단순 처리용</a:t>
+            </a:r>
+            <a:endParaRPr lang="en-US" altLang="ko-KR" dirty="0"/>
+          </a:p>
+          <a:p>
+            <a:endParaRPr lang="en-US" altLang="ko-KR" dirty="0"/>
+          </a:p>
+          <a:p>
+            <a:r>
+              <a:rPr lang="ko-KR" altLang="en-US" dirty="0"/>
+              <a:t>오른쪽</a:t>
+            </a:r>
+            <a:endParaRPr lang="en-US" altLang="ko-KR" dirty="0"/>
+          </a:p>
+          <a:p>
+            <a:r>
+              <a:rPr lang="en-US" altLang="ko-KR" dirty="0"/>
+              <a:t>catch (Exception ex)</a:t>
+            </a:r>
+            <a:r>
+              <a:rPr lang="ko-KR" altLang="en-US" dirty="0"/>
+              <a:t>는 </a:t>
+            </a:r>
+            <a:r>
+              <a:rPr lang="ko-KR" altLang="en-US" b="1" dirty="0"/>
+              <a:t>예외 정보를 담은 객체 </a:t>
+            </a:r>
+            <a:r>
+              <a:rPr lang="en-US" altLang="ko-KR" b="1" dirty="0"/>
+              <a:t>ex</a:t>
+            </a:r>
+            <a:r>
+              <a:rPr lang="ko-KR" altLang="en-US" b="1" dirty="0"/>
+              <a:t>를 사용</a:t>
+            </a:r>
+            <a:r>
+              <a:rPr lang="ko-KR" altLang="en-US" dirty="0"/>
+              <a:t>할 수 있음</a:t>
+            </a:r>
+          </a:p>
+          <a:p>
+            <a:r>
+              <a:rPr lang="en-US" altLang="ko-KR" dirty="0" err="1"/>
+              <a:t>ex.Message</a:t>
+            </a:r>
+            <a:r>
+              <a:rPr lang="ko-KR" altLang="en-US" dirty="0"/>
+              <a:t>를 통해 예외의 정확한 메시지를 사용자에게 보여줄 수 있음</a:t>
+            </a:r>
+            <a:endParaRPr lang="en-US" altLang="ko-KR" dirty="0"/>
+          </a:p>
+          <a:p>
+            <a:r>
+              <a:rPr lang="en-US" altLang="ko-KR" dirty="0"/>
+              <a:t>catch (Exception)</a:t>
+            </a:r>
+            <a:r>
+              <a:rPr lang="ko-KR" altLang="en-US" dirty="0"/>
+              <a:t>과 다른 </a:t>
+            </a:r>
+            <a:r>
+              <a:rPr lang="en-US" altLang="ko-KR" dirty="0"/>
+              <a:t>catch </a:t>
+            </a:r>
+            <a:r>
+              <a:rPr lang="ko-KR" altLang="en-US" dirty="0"/>
+              <a:t>조합 가능 </a:t>
+            </a:r>
+            <a:r>
+              <a:rPr lang="en-US" altLang="ko-KR" dirty="0"/>
+              <a:t>(</a:t>
+            </a:r>
+            <a:r>
+              <a:rPr lang="ko-KR" altLang="en-US" dirty="0"/>
+              <a:t>단</a:t>
+            </a:r>
+            <a:r>
+              <a:rPr lang="en-US" altLang="ko-KR" dirty="0"/>
+              <a:t>, </a:t>
+            </a:r>
+            <a:r>
+              <a:rPr lang="ko-KR" altLang="en-US" dirty="0"/>
+              <a:t>순서 주의</a:t>
+            </a:r>
+            <a:r>
+              <a:rPr lang="en-US" altLang="ko-KR" dirty="0"/>
+              <a:t>)</a:t>
+            </a:r>
+          </a:p>
+          <a:p>
+            <a:r>
+              <a:rPr lang="ko-KR" altLang="en-US" dirty="0"/>
+              <a:t>예외 상세 정보 필요 시 사용</a:t>
+            </a:r>
+          </a:p>
+          <a:p>
             <a:endParaRPr lang="ko-KR" altLang="en-US" dirty="0"/>
           </a:p>
         </p:txBody>
@@ -858,7 +1023,7 @@
             <a:spLocks noGrp="1"/>
           </p:cNvSpPr>
           <p:nvPr>
-            <p:ph type="sldNum" sz="quarter" idx="5"/>
+            <p:ph type="sldNum" sz="quarter" idx="10"/>
           </p:nvPr>
         </p:nvSpPr>
         <p:spPr/>
@@ -868,7 +1033,7 @@
           <a:p>
             <a:fld id="{C09E5BFC-1559-42F1-8940-AB342D56BF02}" type="slidenum">
               <a:rPr lang="ko-KR" altLang="en-US" smtClean="0"/>
-              <a:t>14</a:t>
+              <a:t>12</a:t>
             </a:fld>
             <a:endParaRPr lang="ko-KR" altLang="en-US"/>
           </a:p>
@@ -877,7 +1042,7 @@
     </p:spTree>
     <p:extLst>
       <p:ext uri="{BB962C8B-B14F-4D97-AF65-F5344CB8AC3E}">
-        <p14:creationId xmlns:p14="http://schemas.microsoft.com/office/powerpoint/2010/main" val="1869088784"/>
+        <p14:creationId xmlns:p14="http://schemas.microsoft.com/office/powerpoint/2010/main" val="4095064106"/>
       </p:ext>
     </p:extLst>
   </p:cSld>
@@ -931,6 +1096,353 @@
           <a:bodyPr/>
           <a:lstStyle/>
           <a:p>
+            <a:r>
+              <a:rPr lang="ko-KR" altLang="en-US" dirty="0"/>
+              <a:t>모든 예외는 </a:t>
+            </a:r>
+            <a:r>
+              <a:rPr lang="en-US" altLang="ko-KR" dirty="0" err="1"/>
+              <a:t>System.Exception</a:t>
+            </a:r>
+            <a:r>
+              <a:rPr lang="en-US" altLang="ko-KR" dirty="0"/>
+              <a:t> </a:t>
+            </a:r>
+            <a:r>
+              <a:rPr lang="ko-KR" altLang="en-US" dirty="0"/>
+              <a:t>클래스를 </a:t>
+            </a:r>
+            <a:r>
+              <a:rPr lang="ko-KR" altLang="en-US" b="1" dirty="0"/>
+              <a:t>상속</a:t>
+            </a:r>
+            <a:r>
+              <a:rPr lang="ko-KR" altLang="en-US" dirty="0"/>
+              <a:t>받은 클래스입니다</a:t>
+            </a:r>
+            <a:r>
+              <a:rPr lang="en-US" altLang="ko-KR" dirty="0"/>
+              <a:t>.</a:t>
+            </a:r>
+          </a:p>
+          <a:p>
+            <a:r>
+              <a:rPr lang="ko-KR" altLang="en-US" dirty="0"/>
+              <a:t>자주 사용되는 예외 클래스</a:t>
+            </a:r>
+            <a:r>
+              <a:rPr lang="en-US" altLang="ko-KR" dirty="0"/>
+              <a:t>:</a:t>
+            </a:r>
+          </a:p>
+          <a:p>
+            <a:r>
+              <a:rPr lang="en-US" altLang="ko-KR" dirty="0" err="1"/>
+              <a:t>DivideByZeroException</a:t>
+            </a:r>
+            <a:r>
+              <a:rPr lang="en-US" altLang="ko-KR" dirty="0"/>
+              <a:t> : 0</a:t>
+            </a:r>
+            <a:r>
+              <a:rPr lang="ko-KR" altLang="en-US" dirty="0"/>
+              <a:t>으로 나누었을 때</a:t>
+            </a:r>
+          </a:p>
+          <a:p>
+            <a:r>
+              <a:rPr lang="en-US" altLang="ko-KR" dirty="0" err="1"/>
+              <a:t>FormatException</a:t>
+            </a:r>
+            <a:r>
+              <a:rPr lang="en-US" altLang="ko-KR" dirty="0"/>
+              <a:t> : </a:t>
+            </a:r>
+            <a:r>
+              <a:rPr lang="ko-KR" altLang="en-US" dirty="0"/>
+              <a:t>잘못된 형식의 입력</a:t>
+            </a:r>
+          </a:p>
+          <a:p>
+            <a:r>
+              <a:rPr lang="en-US" altLang="ko-KR" dirty="0" err="1"/>
+              <a:t>NullReferenceException</a:t>
+            </a:r>
+            <a:r>
+              <a:rPr lang="en-US" altLang="ko-KR" dirty="0"/>
+              <a:t> : null </a:t>
+            </a:r>
+            <a:r>
+              <a:rPr lang="ko-KR" altLang="en-US" dirty="0"/>
+              <a:t>객체에 접근했을 때</a:t>
+            </a:r>
+          </a:p>
+          <a:p>
+            <a:endParaRPr lang="en-US" altLang="ko-KR" dirty="0"/>
+          </a:p>
+          <a:p>
+            <a:r>
+              <a:rPr lang="ko-KR" altLang="en-US" dirty="0"/>
+              <a:t>대표적인 </a:t>
+            </a:r>
+            <a:r>
+              <a:rPr lang="en-US" altLang="ko-KR" dirty="0"/>
+              <a:t>"</a:t>
+            </a:r>
+            <a:r>
+              <a:rPr lang="ko-KR" altLang="en-US" dirty="0"/>
+              <a:t>거의 쓰이지 않거나 </a:t>
+            </a:r>
+            <a:r>
+              <a:rPr lang="ko-KR" altLang="en-US" dirty="0" err="1"/>
+              <a:t>비권장</a:t>
+            </a:r>
+            <a:r>
+              <a:rPr lang="en-US" altLang="ko-KR" dirty="0"/>
+              <a:t>" </a:t>
+            </a:r>
+            <a:r>
+              <a:rPr lang="ko-KR" altLang="en-US" dirty="0"/>
+              <a:t>예외들 </a:t>
+            </a:r>
+            <a:r>
+              <a:rPr lang="en-US" altLang="ko-KR" dirty="0"/>
+              <a:t>(.NET 4.5 </a:t>
+            </a:r>
+            <a:r>
+              <a:rPr lang="ko-KR" altLang="en-US" dirty="0"/>
+              <a:t>이후</a:t>
+            </a:r>
+            <a:r>
+              <a:rPr lang="en-US" altLang="ko-KR" dirty="0"/>
+              <a:t>)</a:t>
+            </a:r>
+          </a:p>
+          <a:p>
+            <a:r>
+              <a:rPr lang="en-US" altLang="ko-KR" dirty="0" err="1"/>
+              <a:t>SystemException</a:t>
+            </a:r>
+            <a:endParaRPr lang="en-US" altLang="ko-KR" dirty="0"/>
+          </a:p>
+          <a:p>
+            <a:r>
+              <a:rPr lang="en-US" altLang="ko-KR" dirty="0"/>
+              <a:t>:CLR</a:t>
+            </a:r>
+            <a:r>
+              <a:rPr lang="ko-KR" altLang="en-US" dirty="0"/>
+              <a:t>에서 내부적으로 사용하는 예외의 베이스 클래스</a:t>
+            </a:r>
+            <a:r>
+              <a:rPr lang="en-US" altLang="ko-KR" dirty="0"/>
+              <a:t>. </a:t>
+            </a:r>
+            <a:r>
+              <a:rPr lang="ko-KR" altLang="en-US" dirty="0"/>
+              <a:t>개발자가 직접 이 클래스를 상속하여 예외를 만들지는 않음</a:t>
+            </a:r>
+            <a:endParaRPr lang="en-US" altLang="ko-KR" dirty="0"/>
+          </a:p>
+          <a:p>
+            <a:r>
+              <a:rPr lang="en-US" altLang="ko-KR" dirty="0"/>
+              <a:t>:</a:t>
+            </a:r>
+            <a:r>
+              <a:rPr lang="ko-KR" altLang="en-US" dirty="0"/>
+              <a:t>❌ 직접 사용 </a:t>
+            </a:r>
+            <a:r>
+              <a:rPr lang="ko-KR" altLang="en-US" dirty="0" err="1"/>
+              <a:t>비권장</a:t>
+            </a:r>
+            <a:endParaRPr lang="ko-KR" altLang="en-US" dirty="0"/>
+          </a:p>
+        </p:txBody>
+      </p:sp>
+      <p:sp>
+        <p:nvSpPr>
+          <p:cNvPr id="4" name="슬라이드 번호 개체 틀 3"/>
+          <p:cNvSpPr>
+            <a:spLocks noGrp="1"/>
+          </p:cNvSpPr>
+          <p:nvPr>
+            <p:ph type="sldNum" sz="quarter" idx="10"/>
+          </p:nvPr>
+        </p:nvSpPr>
+        <p:spPr/>
+        <p:txBody>
+          <a:bodyPr/>
+          <a:lstStyle/>
+          <a:p>
+            <a:fld id="{C09E5BFC-1559-42F1-8940-AB342D56BF02}" type="slidenum">
+              <a:rPr lang="ko-KR" altLang="en-US" smtClean="0"/>
+              <a:t>13</a:t>
+            </a:fld>
+            <a:endParaRPr lang="ko-KR" altLang="en-US"/>
+          </a:p>
+        </p:txBody>
+      </p:sp>
+    </p:spTree>
+    <p:extLst>
+      <p:ext uri="{BB962C8B-B14F-4D97-AF65-F5344CB8AC3E}">
+        <p14:creationId xmlns:p14="http://schemas.microsoft.com/office/powerpoint/2010/main" val="3553566528"/>
+      </p:ext>
+    </p:extLst>
+  </p:cSld>
+  <p:clrMapOvr>
+    <a:masterClrMapping/>
+  </p:clrMapOvr>
+</p:notes>
+</file>
+
+<file path=ppt/notesSlides/notesSlide12.xml><?xml version="1.0" encoding="utf-8"?>
+<p:notes xmlns:a="http://schemas.openxmlformats.org/drawingml/2006/main" xmlns:r="http://schemas.openxmlformats.org/officeDocument/2006/relationships" xmlns:p="http://schemas.openxmlformats.org/presentationml/2006/main">
+  <p:cSld>
+    <p:spTree>
+      <p:nvGrpSpPr>
+        <p:cNvPr id="1" name=""/>
+        <p:cNvGrpSpPr/>
+        <p:nvPr/>
+      </p:nvGrpSpPr>
+      <p:grpSpPr>
+        <a:xfrm>
+          <a:off x="0" y="0"/>
+          <a:ext cx="0" cy="0"/>
+          <a:chOff x="0" y="0"/>
+          <a:chExt cx="0" cy="0"/>
+        </a:xfrm>
+      </p:grpSpPr>
+      <p:sp>
+        <p:nvSpPr>
+          <p:cNvPr id="2" name="슬라이드 이미지 개체 틀 1"/>
+          <p:cNvSpPr>
+            <a:spLocks noGrp="1" noRot="1" noChangeAspect="1"/>
+          </p:cNvSpPr>
+          <p:nvPr>
+            <p:ph type="sldImg"/>
+          </p:nvPr>
+        </p:nvSpPr>
+        <p:spPr/>
+      </p:sp>
+      <p:sp>
+        <p:nvSpPr>
+          <p:cNvPr id="3" name="슬라이드 노트 개체 틀 2"/>
+          <p:cNvSpPr>
+            <a:spLocks noGrp="1"/>
+          </p:cNvSpPr>
+          <p:nvPr>
+            <p:ph type="body" idx="1"/>
+          </p:nvPr>
+        </p:nvSpPr>
+        <p:spPr/>
+        <p:txBody>
+          <a:bodyPr/>
+          <a:lstStyle/>
+          <a:p>
+            <a:r>
+              <a:rPr lang="en-US" altLang="ko-KR" dirty="0" err="1"/>
+              <a:t>ConsoleAppException</a:t>
+            </a:r>
+            <a:endParaRPr lang="en-US" altLang="ko-KR" dirty="0"/>
+          </a:p>
+          <a:p>
+            <a:endParaRPr lang="en-US" altLang="ko-KR" dirty="0"/>
+          </a:p>
+          <a:p>
+            <a:r>
+              <a:rPr lang="ko-KR" altLang="en-US" dirty="0"/>
+              <a:t>실습 문제 너무 어렵다고 판단</a:t>
+            </a:r>
+            <a:r>
+              <a:rPr lang="en-US" altLang="ko-KR" dirty="0"/>
+              <a:t>!..</a:t>
+            </a:r>
+            <a:endParaRPr lang="ko-KR" altLang="en-US" dirty="0"/>
+          </a:p>
+        </p:txBody>
+      </p:sp>
+      <p:sp>
+        <p:nvSpPr>
+          <p:cNvPr id="4" name="슬라이드 번호 개체 틀 3"/>
+          <p:cNvSpPr>
+            <a:spLocks noGrp="1"/>
+          </p:cNvSpPr>
+          <p:nvPr>
+            <p:ph type="sldNum" sz="quarter" idx="5"/>
+          </p:nvPr>
+        </p:nvSpPr>
+        <p:spPr/>
+        <p:txBody>
+          <a:bodyPr/>
+          <a:lstStyle/>
+          <a:p>
+            <a:fld id="{C09E5BFC-1559-42F1-8940-AB342D56BF02}" type="slidenum">
+              <a:rPr lang="ko-KR" altLang="en-US" smtClean="0"/>
+              <a:t>14</a:t>
+            </a:fld>
+            <a:endParaRPr lang="ko-KR" altLang="en-US"/>
+          </a:p>
+        </p:txBody>
+      </p:sp>
+    </p:spTree>
+    <p:extLst>
+      <p:ext uri="{BB962C8B-B14F-4D97-AF65-F5344CB8AC3E}">
+        <p14:creationId xmlns:p14="http://schemas.microsoft.com/office/powerpoint/2010/main" val="1869088784"/>
+      </p:ext>
+    </p:extLst>
+  </p:cSld>
+  <p:clrMapOvr>
+    <a:masterClrMapping/>
+  </p:clrMapOvr>
+</p:notes>
+</file>
+
+<file path=ppt/notesSlides/notesSlide13.xml><?xml version="1.0" encoding="utf-8"?>
+<p:notes xmlns:a="http://schemas.openxmlformats.org/drawingml/2006/main" xmlns:r="http://schemas.openxmlformats.org/officeDocument/2006/relationships" xmlns:p="http://schemas.openxmlformats.org/presentationml/2006/main">
+  <p:cSld>
+    <p:spTree>
+      <p:nvGrpSpPr>
+        <p:cNvPr id="1" name=""/>
+        <p:cNvGrpSpPr/>
+        <p:nvPr/>
+      </p:nvGrpSpPr>
+      <p:grpSpPr>
+        <a:xfrm>
+          <a:off x="0" y="0"/>
+          <a:ext cx="0" cy="0"/>
+          <a:chOff x="0" y="0"/>
+          <a:chExt cx="0" cy="0"/>
+        </a:xfrm>
+      </p:grpSpPr>
+      <p:sp>
+        <p:nvSpPr>
+          <p:cNvPr id="2" name="슬라이드 이미지 개체 틀 1"/>
+          <p:cNvSpPr>
+            <a:spLocks noGrp="1" noRot="1" noChangeAspect="1"/>
+          </p:cNvSpPr>
+          <p:nvPr>
+            <p:ph type="sldImg"/>
+          </p:nvPr>
+        </p:nvSpPr>
+        <p:spPr/>
+      </p:sp>
+      <p:sp>
+        <p:nvSpPr>
+          <p:cNvPr id="3" name="슬라이드 노트 개체 틀 2"/>
+          <p:cNvSpPr>
+            <a:spLocks noGrp="1"/>
+          </p:cNvSpPr>
+          <p:nvPr>
+            <p:ph type="body" idx="1"/>
+          </p:nvPr>
+        </p:nvSpPr>
+        <p:spPr/>
+        <p:txBody>
+          <a:bodyPr/>
+          <a:lstStyle/>
+          <a:p>
             <a:endParaRPr lang="ko-KR" altLang="en-US" dirty="0"/>
           </a:p>
         </p:txBody>
@@ -971,7 +1483,7 @@
 </p:notes>
 </file>
 
-<file path=ppt/notesSlides/notesSlide12.xml><?xml version="1.0" encoding="utf-8"?>
+<file path=ppt/notesSlides/notesSlide14.xml><?xml version="1.0" encoding="utf-8"?>
 <p:notes xmlns:a="http://schemas.openxmlformats.org/drawingml/2006/main" xmlns:r="http://schemas.openxmlformats.org/officeDocument/2006/relationships" xmlns:p="http://schemas.openxmlformats.org/presentationml/2006/main">
   <p:cSld>
     <p:spTree>
@@ -1308,6 +1820,57 @@
           <a:bodyPr/>
           <a:lstStyle/>
           <a:p>
+            <a:r>
+              <a:rPr lang="ko-KR" altLang="en-US" dirty="0"/>
+              <a:t>하지만 값 타입이 클 경우</a:t>
+            </a:r>
+            <a:r>
+              <a:rPr lang="en-US" altLang="ko-KR" dirty="0"/>
+              <a:t>(</a:t>
+            </a:r>
+            <a:r>
+              <a:rPr lang="ko-KR" altLang="en-US" dirty="0"/>
+              <a:t>예</a:t>
+            </a:r>
+            <a:r>
+              <a:rPr lang="en-US" altLang="ko-KR" dirty="0"/>
+              <a:t>: struct </a:t>
+            </a:r>
+            <a:r>
+              <a:rPr lang="ko-KR" altLang="en-US" dirty="0"/>
+              <a:t>구조체가 크면</a:t>
+            </a:r>
+            <a:r>
+              <a:rPr lang="en-US" altLang="ko-KR" dirty="0"/>
+              <a:t>), </a:t>
+            </a:r>
+            <a:r>
+              <a:rPr lang="ko-KR" altLang="en-US" dirty="0"/>
+              <a:t>복사 비용이 크므로</a:t>
+            </a:r>
+            <a:br>
+              <a:rPr lang="ko-KR" altLang="en-US" dirty="0"/>
+            </a:br>
+            <a:r>
+              <a:rPr lang="en-US" altLang="ko-KR" dirty="0"/>
+              <a:t>ref</a:t>
+            </a:r>
+            <a:r>
+              <a:rPr lang="ko-KR" altLang="en-US" dirty="0"/>
+              <a:t>를 사용하면 </a:t>
+            </a:r>
+            <a:r>
+              <a:rPr lang="ko-KR" altLang="en-US" b="1" dirty="0"/>
+              <a:t>불필요한 복사를 피해서 메모리 효율 향상</a:t>
+            </a:r>
+            <a:r>
+              <a:rPr lang="ko-KR" altLang="en-US" dirty="0"/>
+              <a:t>도 가능합니다</a:t>
+            </a:r>
+            <a:r>
+              <a:rPr lang="en-US" altLang="ko-KR" dirty="0"/>
+              <a:t>.</a:t>
+            </a:r>
             <a:endParaRPr lang="ko-KR" altLang="en-US" dirty="0"/>
           </a:p>
         </p:txBody>
@@ -1319,7 +1882,7 @@
             <a:spLocks noGrp="1"/>
           </p:cNvSpPr>
           <p:nvPr>
-            <p:ph type="sldNum" sz="quarter" idx="10"/>
+            <p:ph type="sldNum" sz="quarter" idx="5"/>
           </p:nvPr>
         </p:nvSpPr>
         <p:spPr/>
@@ -1329,7 +1892,7 @@
           <a:p>
             <a:fld id="{C09E5BFC-1559-42F1-8940-AB342D56BF02}" type="slidenum">
               <a:rPr lang="ko-KR" altLang="en-US" smtClean="0"/>
-              <a:t>8</a:t>
+              <a:t>6</a:t>
             </a:fld>
             <a:endParaRPr lang="ko-KR" altLang="en-US"/>
           </a:p>
@@ -1338,7 +1901,7 @@
     </p:spTree>
     <p:extLst>
       <p:ext uri="{BB962C8B-B14F-4D97-AF65-F5344CB8AC3E}">
-        <p14:creationId xmlns:p14="http://schemas.microsoft.com/office/powerpoint/2010/main" val="174242628"/>
+        <p14:creationId xmlns:p14="http://schemas.microsoft.com/office/powerpoint/2010/main" val="2085415527"/>
       </p:ext>
     </p:extLst>
   </p:cSld>
@@ -1392,9 +1955,6 @@
           <a:bodyPr/>
           <a:lstStyle/>
           <a:p>
-            <a:endParaRPr lang="en-US" altLang="ko-KR" dirty="0"/>
-          </a:p>
-          <a:p>
             <a:endParaRPr lang="ko-KR" altLang="en-US" dirty="0"/>
           </a:p>
         </p:txBody>
@@ -1416,7 +1976,7 @@
           <a:p>
             <a:fld id="{C09E5BFC-1559-42F1-8940-AB342D56BF02}" type="slidenum">
               <a:rPr lang="ko-KR" altLang="en-US" smtClean="0"/>
-              <a:t>9</a:t>
+              <a:t>7</a:t>
             </a:fld>
             <a:endParaRPr lang="ko-KR" altLang="en-US"/>
           </a:p>
@@ -1425,7 +1985,7 @@
     </p:spTree>
     <p:extLst>
       <p:ext uri="{BB962C8B-B14F-4D97-AF65-F5344CB8AC3E}">
-        <p14:creationId xmlns:p14="http://schemas.microsoft.com/office/powerpoint/2010/main" val="2545420455"/>
+        <p14:creationId xmlns:p14="http://schemas.microsoft.com/office/powerpoint/2010/main" val="156864878"/>
       </p:ext>
     </p:extLst>
   </p:cSld>
@@ -1500,7 +2060,7 @@
           <a:p>
             <a:fld id="{C09E5BFC-1559-42F1-8940-AB342D56BF02}" type="slidenum">
               <a:rPr lang="ko-KR" altLang="en-US" smtClean="0"/>
-              <a:t>10</a:t>
+              <a:t>8</a:t>
             </a:fld>
             <a:endParaRPr lang="ko-KR" altLang="en-US"/>
           </a:p>
@@ -1509,7 +2069,7 @@
     </p:spTree>
     <p:extLst>
       <p:ext uri="{BB962C8B-B14F-4D97-AF65-F5344CB8AC3E}">
-        <p14:creationId xmlns:p14="http://schemas.microsoft.com/office/powerpoint/2010/main" val="281067693"/>
+        <p14:creationId xmlns:p14="http://schemas.microsoft.com/office/powerpoint/2010/main" val="174242628"/>
       </p:ext>
     </p:extLst>
   </p:cSld>
@@ -1563,358 +2123,7 @@
           <a:bodyPr/>
           <a:lstStyle/>
           <a:p>
-            <a:r>
-              <a:rPr lang="ko-KR" altLang="en-US" dirty="0" smtClean="0"/>
-              <a:t>기본 구조</a:t>
-            </a:r>
-            <a:endParaRPr lang="en-US" altLang="ko-KR" dirty="0" smtClean="0"/>
-          </a:p>
-          <a:p>
-            <a:r>
-              <a:rPr lang="ko-KR" altLang="en-US" b="1" dirty="0" smtClean="0"/>
-              <a:t>🔹 </a:t>
-            </a:r>
-            <a:r>
-              <a:rPr lang="en-US" altLang="ko-KR" b="1" dirty="0" smtClean="0"/>
-              <a:t>1. try </a:t>
-            </a:r>
-            <a:r>
-              <a:rPr lang="ko-KR" altLang="en-US" b="1" dirty="0" smtClean="0"/>
-              <a:t>블록</a:t>
-            </a:r>
-          </a:p>
-          <a:p>
-            <a:r>
-              <a:rPr lang="ko-KR" altLang="en-US" dirty="0" smtClean="0"/>
-              <a:t>예외가 발생할 </a:t>
-            </a:r>
-            <a:r>
-              <a:rPr lang="ko-KR" altLang="en-US" b="1" dirty="0" smtClean="0"/>
-              <a:t>가능성이 있는</a:t>
-            </a:r>
-            <a:r>
-              <a:rPr lang="ko-KR" altLang="en-US" dirty="0" smtClean="0"/>
-              <a:t> 코드를 넣습니다</a:t>
-            </a:r>
-            <a:r>
-              <a:rPr lang="en-US" altLang="ko-KR" dirty="0" smtClean="0"/>
-              <a:t>.</a:t>
-            </a:r>
-          </a:p>
-          <a:p>
-            <a:r>
-              <a:rPr lang="ko-KR" altLang="en-US" dirty="0" smtClean="0"/>
-              <a:t>문제없이 실행되면 </a:t>
-            </a:r>
-            <a:r>
-              <a:rPr lang="en-US" altLang="ko-KR" dirty="0" smtClean="0"/>
-              <a:t>catch</a:t>
-            </a:r>
-            <a:r>
-              <a:rPr lang="ko-KR" altLang="en-US" dirty="0" smtClean="0"/>
-              <a:t>나 </a:t>
-            </a:r>
-            <a:r>
-              <a:rPr lang="en-US" altLang="ko-KR" dirty="0" smtClean="0"/>
-              <a:t>finally</a:t>
-            </a:r>
-            <a:r>
-              <a:rPr lang="ko-KR" altLang="en-US" dirty="0" smtClean="0"/>
-              <a:t>로 가지 않고 종료됩니다</a:t>
-            </a:r>
-            <a:r>
-              <a:rPr lang="en-US" altLang="ko-KR" dirty="0" smtClean="0"/>
-              <a:t>.</a:t>
-            </a:r>
-          </a:p>
-          <a:p>
-            <a:r>
-              <a:rPr lang="ko-KR" altLang="en-US" b="1" dirty="0" smtClean="0"/>
-              <a:t>예외가 발생하면 </a:t>
-            </a:r>
-            <a:r>
-              <a:rPr lang="en-US" altLang="ko-KR" b="1" dirty="0" smtClean="0"/>
-              <a:t>catch</a:t>
-            </a:r>
-            <a:r>
-              <a:rPr lang="ko-KR" altLang="en-US" b="1" dirty="0" smtClean="0"/>
-              <a:t>로 넘어갑니다</a:t>
-            </a:r>
-            <a:r>
-              <a:rPr lang="en-US" altLang="ko-KR" b="1" dirty="0" smtClean="0"/>
-              <a:t>.</a:t>
-            </a:r>
-          </a:p>
-          <a:p>
-            <a:endParaRPr lang="en-US" altLang="ko-KR" b="1" dirty="0" smtClean="0"/>
-          </a:p>
-          <a:p>
-            <a:r>
-              <a:rPr lang="en-US" altLang="ko-KR" dirty="0" smtClean="0"/>
-              <a:t>throw</a:t>
-            </a:r>
-            <a:r>
-              <a:rPr lang="ko-KR" altLang="en-US" dirty="0" smtClean="0"/>
-              <a:t>는 예외를 </a:t>
-            </a:r>
-            <a:r>
-              <a:rPr lang="ko-KR" altLang="en-US" b="1" dirty="0" smtClean="0"/>
-              <a:t>직접 발생시킬 때</a:t>
-            </a:r>
-            <a:r>
-              <a:rPr lang="ko-KR" altLang="en-US" dirty="0" smtClean="0"/>
-              <a:t> 사용하는 키워드</a:t>
-            </a:r>
-            <a:endParaRPr lang="en-US" altLang="ko-KR" dirty="0" smtClean="0"/>
-          </a:p>
-          <a:p>
-            <a:r>
-              <a:rPr lang="en-US" altLang="ko-KR" dirty="0" smtClean="0"/>
-              <a:t>throw</a:t>
-            </a:r>
-            <a:r>
-              <a:rPr lang="ko-KR" altLang="en-US" dirty="0" smtClean="0"/>
-              <a:t>는 </a:t>
-            </a:r>
-            <a:r>
-              <a:rPr lang="en-US" altLang="ko-KR" dirty="0" smtClean="0"/>
-              <a:t>catch </a:t>
-            </a:r>
-            <a:r>
-              <a:rPr lang="ko-KR" altLang="en-US" dirty="0" smtClean="0"/>
-              <a:t>없이도 예외를 발생시키는 것이며</a:t>
-            </a:r>
-            <a:r>
-              <a:rPr lang="en-US" altLang="ko-KR" dirty="0" smtClean="0"/>
-              <a:t>,</a:t>
-            </a:r>
-            <a:br>
-              <a:rPr lang="en-US" altLang="ko-KR" dirty="0" smtClean="0"/>
-            </a:br>
-            <a:r>
-              <a:rPr lang="ko-KR" altLang="en-US" dirty="0" smtClean="0"/>
-              <a:t>이후에 </a:t>
-            </a:r>
-            <a:r>
-              <a:rPr lang="en-US" altLang="ko-KR" dirty="0" smtClean="0"/>
-              <a:t>catch </a:t>
-            </a:r>
-            <a:r>
-              <a:rPr lang="ko-KR" altLang="en-US" dirty="0" smtClean="0"/>
-              <a:t>블록이 있으면 예외를 처리하고</a:t>
-            </a:r>
-            <a:r>
-              <a:rPr lang="en-US" altLang="ko-KR" dirty="0" smtClean="0"/>
-              <a:t>, </a:t>
-            </a:r>
-            <a:r>
-              <a:rPr lang="ko-KR" altLang="en-US" dirty="0" smtClean="0"/>
-              <a:t>없으면 프로그램이 종료됩니다</a:t>
-            </a:r>
-            <a:r>
-              <a:rPr lang="en-US" altLang="ko-KR" dirty="0" smtClean="0"/>
-              <a:t>.</a:t>
-            </a:r>
-            <a:endParaRPr lang="en-US" altLang="ko-KR" b="1" dirty="0" smtClean="0"/>
-          </a:p>
-          <a:p>
-            <a:endParaRPr lang="ko-KR" altLang="en-US" dirty="0" smtClean="0"/>
-          </a:p>
-          <a:p>
-            <a:r>
-              <a:rPr lang="ko-KR" altLang="en-US" b="1" dirty="0" smtClean="0"/>
-              <a:t>🔹 </a:t>
-            </a:r>
-            <a:r>
-              <a:rPr lang="en-US" altLang="ko-KR" b="1" dirty="0" smtClean="0"/>
-              <a:t>2. catch </a:t>
-            </a:r>
-            <a:r>
-              <a:rPr lang="ko-KR" altLang="en-US" b="1" dirty="0" smtClean="0"/>
-              <a:t>블록</a:t>
-            </a:r>
-          </a:p>
-          <a:p>
-            <a:r>
-              <a:rPr lang="en-US" altLang="ko-KR" dirty="0" smtClean="0"/>
-              <a:t>try</a:t>
-            </a:r>
-            <a:r>
-              <a:rPr lang="ko-KR" altLang="en-US" dirty="0" smtClean="0"/>
-              <a:t>에서 예외가 발생했을 때 </a:t>
-            </a:r>
-            <a:r>
-              <a:rPr lang="ko-KR" altLang="en-US" b="1" dirty="0" smtClean="0"/>
-              <a:t>해당 예외를 잡아서 처리</a:t>
-            </a:r>
-            <a:r>
-              <a:rPr lang="ko-KR" altLang="en-US" dirty="0" smtClean="0"/>
-              <a:t>합니다</a:t>
-            </a:r>
-            <a:r>
-              <a:rPr lang="en-US" altLang="ko-KR" dirty="0" smtClean="0"/>
-              <a:t>.</a:t>
-            </a:r>
-          </a:p>
-          <a:p>
-            <a:r>
-              <a:rPr lang="ko-KR" altLang="en-US" dirty="0" smtClean="0"/>
-              <a:t>예외 정보를 받기 위해 </a:t>
-            </a:r>
-            <a:r>
-              <a:rPr lang="en-US" altLang="ko-KR" dirty="0" smtClean="0"/>
-              <a:t>catch(Exception e)</a:t>
-            </a:r>
-            <a:r>
-              <a:rPr lang="ko-KR" altLang="en-US" dirty="0" smtClean="0"/>
-              <a:t>처럼 매개변수를 줄 수 있습니다</a:t>
-            </a:r>
-            <a:r>
-              <a:rPr lang="en-US" altLang="ko-KR" dirty="0" smtClean="0"/>
-              <a:t>.</a:t>
-            </a:r>
-          </a:p>
-          <a:p>
-            <a:r>
-              <a:rPr lang="ko-KR" altLang="en-US" dirty="0" smtClean="0"/>
-              <a:t>다양한 예외 </a:t>
-            </a:r>
-            <a:r>
-              <a:rPr lang="ko-KR" altLang="en-US" dirty="0" err="1" smtClean="0"/>
-              <a:t>타입별로</a:t>
-            </a:r>
-            <a:r>
-              <a:rPr lang="ko-KR" altLang="en-US" dirty="0" smtClean="0"/>
-              <a:t> </a:t>
-            </a:r>
-            <a:r>
-              <a:rPr lang="en-US" altLang="ko-KR" dirty="0" smtClean="0"/>
-              <a:t>catch</a:t>
-            </a:r>
-            <a:r>
-              <a:rPr lang="ko-KR" altLang="en-US" dirty="0" smtClean="0"/>
-              <a:t>를 여러 개 작성할 수도 있습니다</a:t>
-            </a:r>
-            <a:r>
-              <a:rPr lang="en-US" altLang="ko-KR" dirty="0" smtClean="0"/>
-              <a:t>.</a:t>
-            </a:r>
-          </a:p>
-          <a:p>
-            <a:r>
-              <a:rPr lang="ko-KR" altLang="en-US" dirty="0" smtClean="0"/>
-              <a:t>모든 예외는 </a:t>
-            </a:r>
-            <a:r>
-              <a:rPr lang="en-US" altLang="ko-KR" dirty="0" err="1" smtClean="0"/>
-              <a:t>System.Exception</a:t>
-            </a:r>
-            <a:r>
-              <a:rPr lang="en-US" altLang="ko-KR" dirty="0" smtClean="0"/>
-              <a:t> </a:t>
-            </a:r>
-            <a:r>
-              <a:rPr lang="ko-KR" altLang="en-US" dirty="0" smtClean="0"/>
-              <a:t>클래스를 </a:t>
-            </a:r>
-            <a:r>
-              <a:rPr lang="ko-KR" altLang="en-US" b="1" dirty="0" smtClean="0"/>
-              <a:t>상속</a:t>
-            </a:r>
-            <a:r>
-              <a:rPr lang="ko-KR" altLang="en-US" dirty="0" smtClean="0"/>
-              <a:t>받은 클래스</a:t>
-            </a:r>
-            <a:endParaRPr lang="en-US" altLang="ko-KR" dirty="0" smtClean="0"/>
-          </a:p>
-          <a:p>
-            <a:r>
-              <a:rPr lang="ko-KR" altLang="en-US" b="1" dirty="0" smtClean="0"/>
-              <a:t>🔹 </a:t>
-            </a:r>
-            <a:r>
-              <a:rPr lang="en-US" altLang="ko-KR" b="1" dirty="0" smtClean="0"/>
-              <a:t>3. finally </a:t>
-            </a:r>
-            <a:r>
-              <a:rPr lang="ko-KR" altLang="en-US" b="1" dirty="0" smtClean="0"/>
-              <a:t>블록 </a:t>
-            </a:r>
-            <a:r>
-              <a:rPr lang="en-US" altLang="ko-KR" b="1" dirty="0" smtClean="0"/>
-              <a:t>(</a:t>
-            </a:r>
-            <a:r>
-              <a:rPr lang="ko-KR" altLang="en-US" b="1" dirty="0" smtClean="0"/>
-              <a:t>선택사항</a:t>
-            </a:r>
-            <a:r>
-              <a:rPr lang="en-US" altLang="ko-KR" b="1" dirty="0" smtClean="0"/>
-              <a:t>)</a:t>
-            </a:r>
-          </a:p>
-          <a:p>
-            <a:r>
-              <a:rPr lang="ko-KR" altLang="en-US" dirty="0" smtClean="0"/>
-              <a:t>예외 발생 여부와 </a:t>
-            </a:r>
-            <a:r>
-              <a:rPr lang="ko-KR" altLang="en-US" b="1" dirty="0" smtClean="0"/>
-              <a:t>상관없이 항상 실행</a:t>
-            </a:r>
-            <a:r>
-              <a:rPr lang="ko-KR" altLang="en-US" dirty="0" smtClean="0"/>
-              <a:t>되는 블록입니다</a:t>
-            </a:r>
-            <a:r>
-              <a:rPr lang="en-US" altLang="ko-KR" dirty="0" smtClean="0"/>
-              <a:t>.</a:t>
-            </a:r>
-          </a:p>
-          <a:p>
-            <a:r>
-              <a:rPr lang="ko-KR" altLang="en-US" dirty="0" smtClean="0"/>
-              <a:t>주로 </a:t>
-            </a:r>
-            <a:r>
-              <a:rPr lang="ko-KR" altLang="en-US" b="1" dirty="0" smtClean="0"/>
-              <a:t>정리 작업</a:t>
-            </a:r>
-            <a:r>
-              <a:rPr lang="en-US" altLang="ko-KR" dirty="0" smtClean="0"/>
-              <a:t>, </a:t>
-            </a:r>
-            <a:r>
-              <a:rPr lang="ko-KR" altLang="en-US" dirty="0" smtClean="0"/>
-              <a:t>리소스 해제 등에 사용됩니다</a:t>
-            </a:r>
-            <a:r>
-              <a:rPr lang="en-US" altLang="ko-KR" dirty="0" smtClean="0"/>
-              <a:t>.</a:t>
-            </a:r>
-            <a:br>
-              <a:rPr lang="en-US" altLang="ko-KR" dirty="0" smtClean="0"/>
-            </a:br>
-            <a:r>
-              <a:rPr lang="ko-KR" altLang="en-US" dirty="0" smtClean="0"/>
-              <a:t>예</a:t>
-            </a:r>
-            <a:r>
-              <a:rPr lang="en-US" altLang="ko-KR" dirty="0" smtClean="0"/>
-              <a:t>: </a:t>
-            </a:r>
-            <a:r>
-              <a:rPr lang="ko-KR" altLang="en-US" dirty="0" smtClean="0"/>
-              <a:t>파일 닫기</a:t>
-            </a:r>
-            <a:r>
-              <a:rPr lang="en-US" altLang="ko-KR" dirty="0" smtClean="0"/>
-              <a:t>, DB </a:t>
-            </a:r>
-            <a:r>
-              <a:rPr lang="ko-KR" altLang="en-US" dirty="0" smtClean="0"/>
-              <a:t>연결 해제 등</a:t>
-            </a:r>
+            <a:endParaRPr lang="en-US" altLang="ko-KR" dirty="0"/>
           </a:p>
           <a:p>
             <a:endParaRPr lang="ko-KR" altLang="en-US" dirty="0"/>
@@ -1928,7 +2137,7 @@
             <a:spLocks noGrp="1"/>
           </p:cNvSpPr>
           <p:nvPr>
-            <p:ph type="sldNum" sz="quarter" idx="10"/>
+            <p:ph type="sldNum" sz="quarter" idx="5"/>
           </p:nvPr>
         </p:nvSpPr>
         <p:spPr/>
@@ -1938,7 +2147,7 @@
           <a:p>
             <a:fld id="{C09E5BFC-1559-42F1-8940-AB342D56BF02}" type="slidenum">
               <a:rPr lang="ko-KR" altLang="en-US" smtClean="0"/>
-              <a:t>11</a:t>
+              <a:t>9</a:t>
             </a:fld>
             <a:endParaRPr lang="ko-KR" altLang="en-US"/>
           </a:p>
@@ -1947,7 +2156,7 @@
     </p:spTree>
     <p:extLst>
       <p:ext uri="{BB962C8B-B14F-4D97-AF65-F5344CB8AC3E}">
-        <p14:creationId xmlns:p14="http://schemas.microsoft.com/office/powerpoint/2010/main" val="21564833"/>
+        <p14:creationId xmlns:p14="http://schemas.microsoft.com/office/powerpoint/2010/main" val="2545420455"/>
       </p:ext>
     </p:extLst>
   </p:cSld>
@@ -2001,193 +2210,6 @@
           <a:bodyPr/>
           <a:lstStyle/>
           <a:p>
-            <a:r>
-              <a:rPr lang="ko-KR" altLang="en-US" dirty="0" smtClean="0"/>
-              <a:t>왼쪽은 “오류만 막는 기본형 </a:t>
-            </a:r>
-            <a:r>
-              <a:rPr lang="en-US" altLang="ko-KR" dirty="0" smtClean="0"/>
-              <a:t>catch”,</a:t>
-            </a:r>
-            <a:br>
-              <a:rPr lang="en-US" altLang="ko-KR" dirty="0" smtClean="0"/>
-            </a:br>
-            <a:r>
-              <a:rPr lang="ko-KR" altLang="en-US" dirty="0" smtClean="0"/>
-              <a:t>오른쪽은 “오류 메시지까지 보여주는 정석적인 </a:t>
-            </a:r>
-            <a:r>
-              <a:rPr lang="en-US" altLang="ko-KR" dirty="0" smtClean="0"/>
-              <a:t>catch(Exception ex)” </a:t>
-            </a:r>
-            <a:r>
-              <a:rPr lang="ko-KR" altLang="en-US" dirty="0" smtClean="0"/>
-              <a:t>사용 예시입니다</a:t>
-            </a:r>
-            <a:r>
-              <a:rPr lang="en-US" altLang="ko-KR" dirty="0" smtClean="0"/>
-              <a:t>.</a:t>
-            </a:r>
-          </a:p>
-          <a:p>
-            <a:endParaRPr lang="en-US" altLang="ko-KR" dirty="0" smtClean="0"/>
-          </a:p>
-          <a:p>
-            <a:r>
-              <a:rPr lang="ko-KR" altLang="en-US" dirty="0" smtClean="0"/>
-              <a:t>왼쪽</a:t>
-            </a:r>
-            <a:endParaRPr lang="en-US" altLang="ko-KR" dirty="0" smtClean="0"/>
-          </a:p>
-          <a:p>
-            <a:r>
-              <a:rPr lang="en-US" altLang="ko-KR" dirty="0" smtClean="0"/>
-              <a:t>catch</a:t>
-            </a:r>
-            <a:r>
-              <a:rPr lang="ko-KR" altLang="en-US" dirty="0" smtClean="0"/>
-              <a:t>에 예외 타입이 없기 때문에 </a:t>
-            </a:r>
-            <a:r>
-              <a:rPr lang="ko-KR" altLang="en-US" b="1" dirty="0" smtClean="0"/>
-              <a:t>어떤 </a:t>
-            </a:r>
-            <a:r>
-              <a:rPr lang="ko-KR" altLang="en-US" b="1" dirty="0" err="1" smtClean="0"/>
-              <a:t>예외든</a:t>
-            </a:r>
-            <a:r>
-              <a:rPr lang="ko-KR" altLang="en-US" b="1" dirty="0" smtClean="0"/>
-              <a:t> 무조건 이 블록에서 처리</a:t>
-            </a:r>
-            <a:r>
-              <a:rPr lang="ko-KR" altLang="en-US" dirty="0" smtClean="0"/>
-              <a:t>합니다</a:t>
-            </a:r>
-            <a:r>
-              <a:rPr lang="en-US" altLang="ko-KR" dirty="0" smtClean="0"/>
-              <a:t>.</a:t>
-            </a:r>
-          </a:p>
-          <a:p>
-            <a:r>
-              <a:rPr lang="en-US" altLang="ko-KR" dirty="0" smtClean="0"/>
-              <a:t>catch</a:t>
-            </a:r>
-            <a:r>
-              <a:rPr lang="ko-KR" altLang="en-US" dirty="0" smtClean="0"/>
-              <a:t>만 쓰면 다른 </a:t>
-            </a:r>
-            <a:r>
-              <a:rPr lang="en-US" altLang="ko-KR" dirty="0" smtClean="0"/>
-              <a:t>catch </a:t>
-            </a:r>
-            <a:r>
-              <a:rPr lang="ko-KR" altLang="en-US" dirty="0" smtClean="0"/>
-              <a:t>못 씀</a:t>
-            </a:r>
-            <a:endParaRPr lang="en-US" altLang="ko-KR" dirty="0" smtClean="0"/>
-          </a:p>
-          <a:p>
-            <a:r>
-              <a:rPr lang="ko-KR" altLang="en-US" dirty="0" smtClean="0"/>
-              <a:t>단순 처리용</a:t>
-            </a:r>
-            <a:endParaRPr lang="en-US" altLang="ko-KR" dirty="0" smtClean="0"/>
-          </a:p>
-          <a:p>
-            <a:endParaRPr lang="en-US" altLang="ko-KR" dirty="0" smtClean="0"/>
-          </a:p>
-          <a:p>
-            <a:r>
-              <a:rPr lang="ko-KR" altLang="en-US" dirty="0" smtClean="0"/>
-              <a:t>오른쪽</a:t>
-            </a:r>
-            <a:endParaRPr lang="en-US" altLang="ko-KR" dirty="0" smtClean="0"/>
-          </a:p>
-          <a:p>
-            <a:r>
-              <a:rPr lang="en-US" altLang="ko-KR" dirty="0" smtClean="0"/>
-              <a:t>catch (Exception ex)</a:t>
-            </a:r>
-            <a:r>
-              <a:rPr lang="ko-KR" altLang="en-US" dirty="0" smtClean="0"/>
-              <a:t>는 </a:t>
-            </a:r>
-            <a:r>
-              <a:rPr lang="ko-KR" altLang="en-US" b="1" dirty="0" smtClean="0"/>
-              <a:t>예외 정보를 담은 객체 </a:t>
-            </a:r>
-            <a:r>
-              <a:rPr lang="en-US" altLang="ko-KR" b="1" dirty="0" smtClean="0"/>
-              <a:t>ex</a:t>
-            </a:r>
-            <a:r>
-              <a:rPr lang="ko-KR" altLang="en-US" b="1" dirty="0" smtClean="0"/>
-              <a:t>를 사용</a:t>
-            </a:r>
-            <a:r>
-              <a:rPr lang="ko-KR" altLang="en-US" dirty="0" smtClean="0"/>
-              <a:t>할 수 있음</a:t>
-            </a:r>
-          </a:p>
-          <a:p>
-            <a:r>
-              <a:rPr lang="en-US" altLang="ko-KR" dirty="0" err="1" smtClean="0"/>
-              <a:t>ex.Message</a:t>
-            </a:r>
-            <a:r>
-              <a:rPr lang="ko-KR" altLang="en-US" dirty="0" smtClean="0"/>
-              <a:t>를 통해 예외의 정확한 메시지를 사용자에게 보여줄 수 있음</a:t>
-            </a:r>
-            <a:endParaRPr lang="en-US" altLang="ko-KR" dirty="0" smtClean="0"/>
-          </a:p>
-          <a:p>
-            <a:r>
-              <a:rPr lang="en-US" altLang="ko-KR" dirty="0" smtClean="0"/>
-              <a:t>catch (Exception)</a:t>
-            </a:r>
-            <a:r>
-              <a:rPr lang="ko-KR" altLang="en-US" dirty="0" smtClean="0"/>
-              <a:t>과 다른 </a:t>
-            </a:r>
-            <a:r>
-              <a:rPr lang="en-US" altLang="ko-KR" dirty="0" smtClean="0"/>
-              <a:t>catch </a:t>
-            </a:r>
-            <a:r>
-              <a:rPr lang="ko-KR" altLang="en-US" dirty="0" smtClean="0"/>
-              <a:t>조합 가능 </a:t>
-            </a:r>
-            <a:r>
-              <a:rPr lang="en-US" altLang="ko-KR" dirty="0" smtClean="0"/>
-              <a:t>(</a:t>
-            </a:r>
-            <a:r>
-              <a:rPr lang="ko-KR" altLang="en-US" dirty="0" smtClean="0"/>
-              <a:t>단</a:t>
-            </a:r>
-            <a:r>
-              <a:rPr lang="en-US" altLang="ko-KR" dirty="0" smtClean="0"/>
-              <a:t>, </a:t>
-            </a:r>
-            <a:r>
-              <a:rPr lang="ko-KR" altLang="en-US" dirty="0" smtClean="0"/>
-              <a:t>순서 주의</a:t>
-            </a:r>
-            <a:r>
-              <a:rPr lang="en-US" altLang="ko-KR" dirty="0" smtClean="0"/>
-              <a:t>)</a:t>
-            </a:r>
-          </a:p>
-          <a:p>
-            <a:r>
-              <a:rPr lang="ko-KR" altLang="en-US" dirty="0" smtClean="0"/>
-              <a:t>예외 상세 정보 필요 시 사용</a:t>
-            </a:r>
-            <a:endParaRPr lang="ko-KR" altLang="en-US" dirty="0" smtClean="0"/>
-          </a:p>
-          <a:p>
             <a:endParaRPr lang="ko-KR" altLang="en-US" dirty="0"/>
           </a:p>
         </p:txBody>
@@ -2209,7 +2231,7 @@
           <a:p>
             <a:fld id="{C09E5BFC-1559-42F1-8940-AB342D56BF02}" type="slidenum">
               <a:rPr lang="ko-KR" altLang="en-US" smtClean="0"/>
-              <a:t>12</a:t>
+              <a:t>10</a:t>
             </a:fld>
             <a:endParaRPr lang="ko-KR" altLang="en-US"/>
           </a:p>
@@ -2218,7 +2240,7 @@
     </p:spTree>
     <p:extLst>
       <p:ext uri="{BB962C8B-B14F-4D97-AF65-F5344CB8AC3E}">
-        <p14:creationId xmlns:p14="http://schemas.microsoft.com/office/powerpoint/2010/main" val="4095064106"/>
+        <p14:creationId xmlns:p14="http://schemas.microsoft.com/office/powerpoint/2010/main" val="281067693"/>
       </p:ext>
     </p:extLst>
   </p:cSld>
@@ -2273,166 +2295,359 @@
           <a:lstStyle/>
           <a:p>
             <a:r>
-              <a:rPr lang="ko-KR" altLang="en-US" dirty="0" smtClean="0"/>
+              <a:rPr lang="ko-KR" altLang="en-US" dirty="0"/>
+              <a:t>기본 구조</a:t>
+            </a:r>
+            <a:endParaRPr lang="en-US" altLang="ko-KR" dirty="0"/>
+          </a:p>
+          <a:p>
+            <a:r>
+              <a:rPr lang="ko-KR" altLang="en-US" b="1" dirty="0"/>
+              <a:t>🔹 </a:t>
+            </a:r>
+            <a:r>
+              <a:rPr lang="en-US" altLang="ko-KR" b="1" dirty="0"/>
+              <a:t>1. try </a:t>
+            </a:r>
+            <a:r>
+              <a:rPr lang="ko-KR" altLang="en-US" b="1" dirty="0"/>
+              <a:t>블록</a:t>
+            </a:r>
+          </a:p>
+          <a:p>
+            <a:r>
+              <a:rPr lang="ko-KR" altLang="en-US" dirty="0"/>
+              <a:t>예외가 발생할 </a:t>
+            </a:r>
+            <a:r>
+              <a:rPr lang="ko-KR" altLang="en-US" b="1" dirty="0"/>
+              <a:t>가능성이 있는</a:t>
+            </a:r>
+            <a:r>
+              <a:rPr lang="ko-KR" altLang="en-US" dirty="0"/>
+              <a:t> 코드를 넣습니다</a:t>
+            </a:r>
+            <a:r>
+              <a:rPr lang="en-US" altLang="ko-KR" dirty="0"/>
+              <a:t>.</a:t>
+            </a:r>
+          </a:p>
+          <a:p>
+            <a:r>
+              <a:rPr lang="ko-KR" altLang="en-US" dirty="0"/>
+              <a:t>문제없이 실행되면 </a:t>
+            </a:r>
+            <a:r>
+              <a:rPr lang="en-US" altLang="ko-KR" dirty="0"/>
+              <a:t>catch</a:t>
+            </a:r>
+            <a:r>
+              <a:rPr lang="ko-KR" altLang="en-US" dirty="0"/>
+              <a:t>나 </a:t>
+            </a:r>
+            <a:r>
+              <a:rPr lang="en-US" altLang="ko-KR" dirty="0"/>
+              <a:t>finally</a:t>
+            </a:r>
+            <a:r>
+              <a:rPr lang="ko-KR" altLang="en-US" dirty="0"/>
+              <a:t>로 가지 않고 종료됩니다</a:t>
+            </a:r>
+            <a:r>
+              <a:rPr lang="en-US" altLang="ko-KR" dirty="0"/>
+              <a:t>.</a:t>
+            </a:r>
+          </a:p>
+          <a:p>
+            <a:r>
+              <a:rPr lang="ko-KR" altLang="en-US" b="1" dirty="0"/>
+              <a:t>예외가 발생하면 </a:t>
+            </a:r>
+            <a:r>
+              <a:rPr lang="en-US" altLang="ko-KR" b="1" dirty="0"/>
+              <a:t>catch</a:t>
+            </a:r>
+            <a:r>
+              <a:rPr lang="ko-KR" altLang="en-US" b="1" dirty="0"/>
+              <a:t>로 넘어갑니다</a:t>
+            </a:r>
+            <a:r>
+              <a:rPr lang="en-US" altLang="ko-KR" b="1" dirty="0"/>
+              <a:t>.</a:t>
+            </a:r>
+          </a:p>
+          <a:p>
+            <a:endParaRPr lang="en-US" altLang="ko-KR" b="1" dirty="0"/>
+          </a:p>
+          <a:p>
+            <a:r>
+              <a:rPr lang="en-US" altLang="ko-KR" dirty="0"/>
+              <a:t>throw</a:t>
+            </a:r>
+            <a:r>
+              <a:rPr lang="ko-KR" altLang="en-US" dirty="0"/>
+              <a:t>는 예외를 </a:t>
+            </a:r>
+            <a:r>
+              <a:rPr lang="ko-KR" altLang="en-US" b="1" dirty="0"/>
+              <a:t>직접 발생시킬 때</a:t>
+            </a:r>
+            <a:r>
+              <a:rPr lang="ko-KR" altLang="en-US" dirty="0"/>
+              <a:t> 사용하는 키워드</a:t>
+            </a:r>
+            <a:endParaRPr lang="en-US" altLang="ko-KR" dirty="0"/>
+          </a:p>
+          <a:p>
+            <a:r>
+              <a:rPr lang="en-US" altLang="ko-KR" dirty="0"/>
+              <a:t>throw</a:t>
+            </a:r>
+            <a:r>
+              <a:rPr lang="ko-KR" altLang="en-US" dirty="0"/>
+              <a:t>는 </a:t>
+            </a:r>
+            <a:r>
+              <a:rPr lang="en-US" altLang="ko-KR" dirty="0"/>
+              <a:t>catch </a:t>
+            </a:r>
+            <a:r>
+              <a:rPr lang="ko-KR" altLang="en-US" dirty="0"/>
+              <a:t>없이도 예외를 발생시키는 것이며</a:t>
+            </a:r>
+            <a:r>
+              <a:rPr lang="en-US" altLang="ko-KR" dirty="0"/>
+              <a:t>,</a:t>
+            </a:r>
+            <a:br>
+              <a:rPr lang="en-US" altLang="ko-KR" dirty="0"/>
+            </a:br>
+            <a:r>
+              <a:rPr lang="ko-KR" altLang="en-US" dirty="0"/>
+              <a:t>이후에 </a:t>
+            </a:r>
+            <a:r>
+              <a:rPr lang="en-US" altLang="ko-KR" dirty="0"/>
+              <a:t>catch </a:t>
+            </a:r>
+            <a:r>
+              <a:rPr lang="ko-KR" altLang="en-US" dirty="0"/>
+              <a:t>블록이 있으면 예외를 처리하고</a:t>
+            </a:r>
+            <a:r>
+              <a:rPr lang="en-US" altLang="ko-KR" dirty="0"/>
+              <a:t>, </a:t>
+            </a:r>
+            <a:r>
+              <a:rPr lang="ko-KR" altLang="en-US" dirty="0"/>
+              <a:t>없으면 프로그램이 종료됩니다</a:t>
+            </a:r>
+            <a:r>
+              <a:rPr lang="en-US" altLang="ko-KR" dirty="0"/>
+              <a:t>.</a:t>
+            </a:r>
+            <a:endParaRPr lang="en-US" altLang="ko-KR" b="1" dirty="0"/>
+          </a:p>
+          <a:p>
+            <a:endParaRPr lang="ko-KR" altLang="en-US" dirty="0"/>
+          </a:p>
+          <a:p>
+            <a:r>
+              <a:rPr lang="ko-KR" altLang="en-US" b="1" dirty="0"/>
+              <a:t>🔹 </a:t>
+            </a:r>
+            <a:r>
+              <a:rPr lang="en-US" altLang="ko-KR" b="1" dirty="0"/>
+              <a:t>2. catch </a:t>
+            </a:r>
+            <a:r>
+              <a:rPr lang="ko-KR" altLang="en-US" b="1" dirty="0"/>
+              <a:t>블록</a:t>
+            </a:r>
+          </a:p>
+          <a:p>
+            <a:r>
+              <a:rPr lang="en-US" altLang="ko-KR" dirty="0"/>
+              <a:t>try</a:t>
+            </a:r>
+            <a:r>
+              <a:rPr lang="ko-KR" altLang="en-US" dirty="0"/>
+              <a:t>에서 예외가 발생했을 때 </a:t>
+            </a:r>
+            <a:r>
+              <a:rPr lang="ko-KR" altLang="en-US" b="1" dirty="0"/>
+              <a:t>해당 예외를 잡아서 처리</a:t>
+            </a:r>
+            <a:r>
+              <a:rPr lang="ko-KR" altLang="en-US" dirty="0"/>
+              <a:t>합니다</a:t>
+            </a:r>
+            <a:r>
+              <a:rPr lang="en-US" altLang="ko-KR" dirty="0"/>
+              <a:t>.</a:t>
+            </a:r>
+          </a:p>
+          <a:p>
+            <a:r>
+              <a:rPr lang="ko-KR" altLang="en-US" dirty="0"/>
+              <a:t>예외 정보를 받기 위해 </a:t>
+            </a:r>
+            <a:r>
+              <a:rPr lang="en-US" altLang="ko-KR" dirty="0"/>
+              <a:t>catch(Exception e)</a:t>
+            </a:r>
+            <a:r>
+              <a:rPr lang="ko-KR" altLang="en-US" dirty="0"/>
+              <a:t>처럼 매개변수를 줄 수 있습니다</a:t>
+            </a:r>
+            <a:r>
+              <a:rPr lang="en-US" altLang="ko-KR" dirty="0"/>
+              <a:t>.</a:t>
+            </a:r>
+          </a:p>
+          <a:p>
+            <a:r>
+              <a:rPr lang="ko-KR" altLang="en-US" dirty="0"/>
+              <a:t>다양한 예외 </a:t>
+            </a:r>
+            <a:r>
+              <a:rPr lang="ko-KR" altLang="en-US" dirty="0" err="1"/>
+              <a:t>타입별로</a:t>
+            </a:r>
+            <a:r>
+              <a:rPr lang="ko-KR" altLang="en-US" dirty="0"/>
+              <a:t> </a:t>
+            </a:r>
+            <a:r>
+              <a:rPr lang="en-US" altLang="ko-KR" dirty="0"/>
+              <a:t>catch</a:t>
+            </a:r>
+            <a:r>
+              <a:rPr lang="ko-KR" altLang="en-US" dirty="0"/>
+              <a:t>를 여러 개 작성할 수도 있습니다</a:t>
+            </a:r>
+            <a:r>
+              <a:rPr lang="en-US" altLang="ko-KR" dirty="0"/>
+              <a:t>.</a:t>
+            </a:r>
+          </a:p>
+          <a:p>
+            <a:r>
+              <a:rPr lang="ko-KR" altLang="en-US" dirty="0"/>
               <a:t>모든 예외는 </a:t>
             </a:r>
             <a:r>
-              <a:rPr lang="en-US" altLang="ko-KR" dirty="0" err="1" smtClean="0"/>
+              <a:rPr lang="en-US" altLang="ko-KR" dirty="0" err="1"/>
               <a:t>System.Exception</a:t>
             </a:r>
             <a:r>
-              <a:rPr lang="en-US" altLang="ko-KR" dirty="0" smtClean="0"/>
+              <a:rPr lang="en-US" altLang="ko-KR" dirty="0"/>
               <a:t> </a:t>
             </a:r>
             <a:r>
-              <a:rPr lang="ko-KR" altLang="en-US" dirty="0" smtClean="0"/>
+              <a:rPr lang="ko-KR" altLang="en-US" dirty="0"/>
               <a:t>클래스를 </a:t>
             </a:r>
             <a:r>
-              <a:rPr lang="ko-KR" altLang="en-US" b="1" dirty="0" smtClean="0"/>
+              <a:rPr lang="ko-KR" altLang="en-US" b="1" dirty="0"/>
               <a:t>상속</a:t>
             </a:r>
             <a:r>
-              <a:rPr lang="ko-KR" altLang="en-US" dirty="0" smtClean="0"/>
-              <a:t>받은 클래스입니다</a:t>
-            </a:r>
-            <a:r>
-              <a:rPr lang="en-US" altLang="ko-KR" dirty="0" smtClean="0"/>
+              <a:rPr lang="ko-KR" altLang="en-US" dirty="0"/>
+              <a:t>받은 클래스</a:t>
+            </a:r>
+            <a:endParaRPr lang="en-US" altLang="ko-KR" dirty="0"/>
+          </a:p>
+          <a:p>
+            <a:r>
+              <a:rPr lang="ko-KR" altLang="en-US" b="1" dirty="0"/>
+              <a:t>🔹 </a:t>
+            </a:r>
+            <a:r>
+              <a:rPr lang="en-US" altLang="ko-KR" b="1" dirty="0"/>
+              <a:t>3. finally </a:t>
+            </a:r>
+            <a:r>
+              <a:rPr lang="ko-KR" altLang="en-US" b="1" dirty="0"/>
+              <a:t>블록 </a:t>
+            </a:r>
+            <a:r>
+              <a:rPr lang="en-US" altLang="ko-KR" b="1" dirty="0"/>
+              <a:t>(</a:t>
+            </a:r>
+            <a:r>
+              <a:rPr lang="ko-KR" altLang="en-US" b="1" dirty="0"/>
+              <a:t>선택사항</a:t>
+            </a:r>
+            <a:r>
+              <a:rPr lang="en-US" altLang="ko-KR" b="1" dirty="0"/>
+              <a:t>)</a:t>
+            </a:r>
+          </a:p>
+          <a:p>
+            <a:r>
+              <a:rPr lang="ko-KR" altLang="en-US" dirty="0"/>
+              <a:t>예외 발생 여부와 </a:t>
+            </a:r>
+            <a:r>
+              <a:rPr lang="ko-KR" altLang="en-US" b="1" dirty="0"/>
+              <a:t>상관없이 항상 실행</a:t>
+            </a:r>
+            <a:r>
+              <a:rPr lang="ko-KR" altLang="en-US" dirty="0"/>
+              <a:t>되는 블록입니다</a:t>
+            </a:r>
+            <a:r>
+              <a:rPr lang="en-US" altLang="ko-KR" dirty="0"/>
               <a:t>.</a:t>
             </a:r>
           </a:p>
           <a:p>
             <a:r>
-              <a:rPr lang="ko-KR" altLang="en-US" dirty="0" smtClean="0"/>
-              <a:t>자주 사용되는 예외 클래스</a:t>
-            </a:r>
-            <a:r>
-              <a:rPr lang="en-US" altLang="ko-KR" dirty="0" smtClean="0"/>
-              <a:t>:</a:t>
-            </a:r>
-          </a:p>
-          <a:p>
-            <a:r>
-              <a:rPr lang="en-US" altLang="ko-KR" dirty="0" err="1" smtClean="0"/>
-              <a:t>DivideByZeroException</a:t>
-            </a:r>
-            <a:r>
-              <a:rPr lang="en-US" altLang="ko-KR" dirty="0" smtClean="0"/>
-              <a:t> : 0</a:t>
-            </a:r>
-            <a:r>
-              <a:rPr lang="ko-KR" altLang="en-US" dirty="0" smtClean="0"/>
-              <a:t>으로 나누었을 때</a:t>
-            </a:r>
-          </a:p>
-          <a:p>
-            <a:r>
-              <a:rPr lang="en-US" altLang="ko-KR" dirty="0" err="1" smtClean="0"/>
-              <a:t>FormatException</a:t>
-            </a:r>
-            <a:r>
-              <a:rPr lang="en-US" altLang="ko-KR" dirty="0" smtClean="0"/>
-              <a:t> : </a:t>
-            </a:r>
-            <a:r>
-              <a:rPr lang="ko-KR" altLang="en-US" dirty="0" smtClean="0"/>
-              <a:t>잘못된 형식의 입력</a:t>
-            </a:r>
-          </a:p>
-          <a:p>
-            <a:r>
-              <a:rPr lang="en-US" altLang="ko-KR" dirty="0" err="1" smtClean="0"/>
-              <a:t>NullReferenceException</a:t>
-            </a:r>
-            <a:r>
-              <a:rPr lang="en-US" altLang="ko-KR" dirty="0" smtClean="0"/>
-              <a:t> : null </a:t>
-            </a:r>
-            <a:r>
-              <a:rPr lang="ko-KR" altLang="en-US" dirty="0" smtClean="0"/>
-              <a:t>객체에 접근했을 때</a:t>
-            </a:r>
-          </a:p>
-          <a:p>
-            <a:endParaRPr lang="en-US" altLang="ko-KR" dirty="0" smtClean="0"/>
-          </a:p>
-          <a:p>
-            <a:r>
-              <a:rPr lang="ko-KR" altLang="en-US" dirty="0" smtClean="0"/>
-              <a:t>대표적인 </a:t>
-            </a:r>
-            <a:r>
-              <a:rPr lang="en-US" altLang="ko-KR" dirty="0" smtClean="0"/>
-              <a:t>"</a:t>
-            </a:r>
-            <a:r>
-              <a:rPr lang="ko-KR" altLang="en-US" dirty="0" smtClean="0"/>
-              <a:t>거의 쓰이지 않거나 </a:t>
-            </a:r>
-            <a:r>
-              <a:rPr lang="ko-KR" altLang="en-US" dirty="0" err="1" smtClean="0"/>
-              <a:t>비권장</a:t>
-            </a:r>
-            <a:r>
-              <a:rPr lang="en-US" altLang="ko-KR" dirty="0" smtClean="0"/>
-              <a:t>" </a:t>
-            </a:r>
-            <a:r>
-              <a:rPr lang="ko-KR" altLang="en-US" dirty="0" smtClean="0"/>
-              <a:t>예외들 </a:t>
-            </a:r>
-            <a:r>
-              <a:rPr lang="en-US" altLang="ko-KR" dirty="0" smtClean="0"/>
-              <a:t>(.NET 4.5 </a:t>
-            </a:r>
-            <a:r>
-              <a:rPr lang="ko-KR" altLang="en-US" dirty="0" smtClean="0"/>
-              <a:t>이후</a:t>
-            </a:r>
-            <a:r>
-              <a:rPr lang="en-US" altLang="ko-KR" dirty="0" smtClean="0"/>
-              <a:t>)</a:t>
-            </a:r>
-          </a:p>
-          <a:p>
-            <a:r>
-              <a:rPr lang="en-US" altLang="ko-KR" dirty="0" err="1" smtClean="0"/>
-              <a:t>SystemException</a:t>
-            </a:r>
-            <a:endParaRPr lang="en-US" altLang="ko-KR" dirty="0" smtClean="0"/>
-          </a:p>
-          <a:p>
-            <a:r>
-              <a:rPr lang="en-US" altLang="ko-KR" dirty="0" smtClean="0"/>
-              <a:t>:CLR</a:t>
-            </a:r>
-            <a:r>
-              <a:rPr lang="ko-KR" altLang="en-US" dirty="0" smtClean="0"/>
-              <a:t>에서 내부적으로 사용하는 예외의 베이스 클래스</a:t>
-            </a:r>
-            <a:r>
-              <a:rPr lang="en-US" altLang="ko-KR" dirty="0" smtClean="0"/>
-              <a:t>. </a:t>
-            </a:r>
-            <a:r>
-              <a:rPr lang="ko-KR" altLang="en-US" dirty="0" smtClean="0"/>
-              <a:t>개발자가 직접 이 클래스를 상속하여 예외를 만들지는 않음</a:t>
-            </a:r>
-            <a:endParaRPr lang="en-US" altLang="ko-KR" dirty="0" smtClean="0"/>
-          </a:p>
-          <a:p>
-            <a:r>
-              <a:rPr lang="en-US" altLang="ko-KR" dirty="0" smtClean="0"/>
-              <a:t>:</a:t>
-            </a:r>
-            <a:r>
-              <a:rPr lang="ko-KR" altLang="en-US" dirty="0" smtClean="0"/>
-              <a:t>❌ 직접 사용 </a:t>
-            </a:r>
-            <a:r>
-              <a:rPr lang="ko-KR" altLang="en-US" dirty="0" err="1" smtClean="0"/>
-              <a:t>비권장</a:t>
-            </a:r>
+              <a:rPr lang="ko-KR" altLang="en-US" dirty="0"/>
+              <a:t>주로 </a:t>
+            </a:r>
+            <a:r>
+              <a:rPr lang="ko-KR" altLang="en-US" b="1" dirty="0"/>
+              <a:t>정리 작업</a:t>
+            </a:r>
+            <a:r>
+              <a:rPr lang="en-US" altLang="ko-KR" dirty="0"/>
+              <a:t>, </a:t>
+            </a:r>
+            <a:r>
+              <a:rPr lang="ko-KR" altLang="en-US" dirty="0"/>
+              <a:t>리소스 해제 등에 사용됩니다</a:t>
+            </a:r>
+            <a:r>
+              <a:rPr lang="en-US" altLang="ko-KR" dirty="0"/>
+              <a:t>.</a:t>
+            </a:r>
+            <a:br>
+              <a:rPr lang="en-US" altLang="ko-KR" dirty="0"/>
+            </a:br>
+            <a:r>
+              <a:rPr lang="ko-KR" altLang="en-US" dirty="0"/>
+              <a:t>예</a:t>
+            </a:r>
+            <a:r>
+              <a:rPr lang="en-US" altLang="ko-KR" dirty="0"/>
+              <a:t>: </a:t>
+            </a:r>
+            <a:r>
+              <a:rPr lang="ko-KR" altLang="en-US" dirty="0"/>
+              <a:t>파일 닫기</a:t>
+            </a:r>
+            <a:r>
+              <a:rPr lang="en-US" altLang="ko-KR" dirty="0"/>
+              <a:t>, DB </a:t>
+            </a:r>
+            <a:r>
+              <a:rPr lang="ko-KR" altLang="en-US" dirty="0"/>
+              <a:t>연결 해제 등</a:t>
+            </a:r>
+          </a:p>
+          <a:p>
             <a:endParaRPr lang="ko-KR" altLang="en-US" dirty="0"/>
           </a:p>
         </p:txBody>
@@ -2454,7 +2669,7 @@
           <a:p>
             <a:fld id="{C09E5BFC-1559-42F1-8940-AB342D56BF02}" type="slidenum">
               <a:rPr lang="ko-KR" altLang="en-US" smtClean="0"/>
-              <a:t>13</a:t>
+              <a:t>11</a:t>
             </a:fld>
             <a:endParaRPr lang="ko-KR" altLang="en-US"/>
           </a:p>
@@ -2463,7 +2678,7 @@
     </p:spTree>
     <p:extLst>
       <p:ext uri="{BB962C8B-B14F-4D97-AF65-F5344CB8AC3E}">
-        <p14:creationId xmlns:p14="http://schemas.microsoft.com/office/powerpoint/2010/main" val="3553566528"/>
+        <p14:creationId xmlns:p14="http://schemas.microsoft.com/office/powerpoint/2010/main" val="21564833"/>
       </p:ext>
     </p:extLst>
   </p:cSld>
@@ -2614,7 +2829,7 @@
           <a:p>
             <a:fld id="{442BEE3F-2E9A-4FD8-8B8A-8619F3E161C0}" type="datetime1">
               <a:rPr lang="ko-KR" altLang="en-US" smtClean="0"/>
-              <a:t>2025-05-13</a:t>
+              <a:t>2025-05-14</a:t>
             </a:fld>
             <a:endParaRPr lang="ko-KR" altLang="en-US"/>
           </a:p>
@@ -2800,7 +3015,7 @@
           <a:p>
             <a:fld id="{2EAE422B-0E68-47B5-84BB-CA2BDA8EE46C}" type="datetime1">
               <a:rPr lang="ko-KR" altLang="en-US" smtClean="0"/>
-              <a:t>2025-05-13</a:t>
+              <a:t>2025-05-14</a:t>
             </a:fld>
             <a:endParaRPr lang="ko-KR" altLang="en-US"/>
           </a:p>
@@ -3008,7 +3223,7 @@
           <a:p>
             <a:fld id="{AF7C623F-179B-417F-99B6-50F6DF228D4B}" type="datetime1">
               <a:rPr lang="ko-KR" altLang="en-US" smtClean="0"/>
-              <a:t>2025-05-13</a:t>
+              <a:t>2025-05-14</a:t>
             </a:fld>
             <a:endParaRPr lang="ko-KR" altLang="en-US"/>
           </a:p>
@@ -3156,37 +3371,37 @@
           <a:lstStyle>
             <a:lvl1pPr>
               <a:defRPr>
-                <a:latin typeface="Pretendard" panose="02000503000000020004" pitchFamily="2" charset="-127"/>
-                <a:ea typeface="Pretendard" panose="02000503000000020004" pitchFamily="2" charset="-127"/>
-                <a:cs typeface="Pretendard" panose="02000503000000020004" pitchFamily="2" charset="-127"/>
+                <a:latin typeface="Pretendard GOV" panose="02000503000000020004" pitchFamily="2" charset="-127"/>
+                <a:ea typeface="Pretendard GOV" panose="02000503000000020004" pitchFamily="2" charset="-127"/>
+                <a:cs typeface="Pretendard GOV" panose="02000503000000020004" pitchFamily="2" charset="-127"/>
               </a:defRPr>
             </a:lvl1pPr>
             <a:lvl2pPr>
               <a:defRPr>
-                <a:latin typeface="Pretendard" panose="02000503000000020004" pitchFamily="2" charset="-127"/>
-                <a:ea typeface="Pretendard" panose="02000503000000020004" pitchFamily="2" charset="-127"/>
-                <a:cs typeface="Pretendard" panose="02000503000000020004" pitchFamily="2" charset="-127"/>
+                <a:latin typeface="Pretendard GOV" panose="02000503000000020004" pitchFamily="2" charset="-127"/>
+                <a:ea typeface="Pretendard GOV" panose="02000503000000020004" pitchFamily="2" charset="-127"/>
+                <a:cs typeface="Pretendard GOV" panose="02000503000000020004" pitchFamily="2" charset="-127"/>
               </a:defRPr>
             </a:lvl2pPr>
             <a:lvl3pPr>
               <a:defRPr>
-                <a:latin typeface="Pretendard" panose="02000503000000020004" pitchFamily="2" charset="-127"/>
-                <a:ea typeface="Pretendard" panose="02000503000000020004" pitchFamily="2" charset="-127"/>
-                <a:cs typeface="Pretendard" panose="02000503000000020004" pitchFamily="2" charset="-127"/>
+                <a:latin typeface="Pretendard GOV" panose="02000503000000020004" pitchFamily="2" charset="-127"/>
+                <a:ea typeface="Pretendard GOV" panose="02000503000000020004" pitchFamily="2" charset="-127"/>
+                <a:cs typeface="Pretendard GOV" panose="02000503000000020004" pitchFamily="2" charset="-127"/>
               </a:defRPr>
             </a:lvl3pPr>
             <a:lvl4pPr>
               <a:defRPr>
-                <a:latin typeface="Pretendard" panose="02000503000000020004" pitchFamily="2" charset="-127"/>
-                <a:ea typeface="Pretendard" panose="02000503000000020004" pitchFamily="2" charset="-127"/>
-                <a:cs typeface="Pretendard" panose="02000503000000020004" pitchFamily="2" charset="-127"/>
+                <a:latin typeface="Pretendard GOV" panose="02000503000000020004" pitchFamily="2" charset="-127"/>
+                <a:ea typeface="Pretendard GOV" panose="02000503000000020004" pitchFamily="2" charset="-127"/>
+                <a:cs typeface="Pretendard GOV" panose="02000503000000020004" pitchFamily="2" charset="-127"/>
               </a:defRPr>
             </a:lvl4pPr>
             <a:lvl5pPr>
               <a:defRPr>
-                <a:latin typeface="Pretendard" panose="02000503000000020004" pitchFamily="2" charset="-127"/>
-                <a:ea typeface="Pretendard" panose="02000503000000020004" pitchFamily="2" charset="-127"/>
-                <a:cs typeface="Pretendard" panose="02000503000000020004" pitchFamily="2" charset="-127"/>
+                <a:latin typeface="Pretendard GOV" panose="02000503000000020004" pitchFamily="2" charset="-127"/>
+                <a:ea typeface="Pretendard GOV" panose="02000503000000020004" pitchFamily="2" charset="-127"/>
+                <a:cs typeface="Pretendard GOV" panose="02000503000000020004" pitchFamily="2" charset="-127"/>
               </a:defRPr>
             </a:lvl5pPr>
           </a:lstStyle>
@@ -3250,7 +3465,7 @@
           <a:p>
             <a:fld id="{0F78D9C4-20C1-4B15-A116-16DC77AD9A1E}" type="datetime1">
               <a:rPr lang="ko-KR" altLang="en-US" smtClean="0"/>
-              <a:t>2025-05-13</a:t>
+              <a:t>2025-05-14</a:t>
             </a:fld>
             <a:endParaRPr lang="ko-KR" altLang="en-US"/>
           </a:p>
@@ -3525,7 +3740,7 @@
           <a:p>
             <a:fld id="{C7F43723-C509-4DEA-8428-B50818F79709}" type="datetime1">
               <a:rPr lang="ko-KR" altLang="en-US" smtClean="0"/>
-              <a:t>2025-05-13</a:t>
+              <a:t>2025-05-14</a:t>
             </a:fld>
             <a:endParaRPr lang="ko-KR" altLang="en-US"/>
           </a:p>
@@ -3790,7 +4005,7 @@
           <a:p>
             <a:fld id="{5D2B7482-EE74-4DBD-97F4-D0DAC0C0E4E5}" type="datetime1">
               <a:rPr lang="ko-KR" altLang="en-US" smtClean="0"/>
-              <a:t>2025-05-13</a:t>
+              <a:t>2025-05-14</a:t>
             </a:fld>
             <a:endParaRPr lang="ko-KR" altLang="en-US"/>
           </a:p>
@@ -4203,7 +4418,7 @@
           <a:p>
             <a:fld id="{051A8C49-CED7-4A86-9B4A-621D7F62EE92}" type="datetime1">
               <a:rPr lang="ko-KR" altLang="en-US" smtClean="0"/>
-              <a:t>2025-05-13</a:t>
+              <a:t>2025-05-14</a:t>
             </a:fld>
             <a:endParaRPr lang="ko-KR" altLang="en-US"/>
           </a:p>
@@ -4350,7 +4565,7 @@
           <a:p>
             <a:fld id="{84082D76-7079-412D-848B-E1B9E7A6A286}" type="datetime1">
               <a:rPr lang="ko-KR" altLang="en-US" smtClean="0"/>
-              <a:t>2025-05-13</a:t>
+              <a:t>2025-05-14</a:t>
             </a:fld>
             <a:endParaRPr lang="ko-KR" altLang="en-US"/>
           </a:p>
@@ -4463,7 +4678,7 @@
           <a:p>
             <a:fld id="{10C5FEB5-5F88-4F49-9108-1795E314F09F}" type="datetime1">
               <a:rPr lang="ko-KR" altLang="en-US" smtClean="0"/>
-              <a:t>2025-05-13</a:t>
+              <a:t>2025-05-14</a:t>
             </a:fld>
             <a:endParaRPr lang="ko-KR" altLang="en-US"/>
           </a:p>
@@ -4774,7 +4989,7 @@
           <a:p>
             <a:fld id="{E37ABBEE-D8D4-48AD-9887-4DC578B8A684}" type="datetime1">
               <a:rPr lang="ko-KR" altLang="en-US" smtClean="0"/>
-              <a:t>2025-05-13</a:t>
+              <a:t>2025-05-14</a:t>
             </a:fld>
             <a:endParaRPr lang="ko-KR" altLang="en-US"/>
           </a:p>
@@ -5065,7 +5280,7 @@
           <a:p>
             <a:fld id="{A2D6A55C-F3DD-45DD-9D50-F8680410167D}" type="datetime1">
               <a:rPr lang="ko-KR" altLang="en-US" smtClean="0"/>
-              <a:t>2025-05-13</a:t>
+              <a:t>2025-05-14</a:t>
             </a:fld>
             <a:endParaRPr lang="ko-KR" altLang="en-US"/>
           </a:p>
@@ -5309,7 +5524,7 @@
             <a:fld id="{7F5E23C3-0E3D-4E4E-8486-D7FB4C073DC1}" type="datetime1">
               <a:rPr lang="ko-KR" altLang="en-US" smtClean="0"/>
               <a:pPr/>
-              <a:t>2025-05-13</a:t>
+              <a:t>2025-05-14</a:t>
             </a:fld>
             <a:endParaRPr lang="ko-KR" altLang="en-US" dirty="0"/>
           </a:p>
@@ -5502,9 +5717,9 @@
           <a:solidFill>
             <a:schemeClr val="tx1"/>
           </a:solidFill>
-          <a:latin typeface="Pretendard" panose="02000503000000020004" pitchFamily="2" charset="-127"/>
-          <a:ea typeface="Pretendard" panose="02000503000000020004" pitchFamily="2" charset="-127"/>
-          <a:cs typeface="Pretendard" panose="02000503000000020004" pitchFamily="2" charset="-127"/>
+          <a:latin typeface="Pretendard GOV" panose="02000503000000020004" pitchFamily="2" charset="-127"/>
+          <a:ea typeface="Pretendard GOV" panose="02000503000000020004" pitchFamily="2" charset="-127"/>
+          <a:cs typeface="Pretendard GOV" panose="02000503000000020004" pitchFamily="2" charset="-127"/>
         </a:defRPr>
       </a:lvl1pPr>
       <a:lvl2pPr marL="685800" indent="-228600" algn="l" defTabSz="914400" rtl="0" eaLnBrk="1" latinLnBrk="1" hangingPunct="1">
@@ -5520,9 +5735,9 @@
           <a:solidFill>
             <a:schemeClr val="tx1"/>
           </a:solidFill>
-          <a:latin typeface="Pretendard" panose="02000503000000020004" pitchFamily="2" charset="-127"/>
-          <a:ea typeface="Pretendard" panose="02000503000000020004" pitchFamily="2" charset="-127"/>
-          <a:cs typeface="Pretendard" panose="02000503000000020004" pitchFamily="2" charset="-127"/>
+          <a:latin typeface="Pretendard GOV" panose="02000503000000020004" pitchFamily="2" charset="-127"/>
+          <a:ea typeface="Pretendard GOV" panose="02000503000000020004" pitchFamily="2" charset="-127"/>
+          <a:cs typeface="Pretendard GOV" panose="02000503000000020004" pitchFamily="2" charset="-127"/>
         </a:defRPr>
       </a:lvl2pPr>
       <a:lvl3pPr marL="1143000" indent="-228600" algn="l" defTabSz="914400" rtl="0" eaLnBrk="1" latinLnBrk="1" hangingPunct="1">
@@ -5538,9 +5753,9 @@
           <a:solidFill>
             <a:schemeClr val="tx1"/>
           </a:solidFill>
-          <a:latin typeface="Pretendard" panose="02000503000000020004" pitchFamily="2" charset="-127"/>
-          <a:ea typeface="Pretendard" panose="02000503000000020004" pitchFamily="2" charset="-127"/>
-          <a:cs typeface="Pretendard" panose="02000503000000020004" pitchFamily="2" charset="-127"/>
+          <a:latin typeface="Pretendard GOV" panose="02000503000000020004" pitchFamily="2" charset="-127"/>
+          <a:ea typeface="Pretendard GOV" panose="02000503000000020004" pitchFamily="2" charset="-127"/>
+          <a:cs typeface="Pretendard GOV" panose="02000503000000020004" pitchFamily="2" charset="-127"/>
         </a:defRPr>
       </a:lvl3pPr>
       <a:lvl4pPr marL="1600200" indent="-228600" algn="l" defTabSz="914400" rtl="0" eaLnBrk="1" latinLnBrk="1" hangingPunct="1">
@@ -5556,9 +5771,9 @@
           <a:solidFill>
             <a:schemeClr val="tx1"/>
           </a:solidFill>
-          <a:latin typeface="Pretendard" panose="02000503000000020004" pitchFamily="2" charset="-127"/>
-          <a:ea typeface="Pretendard" panose="02000503000000020004" pitchFamily="2" charset="-127"/>
-          <a:cs typeface="Pretendard" panose="02000503000000020004" pitchFamily="2" charset="-127"/>
+          <a:latin typeface="Pretendard GOV" panose="02000503000000020004" pitchFamily="2" charset="-127"/>
+          <a:ea typeface="Pretendard GOV" panose="02000503000000020004" pitchFamily="2" charset="-127"/>
+          <a:cs typeface="Pretendard GOV" panose="02000503000000020004" pitchFamily="2" charset="-127"/>
         </a:defRPr>
       </a:lvl4pPr>
       <a:lvl5pPr marL="2057400" indent="-228600" algn="l" defTabSz="914400" rtl="0" eaLnBrk="1" latinLnBrk="1" hangingPunct="1">
@@ -5574,9 +5789,9 @@
           <a:solidFill>
             <a:schemeClr val="tx1"/>
           </a:solidFill>
-          <a:latin typeface="Pretendard" panose="02000503000000020004" pitchFamily="2" charset="-127"/>
-          <a:ea typeface="Pretendard" panose="02000503000000020004" pitchFamily="2" charset="-127"/>
-          <a:cs typeface="Pretendard" panose="02000503000000020004" pitchFamily="2" charset="-127"/>
+          <a:latin typeface="Pretendard GOV" panose="02000503000000020004" pitchFamily="2" charset="-127"/>
+          <a:ea typeface="Pretendard GOV" panose="02000503000000020004" pitchFamily="2" charset="-127"/>
+          <a:cs typeface="Pretendard GOV" panose="02000503000000020004" pitchFamily="2" charset="-127"/>
         </a:defRPr>
       </a:lvl5pPr>
       <a:lvl6pPr marL="2514600" indent="-228600" algn="l" defTabSz="914400" rtl="0" eaLnBrk="1" latinLnBrk="1" hangingPunct="1">
@@ -5831,7 +6046,7 @@
           <a:p>
             <a:fld id="{2E2BEDFA-D8AA-4914-9440-7DF713C99FA9}" type="datetime1">
               <a:rPr lang="ko-KR" altLang="en-US" smtClean="0"/>
-              <a:t>2025-05-13</a:t>
+              <a:t>2025-05-14</a:t>
             </a:fld>
             <a:endParaRPr lang="ko-KR" altLang="en-US"/>
           </a:p>
@@ -5912,11 +6127,11 @@
           <a:lstStyle/>
           <a:p>
             <a:r>
-              <a:rPr lang="ko-KR" altLang="en-US" dirty="0" err="1" smtClean="0"/>
+              <a:rPr lang="ko-KR" altLang="en-US" dirty="0" err="1"/>
               <a:t>예외처리란</a:t>
             </a:r>
             <a:r>
-              <a:rPr lang="en-US" altLang="ko-KR" dirty="0" smtClean="0"/>
+              <a:rPr lang="en-US" altLang="ko-KR" dirty="0"/>
               <a:t>?</a:t>
             </a:r>
             <a:endParaRPr lang="ko-KR" altLang="en-US" dirty="0"/>
@@ -5942,7 +6157,7 @@
               <a:buNone/>
             </a:pPr>
             <a:r>
-              <a:rPr lang="ko-KR" altLang="en-US" sz="3200" b="1" dirty="0" smtClean="0">
+              <a:rPr lang="ko-KR" altLang="en-US" sz="3200" b="1" dirty="0">
                 <a:solidFill>
                   <a:srgbClr val="00B050"/>
                 </a:solidFill>
@@ -5950,7 +6165,7 @@
               <a:t>예외</a:t>
             </a:r>
             <a:r>
-              <a:rPr lang="en-US" altLang="ko-KR" sz="3200" b="1" dirty="0" smtClean="0">
+              <a:rPr lang="en-US" altLang="ko-KR" sz="3200" b="1" dirty="0">
                 <a:solidFill>
                   <a:srgbClr val="00B050"/>
                 </a:solidFill>
@@ -5958,15 +6173,15 @@
               <a:t>(Exception)</a:t>
             </a:r>
             <a:r>
-              <a:rPr lang="en-US" altLang="ko-KR" sz="3200" dirty="0" smtClean="0"/>
+              <a:rPr lang="en-US" altLang="ko-KR" sz="3200" dirty="0"/>
               <a:t> </a:t>
             </a:r>
             <a:r>
-              <a:rPr lang="ko-KR" altLang="en-US" sz="3200" dirty="0" smtClean="0"/>
+              <a:rPr lang="ko-KR" altLang="en-US" sz="3200" dirty="0"/>
               <a:t>란</a:t>
             </a:r>
             <a:r>
-              <a:rPr lang="en-US" altLang="ko-KR" sz="3200" dirty="0" smtClean="0"/>
+              <a:rPr lang="en-US" altLang="ko-KR" sz="3200" dirty="0"/>
               <a:t>?</a:t>
             </a:r>
           </a:p>
@@ -5977,13 +6192,9 @@
             </a:r>
             <a:r>
               <a:rPr lang="ko-KR" altLang="en-US" b="1" dirty="0"/>
-              <a:t>에러 </a:t>
-            </a:r>
-            <a:r>
-              <a:rPr lang="ko-KR" altLang="en-US" b="1" dirty="0" smtClean="0"/>
-              <a:t>상황</a:t>
-            </a:r>
-            <a:endParaRPr lang="en-US" altLang="ko-KR" b="1" dirty="0" smtClean="0"/>
+              <a:t>에러 상황</a:t>
+            </a:r>
+            <a:endParaRPr lang="en-US" altLang="ko-KR" b="1" dirty="0"/>
           </a:p>
           <a:p>
             <a:r>
@@ -6012,13 +6223,9 @@
             </a:r>
             <a:r>
               <a:rPr lang="ko-KR" altLang="en-US" dirty="0"/>
-              <a:t>배열 인덱스 초과 </a:t>
-            </a:r>
-            <a:r>
-              <a:rPr lang="ko-KR" altLang="en-US" dirty="0" smtClean="0"/>
-              <a:t>등</a:t>
-            </a:r>
-            <a:endParaRPr lang="en-US" altLang="ko-KR" dirty="0" smtClean="0"/>
+              <a:t>배열 인덱스 초과 등</a:t>
+            </a:r>
+            <a:endParaRPr lang="en-US" altLang="ko-KR" dirty="0"/>
           </a:p>
           <a:p>
             <a:endParaRPr lang="en-US" altLang="ko-KR" dirty="0"/>
@@ -6041,22 +6248,14 @@
                   <a:schemeClr val="accent1"/>
                 </a:solidFill>
               </a:rPr>
-              <a:t>(Exception Handling</a:t>
-            </a:r>
-            <a:r>
-              <a:rPr lang="en-US" altLang="ko-KR" sz="3200" b="1" dirty="0" smtClean="0">
-                <a:solidFill>
-                  <a:schemeClr val="accent1"/>
-                </a:solidFill>
-              </a:rPr>
-              <a:t>)</a:t>
-            </a:r>
-            <a:r>
-              <a:rPr lang="ko-KR" altLang="en-US" sz="3200" dirty="0" smtClean="0"/>
+              <a:t>(Exception Handling)</a:t>
+            </a:r>
+            <a:r>
+              <a:rPr lang="ko-KR" altLang="en-US" sz="3200" dirty="0"/>
               <a:t>란</a:t>
             </a:r>
             <a:r>
-              <a:rPr lang="en-US" altLang="ko-KR" sz="3200" dirty="0" smtClean="0"/>
+              <a:rPr lang="en-US" altLang="ko-KR" sz="3200" dirty="0"/>
               <a:t>?</a:t>
             </a:r>
           </a:p>
@@ -6293,7 +6492,7 @@
               <a:t>오류에 대한 내용이 적혀 있는 </a:t>
             </a:r>
             <a:r>
-              <a:rPr lang="en-US" altLang="ko-KR" dirty="0" smtClean="0"/>
+              <a:rPr lang="en-US" altLang="ko-KR" dirty="0"/>
               <a:t>Exception </a:t>
             </a:r>
             <a:r>
@@ -6348,13 +6547,9 @@
             </a:r>
             <a:r>
               <a:rPr lang="ko-KR" altLang="en-US" b="1" dirty="0"/>
-              <a:t>상관없이 항상 </a:t>
-            </a:r>
-            <a:r>
-              <a:rPr lang="ko-KR" altLang="en-US" b="1" dirty="0" smtClean="0"/>
-              <a:t>실행</a:t>
-            </a:r>
-            <a:endParaRPr lang="en-US" altLang="ko-KR" b="1" dirty="0" smtClean="0"/>
+              <a:t>상관없이 항상 실행</a:t>
+            </a:r>
+            <a:endParaRPr lang="en-US" altLang="ko-KR" b="1" dirty="0"/>
           </a:p>
           <a:p>
             <a:pPr lvl="1"/>
@@ -7145,10 +7340,6 @@
               <a:rPr lang="ko-KR" altLang="en-US" dirty="0"/>
               <a:t>에 복사하는 것이 가능</a:t>
             </a:r>
-            <a:r>
-              <a:rPr lang="en-US" altLang="ko-KR" dirty="0"/>
-              <a:t/>
-            </a:r>
             <a:br>
               <a:rPr lang="en-US" altLang="ko-KR" dirty="0"/>
             </a:br>
@@ -7290,18 +7481,13 @@
               <a:t>. </a:t>
             </a:r>
             <a:r>
-              <a:rPr lang="ko-KR" altLang="en-US" dirty="0" smtClean="0">
+              <a:rPr lang="ko-KR" altLang="en-US" dirty="0">
                 <a:solidFill>
                   <a:srgbClr val="00B050"/>
                 </a:solidFill>
               </a:rPr>
               <a:t>예외처리</a:t>
             </a:r>
-            <a:endParaRPr lang="ko-KR" altLang="en-US" dirty="0">
-              <a:solidFill>
-                <a:srgbClr val="00B050"/>
-              </a:solidFill>
-            </a:endParaRPr>
           </a:p>
         </p:txBody>
       </p:sp>
@@ -7357,7 +7543,7 @@
           <a:p>
             <a:fld id="{0F78D9C4-20C1-4B15-A116-16DC77AD9A1E}" type="datetime1">
               <a:rPr lang="ko-KR" altLang="en-US" smtClean="0"/>
-              <a:t>2025-05-13</a:t>
+              <a:t>2025-05-14</a:t>
             </a:fld>
             <a:endParaRPr lang="ko-KR" altLang="en-US"/>
           </a:p>
@@ -7402,14 +7588,6 @@
   <p:clrMapOvr>
     <a:masterClrMapping/>
   </p:clrMapOvr>
-  <mc:AlternateContent xmlns:mc="http://schemas.openxmlformats.org/markup-compatibility/2006">
-    <mc:Choice xmlns:p14="http://schemas.microsoft.com/office/powerpoint/2010/main" Requires="p14">
-      <p:transition spd="slow" p14:dur="2000"/>
-    </mc:Choice>
-    <mc:Fallback>
-      <p:transition spd="slow"/>
-    </mc:Fallback>
-  </mc:AlternateContent>
 </p:sld>
 </file>
 
@@ -7623,30 +7801,12 @@
           </a:lstStyle>
           <a:p>
             <a:r>
-              <a:rPr lang="ko-KR" altLang="en-US" dirty="0" smtClean="0">
+              <a:rPr lang="ko-KR" altLang="en-US" dirty="0">
                 <a:latin typeface="Pretendard" panose="02000503000000020004" pitchFamily="2" charset="-127"/>
                 <a:ea typeface="Pretendard" panose="02000503000000020004" pitchFamily="2" charset="-127"/>
                 <a:cs typeface="Pretendard" panose="02000503000000020004" pitchFamily="2" charset="-127"/>
               </a:rPr>
               <a:t>사용자가 입력한 닉네임을 검사하는 프로그램 작성</a:t>
-            </a:r>
-            <a:r>
-              <a:rPr lang="en-US" altLang="ko-KR" dirty="0" smtClean="0">
-                <a:latin typeface="Pretendard" panose="02000503000000020004" pitchFamily="2" charset="-127"/>
-                <a:ea typeface="Pretendard" panose="02000503000000020004" pitchFamily="2" charset="-127"/>
-                <a:cs typeface="Pretendard" panose="02000503000000020004" pitchFamily="2" charset="-127"/>
-              </a:rPr>
-              <a:t>.</a:t>
-            </a:r>
-          </a:p>
-          <a:p>
-            <a:r>
-              <a:rPr lang="ko-KR" altLang="en-US" dirty="0" smtClean="0">
-                <a:latin typeface="Pretendard" panose="02000503000000020004" pitchFamily="2" charset="-127"/>
-                <a:ea typeface="Pretendard" panose="02000503000000020004" pitchFamily="2" charset="-127"/>
-                <a:cs typeface="Pretendard" panose="02000503000000020004" pitchFamily="2" charset="-127"/>
-              </a:rPr>
-              <a:t>특정 조건을 만족하지 않으면</a:t>
             </a:r>
             <a:r>
               <a:rPr lang="en-US" altLang="ko-KR" dirty="0">
@@ -7654,54 +7814,72 @@
                 <a:ea typeface="Pretendard" panose="02000503000000020004" pitchFamily="2" charset="-127"/>
                 <a:cs typeface="Pretendard" panose="02000503000000020004" pitchFamily="2" charset="-127"/>
               </a:rPr>
-              <a:t> </a:t>
-            </a:r>
-            <a:r>
-              <a:rPr lang="ko-KR" altLang="en-US" dirty="0" smtClean="0">
+              <a:t>.</a:t>
+            </a:r>
+          </a:p>
+          <a:p>
+            <a:r>
+              <a:rPr lang="ko-KR" altLang="en-US" dirty="0">
                 <a:latin typeface="Pretendard" panose="02000503000000020004" pitchFamily="2" charset="-127"/>
                 <a:ea typeface="Pretendard" panose="02000503000000020004" pitchFamily="2" charset="-127"/>
                 <a:cs typeface="Pretendard" panose="02000503000000020004" pitchFamily="2" charset="-127"/>
               </a:rPr>
-              <a:t>예외</a:t>
-            </a:r>
-            <a:r>
-              <a:rPr lang="en-US" altLang="ko-KR" dirty="0" smtClean="0">
+              <a:t>특정 조건을 만족하지 않으면</a:t>
+            </a:r>
+            <a:r>
+              <a:rPr lang="en-US" altLang="ko-KR" dirty="0">
                 <a:latin typeface="Pretendard" panose="02000503000000020004" pitchFamily="2" charset="-127"/>
                 <a:ea typeface="Pretendard" panose="02000503000000020004" pitchFamily="2" charset="-127"/>
                 <a:cs typeface="Pretendard" panose="02000503000000020004" pitchFamily="2" charset="-127"/>
               </a:rPr>
-              <a:t>(throw)</a:t>
-            </a:r>
-            <a:r>
-              <a:rPr lang="ko-KR" altLang="en-US" dirty="0" smtClean="0">
+              <a:t> </a:t>
+            </a:r>
+            <a:r>
+              <a:rPr lang="ko-KR" altLang="en-US" dirty="0">
                 <a:latin typeface="Pretendard" panose="02000503000000020004" pitchFamily="2" charset="-127"/>
                 <a:ea typeface="Pretendard" panose="02000503000000020004" pitchFamily="2" charset="-127"/>
                 <a:cs typeface="Pretendard" panose="02000503000000020004" pitchFamily="2" charset="-127"/>
               </a:rPr>
-              <a:t>를 발생시키고</a:t>
-            </a:r>
-            <a:r>
-              <a:rPr lang="en-US" altLang="ko-KR" dirty="0" smtClean="0">
+              <a:t>예외</a:t>
+            </a:r>
+            <a:r>
+              <a:rPr lang="en-US" altLang="ko-KR" dirty="0">
                 <a:latin typeface="Pretendard" panose="02000503000000020004" pitchFamily="2" charset="-127"/>
                 <a:ea typeface="Pretendard" panose="02000503000000020004" pitchFamily="2" charset="-127"/>
                 <a:cs typeface="Pretendard" panose="02000503000000020004" pitchFamily="2" charset="-127"/>
               </a:rPr>
-              <a:t>, </a:t>
-            </a:r>
-            <a:r>
-              <a:rPr lang="ko-KR" altLang="en-US" dirty="0" smtClean="0">
+              <a:t>(throw)</a:t>
+            </a:r>
+            <a:r>
+              <a:rPr lang="ko-KR" altLang="en-US" dirty="0">
                 <a:latin typeface="Pretendard" panose="02000503000000020004" pitchFamily="2" charset="-127"/>
                 <a:ea typeface="Pretendard" panose="02000503000000020004" pitchFamily="2" charset="-127"/>
                 <a:cs typeface="Pretendard" panose="02000503000000020004" pitchFamily="2" charset="-127"/>
               </a:rPr>
-              <a:t>예외에 따라 맞춤 메시지 출력하기</a:t>
-            </a:r>
-            <a:r>
-              <a:rPr lang="en-US" altLang="ko-KR" dirty="0" smtClean="0">
+              <a:t>를 발생시키고</a:t>
+            </a:r>
+            <a:r>
+              <a:rPr lang="en-US" altLang="ko-KR" dirty="0">
                 <a:latin typeface="Pretendard" panose="02000503000000020004" pitchFamily="2" charset="-127"/>
                 <a:ea typeface="Pretendard" panose="02000503000000020004" pitchFamily="2" charset="-127"/>
                 <a:cs typeface="Pretendard" panose="02000503000000020004" pitchFamily="2" charset="-127"/>
               </a:rPr>
+              <a:t>, </a:t>
+            </a:r>
+            <a:r>
+              <a:rPr lang="ko-KR" altLang="en-US" dirty="0">
+                <a:latin typeface="Pretendard" panose="02000503000000020004" pitchFamily="2" charset="-127"/>
+                <a:ea typeface="Pretendard" panose="02000503000000020004" pitchFamily="2" charset="-127"/>
+                <a:cs typeface="Pretendard" panose="02000503000000020004" pitchFamily="2" charset="-127"/>
+              </a:rPr>
+              <a:t>예외에 따라 맞춤 메시지 출력하기</a:t>
+            </a:r>
+            <a:r>
+              <a:rPr lang="en-US" altLang="ko-KR" dirty="0">
+                <a:latin typeface="Pretendard" panose="02000503000000020004" pitchFamily="2" charset="-127"/>
+                <a:ea typeface="Pretendard" panose="02000503000000020004" pitchFamily="2" charset="-127"/>
+                <a:cs typeface="Pretendard" panose="02000503000000020004" pitchFamily="2" charset="-127"/>
+              </a:rPr>
               <a:t>.</a:t>
             </a:r>
           </a:p>
@@ -7710,14 +7888,14 @@
               <a:buNone/>
             </a:pPr>
             <a:r>
-              <a:rPr lang="ko-KR" altLang="en-US" b="1" dirty="0" smtClean="0">
+              <a:rPr lang="ko-KR" altLang="en-US" b="1" dirty="0">
                 <a:latin typeface="Pretendard" panose="02000503000000020004" pitchFamily="2" charset="-127"/>
                 <a:ea typeface="Pretendard" panose="02000503000000020004" pitchFamily="2" charset="-127"/>
                 <a:cs typeface="Pretendard" panose="02000503000000020004" pitchFamily="2" charset="-127"/>
               </a:rPr>
               <a:t>요구사항</a:t>
             </a:r>
-            <a:endParaRPr lang="en-US" altLang="ko-KR" b="1" dirty="0" smtClean="0">
+            <a:endParaRPr lang="en-US" altLang="ko-KR" b="1" dirty="0">
               <a:latin typeface="Pretendard" panose="02000503000000020004" pitchFamily="2" charset="-127"/>
               <a:ea typeface="Pretendard" panose="02000503000000020004" pitchFamily="2" charset="-127"/>
               <a:cs typeface="Pretendard" panose="02000503000000020004" pitchFamily="2" charset="-127"/>
@@ -7728,7 +7906,7 @@
               <a:buAutoNum type="arabicPeriod"/>
             </a:pPr>
             <a:r>
-              <a:rPr lang="ko-KR" altLang="en-US" dirty="0" smtClean="0">
+              <a:rPr lang="ko-KR" altLang="en-US" dirty="0">
                 <a:latin typeface="Pretendard" panose="02000503000000020004" pitchFamily="2" charset="-127"/>
                 <a:ea typeface="Pretendard" panose="02000503000000020004" pitchFamily="2" charset="-127"/>
                 <a:cs typeface="Pretendard" panose="02000503000000020004" pitchFamily="2" charset="-127"/>
@@ -7736,7 +7914,7 @@
               <a:t>사용자로부터 닉네임을 </a:t>
             </a:r>
             <a:r>
-              <a:rPr lang="ko-KR" altLang="en-US" b="1" dirty="0" smtClean="0">
+              <a:rPr lang="ko-KR" altLang="en-US" b="1" dirty="0">
                 <a:latin typeface="Pretendard" panose="02000503000000020004" pitchFamily="2" charset="-127"/>
                 <a:ea typeface="Pretendard" panose="02000503000000020004" pitchFamily="2" charset="-127"/>
                 <a:cs typeface="Pretendard" panose="02000503000000020004" pitchFamily="2" charset="-127"/>
@@ -7744,14 +7922,14 @@
               <a:t>한 줄 입력 </a:t>
             </a:r>
             <a:r>
-              <a:rPr lang="ko-KR" altLang="en-US" dirty="0" smtClean="0">
+              <a:rPr lang="ko-KR" altLang="en-US" dirty="0">
                 <a:latin typeface="Pretendard" panose="02000503000000020004" pitchFamily="2" charset="-127"/>
                 <a:ea typeface="Pretendard" panose="02000503000000020004" pitchFamily="2" charset="-127"/>
                 <a:cs typeface="Pretendard" panose="02000503000000020004" pitchFamily="2" charset="-127"/>
               </a:rPr>
               <a:t>받기</a:t>
             </a:r>
-            <a:endParaRPr lang="en-US" altLang="ko-KR" dirty="0" smtClean="0">
+            <a:endParaRPr lang="en-US" altLang="ko-KR" dirty="0">
               <a:latin typeface="Pretendard" panose="02000503000000020004" pitchFamily="2" charset="-127"/>
               <a:ea typeface="Pretendard" panose="02000503000000020004" pitchFamily="2" charset="-127"/>
               <a:cs typeface="Pretendard" panose="02000503000000020004" pitchFamily="2" charset="-127"/>
@@ -7762,7 +7940,7 @@
               <a:buAutoNum type="arabicPeriod"/>
             </a:pPr>
             <a:r>
-              <a:rPr lang="ko-KR" altLang="en-US" dirty="0" smtClean="0">
+              <a:rPr lang="ko-KR" altLang="en-US" dirty="0">
                 <a:latin typeface="Pretendard" panose="02000503000000020004" pitchFamily="2" charset="-127"/>
                 <a:ea typeface="Pretendard" panose="02000503000000020004" pitchFamily="2" charset="-127"/>
                 <a:cs typeface="Pretendard" panose="02000503000000020004" pitchFamily="2" charset="-127"/>
@@ -7770,7 +7948,7 @@
               <a:t>다음 조건을 검사하여</a:t>
             </a:r>
             <a:r>
-              <a:rPr lang="en-US" altLang="ko-KR" dirty="0" smtClean="0">
+              <a:rPr lang="en-US" altLang="ko-KR" dirty="0">
                 <a:latin typeface="Pretendard" panose="02000503000000020004" pitchFamily="2" charset="-127"/>
                 <a:ea typeface="Pretendard" panose="02000503000000020004" pitchFamily="2" charset="-127"/>
                 <a:cs typeface="Pretendard" panose="02000503000000020004" pitchFamily="2" charset="-127"/>
@@ -7778,7 +7956,7 @@
               <a:t>, </a:t>
             </a:r>
             <a:r>
-              <a:rPr lang="ko-KR" altLang="en-US" dirty="0" smtClean="0">
+              <a:rPr lang="ko-KR" altLang="en-US" dirty="0">
                 <a:latin typeface="Pretendard" panose="02000503000000020004" pitchFamily="2" charset="-127"/>
                 <a:ea typeface="Pretendard" panose="02000503000000020004" pitchFamily="2" charset="-127"/>
                 <a:cs typeface="Pretendard" panose="02000503000000020004" pitchFamily="2" charset="-127"/>
@@ -7786,7 +7964,7 @@
               <a:t>해당하지 </a:t>
             </a:r>
             <a:r>
-              <a:rPr lang="ko-KR" altLang="en-US" dirty="0" smtClean="0">
+              <a:rPr lang="ko-KR" altLang="en-US" dirty="0">
                 <a:solidFill>
                   <a:srgbClr val="FF0000"/>
                 </a:solidFill>
@@ -7797,7 +7975,7 @@
               <a:t>않을 경우 </a:t>
             </a:r>
             <a:r>
-              <a:rPr lang="ko-KR" altLang="en-US" dirty="0" smtClean="0">
+              <a:rPr lang="ko-KR" altLang="en-US" dirty="0">
                 <a:latin typeface="Pretendard" panose="02000503000000020004" pitchFamily="2" charset="-127"/>
                 <a:ea typeface="Pretendard" panose="02000503000000020004" pitchFamily="2" charset="-127"/>
                 <a:cs typeface="Pretendard" panose="02000503000000020004" pitchFamily="2" charset="-127"/>
@@ -7805,7 +7983,7 @@
               <a:t>직접 예외 발생시키기</a:t>
             </a:r>
             <a:r>
-              <a:rPr lang="en-US" altLang="ko-KR" dirty="0" smtClean="0">
+              <a:rPr lang="en-US" altLang="ko-KR" dirty="0">
                 <a:latin typeface="Pretendard" panose="02000503000000020004" pitchFamily="2" charset="-127"/>
                 <a:ea typeface="Pretendard" panose="02000503000000020004" pitchFamily="2" charset="-127"/>
                 <a:cs typeface="Pretendard" panose="02000503000000020004" pitchFamily="2" charset="-127"/>
@@ -7813,14 +7991,14 @@
               <a:t>.</a:t>
             </a:r>
             <a:br>
-              <a:rPr lang="en-US" altLang="ko-KR" dirty="0" smtClean="0">
+              <a:rPr lang="en-US" altLang="ko-KR" dirty="0">
                 <a:latin typeface="Pretendard" panose="02000503000000020004" pitchFamily="2" charset="-127"/>
                 <a:ea typeface="Pretendard" panose="02000503000000020004" pitchFamily="2" charset="-127"/>
                 <a:cs typeface="Pretendard" panose="02000503000000020004" pitchFamily="2" charset="-127"/>
               </a:rPr>
             </a:br>
             <a:r>
-              <a:rPr lang="en-US" altLang="ko-KR" dirty="0" smtClean="0">
+              <a:rPr lang="en-US" altLang="ko-KR" dirty="0">
                 <a:latin typeface="Pretendard" panose="02000503000000020004" pitchFamily="2" charset="-127"/>
                 <a:ea typeface="Pretendard" panose="02000503000000020004" pitchFamily="2" charset="-127"/>
                 <a:cs typeface="Pretendard" panose="02000503000000020004" pitchFamily="2" charset="-127"/>
@@ -7828,34 +8006,21 @@
               <a:t>(</a:t>
             </a:r>
             <a:r>
-              <a:rPr lang="ko-KR" altLang="en-US" dirty="0" smtClean="0">
+              <a:rPr lang="ko-KR" altLang="en-US" dirty="0">
                 <a:latin typeface="Pretendard" panose="02000503000000020004" pitchFamily="2" charset="-127"/>
                 <a:ea typeface="Pretendard" panose="02000503000000020004" pitchFamily="2" charset="-127"/>
                 <a:cs typeface="Pretendard" panose="02000503000000020004" pitchFamily="2" charset="-127"/>
               </a:rPr>
-              <a:t>다음 페이지에 </a:t>
-            </a:r>
-            <a:r>
-              <a:rPr lang="ko-KR" altLang="en-US" dirty="0" smtClean="0">
+              <a:t>다음 페이지에 계속</a:t>
+            </a:r>
+            <a:r>
+              <a:rPr lang="en-US" altLang="ko-KR" dirty="0">
                 <a:latin typeface="Pretendard" panose="02000503000000020004" pitchFamily="2" charset="-127"/>
                 <a:ea typeface="Pretendard" panose="02000503000000020004" pitchFamily="2" charset="-127"/>
                 <a:cs typeface="Pretendard" panose="02000503000000020004" pitchFamily="2" charset="-127"/>
               </a:rPr>
-              <a:t>계속</a:t>
-            </a:r>
-            <a:r>
-              <a:rPr lang="en-US" altLang="ko-KR" dirty="0" smtClean="0">
-                <a:latin typeface="Pretendard" panose="02000503000000020004" pitchFamily="2" charset="-127"/>
-                <a:ea typeface="Pretendard" panose="02000503000000020004" pitchFamily="2" charset="-127"/>
-                <a:cs typeface="Pretendard" panose="02000503000000020004" pitchFamily="2" charset="-127"/>
-              </a:rPr>
               <a:t>..)</a:t>
             </a:r>
-            <a:endParaRPr lang="en-US" altLang="ko-KR" dirty="0">
-              <a:latin typeface="Pretendard" panose="02000503000000020004" pitchFamily="2" charset="-127"/>
-              <a:ea typeface="Pretendard" panose="02000503000000020004" pitchFamily="2" charset="-127"/>
-              <a:cs typeface="Pretendard" panose="02000503000000020004" pitchFamily="2" charset="-127"/>
-            </a:endParaRPr>
           </a:p>
         </p:txBody>
       </p:sp>
@@ -7897,7 +8062,7 @@
               <a:t>. </a:t>
             </a:r>
             <a:r>
-              <a:rPr lang="ko-KR" altLang="en-US" dirty="0" smtClean="0">
+              <a:rPr lang="ko-KR" altLang="en-US" dirty="0">
                 <a:solidFill>
                   <a:srgbClr val="00B050"/>
                 </a:solidFill>
@@ -7905,7 +8070,7 @@
               <a:t>예외처리 </a:t>
             </a:r>
             <a:r>
-              <a:rPr lang="en-US" altLang="ko-KR" dirty="0" smtClean="0">
+              <a:rPr lang="en-US" altLang="ko-KR" dirty="0">
                 <a:solidFill>
                   <a:srgbClr val="00B050"/>
                 </a:solidFill>
@@ -7913,7 +8078,7 @@
               <a:t>– </a:t>
             </a:r>
             <a:r>
-              <a:rPr lang="ko-KR" altLang="en-US" dirty="0" smtClean="0">
+              <a:rPr lang="ko-KR" altLang="en-US" dirty="0">
                 <a:solidFill>
                   <a:srgbClr val="00B050"/>
                 </a:solidFill>
@@ -7921,7 +8086,7 @@
               <a:t>회원가입 닉네임 검사</a:t>
             </a:r>
             <a:r>
-              <a:rPr lang="en-US" altLang="ko-KR" dirty="0" smtClean="0">
+              <a:rPr lang="en-US" altLang="ko-KR" dirty="0">
                 <a:solidFill>
                   <a:srgbClr val="00B050"/>
                 </a:solidFill>
@@ -8004,14 +8169,6 @@
   <p:clrMapOvr>
     <a:masterClrMapping/>
   </p:clrMapOvr>
-  <mc:AlternateContent xmlns:mc="http://schemas.openxmlformats.org/markup-compatibility/2006">
-    <mc:Choice xmlns:p14="http://schemas.microsoft.com/office/powerpoint/2010/main" Requires="p14">
-      <p:transition spd="slow" p14:dur="2000"/>
-    </mc:Choice>
-    <mc:Fallback>
-      <p:transition spd="slow"/>
-    </mc:Fallback>
-  </mc:AlternateContent>
 </p:sld>
 </file>
 
@@ -8228,7 +8385,7 @@
               <a:buNone/>
             </a:pPr>
             <a:r>
-              <a:rPr lang="en-US" altLang="ko-KR" dirty="0" smtClean="0">
+              <a:rPr lang="en-US" altLang="ko-KR" dirty="0">
                 <a:latin typeface="Pretendard" panose="02000503000000020004" pitchFamily="2" charset="-127"/>
                 <a:ea typeface="Pretendard" panose="02000503000000020004" pitchFamily="2" charset="-127"/>
                 <a:cs typeface="Pretendard" panose="02000503000000020004" pitchFamily="2" charset="-127"/>
@@ -8236,7 +8393,7 @@
               <a:t>3. </a:t>
             </a:r>
             <a:r>
-              <a:rPr lang="ko-KR" altLang="en-US" dirty="0" smtClean="0">
+              <a:rPr lang="ko-KR" altLang="en-US" dirty="0">
                 <a:latin typeface="Pretendard" panose="02000503000000020004" pitchFamily="2" charset="-127"/>
                 <a:ea typeface="Pretendard" panose="02000503000000020004" pitchFamily="2" charset="-127"/>
                 <a:cs typeface="Pretendard" panose="02000503000000020004" pitchFamily="2" charset="-127"/>
@@ -8244,7 +8401,7 @@
               <a:t>조건에 해당하지 않으면 </a:t>
             </a:r>
             <a:r>
-              <a:rPr lang="en-US" altLang="ko-KR" dirty="0" smtClean="0">
+              <a:rPr lang="en-US" altLang="ko-KR" dirty="0">
                 <a:latin typeface="Pretendard" panose="02000503000000020004" pitchFamily="2" charset="-127"/>
                 <a:ea typeface="Pretendard" panose="02000503000000020004" pitchFamily="2" charset="-127"/>
                 <a:cs typeface="Pretendard" panose="02000503000000020004" pitchFamily="2" charset="-127"/>
@@ -8252,7 +8409,7 @@
               <a:t>"</a:t>
             </a:r>
             <a:r>
-              <a:rPr lang="ko-KR" altLang="en-US" dirty="0" smtClean="0">
+              <a:rPr lang="ko-KR" altLang="en-US" dirty="0">
                 <a:latin typeface="Pretendard" panose="02000503000000020004" pitchFamily="2" charset="-127"/>
                 <a:ea typeface="Pretendard" panose="02000503000000020004" pitchFamily="2" charset="-127"/>
                 <a:cs typeface="Pretendard" panose="02000503000000020004" pitchFamily="2" charset="-127"/>
@@ -8260,7 +8417,7 @@
               <a:t>닉네임 등록 완료</a:t>
             </a:r>
             <a:r>
-              <a:rPr lang="en-US" altLang="ko-KR" dirty="0" smtClean="0">
+              <a:rPr lang="en-US" altLang="ko-KR" dirty="0">
                 <a:latin typeface="Pretendard" panose="02000503000000020004" pitchFamily="2" charset="-127"/>
                 <a:ea typeface="Pretendard" panose="02000503000000020004" pitchFamily="2" charset="-127"/>
                 <a:cs typeface="Pretendard" panose="02000503000000020004" pitchFamily="2" charset="-127"/>
@@ -8268,7 +8425,7 @@
               <a:t>!”</a:t>
             </a:r>
             <a:r>
-              <a:rPr lang="ko-KR" altLang="en-US" dirty="0" smtClean="0">
+              <a:rPr lang="ko-KR" altLang="en-US" dirty="0">
                 <a:latin typeface="Pretendard" panose="02000503000000020004" pitchFamily="2" charset="-127"/>
                 <a:ea typeface="Pretendard" panose="02000503000000020004" pitchFamily="2" charset="-127"/>
                 <a:cs typeface="Pretendard" panose="02000503000000020004" pitchFamily="2" charset="-127"/>
@@ -8276,7 +8433,7 @@
               <a:t>를 출력</a:t>
             </a:r>
             <a:r>
-              <a:rPr lang="en-US" altLang="ko-KR" dirty="0" smtClean="0">
+              <a:rPr lang="en-US" altLang="ko-KR" dirty="0">
                 <a:latin typeface="Pretendard" panose="02000503000000020004" pitchFamily="2" charset="-127"/>
                 <a:ea typeface="Pretendard" panose="02000503000000020004" pitchFamily="2" charset="-127"/>
                 <a:cs typeface="Pretendard" panose="02000503000000020004" pitchFamily="2" charset="-127"/>
@@ -8289,7 +8446,7 @@
               <a:buNone/>
             </a:pPr>
             <a:r>
-              <a:rPr lang="en-US" altLang="ko-KR" dirty="0" smtClean="0">
+              <a:rPr lang="en-US" altLang="ko-KR" dirty="0">
                 <a:latin typeface="Pretendard" panose="02000503000000020004" pitchFamily="2" charset="-127"/>
                 <a:ea typeface="Pretendard" panose="02000503000000020004" pitchFamily="2" charset="-127"/>
                 <a:cs typeface="Pretendard" panose="02000503000000020004" pitchFamily="2" charset="-127"/>
@@ -8297,7 +8454,7 @@
               <a:t>4. </a:t>
             </a:r>
             <a:r>
-              <a:rPr lang="ko-KR" altLang="en-US" dirty="0" smtClean="0">
+              <a:rPr lang="ko-KR" altLang="en-US" dirty="0">
                 <a:latin typeface="Pretendard" panose="02000503000000020004" pitchFamily="2" charset="-127"/>
                 <a:ea typeface="Pretendard" panose="02000503000000020004" pitchFamily="2" charset="-127"/>
                 <a:cs typeface="Pretendard" panose="02000503000000020004" pitchFamily="2" charset="-127"/>
@@ -8305,7 +8462,7 @@
               <a:t>모든 예외는 </a:t>
             </a:r>
             <a:r>
-              <a:rPr lang="en-US" altLang="ko-KR" dirty="0" smtClean="0">
+              <a:rPr lang="en-US" altLang="ko-KR" dirty="0">
                 <a:latin typeface="Pretendard" panose="02000503000000020004" pitchFamily="2" charset="-127"/>
                 <a:ea typeface="Pretendard" panose="02000503000000020004" pitchFamily="2" charset="-127"/>
                 <a:cs typeface="Pretendard" panose="02000503000000020004" pitchFamily="2" charset="-127"/>
@@ -8313,7 +8470,7 @@
               <a:t>try ~ catch</a:t>
             </a:r>
             <a:r>
-              <a:rPr lang="ko-KR" altLang="en-US" dirty="0" smtClean="0">
+              <a:rPr lang="ko-KR" altLang="en-US" dirty="0">
                 <a:latin typeface="Pretendard" panose="02000503000000020004" pitchFamily="2" charset="-127"/>
                 <a:ea typeface="Pretendard" panose="02000503000000020004" pitchFamily="2" charset="-127"/>
                 <a:cs typeface="Pretendard" panose="02000503000000020004" pitchFamily="2" charset="-127"/>
@@ -8321,7 +8478,7 @@
               <a:t>로 처리</a:t>
             </a:r>
             <a:r>
-              <a:rPr lang="en-US" altLang="ko-KR" dirty="0" smtClean="0">
+              <a:rPr lang="en-US" altLang="ko-KR" dirty="0">
                 <a:latin typeface="Pretendard" panose="02000503000000020004" pitchFamily="2" charset="-127"/>
                 <a:ea typeface="Pretendard" panose="02000503000000020004" pitchFamily="2" charset="-127"/>
                 <a:cs typeface="Pretendard" panose="02000503000000020004" pitchFamily="2" charset="-127"/>
@@ -8329,7 +8486,7 @@
               <a:t>, </a:t>
             </a:r>
             <a:r>
-              <a:rPr lang="ko-KR" altLang="en-US" dirty="0" smtClean="0">
+              <a:rPr lang="ko-KR" altLang="en-US" dirty="0">
                 <a:latin typeface="Pretendard" panose="02000503000000020004" pitchFamily="2" charset="-127"/>
                 <a:ea typeface="Pretendard" panose="02000503000000020004" pitchFamily="2" charset="-127"/>
                 <a:cs typeface="Pretendard" panose="02000503000000020004" pitchFamily="2" charset="-127"/>
@@ -8337,7 +8494,7 @@
               <a:t>예외 발생 시 </a:t>
             </a:r>
             <a:r>
-              <a:rPr lang="en-US" altLang="ko-KR" dirty="0" err="1" smtClean="0">
+              <a:rPr lang="en-US" altLang="ko-KR" dirty="0" err="1">
                 <a:latin typeface="Pretendard" panose="02000503000000020004" pitchFamily="2" charset="-127"/>
                 <a:ea typeface="Pretendard" panose="02000503000000020004" pitchFamily="2" charset="-127"/>
                 <a:cs typeface="Pretendard" panose="02000503000000020004" pitchFamily="2" charset="-127"/>
@@ -8345,7 +8502,7 @@
               <a:t>ex.Message</a:t>
             </a:r>
             <a:r>
-              <a:rPr lang="en-US" altLang="ko-KR" dirty="0" smtClean="0">
+              <a:rPr lang="en-US" altLang="ko-KR" dirty="0">
                 <a:latin typeface="Pretendard" panose="02000503000000020004" pitchFamily="2" charset="-127"/>
                 <a:ea typeface="Pretendard" panose="02000503000000020004" pitchFamily="2" charset="-127"/>
                 <a:cs typeface="Pretendard" panose="02000503000000020004" pitchFamily="2" charset="-127"/>
@@ -8353,7 +8510,7 @@
               <a:t> </a:t>
             </a:r>
             <a:r>
-              <a:rPr lang="ko-KR" altLang="en-US" dirty="0" smtClean="0">
+              <a:rPr lang="ko-KR" altLang="en-US" dirty="0">
                 <a:latin typeface="Pretendard" panose="02000503000000020004" pitchFamily="2" charset="-127"/>
                 <a:ea typeface="Pretendard" panose="02000503000000020004" pitchFamily="2" charset="-127"/>
                 <a:cs typeface="Pretendard" panose="02000503000000020004" pitchFamily="2" charset="-127"/>
@@ -8361,7 +8518,7 @@
               <a:t>출력</a:t>
             </a:r>
             <a:r>
-              <a:rPr lang="en-US" altLang="ko-KR" dirty="0" smtClean="0">
+              <a:rPr lang="en-US" altLang="ko-KR" dirty="0">
                 <a:latin typeface="Pretendard" panose="02000503000000020004" pitchFamily="2" charset="-127"/>
                 <a:ea typeface="Pretendard" panose="02000503000000020004" pitchFamily="2" charset="-127"/>
                 <a:cs typeface="Pretendard" panose="02000503000000020004" pitchFamily="2" charset="-127"/>
@@ -8374,7 +8531,7 @@
               <a:buNone/>
             </a:pPr>
             <a:r>
-              <a:rPr lang="en-US" altLang="ko-KR" dirty="0" smtClean="0">
+              <a:rPr lang="en-US" altLang="ko-KR" dirty="0">
                 <a:latin typeface="Pretendard" panose="02000503000000020004" pitchFamily="2" charset="-127"/>
                 <a:ea typeface="Pretendard" panose="02000503000000020004" pitchFamily="2" charset="-127"/>
                 <a:cs typeface="Pretendard" panose="02000503000000020004" pitchFamily="2" charset="-127"/>
@@ -8382,7 +8539,7 @@
               <a:t>5. </a:t>
             </a:r>
             <a:r>
-              <a:rPr lang="ko-KR" altLang="en-US" dirty="0" smtClean="0">
+              <a:rPr lang="ko-KR" altLang="en-US" dirty="0">
                 <a:latin typeface="Pretendard" panose="02000503000000020004" pitchFamily="2" charset="-127"/>
                 <a:ea typeface="Pretendard" panose="02000503000000020004" pitchFamily="2" charset="-127"/>
                 <a:cs typeface="Pretendard" panose="02000503000000020004" pitchFamily="2" charset="-127"/>
@@ -8390,7 +8547,7 @@
               <a:t>마지막에는 </a:t>
             </a:r>
             <a:r>
-              <a:rPr lang="en-US" altLang="ko-KR" dirty="0" smtClean="0">
+              <a:rPr lang="en-US" altLang="ko-KR" dirty="0">
                 <a:latin typeface="Pretendard" panose="02000503000000020004" pitchFamily="2" charset="-127"/>
                 <a:ea typeface="Pretendard" panose="02000503000000020004" pitchFamily="2" charset="-127"/>
                 <a:cs typeface="Pretendard" panose="02000503000000020004" pitchFamily="2" charset="-127"/>
@@ -8398,7 +8555,7 @@
               <a:t>"</a:t>
             </a:r>
             <a:r>
-              <a:rPr lang="ko-KR" altLang="en-US" dirty="0" smtClean="0">
+              <a:rPr lang="ko-KR" altLang="en-US" dirty="0">
                 <a:latin typeface="Pretendard" panose="02000503000000020004" pitchFamily="2" charset="-127"/>
                 <a:ea typeface="Pretendard" panose="02000503000000020004" pitchFamily="2" charset="-127"/>
                 <a:cs typeface="Pretendard" panose="02000503000000020004" pitchFamily="2" charset="-127"/>
@@ -8406,7 +8563,7 @@
               <a:t>프로그램을 종료합니다</a:t>
             </a:r>
             <a:r>
-              <a:rPr lang="en-US" altLang="ko-KR" dirty="0" smtClean="0">
+              <a:rPr lang="en-US" altLang="ko-KR" dirty="0">
                 <a:latin typeface="Pretendard" panose="02000503000000020004" pitchFamily="2" charset="-127"/>
                 <a:ea typeface="Pretendard" panose="02000503000000020004" pitchFamily="2" charset="-127"/>
                 <a:cs typeface="Pretendard" panose="02000503000000020004" pitchFamily="2" charset="-127"/>
@@ -8414,7 +8571,7 @@
               <a:t>.”</a:t>
             </a:r>
             <a:r>
-              <a:rPr lang="ko-KR" altLang="en-US" dirty="0" smtClean="0">
+              <a:rPr lang="ko-KR" altLang="en-US" dirty="0">
                 <a:latin typeface="Pretendard" panose="02000503000000020004" pitchFamily="2" charset="-127"/>
                 <a:ea typeface="Pretendard" panose="02000503000000020004" pitchFamily="2" charset="-127"/>
                 <a:cs typeface="Pretendard" panose="02000503000000020004" pitchFamily="2" charset="-127"/>
@@ -8422,7 +8579,7 @@
               <a:t>를 </a:t>
             </a:r>
             <a:r>
-              <a:rPr lang="en-US" altLang="ko-KR" dirty="0" smtClean="0">
+              <a:rPr lang="en-US" altLang="ko-KR" dirty="0">
                 <a:latin typeface="Pretendard" panose="02000503000000020004" pitchFamily="2" charset="-127"/>
                 <a:ea typeface="Pretendard" panose="02000503000000020004" pitchFamily="2" charset="-127"/>
                 <a:cs typeface="Pretendard" panose="02000503000000020004" pitchFamily="2" charset="-127"/>
@@ -8430,7 +8587,7 @@
               <a:t>finally</a:t>
             </a:r>
             <a:r>
-              <a:rPr lang="ko-KR" altLang="en-US" dirty="0" smtClean="0">
+              <a:rPr lang="ko-KR" altLang="en-US" dirty="0">
                 <a:latin typeface="Pretendard" panose="02000503000000020004" pitchFamily="2" charset="-127"/>
                 <a:ea typeface="Pretendard" panose="02000503000000020004" pitchFamily="2" charset="-127"/>
                 <a:cs typeface="Pretendard" panose="02000503000000020004" pitchFamily="2" charset="-127"/>
@@ -8438,7 +8595,7 @@
               <a:t>로 구현</a:t>
             </a:r>
             <a:r>
-              <a:rPr lang="en-US" altLang="ko-KR" dirty="0" smtClean="0">
+              <a:rPr lang="en-US" altLang="ko-KR" dirty="0">
                 <a:latin typeface="Pretendard" panose="02000503000000020004" pitchFamily="2" charset="-127"/>
                 <a:ea typeface="Pretendard" panose="02000503000000020004" pitchFamily="2" charset="-127"/>
                 <a:cs typeface="Pretendard" panose="02000503000000020004" pitchFamily="2" charset="-127"/>
@@ -8451,7 +8608,7 @@
               <a:buNone/>
             </a:pPr>
             <a:r>
-              <a:rPr lang="en-US" altLang="ko-KR" dirty="0" smtClean="0">
+              <a:rPr lang="en-US" altLang="ko-KR" dirty="0">
                 <a:latin typeface="Pretendard" panose="02000503000000020004" pitchFamily="2" charset="-127"/>
                 <a:ea typeface="Pretendard" panose="02000503000000020004" pitchFamily="2" charset="-127"/>
                 <a:cs typeface="Pretendard" panose="02000503000000020004" pitchFamily="2" charset="-127"/>
@@ -8459,7 +8616,7 @@
               <a:t>6. </a:t>
             </a:r>
             <a:r>
-              <a:rPr lang="ko-KR" altLang="en-US" b="1" dirty="0" smtClean="0">
+              <a:rPr lang="ko-KR" altLang="en-US" b="1" dirty="0">
                 <a:latin typeface="Pretendard" panose="02000503000000020004" pitchFamily="2" charset="-127"/>
                 <a:ea typeface="Pretendard" panose="02000503000000020004" pitchFamily="2" charset="-127"/>
                 <a:cs typeface="Pretendard" panose="02000503000000020004" pitchFamily="2" charset="-127"/>
@@ -8467,7 +8624,7 @@
               <a:t>각각의 오류 메시지 출력 캡쳐 </a:t>
             </a:r>
             <a:r>
-              <a:rPr lang="ko-KR" altLang="en-US" dirty="0" smtClean="0">
+              <a:rPr lang="ko-KR" altLang="en-US" dirty="0">
                 <a:latin typeface="Pretendard" panose="02000503000000020004" pitchFamily="2" charset="-127"/>
                 <a:ea typeface="Pretendard" panose="02000503000000020004" pitchFamily="2" charset="-127"/>
                 <a:cs typeface="Pretendard" panose="02000503000000020004" pitchFamily="2" charset="-127"/>
@@ -8475,7 +8632,7 @@
               <a:t>및 </a:t>
             </a:r>
             <a:r>
-              <a:rPr lang="en-US" altLang="ko-KR" b="1" dirty="0" smtClean="0">
+              <a:rPr lang="en-US" altLang="ko-KR" b="1" dirty="0">
                 <a:latin typeface="Pretendard" panose="02000503000000020004" pitchFamily="2" charset="-127"/>
                 <a:ea typeface="Pretendard" panose="02000503000000020004" pitchFamily="2" charset="-127"/>
                 <a:cs typeface="Pretendard" panose="02000503000000020004" pitchFamily="2" charset="-127"/>
@@ -8483,7 +8640,7 @@
               <a:t>Repo </a:t>
             </a:r>
             <a:r>
-              <a:rPr lang="ko-KR" altLang="en-US" b="1" dirty="0" smtClean="0">
+              <a:rPr lang="ko-KR" altLang="en-US" b="1" dirty="0">
                 <a:latin typeface="Pretendard" panose="02000503000000020004" pitchFamily="2" charset="-127"/>
                 <a:ea typeface="Pretendard" panose="02000503000000020004" pitchFamily="2" charset="-127"/>
                 <a:cs typeface="Pretendard" panose="02000503000000020004" pitchFamily="2" charset="-127"/>
@@ -8491,7 +8648,7 @@
               <a:t>주소 </a:t>
             </a:r>
             <a:r>
-              <a:rPr lang="ko-KR" altLang="en-US" dirty="0" err="1" smtClean="0">
+              <a:rPr lang="ko-KR" altLang="en-US" dirty="0" err="1">
                 <a:latin typeface="Pretendard" panose="02000503000000020004" pitchFamily="2" charset="-127"/>
                 <a:ea typeface="Pretendard" panose="02000503000000020004" pitchFamily="2" charset="-127"/>
                 <a:cs typeface="Pretendard" panose="02000503000000020004" pitchFamily="2" charset="-127"/>
@@ -8499,7 +8656,7 @@
               <a:t>슬랙</a:t>
             </a:r>
             <a:r>
-              <a:rPr lang="ko-KR" altLang="en-US" dirty="0" smtClean="0">
+              <a:rPr lang="ko-KR" altLang="en-US" dirty="0">
                 <a:latin typeface="Pretendard" panose="02000503000000020004" pitchFamily="2" charset="-127"/>
                 <a:ea typeface="Pretendard" panose="02000503000000020004" pitchFamily="2" charset="-127"/>
                 <a:cs typeface="Pretendard" panose="02000503000000020004" pitchFamily="2" charset="-127"/>
@@ -8507,18 +8664,13 @@
               <a:t> 댓글에 업로드</a:t>
             </a:r>
             <a:r>
-              <a:rPr lang="en-US" altLang="ko-KR" dirty="0" smtClean="0">
+              <a:rPr lang="en-US" altLang="ko-KR" dirty="0">
                 <a:latin typeface="Pretendard" panose="02000503000000020004" pitchFamily="2" charset="-127"/>
                 <a:ea typeface="Pretendard" panose="02000503000000020004" pitchFamily="2" charset="-127"/>
                 <a:cs typeface="Pretendard" panose="02000503000000020004" pitchFamily="2" charset="-127"/>
               </a:rPr>
               <a:t>.</a:t>
             </a:r>
-            <a:endParaRPr lang="en-US" altLang="ko-KR" dirty="0">
-              <a:latin typeface="Pretendard" panose="02000503000000020004" pitchFamily="2" charset="-127"/>
-              <a:ea typeface="Pretendard" panose="02000503000000020004" pitchFamily="2" charset="-127"/>
-              <a:cs typeface="Pretendard" panose="02000503000000020004" pitchFamily="2" charset="-127"/>
-            </a:endParaRPr>
           </a:p>
         </p:txBody>
       </p:sp>
@@ -8560,7 +8712,7 @@
               <a:t>. </a:t>
             </a:r>
             <a:r>
-              <a:rPr lang="ko-KR" altLang="en-US" dirty="0" smtClean="0">
+              <a:rPr lang="ko-KR" altLang="en-US" dirty="0">
                 <a:solidFill>
                   <a:srgbClr val="00B050"/>
                 </a:solidFill>
@@ -8568,7 +8720,7 @@
               <a:t>예외처리 </a:t>
             </a:r>
             <a:r>
-              <a:rPr lang="en-US" altLang="ko-KR" dirty="0" smtClean="0">
+              <a:rPr lang="en-US" altLang="ko-KR" dirty="0">
                 <a:solidFill>
                   <a:srgbClr val="00B050"/>
                 </a:solidFill>
@@ -8576,7 +8728,7 @@
               <a:t>– </a:t>
             </a:r>
             <a:r>
-              <a:rPr lang="ko-KR" altLang="en-US" dirty="0" smtClean="0">
+              <a:rPr lang="ko-KR" altLang="en-US" dirty="0">
                 <a:solidFill>
                   <a:srgbClr val="00B050"/>
                 </a:solidFill>
@@ -8584,7 +8736,7 @@
               <a:t>회원가입 닉네임 검사</a:t>
             </a:r>
             <a:r>
-              <a:rPr lang="en-US" altLang="ko-KR" dirty="0" smtClean="0">
+              <a:rPr lang="en-US" altLang="ko-KR" dirty="0">
                 <a:solidFill>
                   <a:srgbClr val="00B050"/>
                 </a:solidFill>
@@ -9262,14 +9414,6 @@
   <p:clrMapOvr>
     <a:masterClrMapping/>
   </p:clrMapOvr>
-  <mc:AlternateContent xmlns:mc="http://schemas.openxmlformats.org/markup-compatibility/2006">
-    <mc:Choice xmlns:p14="http://schemas.microsoft.com/office/powerpoint/2010/main" Requires="p14">
-      <p:transition spd="slow" p14:dur="2000"/>
-    </mc:Choice>
-    <mc:Fallback>
-      <p:transition spd="slow"/>
-    </mc:Fallback>
-  </mc:AlternateContent>
 </p:sld>
 </file>
 
@@ -9409,7 +9553,7 @@
           <a:p>
             <a:fld id="{0F78D9C4-20C1-4B15-A116-16DC77AD9A1E}" type="datetime1">
               <a:rPr lang="ko-KR" altLang="en-US" smtClean="0"/>
-              <a:t>2025-05-13</a:t>
+              <a:t>2025-05-14</a:t>
             </a:fld>
             <a:endParaRPr lang="ko-KR" altLang="en-US"/>
           </a:p>
@@ -9702,7 +9846,7 @@
           <a:p>
             <a:fld id="{0F78D9C4-20C1-4B15-A116-16DC77AD9A1E}" type="datetime1">
               <a:rPr lang="ko-KR" altLang="en-US" smtClean="0"/>
-              <a:t>2025-05-13</a:t>
+              <a:t>2025-05-14</a:t>
             </a:fld>
             <a:endParaRPr lang="ko-KR" altLang="en-US"/>
           </a:p>
@@ -10061,7 +10205,7 @@
           <a:p>
             <a:fld id="{0F78D9C4-20C1-4B15-A116-16DC77AD9A1E}" type="datetime1">
               <a:rPr lang="ko-KR" altLang="en-US" smtClean="0"/>
-              <a:t>2025-05-13</a:t>
+              <a:t>2025-05-14</a:t>
             </a:fld>
             <a:endParaRPr lang="ko-KR" altLang="en-US"/>
           </a:p>
@@ -10375,7 +10519,7 @@
           <a:p>
             <a:fld id="{0F78D9C4-20C1-4B15-A116-16DC77AD9A1E}" type="datetime1">
               <a:rPr lang="ko-KR" altLang="en-US" smtClean="0"/>
-              <a:t>2025-05-13</a:t>
+              <a:t>2025-05-14</a:t>
             </a:fld>
             <a:endParaRPr lang="ko-KR" altLang="en-US"/>
           </a:p>
@@ -10622,14 +10766,14 @@
           <a:lstStyle/>
           <a:p>
             <a:r>
-              <a:rPr lang="ko-KR" altLang="en-US"/>
+              <a:rPr lang="ko-KR" altLang="en-US" dirty="0"/>
               <a:t>값의 참조 </a:t>
             </a:r>
             <a:r>
-              <a:rPr lang="en-US" altLang="ko-KR"/>
+              <a:rPr lang="en-US" altLang="ko-KR" dirty="0"/>
               <a:t>ref, out</a:t>
             </a:r>
-            <a:endParaRPr lang="ko-KR" altLang="en-US"/>
+            <a:endParaRPr lang="ko-KR" altLang="en-US" dirty="0"/>
           </a:p>
         </p:txBody>
       </p:sp>
@@ -10655,34 +10799,81 @@
           <a:lstStyle/>
           <a:p>
             <a:r>
-              <a:rPr lang="ko-KR" altLang="en-US" sz="2800" dirty="0"/>
-              <a:t>복사보다 참조가 압도적으로 </a:t>
-            </a:r>
-            <a:r>
               <a:rPr lang="ko-KR" altLang="en-US" sz="2800" dirty="0">
-                <a:solidFill>
-                  <a:srgbClr val="00B050"/>
-                </a:solidFill>
-              </a:rPr>
-              <a:t>빠르기 때문에</a:t>
-            </a:r>
-            <a:r>
-              <a:rPr lang="ko-KR" altLang="en-US" sz="2800" dirty="0"/>
-              <a:t> 큰 사이즈의 클래스</a:t>
-            </a:r>
-            <a:r>
-              <a:rPr lang="en-US" altLang="ko-KR" sz="2800" dirty="0"/>
+                <a:latin typeface="Pretendard GOV" panose="02000503000000020004" pitchFamily="2" charset="-127"/>
+                <a:ea typeface="Pretendard GOV" panose="02000503000000020004" pitchFamily="2" charset="-127"/>
+                <a:cs typeface="Pretendard GOV" panose="02000503000000020004" pitchFamily="2" charset="-127"/>
+              </a:rPr>
+              <a:t>값 타입이 클 경우</a:t>
+            </a:r>
+            <a:r>
+              <a:rPr lang="en-US" altLang="ko-KR" dirty="0">
+                <a:latin typeface="Pretendard GOV" panose="02000503000000020004" pitchFamily="2" charset="-127"/>
+                <a:ea typeface="Pretendard GOV" panose="02000503000000020004" pitchFamily="2" charset="-127"/>
+                <a:cs typeface="Pretendard GOV" panose="02000503000000020004" pitchFamily="2" charset="-127"/>
+              </a:rPr>
               <a:t>, </a:t>
             </a:r>
             <a:r>
-              <a:rPr lang="ko-KR" altLang="en-US" sz="2800" dirty="0"/>
+              <a:rPr lang="ko-KR" altLang="en-US" dirty="0">
+                <a:latin typeface="Pretendard GOV" panose="02000503000000020004" pitchFamily="2" charset="-127"/>
+                <a:ea typeface="Pretendard GOV" panose="02000503000000020004" pitchFamily="2" charset="-127"/>
+                <a:cs typeface="Pretendard GOV" panose="02000503000000020004" pitchFamily="2" charset="-127"/>
+              </a:rPr>
+              <a:t>복사 비용이 크므로 참조를 통해 불필요한 복사를 피해서 메모리 효율이 향상하는 부가 효과 이점이 있음</a:t>
+            </a:r>
+            <a:r>
+              <a:rPr lang="en-US" altLang="ko-KR" dirty="0">
+                <a:latin typeface="Pretendard GOV" panose="02000503000000020004" pitchFamily="2" charset="-127"/>
+                <a:ea typeface="Pretendard GOV" panose="02000503000000020004" pitchFamily="2" charset="-127"/>
+                <a:cs typeface="Pretendard GOV" panose="02000503000000020004" pitchFamily="2" charset="-127"/>
+              </a:rPr>
+              <a:t>.</a:t>
+            </a:r>
+            <a:endParaRPr lang="en-US" altLang="ko-KR" sz="2800" dirty="0">
+              <a:latin typeface="Pretendard GOV" panose="02000503000000020004" pitchFamily="2" charset="-127"/>
+              <a:ea typeface="Pretendard GOV" panose="02000503000000020004" pitchFamily="2" charset="-127"/>
+              <a:cs typeface="Pretendard GOV" panose="02000503000000020004" pitchFamily="2" charset="-127"/>
+            </a:endParaRPr>
+          </a:p>
+          <a:p>
+            <a:r>
+              <a:rPr lang="ko-KR" altLang="en-US" sz="2800" dirty="0">
+                <a:latin typeface="Pretendard GOV" panose="02000503000000020004" pitchFamily="2" charset="-127"/>
+                <a:ea typeface="Pretendard GOV" panose="02000503000000020004" pitchFamily="2" charset="-127"/>
+                <a:cs typeface="Pretendard GOV" panose="02000503000000020004" pitchFamily="2" charset="-127"/>
+              </a:rPr>
+              <a:t>큰 사이즈의 클래스</a:t>
+            </a:r>
+            <a:r>
+              <a:rPr lang="en-US" altLang="ko-KR" sz="2800" dirty="0">
+                <a:latin typeface="Pretendard GOV" panose="02000503000000020004" pitchFamily="2" charset="-127"/>
+                <a:ea typeface="Pretendard GOV" panose="02000503000000020004" pitchFamily="2" charset="-127"/>
+                <a:cs typeface="Pretendard GOV" panose="02000503000000020004" pitchFamily="2" charset="-127"/>
+              </a:rPr>
+              <a:t>, </a:t>
+            </a:r>
+            <a:r>
+              <a:rPr lang="ko-KR" altLang="en-US" sz="2800" dirty="0">
+                <a:latin typeface="Pretendard GOV" panose="02000503000000020004" pitchFamily="2" charset="-127"/>
+                <a:ea typeface="Pretendard GOV" panose="02000503000000020004" pitchFamily="2" charset="-127"/>
+                <a:cs typeface="Pretendard GOV" panose="02000503000000020004" pitchFamily="2" charset="-127"/>
+              </a:rPr>
               <a:t>배열 등을 메소드에 전달 할 때 적극 이용</a:t>
             </a:r>
-            <a:endParaRPr lang="en-US" altLang="ko-KR" dirty="0"/>
-          </a:p>
-          <a:p>
-            <a:r>
-              <a:rPr lang="en-US" altLang="ko-KR" dirty="0"/>
+            <a:endParaRPr lang="en-US" altLang="ko-KR" dirty="0">
+              <a:latin typeface="Pretendard GOV" panose="02000503000000020004" pitchFamily="2" charset="-127"/>
+              <a:ea typeface="Pretendard GOV" panose="02000503000000020004" pitchFamily="2" charset="-127"/>
+              <a:cs typeface="Pretendard GOV" panose="02000503000000020004" pitchFamily="2" charset="-127"/>
+            </a:endParaRPr>
+          </a:p>
+          <a:p>
+            <a:r>
+              <a:rPr lang="en-US" altLang="ko-KR" dirty="0">
+                <a:latin typeface="Pretendard GOV" panose="02000503000000020004" pitchFamily="2" charset="-127"/>
+                <a:ea typeface="Pretendard GOV" panose="02000503000000020004" pitchFamily="2" charset="-127"/>
+                <a:cs typeface="Pretendard GOV" panose="02000503000000020004" pitchFamily="2" charset="-127"/>
+              </a:rPr>
               <a:t>ref</a:t>
             </a:r>
           </a:p>
@@ -10693,68 +10884,127 @@
                 <a:solidFill>
                   <a:srgbClr val="00B050"/>
                 </a:solidFill>
+                <a:latin typeface="Pretendard GOV" panose="02000503000000020004" pitchFamily="2" charset="-127"/>
+                <a:ea typeface="Pretendard GOV" panose="02000503000000020004" pitchFamily="2" charset="-127"/>
+                <a:cs typeface="Pretendard GOV" panose="02000503000000020004" pitchFamily="2" charset="-127"/>
               </a:rPr>
               <a:t>메소드 밖</a:t>
             </a:r>
             <a:r>
-              <a:rPr lang="ko-KR" altLang="en-US" dirty="0"/>
+              <a:rPr lang="ko-KR" altLang="en-US" dirty="0">
+                <a:latin typeface="Pretendard GOV" panose="02000503000000020004" pitchFamily="2" charset="-127"/>
+                <a:ea typeface="Pretendard GOV" panose="02000503000000020004" pitchFamily="2" charset="-127"/>
+                <a:cs typeface="Pretendard GOV" panose="02000503000000020004" pitchFamily="2" charset="-127"/>
+              </a:rPr>
               <a:t>에서 변수를 참조하여 가져옴 </a:t>
             </a:r>
-            <a:endParaRPr lang="en-US" altLang="ko-KR" dirty="0"/>
+            <a:endParaRPr lang="en-US" altLang="ko-KR" dirty="0">
+              <a:latin typeface="Pretendard GOV" panose="02000503000000020004" pitchFamily="2" charset="-127"/>
+              <a:ea typeface="Pretendard GOV" panose="02000503000000020004" pitchFamily="2" charset="-127"/>
+              <a:cs typeface="Pretendard GOV" panose="02000503000000020004" pitchFamily="2" charset="-127"/>
+            </a:endParaRPr>
           </a:p>
           <a:p>
             <a:pPr lvl="1"/>
             <a:r>
-              <a:rPr lang="ko-KR" altLang="en-US" dirty="0"/>
+              <a:rPr lang="ko-KR" altLang="en-US" dirty="0">
+                <a:latin typeface="Pretendard GOV" panose="02000503000000020004" pitchFamily="2" charset="-127"/>
+                <a:ea typeface="Pretendard GOV" panose="02000503000000020004" pitchFamily="2" charset="-127"/>
+                <a:cs typeface="Pretendard GOV" panose="02000503000000020004" pitchFamily="2" charset="-127"/>
+              </a:rPr>
               <a:t>따라서</a:t>
             </a:r>
             <a:r>
-              <a:rPr lang="en-US" altLang="ko-KR" dirty="0"/>
+              <a:rPr lang="en-US" altLang="ko-KR" dirty="0">
+                <a:latin typeface="Pretendard GOV" panose="02000503000000020004" pitchFamily="2" charset="-127"/>
+                <a:ea typeface="Pretendard GOV" panose="02000503000000020004" pitchFamily="2" charset="-127"/>
+                <a:cs typeface="Pretendard GOV" panose="02000503000000020004" pitchFamily="2" charset="-127"/>
+              </a:rPr>
               <a:t>, ref </a:t>
             </a:r>
             <a:r>
-              <a:rPr lang="ko-KR" altLang="en-US" dirty="0"/>
+              <a:rPr lang="ko-KR" altLang="en-US" dirty="0">
+                <a:latin typeface="Pretendard GOV" panose="02000503000000020004" pitchFamily="2" charset="-127"/>
+                <a:ea typeface="Pretendard GOV" panose="02000503000000020004" pitchFamily="2" charset="-127"/>
+                <a:cs typeface="Pretendard GOV" panose="02000503000000020004" pitchFamily="2" charset="-127"/>
+              </a:rPr>
               <a:t>로 받아올 변수는 초기화가 필수 </a:t>
             </a:r>
             <a:r>
-              <a:rPr lang="en-US" altLang="ko-KR" dirty="0"/>
+              <a:rPr lang="en-US" altLang="ko-KR" dirty="0">
+                <a:latin typeface="Pretendard GOV" panose="02000503000000020004" pitchFamily="2" charset="-127"/>
+                <a:ea typeface="Pretendard GOV" panose="02000503000000020004" pitchFamily="2" charset="-127"/>
+                <a:cs typeface="Pretendard GOV" panose="02000503000000020004" pitchFamily="2" charset="-127"/>
+              </a:rPr>
               <a:t>(</a:t>
             </a:r>
             <a:r>
-              <a:rPr lang="ko-KR" altLang="en-US" dirty="0" err="1"/>
+              <a:rPr lang="ko-KR" altLang="en-US" dirty="0" err="1">
+                <a:latin typeface="Pretendard GOV" panose="02000503000000020004" pitchFamily="2" charset="-127"/>
+                <a:ea typeface="Pretendard GOV" panose="02000503000000020004" pitchFamily="2" charset="-127"/>
+                <a:cs typeface="Pretendard GOV" panose="02000503000000020004" pitchFamily="2" charset="-127"/>
+              </a:rPr>
               <a:t>비어있으면</a:t>
             </a:r>
             <a:r>
-              <a:rPr lang="ko-KR" altLang="en-US" dirty="0"/>
+              <a:rPr lang="ko-KR" altLang="en-US" dirty="0">
+                <a:latin typeface="Pretendard GOV" panose="02000503000000020004" pitchFamily="2" charset="-127"/>
+                <a:ea typeface="Pretendard GOV" panose="02000503000000020004" pitchFamily="2" charset="-127"/>
+                <a:cs typeface="Pretendard GOV" panose="02000503000000020004" pitchFamily="2" charset="-127"/>
+              </a:rPr>
               <a:t> 안됨</a:t>
             </a:r>
             <a:r>
-              <a:rPr lang="en-US" altLang="ko-KR" dirty="0"/>
+              <a:rPr lang="en-US" altLang="ko-KR" dirty="0">
+                <a:latin typeface="Pretendard GOV" panose="02000503000000020004" pitchFamily="2" charset="-127"/>
+                <a:ea typeface="Pretendard GOV" panose="02000503000000020004" pitchFamily="2" charset="-127"/>
+                <a:cs typeface="Pretendard GOV" panose="02000503000000020004" pitchFamily="2" charset="-127"/>
+              </a:rPr>
               <a:t>)</a:t>
             </a:r>
           </a:p>
           <a:p>
             <a:r>
-              <a:rPr lang="en-US" altLang="ko-KR" dirty="0"/>
+              <a:rPr lang="en-US" altLang="ko-KR" dirty="0">
+                <a:latin typeface="Pretendard GOV" panose="02000503000000020004" pitchFamily="2" charset="-127"/>
+                <a:ea typeface="Pretendard GOV" panose="02000503000000020004" pitchFamily="2" charset="-127"/>
+                <a:cs typeface="Pretendard GOV" panose="02000503000000020004" pitchFamily="2" charset="-127"/>
+              </a:rPr>
               <a:t>out</a:t>
             </a:r>
           </a:p>
           <a:p>
             <a:pPr lvl="1"/>
             <a:r>
-              <a:rPr lang="ko-KR" altLang="en-US" dirty="0"/>
+              <a:rPr lang="ko-KR" altLang="en-US" dirty="0">
+                <a:latin typeface="Pretendard GOV" panose="02000503000000020004" pitchFamily="2" charset="-127"/>
+                <a:ea typeface="Pretendard GOV" panose="02000503000000020004" pitchFamily="2" charset="-127"/>
+                <a:cs typeface="Pretendard GOV" panose="02000503000000020004" pitchFamily="2" charset="-127"/>
+              </a:rPr>
               <a:t>메소드 안에서 참조된 변수의 값을 바꿈</a:t>
             </a:r>
-            <a:endParaRPr lang="en-US" altLang="ko-KR" dirty="0"/>
+            <a:endParaRPr lang="en-US" altLang="ko-KR" dirty="0">
+              <a:latin typeface="Pretendard GOV" panose="02000503000000020004" pitchFamily="2" charset="-127"/>
+              <a:ea typeface="Pretendard GOV" panose="02000503000000020004" pitchFamily="2" charset="-127"/>
+              <a:cs typeface="Pretendard GOV" panose="02000503000000020004" pitchFamily="2" charset="-127"/>
+            </a:endParaRPr>
           </a:p>
           <a:p>
             <a:pPr lvl="1"/>
             <a:r>
-              <a:rPr lang="ko-KR" altLang="en-US" dirty="0"/>
+              <a:rPr lang="ko-KR" altLang="en-US" dirty="0">
+                <a:latin typeface="Pretendard GOV" panose="02000503000000020004" pitchFamily="2" charset="-127"/>
+                <a:ea typeface="Pretendard GOV" panose="02000503000000020004" pitchFamily="2" charset="-127"/>
+                <a:cs typeface="Pretendard GOV" panose="02000503000000020004" pitchFamily="2" charset="-127"/>
+              </a:rPr>
               <a:t>따라서</a:t>
             </a:r>
             <a:r>
-              <a:rPr lang="en-US" altLang="ko-KR" dirty="0"/>
+              <a:rPr lang="en-US" altLang="ko-KR" dirty="0">
+                <a:latin typeface="Pretendard GOV" panose="02000503000000020004" pitchFamily="2" charset="-127"/>
+                <a:ea typeface="Pretendard GOV" panose="02000503000000020004" pitchFamily="2" charset="-127"/>
+                <a:cs typeface="Pretendard GOV" panose="02000503000000020004" pitchFamily="2" charset="-127"/>
+              </a:rPr>
               <a:t>, </a:t>
             </a:r>
             <a:r>
@@ -10762,22 +11012,41 @@
                 <a:solidFill>
                   <a:srgbClr val="00B050"/>
                 </a:solidFill>
+                <a:latin typeface="Pretendard GOV" panose="02000503000000020004" pitchFamily="2" charset="-127"/>
+                <a:ea typeface="Pretendard GOV" panose="02000503000000020004" pitchFamily="2" charset="-127"/>
+                <a:cs typeface="Pretendard GOV" panose="02000503000000020004" pitchFamily="2" charset="-127"/>
               </a:rPr>
               <a:t>메소드 안</a:t>
             </a:r>
             <a:r>
-              <a:rPr lang="ko-KR" altLang="en-US" dirty="0"/>
+              <a:rPr lang="ko-KR" altLang="en-US" dirty="0">
+                <a:latin typeface="Pretendard GOV" panose="02000503000000020004" pitchFamily="2" charset="-127"/>
+                <a:ea typeface="Pretendard GOV" panose="02000503000000020004" pitchFamily="2" charset="-127"/>
+                <a:cs typeface="Pretendard GOV" panose="02000503000000020004" pitchFamily="2" charset="-127"/>
+              </a:rPr>
               <a:t>에서 </a:t>
             </a:r>
             <a:r>
-              <a:rPr lang="en-US" altLang="ko-KR" dirty="0"/>
+              <a:rPr lang="en-US" altLang="ko-KR" dirty="0">
+                <a:latin typeface="Pretendard GOV" panose="02000503000000020004" pitchFamily="2" charset="-127"/>
+                <a:ea typeface="Pretendard GOV" panose="02000503000000020004" pitchFamily="2" charset="-127"/>
+                <a:cs typeface="Pretendard GOV" panose="02000503000000020004" pitchFamily="2" charset="-127"/>
+              </a:rPr>
               <a:t>out </a:t>
             </a:r>
             <a:r>
-              <a:rPr lang="ko-KR" altLang="en-US" dirty="0"/>
+              <a:rPr lang="ko-KR" altLang="en-US" dirty="0">
+                <a:latin typeface="Pretendard GOV" panose="02000503000000020004" pitchFamily="2" charset="-127"/>
+                <a:ea typeface="Pretendard GOV" panose="02000503000000020004" pitchFamily="2" charset="-127"/>
+                <a:cs typeface="Pretendard GOV" panose="02000503000000020004" pitchFamily="2" charset="-127"/>
+              </a:rPr>
               <a:t>변수의 값을 반드시 바꿔줘야 함</a:t>
             </a:r>
-            <a:endParaRPr lang="en-US" altLang="ko-KR" dirty="0"/>
+            <a:endParaRPr lang="en-US" altLang="ko-KR" dirty="0">
+              <a:latin typeface="Pretendard GOV" panose="02000503000000020004" pitchFamily="2" charset="-127"/>
+              <a:ea typeface="Pretendard GOV" panose="02000503000000020004" pitchFamily="2" charset="-127"/>
+              <a:cs typeface="Pretendard GOV" panose="02000503000000020004" pitchFamily="2" charset="-127"/>
+            </a:endParaRPr>
           </a:p>
         </p:txBody>
       </p:sp>
@@ -10804,7 +11073,7 @@
           <a:p>
             <a:fld id="{0F78D9C4-20C1-4B15-A116-16DC77AD9A1E}" type="datetime1">
               <a:rPr lang="ko-KR" altLang="en-US" smtClean="0"/>
-              <a:t>2025-05-13</a:t>
+              <a:t>2025-05-14</a:t>
             </a:fld>
             <a:endParaRPr lang="ko-KR" altLang="en-US"/>
           </a:p>
@@ -10853,7 +11122,7 @@
         </p:nvGrpSpPr>
         <p:grpSpPr>
           <a:xfrm>
-            <a:off x="7641770" y="4083109"/>
+            <a:off x="7641770" y="4541152"/>
             <a:ext cx="4246124" cy="815226"/>
             <a:chOff x="7728857" y="3234261"/>
             <a:chExt cx="4246124" cy="815226"/>
@@ -10874,7 +11143,7 @@
             <p:nvPr/>
           </p:nvPicPr>
           <p:blipFill rotWithShape="1">
-            <a:blip r:embed="rId2"/>
+            <a:blip r:embed="rId3"/>
             <a:srcRect l="18117" t="24956" b="21050"/>
             <a:stretch/>
           </p:blipFill>
@@ -10947,13 +11216,13 @@
           <p:nvPr/>
         </p:nvPicPr>
         <p:blipFill rotWithShape="1">
-          <a:blip r:embed="rId3"/>
+          <a:blip r:embed="rId4"/>
           <a:srcRect l="29420" t="40317" b="3874"/>
           <a:stretch/>
         </p:blipFill>
         <p:spPr>
           <a:xfrm>
-            <a:off x="7641770" y="2804481"/>
+            <a:off x="7641770" y="3194776"/>
             <a:ext cx="3434401" cy="714341"/>
           </a:xfrm>
           <a:prstGeom prst="rect">
@@ -11063,36 +11332,60 @@
           <a:lstStyle/>
           <a:p>
             <a:r>
-              <a:rPr lang="ko-KR" altLang="en-US" dirty="0" smtClean="0"/>
+              <a:rPr lang="ko-KR" altLang="en-US" dirty="0">
+                <a:latin typeface="Pretendard GOV" panose="02000503000000020004" pitchFamily="2" charset="-127"/>
+                <a:ea typeface="Pretendard GOV" panose="02000503000000020004" pitchFamily="2" charset="-127"/>
+                <a:cs typeface="Pretendard GOV" panose="02000503000000020004" pitchFamily="2" charset="-127"/>
+              </a:rPr>
               <a:t>다음 조건에 따라 </a:t>
             </a:r>
             <a:r>
-              <a:rPr lang="en-US" altLang="ko-KR" dirty="0"/>
+              <a:rPr lang="en-US" altLang="ko-KR" dirty="0">
+                <a:latin typeface="Pretendard GOV" panose="02000503000000020004" pitchFamily="2" charset="-127"/>
+                <a:ea typeface="Pretendard GOV" panose="02000503000000020004" pitchFamily="2" charset="-127"/>
+                <a:cs typeface="Pretendard GOV" panose="02000503000000020004" pitchFamily="2" charset="-127"/>
+              </a:rPr>
               <a:t>void </a:t>
             </a:r>
             <a:r>
-              <a:rPr lang="ko-KR" altLang="en-US" dirty="0"/>
+              <a:rPr lang="ko-KR" altLang="en-US" dirty="0">
+                <a:latin typeface="Pretendard GOV" panose="02000503000000020004" pitchFamily="2" charset="-127"/>
+                <a:ea typeface="Pretendard GOV" panose="02000503000000020004" pitchFamily="2" charset="-127"/>
+                <a:cs typeface="Pretendard GOV" panose="02000503000000020004" pitchFamily="2" charset="-127"/>
+              </a:rPr>
               <a:t>형 메소드 </a:t>
             </a:r>
             <a:r>
-              <a:rPr lang="en-US" altLang="ko-KR" dirty="0"/>
+              <a:rPr lang="en-US" altLang="ko-KR" dirty="0">
+                <a:latin typeface="Pretendard GOV" panose="02000503000000020004" pitchFamily="2" charset="-127"/>
+                <a:ea typeface="Pretendard GOV" panose="02000503000000020004" pitchFamily="2" charset="-127"/>
+                <a:cs typeface="Pretendard GOV" panose="02000503000000020004" pitchFamily="2" charset="-127"/>
+              </a:rPr>
               <a:t>2</a:t>
             </a:r>
             <a:r>
-              <a:rPr lang="ko-KR" altLang="en-US" dirty="0"/>
-              <a:t>개를 </a:t>
-            </a:r>
-            <a:r>
-              <a:rPr lang="ko-KR" altLang="en-US" dirty="0" smtClean="0"/>
-              <a:t>작성할 것</a:t>
-            </a:r>
-            <a:r>
-              <a:rPr lang="en-US" altLang="ko-KR" dirty="0" smtClean="0"/>
+              <a:rPr lang="ko-KR" altLang="en-US" dirty="0">
+                <a:latin typeface="Pretendard GOV" panose="02000503000000020004" pitchFamily="2" charset="-127"/>
+                <a:ea typeface="Pretendard GOV" panose="02000503000000020004" pitchFamily="2" charset="-127"/>
+                <a:cs typeface="Pretendard GOV" panose="02000503000000020004" pitchFamily="2" charset="-127"/>
+              </a:rPr>
+              <a:t>개를 작성할 것</a:t>
+            </a:r>
+            <a:r>
+              <a:rPr lang="en-US" altLang="ko-KR" dirty="0">
+                <a:latin typeface="Pretendard GOV" panose="02000503000000020004" pitchFamily="2" charset="-127"/>
+                <a:ea typeface="Pretendard GOV" panose="02000503000000020004" pitchFamily="2" charset="-127"/>
+                <a:cs typeface="Pretendard GOV" panose="02000503000000020004" pitchFamily="2" charset="-127"/>
+              </a:rPr>
               <a:t>.</a:t>
             </a:r>
           </a:p>
           <a:p>
-            <a:endParaRPr lang="en-US" altLang="ko-KR" dirty="0"/>
+            <a:endParaRPr lang="en-US" altLang="ko-KR" dirty="0">
+              <a:latin typeface="Pretendard GOV" panose="02000503000000020004" pitchFamily="2" charset="-127"/>
+              <a:ea typeface="Pretendard GOV" panose="02000503000000020004" pitchFamily="2" charset="-127"/>
+              <a:cs typeface="Pretendard GOV" panose="02000503000000020004" pitchFamily="2" charset="-127"/>
+            </a:endParaRPr>
           </a:p>
           <a:p>
             <a:pPr marL="514350" indent="-514350">
@@ -11100,138 +11393,255 @@
               <a:buAutoNum type="arabicPeriod"/>
             </a:pPr>
             <a:r>
-              <a:rPr lang="en-US" altLang="ko-KR" b="1" dirty="0" smtClean="0">
+              <a:rPr lang="en-US" altLang="ko-KR" b="1" dirty="0">
                 <a:solidFill>
                   <a:schemeClr val="accent1"/>
                 </a:solidFill>
+                <a:latin typeface="Pretendard GOV" panose="02000503000000020004" pitchFamily="2" charset="-127"/>
+                <a:ea typeface="Pretendard GOV" panose="02000503000000020004" pitchFamily="2" charset="-127"/>
+                <a:cs typeface="Pretendard GOV" panose="02000503000000020004" pitchFamily="2" charset="-127"/>
               </a:rPr>
               <a:t>ref </a:t>
             </a:r>
             <a:r>
-              <a:rPr lang="ko-KR" altLang="en-US" b="1" dirty="0" smtClean="0">
+              <a:rPr lang="ko-KR" altLang="en-US" b="1" dirty="0">
                 <a:solidFill>
                   <a:schemeClr val="accent1"/>
                 </a:solidFill>
+                <a:latin typeface="Pretendard GOV" panose="02000503000000020004" pitchFamily="2" charset="-127"/>
+                <a:ea typeface="Pretendard GOV" panose="02000503000000020004" pitchFamily="2" charset="-127"/>
+                <a:cs typeface="Pretendard GOV" panose="02000503000000020004" pitchFamily="2" charset="-127"/>
               </a:rPr>
               <a:t>키워드를 활용한 배열 채우기</a:t>
             </a:r>
             <a:r>
-              <a:rPr lang="en-US" altLang="ko-KR" b="1" dirty="0" smtClean="0">
+              <a:rPr lang="en-US" altLang="ko-KR" b="1" dirty="0">
                 <a:solidFill>
                   <a:schemeClr val="accent1"/>
                 </a:solidFill>
+                <a:latin typeface="Pretendard GOV" panose="02000503000000020004" pitchFamily="2" charset="-127"/>
+                <a:ea typeface="Pretendard GOV" panose="02000503000000020004" pitchFamily="2" charset="-127"/>
+                <a:cs typeface="Pretendard GOV" panose="02000503000000020004" pitchFamily="2" charset="-127"/>
               </a:rPr>
               <a:t>.</a:t>
             </a:r>
-            <a:endParaRPr lang="en-US" altLang="ko-KR" dirty="0" smtClean="0"/>
-          </a:p>
-          <a:p>
-            <a:r>
-              <a:rPr lang="ko-KR" altLang="en-US" dirty="0" smtClean="0"/>
+            <a:endParaRPr lang="en-US" altLang="ko-KR" dirty="0">
+              <a:latin typeface="Pretendard GOV" panose="02000503000000020004" pitchFamily="2" charset="-127"/>
+              <a:ea typeface="Pretendard GOV" panose="02000503000000020004" pitchFamily="2" charset="-127"/>
+              <a:cs typeface="Pretendard GOV" panose="02000503000000020004" pitchFamily="2" charset="-127"/>
+            </a:endParaRPr>
+          </a:p>
+          <a:p>
+            <a:r>
+              <a:rPr lang="ko-KR" altLang="en-US" dirty="0">
+                <a:latin typeface="Pretendard GOV" panose="02000503000000020004" pitchFamily="2" charset="-127"/>
+                <a:ea typeface="Pretendard GOV" panose="02000503000000020004" pitchFamily="2" charset="-127"/>
+                <a:cs typeface="Pretendard GOV" panose="02000503000000020004" pitchFamily="2" charset="-127"/>
+              </a:rPr>
               <a:t>배열 생성</a:t>
             </a:r>
             <a:r>
-              <a:rPr lang="en-US" altLang="ko-KR" dirty="0"/>
+              <a:rPr lang="en-US" altLang="ko-KR" dirty="0">
+                <a:latin typeface="Pretendard GOV" panose="02000503000000020004" pitchFamily="2" charset="-127"/>
+                <a:ea typeface="Pretendard GOV" panose="02000503000000020004" pitchFamily="2" charset="-127"/>
+                <a:cs typeface="Pretendard GOV" panose="02000503000000020004" pitchFamily="2" charset="-127"/>
+              </a:rPr>
               <a:t> </a:t>
             </a:r>
             <a:r>
-              <a:rPr lang="ko-KR" altLang="en-US" dirty="0" smtClean="0"/>
+              <a:rPr lang="ko-KR" altLang="en-US" dirty="0">
+                <a:latin typeface="Pretendard GOV" panose="02000503000000020004" pitchFamily="2" charset="-127"/>
+                <a:ea typeface="Pretendard GOV" panose="02000503000000020004" pitchFamily="2" charset="-127"/>
+                <a:cs typeface="Pretendard GOV" panose="02000503000000020004" pitchFamily="2" charset="-127"/>
+              </a:rPr>
               <a:t>후</a:t>
             </a:r>
             <a:r>
-              <a:rPr lang="en-US" altLang="ko-KR" dirty="0" smtClean="0"/>
+              <a:rPr lang="en-US" altLang="ko-KR" dirty="0">
+                <a:latin typeface="Pretendard GOV" panose="02000503000000020004" pitchFamily="2" charset="-127"/>
+                <a:ea typeface="Pretendard GOV" panose="02000503000000020004" pitchFamily="2" charset="-127"/>
+                <a:cs typeface="Pretendard GOV" panose="02000503000000020004" pitchFamily="2" charset="-127"/>
+              </a:rPr>
               <a:t>, new</a:t>
             </a:r>
             <a:r>
-              <a:rPr lang="ko-KR" altLang="en-US" dirty="0" smtClean="0"/>
+              <a:rPr lang="ko-KR" altLang="en-US" dirty="0">
+                <a:latin typeface="Pretendard GOV" panose="02000503000000020004" pitchFamily="2" charset="-127"/>
+                <a:ea typeface="Pretendard GOV" panose="02000503000000020004" pitchFamily="2" charset="-127"/>
+                <a:cs typeface="Pretendard GOV" panose="02000503000000020004" pitchFamily="2" charset="-127"/>
+              </a:rPr>
               <a:t>로</a:t>
             </a:r>
             <a:r>
-              <a:rPr lang="en-US" altLang="ko-KR" dirty="0" smtClean="0"/>
+              <a:rPr lang="en-US" altLang="ko-KR" dirty="0">
+                <a:latin typeface="Pretendard GOV" panose="02000503000000020004" pitchFamily="2" charset="-127"/>
+                <a:ea typeface="Pretendard GOV" panose="02000503000000020004" pitchFamily="2" charset="-127"/>
+                <a:cs typeface="Pretendard GOV" panose="02000503000000020004" pitchFamily="2" charset="-127"/>
+              </a:rPr>
               <a:t> </a:t>
             </a:r>
             <a:r>
-              <a:rPr lang="ko-KR" altLang="en-US" dirty="0" smtClean="0"/>
+              <a:rPr lang="ko-KR" altLang="en-US" dirty="0">
+                <a:latin typeface="Pretendard GOV" panose="02000503000000020004" pitchFamily="2" charset="-127"/>
+                <a:ea typeface="Pretendard GOV" panose="02000503000000020004" pitchFamily="2" charset="-127"/>
+                <a:cs typeface="Pretendard GOV" panose="02000503000000020004" pitchFamily="2" charset="-127"/>
+              </a:rPr>
               <a:t>생성된 배열을 </a:t>
             </a:r>
             <a:r>
-              <a:rPr lang="en-US" altLang="ko-KR" dirty="0" smtClean="0"/>
+              <a:rPr lang="en-US" altLang="ko-KR" dirty="0">
+                <a:latin typeface="Pretendard GOV" panose="02000503000000020004" pitchFamily="2" charset="-127"/>
+                <a:ea typeface="Pretendard GOV" panose="02000503000000020004" pitchFamily="2" charset="-127"/>
+                <a:cs typeface="Pretendard GOV" panose="02000503000000020004" pitchFamily="2" charset="-127"/>
+              </a:rPr>
               <a:t>ref</a:t>
             </a:r>
             <a:r>
-              <a:rPr lang="ko-KR" altLang="en-US" dirty="0" smtClean="0"/>
+              <a:rPr lang="ko-KR" altLang="en-US" dirty="0">
+                <a:latin typeface="Pretendard GOV" panose="02000503000000020004" pitchFamily="2" charset="-127"/>
+                <a:ea typeface="Pretendard GOV" panose="02000503000000020004" pitchFamily="2" charset="-127"/>
+                <a:cs typeface="Pretendard GOV" panose="02000503000000020004" pitchFamily="2" charset="-127"/>
+              </a:rPr>
               <a:t>로 메서드에 전달</a:t>
             </a:r>
             <a:r>
-              <a:rPr lang="en-US" altLang="ko-KR" dirty="0" smtClean="0"/>
+              <a:rPr lang="en-US" altLang="ko-KR" dirty="0">
+                <a:latin typeface="Pretendard GOV" panose="02000503000000020004" pitchFamily="2" charset="-127"/>
+                <a:ea typeface="Pretendard GOV" panose="02000503000000020004" pitchFamily="2" charset="-127"/>
+                <a:cs typeface="Pretendard GOV" panose="02000503000000020004" pitchFamily="2" charset="-127"/>
+              </a:rPr>
               <a:t>.</a:t>
             </a:r>
           </a:p>
           <a:p>
             <a:r>
-              <a:rPr lang="ko-KR" altLang="en-US" dirty="0" smtClean="0"/>
+              <a:rPr lang="ko-KR" altLang="en-US" dirty="0">
+                <a:latin typeface="Pretendard GOV" panose="02000503000000020004" pitchFamily="2" charset="-127"/>
+                <a:ea typeface="Pretendard GOV" panose="02000503000000020004" pitchFamily="2" charset="-127"/>
+                <a:cs typeface="Pretendard GOV" panose="02000503000000020004" pitchFamily="2" charset="-127"/>
+              </a:rPr>
               <a:t>메서드 내부에서 배열의 각 요소를 </a:t>
             </a:r>
             <a:r>
-              <a:rPr lang="en-US" altLang="ko-KR" b="1" dirty="0" smtClean="0"/>
+              <a:rPr lang="en-US" altLang="ko-KR" b="1" dirty="0">
+                <a:latin typeface="Pretendard GOV" panose="02000503000000020004" pitchFamily="2" charset="-127"/>
+                <a:ea typeface="Pretendard GOV" panose="02000503000000020004" pitchFamily="2" charset="-127"/>
+                <a:cs typeface="Pretendard GOV" panose="02000503000000020004" pitchFamily="2" charset="-127"/>
+              </a:rPr>
               <a:t>1</a:t>
             </a:r>
             <a:r>
-              <a:rPr lang="ko-KR" altLang="en-US" b="1" dirty="0" smtClean="0"/>
+              <a:rPr lang="ko-KR" altLang="en-US" b="1" dirty="0">
+                <a:latin typeface="Pretendard GOV" panose="02000503000000020004" pitchFamily="2" charset="-127"/>
+                <a:ea typeface="Pretendard GOV" panose="02000503000000020004" pitchFamily="2" charset="-127"/>
+                <a:cs typeface="Pretendard GOV" panose="02000503000000020004" pitchFamily="2" charset="-127"/>
+              </a:rPr>
               <a:t>부터 배열 길이만큼 순서대로</a:t>
             </a:r>
             <a:r>
-              <a:rPr lang="ko-KR" altLang="en-US" dirty="0" smtClean="0"/>
+              <a:rPr lang="ko-KR" altLang="en-US" dirty="0">
+                <a:latin typeface="Pretendard GOV" panose="02000503000000020004" pitchFamily="2" charset="-127"/>
+                <a:ea typeface="Pretendard GOV" panose="02000503000000020004" pitchFamily="2" charset="-127"/>
+                <a:cs typeface="Pretendard GOV" panose="02000503000000020004" pitchFamily="2" charset="-127"/>
+              </a:rPr>
               <a:t> 채워 넣기</a:t>
             </a:r>
             <a:r>
-              <a:rPr lang="en-US" altLang="ko-KR" dirty="0" smtClean="0"/>
+              <a:rPr lang="en-US" altLang="ko-KR" dirty="0">
+                <a:latin typeface="Pretendard GOV" panose="02000503000000020004" pitchFamily="2" charset="-127"/>
+                <a:ea typeface="Pretendard GOV" panose="02000503000000020004" pitchFamily="2" charset="-127"/>
+                <a:cs typeface="Pretendard GOV" panose="02000503000000020004" pitchFamily="2" charset="-127"/>
+              </a:rPr>
               <a:t>. </a:t>
             </a:r>
             <a:r>
-              <a:rPr lang="en-US" altLang="ko-KR" b="1" dirty="0" smtClean="0"/>
+              <a:rPr lang="en-US" altLang="ko-KR" b="1" dirty="0">
+                <a:latin typeface="Pretendard GOV" panose="02000503000000020004" pitchFamily="2" charset="-127"/>
+                <a:ea typeface="Pretendard GOV" panose="02000503000000020004" pitchFamily="2" charset="-127"/>
+                <a:cs typeface="Pretendard GOV" panose="02000503000000020004" pitchFamily="2" charset="-127"/>
+              </a:rPr>
               <a:t>(</a:t>
             </a:r>
             <a:r>
-              <a:rPr lang="ko-KR" altLang="en-US" b="1" dirty="0" smtClean="0"/>
+              <a:rPr lang="ko-KR" altLang="en-US" b="1" dirty="0">
+                <a:latin typeface="Pretendard GOV" panose="02000503000000020004" pitchFamily="2" charset="-127"/>
+                <a:ea typeface="Pretendard GOV" panose="02000503000000020004" pitchFamily="2" charset="-127"/>
+                <a:cs typeface="Pretendard GOV" panose="02000503000000020004" pitchFamily="2" charset="-127"/>
+              </a:rPr>
               <a:t>출력</a:t>
             </a:r>
             <a:r>
-              <a:rPr lang="en-US" altLang="ko-KR" b="1" dirty="0" smtClean="0"/>
+              <a:rPr lang="en-US" altLang="ko-KR" b="1" dirty="0">
+                <a:latin typeface="Pretendard GOV" panose="02000503000000020004" pitchFamily="2" charset="-127"/>
+                <a:ea typeface="Pretendard GOV" panose="02000503000000020004" pitchFamily="2" charset="-127"/>
+                <a:cs typeface="Pretendard GOV" panose="02000503000000020004" pitchFamily="2" charset="-127"/>
+              </a:rPr>
               <a:t>)</a:t>
             </a:r>
           </a:p>
           <a:p>
             <a:r>
-              <a:rPr lang="ko-KR" altLang="en-US" dirty="0" smtClean="0"/>
+              <a:rPr lang="ko-KR" altLang="en-US" dirty="0">
+                <a:latin typeface="Pretendard GOV" panose="02000503000000020004" pitchFamily="2" charset="-127"/>
+                <a:ea typeface="Pretendard GOV" panose="02000503000000020004" pitchFamily="2" charset="-127"/>
+                <a:cs typeface="Pretendard GOV" panose="02000503000000020004" pitchFamily="2" charset="-127"/>
+              </a:rPr>
               <a:t>예</a:t>
             </a:r>
             <a:r>
-              <a:rPr lang="en-US" altLang="ko-KR" dirty="0" smtClean="0"/>
+              <a:rPr lang="en-US" altLang="ko-KR" dirty="0">
+                <a:latin typeface="Pretendard GOV" panose="02000503000000020004" pitchFamily="2" charset="-127"/>
+                <a:ea typeface="Pretendard GOV" panose="02000503000000020004" pitchFamily="2" charset="-127"/>
+                <a:cs typeface="Pretendard GOV" panose="02000503000000020004" pitchFamily="2" charset="-127"/>
+              </a:rPr>
               <a:t>) </a:t>
             </a:r>
             <a:r>
-              <a:rPr lang="ko-KR" altLang="en-US" dirty="0" smtClean="0"/>
+              <a:rPr lang="ko-KR" altLang="en-US" dirty="0">
+                <a:latin typeface="Pretendard GOV" panose="02000503000000020004" pitchFamily="2" charset="-127"/>
+                <a:ea typeface="Pretendard GOV" panose="02000503000000020004" pitchFamily="2" charset="-127"/>
+                <a:cs typeface="Pretendard GOV" panose="02000503000000020004" pitchFamily="2" charset="-127"/>
+              </a:rPr>
               <a:t>배열 길이가 </a:t>
             </a:r>
             <a:r>
-              <a:rPr lang="en-US" altLang="ko-KR" dirty="0" smtClean="0"/>
+              <a:rPr lang="en-US" altLang="ko-KR" dirty="0">
+                <a:latin typeface="Pretendard GOV" panose="02000503000000020004" pitchFamily="2" charset="-127"/>
+                <a:ea typeface="Pretendard GOV" panose="02000503000000020004" pitchFamily="2" charset="-127"/>
+                <a:cs typeface="Pretendard GOV" panose="02000503000000020004" pitchFamily="2" charset="-127"/>
+              </a:rPr>
               <a:t>5</a:t>
             </a:r>
             <a:r>
-              <a:rPr lang="ko-KR" altLang="en-US" dirty="0" smtClean="0"/>
+              <a:rPr lang="ko-KR" altLang="en-US" dirty="0">
+                <a:latin typeface="Pretendard GOV" panose="02000503000000020004" pitchFamily="2" charset="-127"/>
+                <a:ea typeface="Pretendard GOV" panose="02000503000000020004" pitchFamily="2" charset="-127"/>
+                <a:cs typeface="Pretendard GOV" panose="02000503000000020004" pitchFamily="2" charset="-127"/>
+              </a:rPr>
               <a:t>라면 </a:t>
             </a:r>
             <a:r>
-              <a:rPr lang="en-US" altLang="ko-KR" dirty="0" smtClean="0"/>
+              <a:rPr lang="en-US" altLang="ko-KR" dirty="0">
+                <a:latin typeface="Pretendard GOV" panose="02000503000000020004" pitchFamily="2" charset="-127"/>
+                <a:ea typeface="Pretendard GOV" panose="02000503000000020004" pitchFamily="2" charset="-127"/>
+                <a:cs typeface="Pretendard GOV" panose="02000503000000020004" pitchFamily="2" charset="-127"/>
+              </a:rPr>
               <a:t>[1, 2, 3, 4, 5] </a:t>
             </a:r>
             <a:r>
-              <a:rPr lang="ko-KR" altLang="en-US" dirty="0" smtClean="0"/>
+              <a:rPr lang="ko-KR" altLang="en-US" dirty="0">
+                <a:latin typeface="Pretendard GOV" panose="02000503000000020004" pitchFamily="2" charset="-127"/>
+                <a:ea typeface="Pretendard GOV" panose="02000503000000020004" pitchFamily="2" charset="-127"/>
+                <a:cs typeface="Pretendard GOV" panose="02000503000000020004" pitchFamily="2" charset="-127"/>
+              </a:rPr>
               <a:t>로 채움</a:t>
             </a:r>
             <a:r>
-              <a:rPr lang="en-US" altLang="ko-KR" dirty="0" smtClean="0"/>
+              <a:rPr lang="en-US" altLang="ko-KR" dirty="0">
+                <a:latin typeface="Pretendard GOV" panose="02000503000000020004" pitchFamily="2" charset="-127"/>
+                <a:ea typeface="Pretendard GOV" panose="02000503000000020004" pitchFamily="2" charset="-127"/>
+                <a:cs typeface="Pretendard GOV" panose="02000503000000020004" pitchFamily="2" charset="-127"/>
+              </a:rPr>
               <a:t>.</a:t>
             </a:r>
           </a:p>
@@ -11260,7 +11670,7 @@
           <a:p>
             <a:fld id="{0F78D9C4-20C1-4B15-A116-16DC77AD9A1E}" type="datetime1">
               <a:rPr lang="ko-KR" altLang="en-US" smtClean="0"/>
-              <a:t>2025-05-13</a:t>
+              <a:t>2025-05-14</a:t>
             </a:fld>
             <a:endParaRPr lang="ko-KR" altLang="en-US"/>
           </a:p>
@@ -11304,7 +11714,7 @@
           <p:nvPr/>
         </p:nvPicPr>
         <p:blipFill>
-          <a:blip r:embed="rId2"/>
+          <a:blip r:embed="rId3"/>
           <a:stretch>
             <a:fillRect/>
           </a:stretch>
@@ -11424,7 +11834,7 @@
               <a:buNone/>
             </a:pPr>
             <a:r>
-              <a:rPr lang="en-US" altLang="ko-KR" b="1" dirty="0" smtClean="0">
+              <a:rPr lang="en-US" altLang="ko-KR" b="1" dirty="0">
                 <a:solidFill>
                   <a:schemeClr val="accent1"/>
                 </a:solidFill>
@@ -11432,14 +11842,14 @@
               <a:t>2. out </a:t>
             </a:r>
             <a:r>
-              <a:rPr lang="ko-KR" altLang="en-US" b="1" dirty="0" smtClean="0">
+              <a:rPr lang="ko-KR" altLang="en-US" b="1" dirty="0">
                 <a:solidFill>
                   <a:schemeClr val="accent1"/>
                 </a:solidFill>
               </a:rPr>
               <a:t>키워드를 활용한 배열 생성 및 채우기</a:t>
             </a:r>
-            <a:endParaRPr lang="en-US" altLang="ko-KR" b="1" dirty="0" smtClean="0">
+            <a:endParaRPr lang="en-US" altLang="ko-KR" b="1" dirty="0">
               <a:solidFill>
                 <a:schemeClr val="accent1"/>
               </a:solidFill>
@@ -11451,19 +11861,19 @@
               <a:buChar char="-"/>
             </a:pPr>
             <a:r>
-              <a:rPr lang="ko-KR" altLang="en-US" dirty="0" smtClean="0"/>
+              <a:rPr lang="ko-KR" altLang="en-US" dirty="0"/>
               <a:t>초기화 되지 않은 배열 변수를 </a:t>
             </a:r>
             <a:r>
-              <a:rPr lang="en-US" altLang="ko-KR" dirty="0" smtClean="0"/>
+              <a:rPr lang="en-US" altLang="ko-KR" dirty="0"/>
               <a:t>out</a:t>
             </a:r>
             <a:r>
-              <a:rPr lang="ko-KR" altLang="en-US" dirty="0" smtClean="0"/>
+              <a:rPr lang="ko-KR" altLang="en-US" dirty="0"/>
               <a:t>으로 전달</a:t>
             </a:r>
             <a:r>
-              <a:rPr lang="en-US" altLang="ko-KR" dirty="0" smtClean="0"/>
+              <a:rPr lang="en-US" altLang="ko-KR" dirty="0"/>
               <a:t>.</a:t>
             </a:r>
           </a:p>
@@ -11473,27 +11883,27 @@
               <a:buChar char="-"/>
             </a:pPr>
             <a:r>
-              <a:rPr lang="ko-KR" altLang="en-US" dirty="0" smtClean="0"/>
+              <a:rPr lang="ko-KR" altLang="en-US" dirty="0"/>
               <a:t>메서드의 두 번째 인자로 원하는 배열의 크기</a:t>
             </a:r>
             <a:r>
-              <a:rPr lang="en-US" altLang="ko-KR" dirty="0" smtClean="0"/>
+              <a:rPr lang="en-US" altLang="ko-KR" dirty="0"/>
               <a:t>(</a:t>
             </a:r>
             <a:r>
-              <a:rPr lang="en-US" altLang="ko-KR" dirty="0" err="1" smtClean="0"/>
+              <a:rPr lang="en-US" altLang="ko-KR" dirty="0" err="1"/>
               <a:t>int</a:t>
             </a:r>
             <a:r>
-              <a:rPr lang="en-US" altLang="ko-KR" dirty="0" smtClean="0"/>
+              <a:rPr lang="en-US" altLang="ko-KR" dirty="0"/>
               <a:t>)</a:t>
             </a:r>
             <a:r>
-              <a:rPr lang="ko-KR" altLang="en-US" dirty="0" smtClean="0"/>
+              <a:rPr lang="ko-KR" altLang="en-US" dirty="0"/>
               <a:t>를 함께 전달</a:t>
             </a:r>
             <a:r>
-              <a:rPr lang="en-US" altLang="ko-KR" dirty="0" smtClean="0"/>
+              <a:rPr lang="en-US" altLang="ko-KR" dirty="0"/>
               <a:t>.</a:t>
             </a:r>
           </a:p>
@@ -11503,35 +11913,35 @@
               <a:buChar char="-"/>
             </a:pPr>
             <a:r>
-              <a:rPr lang="ko-KR" altLang="en-US" dirty="0" smtClean="0"/>
+              <a:rPr lang="ko-KR" altLang="en-US" dirty="0"/>
               <a:t>메서드 내부에서 해당 크기만큼의 배열을 생성한 뒤</a:t>
             </a:r>
             <a:r>
-              <a:rPr lang="en-US" altLang="ko-KR" dirty="0" smtClean="0"/>
+              <a:rPr lang="en-US" altLang="ko-KR" dirty="0"/>
               <a:t>, </a:t>
             </a:r>
             <a:r>
-              <a:rPr lang="ko-KR" altLang="en-US" dirty="0" smtClean="0"/>
+              <a:rPr lang="ko-KR" altLang="en-US" dirty="0"/>
               <a:t>요소를 </a:t>
             </a:r>
             <a:r>
-              <a:rPr lang="en-US" altLang="ko-KR" b="1" dirty="0" smtClean="0"/>
+              <a:rPr lang="en-US" altLang="ko-KR" b="1" dirty="0"/>
               <a:t>1</a:t>
             </a:r>
             <a:r>
-              <a:rPr lang="ko-KR" altLang="en-US" b="1" dirty="0" smtClean="0"/>
+              <a:rPr lang="ko-KR" altLang="en-US" b="1" dirty="0"/>
               <a:t>부터 크기만큼 순서대로 채워 넣기</a:t>
             </a:r>
             <a:r>
-              <a:rPr lang="en-US" altLang="ko-KR" b="1" dirty="0" smtClean="0"/>
+              <a:rPr lang="en-US" altLang="ko-KR" b="1" dirty="0"/>
               <a:t>. (</a:t>
             </a:r>
             <a:r>
-              <a:rPr lang="ko-KR" altLang="en-US" b="1" dirty="0" smtClean="0"/>
+              <a:rPr lang="ko-KR" altLang="en-US" b="1" dirty="0"/>
               <a:t>출력</a:t>
             </a:r>
             <a:r>
-              <a:rPr lang="en-US" altLang="ko-KR" b="1" dirty="0" smtClean="0"/>
+              <a:rPr lang="en-US" altLang="ko-KR" b="1" dirty="0"/>
               <a:t>)</a:t>
             </a:r>
           </a:p>
@@ -11541,27 +11951,27 @@
               <a:buChar char="-"/>
             </a:pPr>
             <a:r>
-              <a:rPr lang="ko-KR" altLang="en-US" dirty="0" smtClean="0"/>
+              <a:rPr lang="ko-KR" altLang="en-US" dirty="0"/>
               <a:t>예</a:t>
             </a:r>
             <a:r>
-              <a:rPr lang="en-US" altLang="ko-KR" dirty="0" smtClean="0"/>
+              <a:rPr lang="en-US" altLang="ko-KR" dirty="0"/>
               <a:t>) </a:t>
             </a:r>
             <a:r>
-              <a:rPr lang="ko-KR" altLang="en-US" dirty="0" smtClean="0"/>
+              <a:rPr lang="ko-KR" altLang="en-US" dirty="0"/>
               <a:t>크기 </a:t>
             </a:r>
             <a:r>
-              <a:rPr lang="en-US" altLang="ko-KR" dirty="0" smtClean="0"/>
+              <a:rPr lang="en-US" altLang="ko-KR" dirty="0"/>
               <a:t>3</a:t>
             </a:r>
             <a:r>
-              <a:rPr lang="ko-KR" altLang="en-US" dirty="0" smtClean="0"/>
+              <a:rPr lang="ko-KR" altLang="en-US" dirty="0"/>
               <a:t>이면 </a:t>
             </a:r>
             <a:r>
-              <a:rPr lang="en-US" altLang="ko-KR" dirty="0" smtClean="0"/>
+              <a:rPr lang="en-US" altLang="ko-KR" dirty="0"/>
               <a:t>[1, 2, 3]</a:t>
             </a:r>
           </a:p>
@@ -11575,22 +11985,18 @@
           <a:p>
             <a:r>
               <a:rPr lang="en-US" altLang="ko-KR" b="1" dirty="0"/>
-              <a:t>GitHub Repo. </a:t>
-            </a:r>
-            <a:r>
-              <a:rPr lang="en-US" altLang="ko-KR" b="1" dirty="0" smtClean="0"/>
-              <a:t>URL</a:t>
-            </a:r>
-            <a:r>
-              <a:rPr lang="ko-KR" altLang="en-US" dirty="0" smtClean="0"/>
+              <a:t>GitHub Repo. URL</a:t>
+            </a:r>
+            <a:r>
+              <a:rPr lang="ko-KR" altLang="en-US" dirty="0"/>
               <a:t>과 </a:t>
             </a:r>
             <a:r>
-              <a:rPr lang="ko-KR" altLang="en-US" b="1" dirty="0" smtClean="0"/>
+              <a:rPr lang="ko-KR" altLang="en-US" b="1" dirty="0"/>
               <a:t>결과 창</a:t>
             </a:r>
             <a:r>
-              <a:rPr lang="ko-KR" altLang="en-US" dirty="0" smtClean="0"/>
+              <a:rPr lang="ko-KR" altLang="en-US" dirty="0"/>
               <a:t>을 </a:t>
             </a:r>
             <a:r>
@@ -11750,10 +12156,9 @@
               </a:lnSpc>
             </a:pPr>
             <a:r>
-              <a:rPr lang="ko-KR" altLang="en-US" dirty="0" smtClean="0"/>
+              <a:rPr lang="ko-KR" altLang="en-US" dirty="0"/>
               <a:t>예외처리</a:t>
             </a:r>
-            <a:endParaRPr lang="ko-KR" altLang="en-US" dirty="0"/>
           </a:p>
         </p:txBody>
       </p:sp>

--- a/material/13_CSharp_심화문법 (예외처리).pptx
+++ b/material/13_CSharp_심화문법 (예외처리).pptx
@@ -32,21 +32,21 @@
   <p:notesSz cx="6858000" cy="9144000"/>
   <p:embeddedFontLst>
     <p:embeddedFont>
-      <p:font typeface="Pretendard" panose="020B0600000101010101" charset="-127"/>
+      <p:font typeface="Pretendard GOV" panose="020B0600000101010101" charset="-127"/>
       <p:regular r:id="rId20"/>
       <p:bold r:id="rId21"/>
     </p:embeddedFont>
     <p:embeddedFont>
-      <p:font typeface="Pretendard Black" panose="020B0600000101010101" charset="-127"/>
-      <p:bold r:id="rId22"/>
+      <p:font typeface="맑은 고딕" panose="020B0503020000020004" pitchFamily="50" charset="-127"/>
+      <p:regular r:id="rId22"/>
+      <p:bold r:id="rId23"/>
     </p:embeddedFont>
     <p:embeddedFont>
-      <p:font typeface="Pretendard GOV" panose="02000503000000020004" pitchFamily="2" charset="-127"/>
-      <p:regular r:id="rId23"/>
+      <p:font typeface="Pretendard Black" panose="02000A03000000020004" pitchFamily="2" charset="-127"/>
       <p:bold r:id="rId24"/>
     </p:embeddedFont>
     <p:embeddedFont>
-      <p:font typeface="맑은 고딕" panose="020B0503020000020004" pitchFamily="50" charset="-127"/>
+      <p:font typeface="Pretendard" panose="02000503000000020004" pitchFamily="2" charset="-127"/>
       <p:regular r:id="rId25"/>
       <p:bold r:id="rId26"/>
     </p:embeddedFont>
@@ -251,7 +251,7 @@
           <a:p>
             <a:fld id="{44612780-EE93-46C5-A77E-0A0B4C0978AF}" type="datetimeFigureOut">
               <a:rPr lang="ko-KR" altLang="en-US" smtClean="0"/>
-              <a:t>2025-05-14</a:t>
+              <a:t>2025-06-08</a:t>
             </a:fld>
             <a:endParaRPr lang="ko-KR" altLang="en-US"/>
           </a:p>
@@ -428,7 +428,7 @@
           <a:p>
             <a:fld id="{2EF3F159-7250-4DD4-91C2-13B35D56E1AF}" type="datetimeFigureOut">
               <a:rPr lang="ko-KR" altLang="en-US" smtClean="0"/>
-              <a:t>2025-05-14</a:t>
+              <a:t>2025-06-08</a:t>
             </a:fld>
             <a:endParaRPr lang="ko-KR" altLang="en-US"/>
           </a:p>
@@ -826,192 +826,6 @@
           <a:bodyPr/>
           <a:lstStyle/>
           <a:p>
-            <a:r>
-              <a:rPr lang="ko-KR" altLang="en-US" dirty="0"/>
-              <a:t>왼쪽은 “오류만 막는 기본형 </a:t>
-            </a:r>
-            <a:r>
-              <a:rPr lang="en-US" altLang="ko-KR" dirty="0"/>
-              <a:t>catch”,</a:t>
-            </a:r>
-            <a:br>
-              <a:rPr lang="en-US" altLang="ko-KR" dirty="0"/>
-            </a:br>
-            <a:r>
-              <a:rPr lang="ko-KR" altLang="en-US" dirty="0"/>
-              <a:t>오른쪽은 “오류 메시지까지 보여주는 정석적인 </a:t>
-            </a:r>
-            <a:r>
-              <a:rPr lang="en-US" altLang="ko-KR" dirty="0"/>
-              <a:t>catch(Exception ex)” </a:t>
-            </a:r>
-            <a:r>
-              <a:rPr lang="ko-KR" altLang="en-US" dirty="0"/>
-              <a:t>사용 예시입니다</a:t>
-            </a:r>
-            <a:r>
-              <a:rPr lang="en-US" altLang="ko-KR" dirty="0"/>
-              <a:t>.</a:t>
-            </a:r>
-          </a:p>
-          <a:p>
-            <a:endParaRPr lang="en-US" altLang="ko-KR" dirty="0"/>
-          </a:p>
-          <a:p>
-            <a:r>
-              <a:rPr lang="ko-KR" altLang="en-US" dirty="0"/>
-              <a:t>왼쪽</a:t>
-            </a:r>
-            <a:endParaRPr lang="en-US" altLang="ko-KR" dirty="0"/>
-          </a:p>
-          <a:p>
-            <a:r>
-              <a:rPr lang="en-US" altLang="ko-KR" dirty="0"/>
-              <a:t>catch</a:t>
-            </a:r>
-            <a:r>
-              <a:rPr lang="ko-KR" altLang="en-US" dirty="0"/>
-              <a:t>에 예외 타입이 없기 때문에 </a:t>
-            </a:r>
-            <a:r>
-              <a:rPr lang="ko-KR" altLang="en-US" b="1" dirty="0"/>
-              <a:t>어떤 </a:t>
-            </a:r>
-            <a:r>
-              <a:rPr lang="ko-KR" altLang="en-US" b="1" dirty="0" err="1"/>
-              <a:t>예외든</a:t>
-            </a:r>
-            <a:r>
-              <a:rPr lang="ko-KR" altLang="en-US" b="1" dirty="0"/>
-              <a:t> 무조건 이 블록에서 처리</a:t>
-            </a:r>
-            <a:r>
-              <a:rPr lang="ko-KR" altLang="en-US" dirty="0"/>
-              <a:t>합니다</a:t>
-            </a:r>
-            <a:r>
-              <a:rPr lang="en-US" altLang="ko-KR" dirty="0"/>
-              <a:t>.</a:t>
-            </a:r>
-          </a:p>
-          <a:p>
-            <a:r>
-              <a:rPr lang="en-US" altLang="ko-KR" dirty="0"/>
-              <a:t>catch</a:t>
-            </a:r>
-            <a:r>
-              <a:rPr lang="ko-KR" altLang="en-US" dirty="0"/>
-              <a:t>만 쓰면 다른 </a:t>
-            </a:r>
-            <a:r>
-              <a:rPr lang="en-US" altLang="ko-KR" dirty="0"/>
-              <a:t>catch </a:t>
-            </a:r>
-            <a:r>
-              <a:rPr lang="ko-KR" altLang="en-US" dirty="0"/>
-              <a:t>못 씀</a:t>
-            </a:r>
-            <a:endParaRPr lang="en-US" altLang="ko-KR" dirty="0"/>
-          </a:p>
-          <a:p>
-            <a:r>
-              <a:rPr lang="ko-KR" altLang="en-US" dirty="0"/>
-              <a:t>단순 처리용</a:t>
-            </a:r>
-            <a:endParaRPr lang="en-US" altLang="ko-KR" dirty="0"/>
-          </a:p>
-          <a:p>
-            <a:endParaRPr lang="en-US" altLang="ko-KR" dirty="0"/>
-          </a:p>
-          <a:p>
-            <a:r>
-              <a:rPr lang="ko-KR" altLang="en-US" dirty="0"/>
-              <a:t>오른쪽</a:t>
-            </a:r>
-            <a:endParaRPr lang="en-US" altLang="ko-KR" dirty="0"/>
-          </a:p>
-          <a:p>
-            <a:r>
-              <a:rPr lang="en-US" altLang="ko-KR" dirty="0"/>
-              <a:t>catch (Exception ex)</a:t>
-            </a:r>
-            <a:r>
-              <a:rPr lang="ko-KR" altLang="en-US" dirty="0"/>
-              <a:t>는 </a:t>
-            </a:r>
-            <a:r>
-              <a:rPr lang="ko-KR" altLang="en-US" b="1" dirty="0"/>
-              <a:t>예외 정보를 담은 객체 </a:t>
-            </a:r>
-            <a:r>
-              <a:rPr lang="en-US" altLang="ko-KR" b="1" dirty="0"/>
-              <a:t>ex</a:t>
-            </a:r>
-            <a:r>
-              <a:rPr lang="ko-KR" altLang="en-US" b="1" dirty="0"/>
-              <a:t>를 사용</a:t>
-            </a:r>
-            <a:r>
-              <a:rPr lang="ko-KR" altLang="en-US" dirty="0"/>
-              <a:t>할 수 있음</a:t>
-            </a:r>
-          </a:p>
-          <a:p>
-            <a:r>
-              <a:rPr lang="en-US" altLang="ko-KR" dirty="0" err="1"/>
-              <a:t>ex.Message</a:t>
-            </a:r>
-            <a:r>
-              <a:rPr lang="ko-KR" altLang="en-US" dirty="0"/>
-              <a:t>를 통해 예외의 정확한 메시지를 사용자에게 보여줄 수 있음</a:t>
-            </a:r>
-            <a:endParaRPr lang="en-US" altLang="ko-KR" dirty="0"/>
-          </a:p>
-          <a:p>
-            <a:r>
-              <a:rPr lang="en-US" altLang="ko-KR" dirty="0"/>
-              <a:t>catch (Exception)</a:t>
-            </a:r>
-            <a:r>
-              <a:rPr lang="ko-KR" altLang="en-US" dirty="0"/>
-              <a:t>과 다른 </a:t>
-            </a:r>
-            <a:r>
-              <a:rPr lang="en-US" altLang="ko-KR" dirty="0"/>
-              <a:t>catch </a:t>
-            </a:r>
-            <a:r>
-              <a:rPr lang="ko-KR" altLang="en-US" dirty="0"/>
-              <a:t>조합 가능 </a:t>
-            </a:r>
-            <a:r>
-              <a:rPr lang="en-US" altLang="ko-KR" dirty="0"/>
-              <a:t>(</a:t>
-            </a:r>
-            <a:r>
-              <a:rPr lang="ko-KR" altLang="en-US" dirty="0"/>
-              <a:t>단</a:t>
-            </a:r>
-            <a:r>
-              <a:rPr lang="en-US" altLang="ko-KR" dirty="0"/>
-              <a:t>, </a:t>
-            </a:r>
-            <a:r>
-              <a:rPr lang="ko-KR" altLang="en-US" dirty="0"/>
-              <a:t>순서 주의</a:t>
-            </a:r>
-            <a:r>
-              <a:rPr lang="en-US" altLang="ko-KR" dirty="0"/>
-              <a:t>)</a:t>
-            </a:r>
-          </a:p>
-          <a:p>
-            <a:r>
-              <a:rPr lang="ko-KR" altLang="en-US" dirty="0"/>
-              <a:t>예외 상세 정보 필요 시 사용</a:t>
-            </a:r>
-          </a:p>
-          <a:p>
             <a:endParaRPr lang="ko-KR" altLang="en-US" dirty="0"/>
           </a:p>
         </p:txBody>
@@ -1096,167 +910,6 @@
           <a:bodyPr/>
           <a:lstStyle/>
           <a:p>
-            <a:r>
-              <a:rPr lang="ko-KR" altLang="en-US" dirty="0"/>
-              <a:t>모든 예외는 </a:t>
-            </a:r>
-            <a:r>
-              <a:rPr lang="en-US" altLang="ko-KR" dirty="0" err="1"/>
-              <a:t>System.Exception</a:t>
-            </a:r>
-            <a:r>
-              <a:rPr lang="en-US" altLang="ko-KR" dirty="0"/>
-              <a:t> </a:t>
-            </a:r>
-            <a:r>
-              <a:rPr lang="ko-KR" altLang="en-US" dirty="0"/>
-              <a:t>클래스를 </a:t>
-            </a:r>
-            <a:r>
-              <a:rPr lang="ko-KR" altLang="en-US" b="1" dirty="0"/>
-              <a:t>상속</a:t>
-            </a:r>
-            <a:r>
-              <a:rPr lang="ko-KR" altLang="en-US" dirty="0"/>
-              <a:t>받은 클래스입니다</a:t>
-            </a:r>
-            <a:r>
-              <a:rPr lang="en-US" altLang="ko-KR" dirty="0"/>
-              <a:t>.</a:t>
-            </a:r>
-          </a:p>
-          <a:p>
-            <a:r>
-              <a:rPr lang="ko-KR" altLang="en-US" dirty="0"/>
-              <a:t>자주 사용되는 예외 클래스</a:t>
-            </a:r>
-            <a:r>
-              <a:rPr lang="en-US" altLang="ko-KR" dirty="0"/>
-              <a:t>:</a:t>
-            </a:r>
-          </a:p>
-          <a:p>
-            <a:r>
-              <a:rPr lang="en-US" altLang="ko-KR" dirty="0" err="1"/>
-              <a:t>DivideByZeroException</a:t>
-            </a:r>
-            <a:r>
-              <a:rPr lang="en-US" altLang="ko-KR" dirty="0"/>
-              <a:t> : 0</a:t>
-            </a:r>
-            <a:r>
-              <a:rPr lang="ko-KR" altLang="en-US" dirty="0"/>
-              <a:t>으로 나누었을 때</a:t>
-            </a:r>
-          </a:p>
-          <a:p>
-            <a:r>
-              <a:rPr lang="en-US" altLang="ko-KR" dirty="0" err="1"/>
-              <a:t>FormatException</a:t>
-            </a:r>
-            <a:r>
-              <a:rPr lang="en-US" altLang="ko-KR" dirty="0"/>
-              <a:t> : </a:t>
-            </a:r>
-            <a:r>
-              <a:rPr lang="ko-KR" altLang="en-US" dirty="0"/>
-              <a:t>잘못된 형식의 입력</a:t>
-            </a:r>
-          </a:p>
-          <a:p>
-            <a:r>
-              <a:rPr lang="en-US" altLang="ko-KR" dirty="0" err="1"/>
-              <a:t>NullReferenceException</a:t>
-            </a:r>
-            <a:r>
-              <a:rPr lang="en-US" altLang="ko-KR" dirty="0"/>
-              <a:t> : null </a:t>
-            </a:r>
-            <a:r>
-              <a:rPr lang="ko-KR" altLang="en-US" dirty="0"/>
-              <a:t>객체에 접근했을 때</a:t>
-            </a:r>
-          </a:p>
-          <a:p>
-            <a:endParaRPr lang="en-US" altLang="ko-KR" dirty="0"/>
-          </a:p>
-          <a:p>
-            <a:r>
-              <a:rPr lang="ko-KR" altLang="en-US" dirty="0"/>
-              <a:t>대표적인 </a:t>
-            </a:r>
-            <a:r>
-              <a:rPr lang="en-US" altLang="ko-KR" dirty="0"/>
-              <a:t>"</a:t>
-            </a:r>
-            <a:r>
-              <a:rPr lang="ko-KR" altLang="en-US" dirty="0"/>
-              <a:t>거의 쓰이지 않거나 </a:t>
-            </a:r>
-            <a:r>
-              <a:rPr lang="ko-KR" altLang="en-US" dirty="0" err="1"/>
-              <a:t>비권장</a:t>
-            </a:r>
-            <a:r>
-              <a:rPr lang="en-US" altLang="ko-KR" dirty="0"/>
-              <a:t>" </a:t>
-            </a:r>
-            <a:r>
-              <a:rPr lang="ko-KR" altLang="en-US" dirty="0"/>
-              <a:t>예외들 </a:t>
-            </a:r>
-            <a:r>
-              <a:rPr lang="en-US" altLang="ko-KR" dirty="0"/>
-              <a:t>(.NET 4.5 </a:t>
-            </a:r>
-            <a:r>
-              <a:rPr lang="ko-KR" altLang="en-US" dirty="0"/>
-              <a:t>이후</a:t>
-            </a:r>
-            <a:r>
-              <a:rPr lang="en-US" altLang="ko-KR" dirty="0"/>
-              <a:t>)</a:t>
-            </a:r>
-          </a:p>
-          <a:p>
-            <a:r>
-              <a:rPr lang="en-US" altLang="ko-KR" dirty="0" err="1"/>
-              <a:t>SystemException</a:t>
-            </a:r>
-            <a:endParaRPr lang="en-US" altLang="ko-KR" dirty="0"/>
-          </a:p>
-          <a:p>
-            <a:r>
-              <a:rPr lang="en-US" altLang="ko-KR" dirty="0"/>
-              <a:t>:CLR</a:t>
-            </a:r>
-            <a:r>
-              <a:rPr lang="ko-KR" altLang="en-US" dirty="0"/>
-              <a:t>에서 내부적으로 사용하는 예외의 베이스 클래스</a:t>
-            </a:r>
-            <a:r>
-              <a:rPr lang="en-US" altLang="ko-KR" dirty="0"/>
-              <a:t>. </a:t>
-            </a:r>
-            <a:r>
-              <a:rPr lang="ko-KR" altLang="en-US" dirty="0"/>
-              <a:t>개발자가 직접 이 클래스를 상속하여 예외를 만들지는 않음</a:t>
-            </a:r>
-            <a:endParaRPr lang="en-US" altLang="ko-KR" dirty="0"/>
-          </a:p>
-          <a:p>
-            <a:r>
-              <a:rPr lang="en-US" altLang="ko-KR" dirty="0"/>
-              <a:t>:</a:t>
-            </a:r>
-            <a:r>
-              <a:rPr lang="ko-KR" altLang="en-US" dirty="0"/>
-              <a:t>❌ 직접 사용 </a:t>
-            </a:r>
-            <a:r>
-              <a:rPr lang="ko-KR" altLang="en-US" dirty="0" err="1"/>
-              <a:t>비권장</a:t>
-            </a:r>
             <a:endParaRPr lang="ko-KR" altLang="en-US" dirty="0"/>
           </a:p>
         </p:txBody>
@@ -1341,24 +994,6 @@
           <a:bodyPr/>
           <a:lstStyle/>
           <a:p>
-            <a:r>
-              <a:rPr lang="en-US" altLang="ko-KR" dirty="0" err="1"/>
-              <a:t>ConsoleAppException</a:t>
-            </a:r>
-            <a:endParaRPr lang="en-US" altLang="ko-KR" dirty="0"/>
-          </a:p>
-          <a:p>
-            <a:endParaRPr lang="en-US" altLang="ko-KR" dirty="0"/>
-          </a:p>
-          <a:p>
-            <a:r>
-              <a:rPr lang="ko-KR" altLang="en-US" dirty="0"/>
-              <a:t>실습 문제 너무 어렵다고 판단</a:t>
-            </a:r>
-            <a:r>
-              <a:rPr lang="en-US" altLang="ko-KR" dirty="0"/>
-              <a:t>!..</a:t>
-            </a:r>
             <a:endParaRPr lang="ko-KR" altLang="en-US" dirty="0"/>
           </a:p>
         </p:txBody>
@@ -1611,47 +1246,6 @@
           <a:bodyPr/>
           <a:lstStyle/>
           <a:p>
-            <a:r>
-              <a:rPr lang="en-US" altLang="ko-KR" b="1" dirty="0"/>
-              <a:t>static </a:t>
-            </a:r>
-            <a:r>
-              <a:rPr lang="ko-KR" altLang="en-US" b="1" dirty="0"/>
-              <a:t>키워드</a:t>
-            </a:r>
-            <a:r>
-              <a:rPr lang="ko-KR" altLang="en-US" dirty="0"/>
-              <a:t>는 </a:t>
-            </a:r>
-            <a:r>
-              <a:rPr lang="en-US" altLang="ko-KR" dirty="0"/>
-              <a:t>"</a:t>
-            </a:r>
-            <a:r>
-              <a:rPr lang="ko-KR" altLang="en-US" dirty="0"/>
-              <a:t>클래스의 인스턴스를 만들지 않고도 사용할 수 있다</a:t>
-            </a:r>
-            <a:r>
-              <a:rPr lang="en-US" altLang="ko-KR" dirty="0"/>
-              <a:t>"</a:t>
-            </a:r>
-            <a:r>
-              <a:rPr lang="ko-KR" altLang="en-US" dirty="0"/>
-              <a:t>는 뜻입니다</a:t>
-            </a:r>
-            <a:endParaRPr lang="en-US" altLang="ko-KR" dirty="0"/>
-          </a:p>
-          <a:p>
-            <a:r>
-              <a:rPr lang="ko-KR" altLang="en-US" dirty="0"/>
-              <a:t>공유 자원</a:t>
-            </a:r>
-            <a:r>
-              <a:rPr lang="en-US" altLang="ko-KR" dirty="0"/>
-              <a:t>.</a:t>
-            </a:r>
-          </a:p>
-          <a:p>
             <a:endParaRPr lang="ko-KR" altLang="en-US" dirty="0"/>
           </a:p>
         </p:txBody>
@@ -1820,57 +1414,6 @@
           <a:bodyPr/>
           <a:lstStyle/>
           <a:p>
-            <a:r>
-              <a:rPr lang="ko-KR" altLang="en-US" dirty="0"/>
-              <a:t>하지만 값 타입이 클 경우</a:t>
-            </a:r>
-            <a:r>
-              <a:rPr lang="en-US" altLang="ko-KR" dirty="0"/>
-              <a:t>(</a:t>
-            </a:r>
-            <a:r>
-              <a:rPr lang="ko-KR" altLang="en-US" dirty="0"/>
-              <a:t>예</a:t>
-            </a:r>
-            <a:r>
-              <a:rPr lang="en-US" altLang="ko-KR" dirty="0"/>
-              <a:t>: struct </a:t>
-            </a:r>
-            <a:r>
-              <a:rPr lang="ko-KR" altLang="en-US" dirty="0"/>
-              <a:t>구조체가 크면</a:t>
-            </a:r>
-            <a:r>
-              <a:rPr lang="en-US" altLang="ko-KR" dirty="0"/>
-              <a:t>), </a:t>
-            </a:r>
-            <a:r>
-              <a:rPr lang="ko-KR" altLang="en-US" dirty="0"/>
-              <a:t>복사 비용이 크므로</a:t>
-            </a:r>
-            <a:br>
-              <a:rPr lang="ko-KR" altLang="en-US" dirty="0"/>
-            </a:br>
-            <a:r>
-              <a:rPr lang="en-US" altLang="ko-KR" dirty="0"/>
-              <a:t>ref</a:t>
-            </a:r>
-            <a:r>
-              <a:rPr lang="ko-KR" altLang="en-US" dirty="0"/>
-              <a:t>를 사용하면 </a:t>
-            </a:r>
-            <a:r>
-              <a:rPr lang="ko-KR" altLang="en-US" b="1" dirty="0"/>
-              <a:t>불필요한 복사를 피해서 메모리 효율 향상</a:t>
-            </a:r>
-            <a:r>
-              <a:rPr lang="ko-KR" altLang="en-US" dirty="0"/>
-              <a:t>도 가능합니다</a:t>
-            </a:r>
-            <a:r>
-              <a:rPr lang="en-US" altLang="ko-KR" dirty="0"/>
-              <a:t>.</a:t>
-            </a:r>
             <a:endParaRPr lang="ko-KR" altLang="en-US" dirty="0"/>
           </a:p>
         </p:txBody>
@@ -2293,360 +1836,6 @@
         <p:txBody>
           <a:bodyPr/>
           <a:lstStyle/>
-          <a:p>
-            <a:r>
-              <a:rPr lang="ko-KR" altLang="en-US" dirty="0"/>
-              <a:t>기본 구조</a:t>
-            </a:r>
-            <a:endParaRPr lang="en-US" altLang="ko-KR" dirty="0"/>
-          </a:p>
-          <a:p>
-            <a:r>
-              <a:rPr lang="ko-KR" altLang="en-US" b="1" dirty="0"/>
-              <a:t>🔹 </a:t>
-            </a:r>
-            <a:r>
-              <a:rPr lang="en-US" altLang="ko-KR" b="1" dirty="0"/>
-              <a:t>1. try </a:t>
-            </a:r>
-            <a:r>
-              <a:rPr lang="ko-KR" altLang="en-US" b="1" dirty="0"/>
-              <a:t>블록</a:t>
-            </a:r>
-          </a:p>
-          <a:p>
-            <a:r>
-              <a:rPr lang="ko-KR" altLang="en-US" dirty="0"/>
-              <a:t>예외가 발생할 </a:t>
-            </a:r>
-            <a:r>
-              <a:rPr lang="ko-KR" altLang="en-US" b="1" dirty="0"/>
-              <a:t>가능성이 있는</a:t>
-            </a:r>
-            <a:r>
-              <a:rPr lang="ko-KR" altLang="en-US" dirty="0"/>
-              <a:t> 코드를 넣습니다</a:t>
-            </a:r>
-            <a:r>
-              <a:rPr lang="en-US" altLang="ko-KR" dirty="0"/>
-              <a:t>.</a:t>
-            </a:r>
-          </a:p>
-          <a:p>
-            <a:r>
-              <a:rPr lang="ko-KR" altLang="en-US" dirty="0"/>
-              <a:t>문제없이 실행되면 </a:t>
-            </a:r>
-            <a:r>
-              <a:rPr lang="en-US" altLang="ko-KR" dirty="0"/>
-              <a:t>catch</a:t>
-            </a:r>
-            <a:r>
-              <a:rPr lang="ko-KR" altLang="en-US" dirty="0"/>
-              <a:t>나 </a:t>
-            </a:r>
-            <a:r>
-              <a:rPr lang="en-US" altLang="ko-KR" dirty="0"/>
-              <a:t>finally</a:t>
-            </a:r>
-            <a:r>
-              <a:rPr lang="ko-KR" altLang="en-US" dirty="0"/>
-              <a:t>로 가지 않고 종료됩니다</a:t>
-            </a:r>
-            <a:r>
-              <a:rPr lang="en-US" altLang="ko-KR" dirty="0"/>
-              <a:t>.</a:t>
-            </a:r>
-          </a:p>
-          <a:p>
-            <a:r>
-              <a:rPr lang="ko-KR" altLang="en-US" b="1" dirty="0"/>
-              <a:t>예외가 발생하면 </a:t>
-            </a:r>
-            <a:r>
-              <a:rPr lang="en-US" altLang="ko-KR" b="1" dirty="0"/>
-              <a:t>catch</a:t>
-            </a:r>
-            <a:r>
-              <a:rPr lang="ko-KR" altLang="en-US" b="1" dirty="0"/>
-              <a:t>로 넘어갑니다</a:t>
-            </a:r>
-            <a:r>
-              <a:rPr lang="en-US" altLang="ko-KR" b="1" dirty="0"/>
-              <a:t>.</a:t>
-            </a:r>
-          </a:p>
-          <a:p>
-            <a:endParaRPr lang="en-US" altLang="ko-KR" b="1" dirty="0"/>
-          </a:p>
-          <a:p>
-            <a:r>
-              <a:rPr lang="en-US" altLang="ko-KR" dirty="0"/>
-              <a:t>throw</a:t>
-            </a:r>
-            <a:r>
-              <a:rPr lang="ko-KR" altLang="en-US" dirty="0"/>
-              <a:t>는 예외를 </a:t>
-            </a:r>
-            <a:r>
-              <a:rPr lang="ko-KR" altLang="en-US" b="1" dirty="0"/>
-              <a:t>직접 발생시킬 때</a:t>
-            </a:r>
-            <a:r>
-              <a:rPr lang="ko-KR" altLang="en-US" dirty="0"/>
-              <a:t> 사용하는 키워드</a:t>
-            </a:r>
-            <a:endParaRPr lang="en-US" altLang="ko-KR" dirty="0"/>
-          </a:p>
-          <a:p>
-            <a:r>
-              <a:rPr lang="en-US" altLang="ko-KR" dirty="0"/>
-              <a:t>throw</a:t>
-            </a:r>
-            <a:r>
-              <a:rPr lang="ko-KR" altLang="en-US" dirty="0"/>
-              <a:t>는 </a:t>
-            </a:r>
-            <a:r>
-              <a:rPr lang="en-US" altLang="ko-KR" dirty="0"/>
-              <a:t>catch </a:t>
-            </a:r>
-            <a:r>
-              <a:rPr lang="ko-KR" altLang="en-US" dirty="0"/>
-              <a:t>없이도 예외를 발생시키는 것이며</a:t>
-            </a:r>
-            <a:r>
-              <a:rPr lang="en-US" altLang="ko-KR" dirty="0"/>
-              <a:t>,</a:t>
-            </a:r>
-            <a:br>
-              <a:rPr lang="en-US" altLang="ko-KR" dirty="0"/>
-            </a:br>
-            <a:r>
-              <a:rPr lang="ko-KR" altLang="en-US" dirty="0"/>
-              <a:t>이후에 </a:t>
-            </a:r>
-            <a:r>
-              <a:rPr lang="en-US" altLang="ko-KR" dirty="0"/>
-              <a:t>catch </a:t>
-            </a:r>
-            <a:r>
-              <a:rPr lang="ko-KR" altLang="en-US" dirty="0"/>
-              <a:t>블록이 있으면 예외를 처리하고</a:t>
-            </a:r>
-            <a:r>
-              <a:rPr lang="en-US" altLang="ko-KR" dirty="0"/>
-              <a:t>, </a:t>
-            </a:r>
-            <a:r>
-              <a:rPr lang="ko-KR" altLang="en-US" dirty="0"/>
-              <a:t>없으면 프로그램이 종료됩니다</a:t>
-            </a:r>
-            <a:r>
-              <a:rPr lang="en-US" altLang="ko-KR" dirty="0"/>
-              <a:t>.</a:t>
-            </a:r>
-            <a:endParaRPr lang="en-US" altLang="ko-KR" b="1" dirty="0"/>
-          </a:p>
-          <a:p>
-            <a:endParaRPr lang="ko-KR" altLang="en-US" dirty="0"/>
-          </a:p>
-          <a:p>
-            <a:r>
-              <a:rPr lang="ko-KR" altLang="en-US" b="1" dirty="0"/>
-              <a:t>🔹 </a:t>
-            </a:r>
-            <a:r>
-              <a:rPr lang="en-US" altLang="ko-KR" b="1" dirty="0"/>
-              <a:t>2. catch </a:t>
-            </a:r>
-            <a:r>
-              <a:rPr lang="ko-KR" altLang="en-US" b="1" dirty="0"/>
-              <a:t>블록</a:t>
-            </a:r>
-          </a:p>
-          <a:p>
-            <a:r>
-              <a:rPr lang="en-US" altLang="ko-KR" dirty="0"/>
-              <a:t>try</a:t>
-            </a:r>
-            <a:r>
-              <a:rPr lang="ko-KR" altLang="en-US" dirty="0"/>
-              <a:t>에서 예외가 발생했을 때 </a:t>
-            </a:r>
-            <a:r>
-              <a:rPr lang="ko-KR" altLang="en-US" b="1" dirty="0"/>
-              <a:t>해당 예외를 잡아서 처리</a:t>
-            </a:r>
-            <a:r>
-              <a:rPr lang="ko-KR" altLang="en-US" dirty="0"/>
-              <a:t>합니다</a:t>
-            </a:r>
-            <a:r>
-              <a:rPr lang="en-US" altLang="ko-KR" dirty="0"/>
-              <a:t>.</a:t>
-            </a:r>
-          </a:p>
-          <a:p>
-            <a:r>
-              <a:rPr lang="ko-KR" altLang="en-US" dirty="0"/>
-              <a:t>예외 정보를 받기 위해 </a:t>
-            </a:r>
-            <a:r>
-              <a:rPr lang="en-US" altLang="ko-KR" dirty="0"/>
-              <a:t>catch(Exception e)</a:t>
-            </a:r>
-            <a:r>
-              <a:rPr lang="ko-KR" altLang="en-US" dirty="0"/>
-              <a:t>처럼 매개변수를 줄 수 있습니다</a:t>
-            </a:r>
-            <a:r>
-              <a:rPr lang="en-US" altLang="ko-KR" dirty="0"/>
-              <a:t>.</a:t>
-            </a:r>
-          </a:p>
-          <a:p>
-            <a:r>
-              <a:rPr lang="ko-KR" altLang="en-US" dirty="0"/>
-              <a:t>다양한 예외 </a:t>
-            </a:r>
-            <a:r>
-              <a:rPr lang="ko-KR" altLang="en-US" dirty="0" err="1"/>
-              <a:t>타입별로</a:t>
-            </a:r>
-            <a:r>
-              <a:rPr lang="ko-KR" altLang="en-US" dirty="0"/>
-              <a:t> </a:t>
-            </a:r>
-            <a:r>
-              <a:rPr lang="en-US" altLang="ko-KR" dirty="0"/>
-              <a:t>catch</a:t>
-            </a:r>
-            <a:r>
-              <a:rPr lang="ko-KR" altLang="en-US" dirty="0"/>
-              <a:t>를 여러 개 작성할 수도 있습니다</a:t>
-            </a:r>
-            <a:r>
-              <a:rPr lang="en-US" altLang="ko-KR" dirty="0"/>
-              <a:t>.</a:t>
-            </a:r>
-          </a:p>
-          <a:p>
-            <a:r>
-              <a:rPr lang="ko-KR" altLang="en-US" dirty="0"/>
-              <a:t>모든 예외는 </a:t>
-            </a:r>
-            <a:r>
-              <a:rPr lang="en-US" altLang="ko-KR" dirty="0" err="1"/>
-              <a:t>System.Exception</a:t>
-            </a:r>
-            <a:r>
-              <a:rPr lang="en-US" altLang="ko-KR" dirty="0"/>
-              <a:t> </a:t>
-            </a:r>
-            <a:r>
-              <a:rPr lang="ko-KR" altLang="en-US" dirty="0"/>
-              <a:t>클래스를 </a:t>
-            </a:r>
-            <a:r>
-              <a:rPr lang="ko-KR" altLang="en-US" b="1" dirty="0"/>
-              <a:t>상속</a:t>
-            </a:r>
-            <a:r>
-              <a:rPr lang="ko-KR" altLang="en-US" dirty="0"/>
-              <a:t>받은 클래스</a:t>
-            </a:r>
-            <a:endParaRPr lang="en-US" altLang="ko-KR" dirty="0"/>
-          </a:p>
-          <a:p>
-            <a:r>
-              <a:rPr lang="ko-KR" altLang="en-US" b="1" dirty="0"/>
-              <a:t>🔹 </a:t>
-            </a:r>
-            <a:r>
-              <a:rPr lang="en-US" altLang="ko-KR" b="1" dirty="0"/>
-              <a:t>3. finally </a:t>
-            </a:r>
-            <a:r>
-              <a:rPr lang="ko-KR" altLang="en-US" b="1" dirty="0"/>
-              <a:t>블록 </a:t>
-            </a:r>
-            <a:r>
-              <a:rPr lang="en-US" altLang="ko-KR" b="1" dirty="0"/>
-              <a:t>(</a:t>
-            </a:r>
-            <a:r>
-              <a:rPr lang="ko-KR" altLang="en-US" b="1" dirty="0"/>
-              <a:t>선택사항</a:t>
-            </a:r>
-            <a:r>
-              <a:rPr lang="en-US" altLang="ko-KR" b="1" dirty="0"/>
-              <a:t>)</a:t>
-            </a:r>
-          </a:p>
-          <a:p>
-            <a:r>
-              <a:rPr lang="ko-KR" altLang="en-US" dirty="0"/>
-              <a:t>예외 발생 여부와 </a:t>
-            </a:r>
-            <a:r>
-              <a:rPr lang="ko-KR" altLang="en-US" b="1" dirty="0"/>
-              <a:t>상관없이 항상 실행</a:t>
-            </a:r>
-            <a:r>
-              <a:rPr lang="ko-KR" altLang="en-US" dirty="0"/>
-              <a:t>되는 블록입니다</a:t>
-            </a:r>
-            <a:r>
-              <a:rPr lang="en-US" altLang="ko-KR" dirty="0"/>
-              <a:t>.</a:t>
-            </a:r>
-          </a:p>
-          <a:p>
-            <a:r>
-              <a:rPr lang="ko-KR" altLang="en-US" dirty="0"/>
-              <a:t>주로 </a:t>
-            </a:r>
-            <a:r>
-              <a:rPr lang="ko-KR" altLang="en-US" b="1" dirty="0"/>
-              <a:t>정리 작업</a:t>
-            </a:r>
-            <a:r>
-              <a:rPr lang="en-US" altLang="ko-KR" dirty="0"/>
-              <a:t>, </a:t>
-            </a:r>
-            <a:r>
-              <a:rPr lang="ko-KR" altLang="en-US" dirty="0"/>
-              <a:t>리소스 해제 등에 사용됩니다</a:t>
-            </a:r>
-            <a:r>
-              <a:rPr lang="en-US" altLang="ko-KR" dirty="0"/>
-              <a:t>.</a:t>
-            </a:r>
-            <a:br>
-              <a:rPr lang="en-US" altLang="ko-KR" dirty="0"/>
-            </a:br>
-            <a:r>
-              <a:rPr lang="ko-KR" altLang="en-US" dirty="0"/>
-              <a:t>예</a:t>
-            </a:r>
-            <a:r>
-              <a:rPr lang="en-US" altLang="ko-KR" dirty="0"/>
-              <a:t>: </a:t>
-            </a:r>
-            <a:r>
-              <a:rPr lang="ko-KR" altLang="en-US" dirty="0"/>
-              <a:t>파일 닫기</a:t>
-            </a:r>
-            <a:r>
-              <a:rPr lang="en-US" altLang="ko-KR" dirty="0"/>
-              <a:t>, DB </a:t>
-            </a:r>
-            <a:r>
-              <a:rPr lang="ko-KR" altLang="en-US" dirty="0"/>
-              <a:t>연결 해제 등</a:t>
-            </a:r>
-          </a:p>
           <a:p>
             <a:endParaRPr lang="ko-KR" altLang="en-US" dirty="0"/>
           </a:p>
@@ -2829,7 +2018,7 @@
           <a:p>
             <a:fld id="{442BEE3F-2E9A-4FD8-8B8A-8619F3E161C0}" type="datetime1">
               <a:rPr lang="ko-KR" altLang="en-US" smtClean="0"/>
-              <a:t>2025-05-14</a:t>
+              <a:t>2025-06-08</a:t>
             </a:fld>
             <a:endParaRPr lang="ko-KR" altLang="en-US"/>
           </a:p>
@@ -3015,7 +2204,7 @@
           <a:p>
             <a:fld id="{2EAE422B-0E68-47B5-84BB-CA2BDA8EE46C}" type="datetime1">
               <a:rPr lang="ko-KR" altLang="en-US" smtClean="0"/>
-              <a:t>2025-05-14</a:t>
+              <a:t>2025-06-08</a:t>
             </a:fld>
             <a:endParaRPr lang="ko-KR" altLang="en-US"/>
           </a:p>
@@ -3223,7 +2412,7 @@
           <a:p>
             <a:fld id="{AF7C623F-179B-417F-99B6-50F6DF228D4B}" type="datetime1">
               <a:rPr lang="ko-KR" altLang="en-US" smtClean="0"/>
-              <a:t>2025-05-14</a:t>
+              <a:t>2025-06-08</a:t>
             </a:fld>
             <a:endParaRPr lang="ko-KR" altLang="en-US"/>
           </a:p>
@@ -3465,7 +2654,7 @@
           <a:p>
             <a:fld id="{0F78D9C4-20C1-4B15-A116-16DC77AD9A1E}" type="datetime1">
               <a:rPr lang="ko-KR" altLang="en-US" smtClean="0"/>
-              <a:t>2025-05-14</a:t>
+              <a:t>2025-06-08</a:t>
             </a:fld>
             <a:endParaRPr lang="ko-KR" altLang="en-US"/>
           </a:p>
@@ -3740,7 +2929,7 @@
           <a:p>
             <a:fld id="{C7F43723-C509-4DEA-8428-B50818F79709}" type="datetime1">
               <a:rPr lang="ko-KR" altLang="en-US" smtClean="0"/>
-              <a:t>2025-05-14</a:t>
+              <a:t>2025-06-08</a:t>
             </a:fld>
             <a:endParaRPr lang="ko-KR" altLang="en-US"/>
           </a:p>
@@ -4005,7 +3194,7 @@
           <a:p>
             <a:fld id="{5D2B7482-EE74-4DBD-97F4-D0DAC0C0E4E5}" type="datetime1">
               <a:rPr lang="ko-KR" altLang="en-US" smtClean="0"/>
-              <a:t>2025-05-14</a:t>
+              <a:t>2025-06-08</a:t>
             </a:fld>
             <a:endParaRPr lang="ko-KR" altLang="en-US"/>
           </a:p>
@@ -4418,7 +3607,7 @@
           <a:p>
             <a:fld id="{051A8C49-CED7-4A86-9B4A-621D7F62EE92}" type="datetime1">
               <a:rPr lang="ko-KR" altLang="en-US" smtClean="0"/>
-              <a:t>2025-05-14</a:t>
+              <a:t>2025-06-08</a:t>
             </a:fld>
             <a:endParaRPr lang="ko-KR" altLang="en-US"/>
           </a:p>
@@ -4565,7 +3754,7 @@
           <a:p>
             <a:fld id="{84082D76-7079-412D-848B-E1B9E7A6A286}" type="datetime1">
               <a:rPr lang="ko-KR" altLang="en-US" smtClean="0"/>
-              <a:t>2025-05-14</a:t>
+              <a:t>2025-06-08</a:t>
             </a:fld>
             <a:endParaRPr lang="ko-KR" altLang="en-US"/>
           </a:p>
@@ -4678,7 +3867,7 @@
           <a:p>
             <a:fld id="{10C5FEB5-5F88-4F49-9108-1795E314F09F}" type="datetime1">
               <a:rPr lang="ko-KR" altLang="en-US" smtClean="0"/>
-              <a:t>2025-05-14</a:t>
+              <a:t>2025-06-08</a:t>
             </a:fld>
             <a:endParaRPr lang="ko-KR" altLang="en-US"/>
           </a:p>
@@ -4989,7 +4178,7 @@
           <a:p>
             <a:fld id="{E37ABBEE-D8D4-48AD-9887-4DC578B8A684}" type="datetime1">
               <a:rPr lang="ko-KR" altLang="en-US" smtClean="0"/>
-              <a:t>2025-05-14</a:t>
+              <a:t>2025-06-08</a:t>
             </a:fld>
             <a:endParaRPr lang="ko-KR" altLang="en-US"/>
           </a:p>
@@ -5280,7 +4469,7 @@
           <a:p>
             <a:fld id="{A2D6A55C-F3DD-45DD-9D50-F8680410167D}" type="datetime1">
               <a:rPr lang="ko-KR" altLang="en-US" smtClean="0"/>
-              <a:t>2025-05-14</a:t>
+              <a:t>2025-06-08</a:t>
             </a:fld>
             <a:endParaRPr lang="ko-KR" altLang="en-US"/>
           </a:p>
@@ -5524,7 +4713,7 @@
             <a:fld id="{7F5E23C3-0E3D-4E4E-8486-D7FB4C073DC1}" type="datetime1">
               <a:rPr lang="ko-KR" altLang="en-US" smtClean="0"/>
               <a:pPr/>
-              <a:t>2025-05-14</a:t>
+              <a:t>2025-06-08</a:t>
             </a:fld>
             <a:endParaRPr lang="ko-KR" altLang="en-US" dirty="0"/>
           </a:p>
@@ -6046,7 +5235,7 @@
           <a:p>
             <a:fld id="{2E2BEDFA-D8AA-4914-9440-7DF713C99FA9}" type="datetime1">
               <a:rPr lang="ko-KR" altLang="en-US" smtClean="0"/>
-              <a:t>2025-05-14</a:t>
+              <a:t>2025-06-08</a:t>
             </a:fld>
             <a:endParaRPr lang="ko-KR" altLang="en-US"/>
           </a:p>
@@ -6300,7 +5489,7 @@
           <a:p>
             <a:fld id="{0F78D9C4-20C1-4B15-A116-16DC77AD9A1E}" type="datetime1">
               <a:rPr lang="ko-KR" altLang="en-US" smtClean="0"/>
-              <a:t>2025-05-14</a:t>
+              <a:t>2025-06-08</a:t>
             </a:fld>
             <a:endParaRPr lang="ko-KR" altLang="en-US"/>
           </a:p>
@@ -6604,7 +5793,7 @@
           <a:p>
             <a:fld id="{0F78D9C4-20C1-4B15-A116-16DC77AD9A1E}" type="datetime1">
               <a:rPr lang="ko-KR" altLang="en-US" smtClean="0"/>
-              <a:t>2025-05-14</a:t>
+              <a:t>2025-06-08</a:t>
             </a:fld>
             <a:endParaRPr lang="ko-KR" altLang="en-US"/>
           </a:p>
@@ -6749,7 +5938,7 @@
           <a:p>
             <a:fld id="{0F78D9C4-20C1-4B15-A116-16DC77AD9A1E}" type="datetime1">
               <a:rPr lang="ko-KR" altLang="en-US" smtClean="0"/>
-              <a:t>2025-05-14</a:t>
+              <a:t>2025-06-08</a:t>
             </a:fld>
             <a:endParaRPr lang="ko-KR" altLang="en-US"/>
           </a:p>
@@ -6954,7 +6143,7 @@
           <a:p>
             <a:fld id="{0F78D9C4-20C1-4B15-A116-16DC77AD9A1E}" type="datetime1">
               <a:rPr lang="ko-KR" altLang="en-US" smtClean="0"/>
-              <a:t>2025-05-14</a:t>
+              <a:t>2025-06-08</a:t>
             </a:fld>
             <a:endParaRPr lang="ko-KR" altLang="en-US"/>
           </a:p>
@@ -7340,6 +6529,10 @@
               <a:rPr lang="ko-KR" altLang="en-US" dirty="0"/>
               <a:t>에 복사하는 것이 가능</a:t>
             </a:r>
+            <a:r>
+              <a:rPr lang="en-US" altLang="ko-KR" dirty="0"/>
+              <a:t/>
+            </a:r>
             <a:br>
               <a:rPr lang="en-US" altLang="ko-KR" dirty="0"/>
             </a:br>
@@ -7543,7 +6736,7 @@
           <a:p>
             <a:fld id="{0F78D9C4-20C1-4B15-A116-16DC77AD9A1E}" type="datetime1">
               <a:rPr lang="ko-KR" altLang="en-US" smtClean="0"/>
-              <a:t>2025-05-14</a:t>
+              <a:t>2025-06-08</a:t>
             </a:fld>
             <a:endParaRPr lang="ko-KR" altLang="en-US"/>
           </a:p>
@@ -7588,6 +6781,14 @@
   <p:clrMapOvr>
     <a:masterClrMapping/>
   </p:clrMapOvr>
+  <mc:AlternateContent xmlns:mc="http://schemas.openxmlformats.org/markup-compatibility/2006">
+    <mc:Choice xmlns:p14="http://schemas.microsoft.com/office/powerpoint/2010/main" Requires="p14">
+      <p:transition spd="slow" p14:dur="2000"/>
+    </mc:Choice>
+    <mc:Fallback>
+      <p:transition spd="slow"/>
+    </mc:Fallback>
+  </mc:AlternateContent>
 </p:sld>
 </file>
 
@@ -8124,7 +7325,7 @@
           <a:p>
             <a:fld id="{0F78D9C4-20C1-4B15-A116-16DC77AD9A1E}" type="datetime1">
               <a:rPr lang="ko-KR" altLang="en-US" smtClean="0"/>
-              <a:t>2025-05-14</a:t>
+              <a:t>2025-06-08</a:t>
             </a:fld>
             <a:endParaRPr lang="ko-KR" altLang="en-US"/>
           </a:p>
@@ -8774,7 +7975,7 @@
           <a:p>
             <a:fld id="{0F78D9C4-20C1-4B15-A116-16DC77AD9A1E}" type="datetime1">
               <a:rPr lang="ko-KR" altLang="en-US" smtClean="0"/>
-              <a:t>2025-05-14</a:t>
+              <a:t>2025-06-08</a:t>
             </a:fld>
             <a:endParaRPr lang="ko-KR" altLang="en-US"/>
           </a:p>
@@ -9553,7 +8754,7 @@
           <a:p>
             <a:fld id="{0F78D9C4-20C1-4B15-A116-16DC77AD9A1E}" type="datetime1">
               <a:rPr lang="ko-KR" altLang="en-US" smtClean="0"/>
-              <a:t>2025-05-14</a:t>
+              <a:t>2025-06-08</a:t>
             </a:fld>
             <a:endParaRPr lang="ko-KR" altLang="en-US"/>
           </a:p>
@@ -9846,7 +9047,7 @@
           <a:p>
             <a:fld id="{0F78D9C4-20C1-4B15-A116-16DC77AD9A1E}" type="datetime1">
               <a:rPr lang="ko-KR" altLang="en-US" smtClean="0"/>
-              <a:t>2025-05-14</a:t>
+              <a:t>2025-06-08</a:t>
             </a:fld>
             <a:endParaRPr lang="ko-KR" altLang="en-US"/>
           </a:p>
@@ -10205,7 +9406,7 @@
           <a:p>
             <a:fld id="{0F78D9C4-20C1-4B15-A116-16DC77AD9A1E}" type="datetime1">
               <a:rPr lang="ko-KR" altLang="en-US" smtClean="0"/>
-              <a:t>2025-05-14</a:t>
+              <a:t>2025-06-08</a:t>
             </a:fld>
             <a:endParaRPr lang="ko-KR" altLang="en-US"/>
           </a:p>
@@ -10519,7 +9720,7 @@
           <a:p>
             <a:fld id="{0F78D9C4-20C1-4B15-A116-16DC77AD9A1E}" type="datetime1">
               <a:rPr lang="ko-KR" altLang="en-US" smtClean="0"/>
-              <a:t>2025-05-14</a:t>
+              <a:t>2025-06-08</a:t>
             </a:fld>
             <a:endParaRPr lang="ko-KR" altLang="en-US"/>
           </a:p>
@@ -11073,7 +10274,7 @@
           <a:p>
             <a:fld id="{0F78D9C4-20C1-4B15-A116-16DC77AD9A1E}" type="datetime1">
               <a:rPr lang="ko-KR" altLang="en-US" smtClean="0"/>
-              <a:t>2025-05-14</a:t>
+              <a:t>2025-06-08</a:t>
             </a:fld>
             <a:endParaRPr lang="ko-KR" altLang="en-US"/>
           </a:p>
@@ -11670,7 +10871,7 @@
           <a:p>
             <a:fld id="{0F78D9C4-20C1-4B15-A116-16DC77AD9A1E}" type="datetime1">
               <a:rPr lang="ko-KR" altLang="en-US" smtClean="0"/>
-              <a:t>2025-05-14</a:t>
+              <a:t>2025-06-08</a:t>
             </a:fld>
             <a:endParaRPr lang="ko-KR" altLang="en-US"/>
           </a:p>
@@ -12033,7 +11234,7 @@
           <a:p>
             <a:fld id="{0F78D9C4-20C1-4B15-A116-16DC77AD9A1E}" type="datetime1">
               <a:rPr lang="ko-KR" altLang="en-US" smtClean="0"/>
-              <a:t>2025-05-14</a:t>
+              <a:t>2025-06-08</a:t>
             </a:fld>
             <a:endParaRPr lang="ko-KR" altLang="en-US"/>
           </a:p>
@@ -12185,7 +11386,7 @@
           <a:p>
             <a:fld id="{2E2BEDFA-D8AA-4914-9440-7DF713C99FA9}" type="datetime1">
               <a:rPr lang="ko-KR" altLang="en-US" smtClean="0"/>
-              <a:t>2025-05-14</a:t>
+              <a:t>2025-06-08</a:t>
             </a:fld>
             <a:endParaRPr lang="ko-KR" altLang="en-US"/>
           </a:p>
